--- a/封装库&笔记/前端模块化分享/前端模块化.pptx
+++ b/封装库&笔记/前端模块化分享/前端模块化.pptx
@@ -1,41 +1,38 @@
 
 <file path=ppt/presentation.xml><?xml version="1.0" encoding="utf-8"?>
-<p:presentation xmlns:a="http://schemas.openxmlformats.org/drawingml/2006/main" xmlns:r="http://schemas.openxmlformats.org/officeDocument/2006/relationships" xmlns:p="http://schemas.openxmlformats.org/presentationml/2006/main" saveSubsetFonts="1">
+<p:presentation xmlns:a="http://schemas.openxmlformats.org/drawingml/2006/main" xmlns:r="http://schemas.openxmlformats.org/officeDocument/2006/relationships" xmlns:p="http://schemas.openxmlformats.org/presentationml/2006/main">
   <p:sldMasterIdLst>
     <p:sldMasterId id="2147483648" r:id="rId1"/>
   </p:sldMasterIdLst>
   <p:notesMasterIdLst>
-    <p:notesMasterId r:id="rId24"/>
+    <p:notesMasterId r:id="rId5"/>
   </p:notesMasterIdLst>
   <p:sldIdLst>
-    <p:sldId id="364" r:id="rId2"/>
-    <p:sldId id="423" r:id="rId3"/>
-    <p:sldId id="424" r:id="rId4"/>
-    <p:sldId id="425" r:id="rId5"/>
-    <p:sldId id="426" r:id="rId6"/>
-    <p:sldId id="427" r:id="rId7"/>
-    <p:sldId id="428" r:id="rId8"/>
-    <p:sldId id="430" r:id="rId9"/>
-    <p:sldId id="431" r:id="rId10"/>
-    <p:sldId id="432" r:id="rId11"/>
-    <p:sldId id="429" r:id="rId12"/>
-    <p:sldId id="436" r:id="rId13"/>
-    <p:sldId id="437" r:id="rId14"/>
-    <p:sldId id="433" r:id="rId15"/>
-    <p:sldId id="438" r:id="rId16"/>
-    <p:sldId id="434" r:id="rId17"/>
-    <p:sldId id="435" r:id="rId18"/>
-    <p:sldId id="443" r:id="rId19"/>
-    <p:sldId id="442" r:id="rId20"/>
-    <p:sldId id="368" r:id="rId21"/>
-    <p:sldId id="439" r:id="rId22"/>
-    <p:sldId id="440" r:id="rId23"/>
+    <p:sldId id="364" r:id="rId3"/>
+    <p:sldId id="423" r:id="rId4"/>
+    <p:sldId id="424" r:id="rId6"/>
+    <p:sldId id="425" r:id="rId7"/>
+    <p:sldId id="426" r:id="rId8"/>
+    <p:sldId id="427" r:id="rId9"/>
+    <p:sldId id="428" r:id="rId10"/>
+    <p:sldId id="430" r:id="rId11"/>
+    <p:sldId id="431" r:id="rId12"/>
+    <p:sldId id="432" r:id="rId13"/>
+    <p:sldId id="429" r:id="rId14"/>
+    <p:sldId id="436" r:id="rId15"/>
+    <p:sldId id="437" r:id="rId16"/>
+    <p:sldId id="433" r:id="rId17"/>
+    <p:sldId id="438" r:id="rId18"/>
+    <p:sldId id="434" r:id="rId19"/>
+    <p:sldId id="435" r:id="rId20"/>
+    <p:sldId id="443" r:id="rId21"/>
+    <p:sldId id="442" r:id="rId22"/>
+    <p:sldId id="368" r:id="rId23"/>
+    <p:sldId id="439" r:id="rId24"/>
+    <p:sldId id="440" r:id="rId25"/>
   </p:sldIdLst>
   <p:sldSz cx="9144000" cy="5143500" type="screen16x9"/>
   <p:notesSz cx="6858000" cy="9144000"/>
-  <p:custDataLst>
-    <p:tags r:id="rId25"/>
-  </p:custDataLst>
   <p:defaultTextStyle>
     <a:defPPr>
       <a:defRPr lang="zh-CN"/>
@@ -131,22 +128,6 @@
       </a:defRPr>
     </a:lvl9pPr>
   </p:defaultTextStyle>
-  <p:extLst>
-    <p:ext uri="{EFAFB233-063F-42B5-8137-9DF3F51BA10A}">
-      <p15:sldGuideLst xmlns:p15="http://schemas.microsoft.com/office/powerpoint/2012/main">
-        <p15:guide id="1" orient="horz" pos="1620">
-          <p15:clr>
-            <a:srgbClr val="A4A3A4"/>
-          </p15:clr>
-        </p15:guide>
-        <p15:guide id="2" pos="2880">
-          <p15:clr>
-            <a:srgbClr val="A4A3A4"/>
-          </p15:clr>
-        </p15:guide>
-      </p15:sldGuideLst>
-    </p:ext>
-  </p:extLst>
 </p:presentation>
 </file>
 
@@ -232,8 +213,6 @@
           <a:p>
             <a:fld id="{4587AB4D-9FE0-43C3-AA19-D3ACFE2BF9B0}" type="datetimeFigureOut">
               <a:rPr lang="zh-CN" altLang="en-US" smtClean="0"/>
-              <a:pPr/>
-              <a:t>2020/8/16</a:t>
             </a:fld>
             <a:endParaRPr lang="zh-CN" altLang="en-US"/>
           </a:p>
@@ -300,6 +279,7 @@
               <a:rPr lang="zh-CN" altLang="en-US"/>
               <a:t>单击此处编辑母版文本样式</a:t>
             </a:r>
+            <a:endParaRPr lang="zh-CN" altLang="en-US"/>
           </a:p>
           <a:p>
             <a:pPr lvl="1"/>
@@ -307,6 +287,7 @@
               <a:rPr lang="zh-CN" altLang="en-US"/>
               <a:t>第二级</a:t>
             </a:r>
+            <a:endParaRPr lang="zh-CN" altLang="en-US"/>
           </a:p>
           <a:p>
             <a:pPr lvl="2"/>
@@ -314,6 +295,7 @@
               <a:rPr lang="zh-CN" altLang="en-US"/>
               <a:t>第三级</a:t>
             </a:r>
+            <a:endParaRPr lang="zh-CN" altLang="en-US"/>
           </a:p>
           <a:p>
             <a:pPr lvl="3"/>
@@ -321,6 +303,7 @@
               <a:rPr lang="zh-CN" altLang="en-US"/>
               <a:t>第四级</a:t>
             </a:r>
+            <a:endParaRPr lang="zh-CN" altLang="en-US"/>
           </a:p>
           <a:p>
             <a:pPr lvl="4"/>
@@ -328,6 +311,7 @@
               <a:rPr lang="zh-CN" altLang="en-US"/>
               <a:t>第五级</a:t>
             </a:r>
+            <a:endParaRPr lang="zh-CN" altLang="en-US"/>
           </a:p>
         </p:txBody>
       </p:sp>
@@ -391,19 +375,12 @@
           <a:p>
             <a:fld id="{63A25BFF-71DC-4924-B8E0-9D8932DD8731}" type="slidenum">
               <a:rPr lang="zh-CN" altLang="en-US" smtClean="0"/>
-              <a:pPr/>
-              <a:t>‹#›</a:t>
             </a:fld>
             <a:endParaRPr lang="zh-CN" altLang="en-US"/>
           </a:p>
         </p:txBody>
       </p:sp>
     </p:spTree>
-    <p:extLst>
-      <p:ext uri="{BB962C8B-B14F-4D97-AF65-F5344CB8AC3E}">
-        <p14:creationId xmlns:p14="http://schemas.microsoft.com/office/powerpoint/2010/main" val="1312113187"/>
-      </p:ext>
-    </p:extLst>
   </p:cSld>
   <p:clrMap bg1="lt1" tx1="dk1" bg2="lt2" tx2="dk2" accent1="accent1" accent2="accent2" accent3="accent3" accent4="accent4" accent5="accent5" accent6="accent6" hlink="hlink" folHlink="folHlink"/>
   <p:notesStyle>
@@ -566,19 +543,12 @@
           <a:p>
             <a:fld id="{63A25BFF-71DC-4924-B8E0-9D8932DD8731}" type="slidenum">
               <a:rPr lang="zh-CN" altLang="en-US" smtClean="0"/>
-              <a:pPr/>
-              <a:t>2</a:t>
             </a:fld>
             <a:endParaRPr lang="zh-CN" altLang="en-US"/>
           </a:p>
         </p:txBody>
       </p:sp>
     </p:spTree>
-    <p:extLst>
-      <p:ext uri="{BB962C8B-B14F-4D97-AF65-F5344CB8AC3E}">
-        <p14:creationId xmlns:p14="http://schemas.microsoft.com/office/powerpoint/2010/main" val="262300812"/>
-      </p:ext>
-    </p:extLst>
   </p:cSld>
   <p:clrMapOvr>
     <a:masterClrMapping/>
@@ -651,19 +621,12 @@
           <a:p>
             <a:fld id="{63A25BFF-71DC-4924-B8E0-9D8932DD8731}" type="slidenum">
               <a:rPr lang="zh-CN" altLang="en-US" smtClean="0"/>
-              <a:pPr/>
-              <a:t>11</a:t>
             </a:fld>
             <a:endParaRPr lang="zh-CN" altLang="en-US"/>
           </a:p>
         </p:txBody>
       </p:sp>
     </p:spTree>
-    <p:extLst>
-      <p:ext uri="{BB962C8B-B14F-4D97-AF65-F5344CB8AC3E}">
-        <p14:creationId xmlns:p14="http://schemas.microsoft.com/office/powerpoint/2010/main" val="1660875657"/>
-      </p:ext>
-    </p:extLst>
   </p:cSld>
   <p:clrMapOvr>
     <a:masterClrMapping/>
@@ -736,19 +699,12 @@
           <a:p>
             <a:fld id="{63A25BFF-71DC-4924-B8E0-9D8932DD8731}" type="slidenum">
               <a:rPr lang="zh-CN" altLang="en-US" smtClean="0"/>
-              <a:pPr/>
-              <a:t>12</a:t>
             </a:fld>
             <a:endParaRPr lang="zh-CN" altLang="en-US"/>
           </a:p>
         </p:txBody>
       </p:sp>
     </p:spTree>
-    <p:extLst>
-      <p:ext uri="{BB962C8B-B14F-4D97-AF65-F5344CB8AC3E}">
-        <p14:creationId xmlns:p14="http://schemas.microsoft.com/office/powerpoint/2010/main" val="3047728417"/>
-      </p:ext>
-    </p:extLst>
   </p:cSld>
   <p:clrMapOvr>
     <a:masterClrMapping/>
@@ -821,19 +777,12 @@
           <a:p>
             <a:fld id="{63A25BFF-71DC-4924-B8E0-9D8932DD8731}" type="slidenum">
               <a:rPr lang="zh-CN" altLang="en-US" smtClean="0"/>
-              <a:pPr/>
-              <a:t>13</a:t>
             </a:fld>
             <a:endParaRPr lang="zh-CN" altLang="en-US"/>
           </a:p>
         </p:txBody>
       </p:sp>
     </p:spTree>
-    <p:extLst>
-      <p:ext uri="{BB962C8B-B14F-4D97-AF65-F5344CB8AC3E}">
-        <p14:creationId xmlns:p14="http://schemas.microsoft.com/office/powerpoint/2010/main" val="1630151881"/>
-      </p:ext>
-    </p:extLst>
   </p:cSld>
   <p:clrMapOvr>
     <a:masterClrMapping/>
@@ -906,19 +855,12 @@
           <a:p>
             <a:fld id="{63A25BFF-71DC-4924-B8E0-9D8932DD8731}" type="slidenum">
               <a:rPr lang="zh-CN" altLang="en-US" smtClean="0"/>
-              <a:pPr/>
-              <a:t>14</a:t>
             </a:fld>
             <a:endParaRPr lang="zh-CN" altLang="en-US"/>
           </a:p>
         </p:txBody>
       </p:sp>
     </p:spTree>
-    <p:extLst>
-      <p:ext uri="{BB962C8B-B14F-4D97-AF65-F5344CB8AC3E}">
-        <p14:creationId xmlns:p14="http://schemas.microsoft.com/office/powerpoint/2010/main" val="3782159821"/>
-      </p:ext>
-    </p:extLst>
   </p:cSld>
   <p:clrMapOvr>
     <a:masterClrMapping/>
@@ -991,19 +933,12 @@
           <a:p>
             <a:fld id="{63A25BFF-71DC-4924-B8E0-9D8932DD8731}" type="slidenum">
               <a:rPr lang="zh-CN" altLang="en-US" smtClean="0"/>
-              <a:pPr/>
-              <a:t>15</a:t>
             </a:fld>
             <a:endParaRPr lang="zh-CN" altLang="en-US"/>
           </a:p>
         </p:txBody>
       </p:sp>
     </p:spTree>
-    <p:extLst>
-      <p:ext uri="{BB962C8B-B14F-4D97-AF65-F5344CB8AC3E}">
-        <p14:creationId xmlns:p14="http://schemas.microsoft.com/office/powerpoint/2010/main" val="593373300"/>
-      </p:ext>
-    </p:extLst>
   </p:cSld>
   <p:clrMapOvr>
     <a:masterClrMapping/>
@@ -1076,19 +1011,12 @@
           <a:p>
             <a:fld id="{63A25BFF-71DC-4924-B8E0-9D8932DD8731}" type="slidenum">
               <a:rPr lang="zh-CN" altLang="en-US" smtClean="0"/>
-              <a:pPr/>
-              <a:t>16</a:t>
             </a:fld>
             <a:endParaRPr lang="zh-CN" altLang="en-US"/>
           </a:p>
         </p:txBody>
       </p:sp>
     </p:spTree>
-    <p:extLst>
-      <p:ext uri="{BB962C8B-B14F-4D97-AF65-F5344CB8AC3E}">
-        <p14:creationId xmlns:p14="http://schemas.microsoft.com/office/powerpoint/2010/main" val="3759147139"/>
-      </p:ext>
-    </p:extLst>
   </p:cSld>
   <p:clrMapOvr>
     <a:masterClrMapping/>
@@ -1161,19 +1089,12 @@
           <a:p>
             <a:fld id="{63A25BFF-71DC-4924-B8E0-9D8932DD8731}" type="slidenum">
               <a:rPr lang="zh-CN" altLang="en-US" smtClean="0"/>
-              <a:pPr/>
-              <a:t>17</a:t>
             </a:fld>
             <a:endParaRPr lang="zh-CN" altLang="en-US"/>
           </a:p>
         </p:txBody>
       </p:sp>
     </p:spTree>
-    <p:extLst>
-      <p:ext uri="{BB962C8B-B14F-4D97-AF65-F5344CB8AC3E}">
-        <p14:creationId xmlns:p14="http://schemas.microsoft.com/office/powerpoint/2010/main" val="399980286"/>
-      </p:ext>
-    </p:extLst>
   </p:cSld>
   <p:clrMapOvr>
     <a:masterClrMapping/>
@@ -1246,19 +1167,12 @@
           <a:p>
             <a:fld id="{63A25BFF-71DC-4924-B8E0-9D8932DD8731}" type="slidenum">
               <a:rPr lang="zh-CN" altLang="en-US" smtClean="0"/>
-              <a:pPr/>
-              <a:t>18</a:t>
             </a:fld>
             <a:endParaRPr lang="zh-CN" altLang="en-US"/>
           </a:p>
         </p:txBody>
       </p:sp>
     </p:spTree>
-    <p:extLst>
-      <p:ext uri="{BB962C8B-B14F-4D97-AF65-F5344CB8AC3E}">
-        <p14:creationId xmlns:p14="http://schemas.microsoft.com/office/powerpoint/2010/main" val="1415706344"/>
-      </p:ext>
-    </p:extLst>
   </p:cSld>
   <p:clrMapOvr>
     <a:masterClrMapping/>
@@ -1331,19 +1245,12 @@
           <a:p>
             <a:fld id="{63A25BFF-71DC-4924-B8E0-9D8932DD8731}" type="slidenum">
               <a:rPr lang="zh-CN" altLang="en-US" smtClean="0"/>
-              <a:pPr/>
-              <a:t>19</a:t>
             </a:fld>
             <a:endParaRPr lang="zh-CN" altLang="en-US"/>
           </a:p>
         </p:txBody>
       </p:sp>
     </p:spTree>
-    <p:extLst>
-      <p:ext uri="{BB962C8B-B14F-4D97-AF65-F5344CB8AC3E}">
-        <p14:creationId xmlns:p14="http://schemas.microsoft.com/office/powerpoint/2010/main" val="2530458936"/>
-      </p:ext>
-    </p:extLst>
   </p:cSld>
   <p:clrMapOvr>
     <a:masterClrMapping/>
@@ -1416,19 +1323,12 @@
           <a:p>
             <a:fld id="{63A25BFF-71DC-4924-B8E0-9D8932DD8731}" type="slidenum">
               <a:rPr lang="zh-CN" altLang="en-US" smtClean="0"/>
-              <a:pPr/>
-              <a:t>21</a:t>
             </a:fld>
             <a:endParaRPr lang="zh-CN" altLang="en-US"/>
           </a:p>
         </p:txBody>
       </p:sp>
     </p:spTree>
-    <p:extLst>
-      <p:ext uri="{BB962C8B-B14F-4D97-AF65-F5344CB8AC3E}">
-        <p14:creationId xmlns:p14="http://schemas.microsoft.com/office/powerpoint/2010/main" val="2793686984"/>
-      </p:ext>
-    </p:extLst>
   </p:cSld>
   <p:clrMapOvr>
     <a:masterClrMapping/>
@@ -1501,19 +1401,12 @@
           <a:p>
             <a:fld id="{63A25BFF-71DC-4924-B8E0-9D8932DD8731}" type="slidenum">
               <a:rPr lang="zh-CN" altLang="en-US" smtClean="0"/>
-              <a:pPr/>
-              <a:t>3</a:t>
             </a:fld>
             <a:endParaRPr lang="zh-CN" altLang="en-US"/>
           </a:p>
         </p:txBody>
       </p:sp>
     </p:spTree>
-    <p:extLst>
-      <p:ext uri="{BB962C8B-B14F-4D97-AF65-F5344CB8AC3E}">
-        <p14:creationId xmlns:p14="http://schemas.microsoft.com/office/powerpoint/2010/main" val="979974626"/>
-      </p:ext>
-    </p:extLst>
   </p:cSld>
   <p:clrMapOvr>
     <a:masterClrMapping/>
@@ -1586,19 +1479,12 @@
           <a:p>
             <a:fld id="{63A25BFF-71DC-4924-B8E0-9D8932DD8731}" type="slidenum">
               <a:rPr lang="zh-CN" altLang="en-US" smtClean="0"/>
-              <a:pPr/>
-              <a:t>22</a:t>
             </a:fld>
             <a:endParaRPr lang="zh-CN" altLang="en-US"/>
           </a:p>
         </p:txBody>
       </p:sp>
     </p:spTree>
-    <p:extLst>
-      <p:ext uri="{BB962C8B-B14F-4D97-AF65-F5344CB8AC3E}">
-        <p14:creationId xmlns:p14="http://schemas.microsoft.com/office/powerpoint/2010/main" val="1490488521"/>
-      </p:ext>
-    </p:extLst>
   </p:cSld>
   <p:clrMapOvr>
     <a:masterClrMapping/>
@@ -1671,19 +1557,12 @@
           <a:p>
             <a:fld id="{63A25BFF-71DC-4924-B8E0-9D8932DD8731}" type="slidenum">
               <a:rPr lang="zh-CN" altLang="en-US" smtClean="0"/>
-              <a:pPr/>
-              <a:t>4</a:t>
             </a:fld>
             <a:endParaRPr lang="zh-CN" altLang="en-US"/>
           </a:p>
         </p:txBody>
       </p:sp>
     </p:spTree>
-    <p:extLst>
-      <p:ext uri="{BB962C8B-B14F-4D97-AF65-F5344CB8AC3E}">
-        <p14:creationId xmlns:p14="http://schemas.microsoft.com/office/powerpoint/2010/main" val="2164173471"/>
-      </p:ext>
-    </p:extLst>
   </p:cSld>
   <p:clrMapOvr>
     <a:masterClrMapping/>
@@ -1756,19 +1635,12 @@
           <a:p>
             <a:fld id="{63A25BFF-71DC-4924-B8E0-9D8932DD8731}" type="slidenum">
               <a:rPr lang="zh-CN" altLang="en-US" smtClean="0"/>
-              <a:pPr/>
-              <a:t>5</a:t>
             </a:fld>
             <a:endParaRPr lang="zh-CN" altLang="en-US"/>
           </a:p>
         </p:txBody>
       </p:sp>
     </p:spTree>
-    <p:extLst>
-      <p:ext uri="{BB962C8B-B14F-4D97-AF65-F5344CB8AC3E}">
-        <p14:creationId xmlns:p14="http://schemas.microsoft.com/office/powerpoint/2010/main" val="1513899193"/>
-      </p:ext>
-    </p:extLst>
   </p:cSld>
   <p:clrMapOvr>
     <a:masterClrMapping/>
@@ -1841,19 +1713,12 @@
           <a:p>
             <a:fld id="{63A25BFF-71DC-4924-B8E0-9D8932DD8731}" type="slidenum">
               <a:rPr lang="zh-CN" altLang="en-US" smtClean="0"/>
-              <a:pPr/>
-              <a:t>6</a:t>
             </a:fld>
             <a:endParaRPr lang="zh-CN" altLang="en-US"/>
           </a:p>
         </p:txBody>
       </p:sp>
     </p:spTree>
-    <p:extLst>
-      <p:ext uri="{BB962C8B-B14F-4D97-AF65-F5344CB8AC3E}">
-        <p14:creationId xmlns:p14="http://schemas.microsoft.com/office/powerpoint/2010/main" val="844393243"/>
-      </p:ext>
-    </p:extLst>
   </p:cSld>
   <p:clrMapOvr>
     <a:masterClrMapping/>
@@ -1926,19 +1791,12 @@
           <a:p>
             <a:fld id="{63A25BFF-71DC-4924-B8E0-9D8932DD8731}" type="slidenum">
               <a:rPr lang="zh-CN" altLang="en-US" smtClean="0"/>
-              <a:pPr/>
-              <a:t>7</a:t>
             </a:fld>
             <a:endParaRPr lang="zh-CN" altLang="en-US"/>
           </a:p>
         </p:txBody>
       </p:sp>
     </p:spTree>
-    <p:extLst>
-      <p:ext uri="{BB962C8B-B14F-4D97-AF65-F5344CB8AC3E}">
-        <p14:creationId xmlns:p14="http://schemas.microsoft.com/office/powerpoint/2010/main" val="2242913176"/>
-      </p:ext>
-    </p:extLst>
   </p:cSld>
   <p:clrMapOvr>
     <a:masterClrMapping/>
@@ -2011,19 +1869,12 @@
           <a:p>
             <a:fld id="{63A25BFF-71DC-4924-B8E0-9D8932DD8731}" type="slidenum">
               <a:rPr lang="zh-CN" altLang="en-US" smtClean="0"/>
-              <a:pPr/>
-              <a:t>8</a:t>
             </a:fld>
             <a:endParaRPr lang="zh-CN" altLang="en-US"/>
           </a:p>
         </p:txBody>
       </p:sp>
     </p:spTree>
-    <p:extLst>
-      <p:ext uri="{BB962C8B-B14F-4D97-AF65-F5344CB8AC3E}">
-        <p14:creationId xmlns:p14="http://schemas.microsoft.com/office/powerpoint/2010/main" val="3040798313"/>
-      </p:ext>
-    </p:extLst>
   </p:cSld>
   <p:clrMapOvr>
     <a:masterClrMapping/>
@@ -2096,19 +1947,12 @@
           <a:p>
             <a:fld id="{63A25BFF-71DC-4924-B8E0-9D8932DD8731}" type="slidenum">
               <a:rPr lang="zh-CN" altLang="en-US" smtClean="0"/>
-              <a:pPr/>
-              <a:t>9</a:t>
             </a:fld>
             <a:endParaRPr lang="zh-CN" altLang="en-US"/>
           </a:p>
         </p:txBody>
       </p:sp>
     </p:spTree>
-    <p:extLst>
-      <p:ext uri="{BB962C8B-B14F-4D97-AF65-F5344CB8AC3E}">
-        <p14:creationId xmlns:p14="http://schemas.microsoft.com/office/powerpoint/2010/main" val="1640571189"/>
-      </p:ext>
-    </p:extLst>
   </p:cSld>
   <p:clrMapOvr>
     <a:masterClrMapping/>
@@ -2181,19 +2025,12 @@
           <a:p>
             <a:fld id="{63A25BFF-71DC-4924-B8E0-9D8932DD8731}" type="slidenum">
               <a:rPr lang="zh-CN" altLang="en-US" smtClean="0"/>
-              <a:pPr/>
-              <a:t>10</a:t>
             </a:fld>
             <a:endParaRPr lang="zh-CN" altLang="en-US"/>
           </a:p>
         </p:txBody>
       </p:sp>
     </p:spTree>
-    <p:extLst>
-      <p:ext uri="{BB962C8B-B14F-4D97-AF65-F5344CB8AC3E}">
-        <p14:creationId xmlns:p14="http://schemas.microsoft.com/office/powerpoint/2010/main" val="2013351222"/>
-      </p:ext>
-    </p:extLst>
   </p:cSld>
   <p:clrMapOvr>
     <a:masterClrMapping/>
@@ -2202,7 +2039,7 @@
 </file>
 
 <file path=ppt/slideLayouts/slideLayout1.xml><?xml version="1.0" encoding="utf-8"?>
-<p:sldLayout xmlns:a="http://schemas.openxmlformats.org/drawingml/2006/main" xmlns:r="http://schemas.openxmlformats.org/officeDocument/2006/relationships" xmlns:p="http://schemas.openxmlformats.org/presentationml/2006/main" showMasterSp="0" preserve="1" userDrawn="1">
+<p:sldLayout xmlns:a="http://schemas.openxmlformats.org/drawingml/2006/main" xmlns:r="http://schemas.openxmlformats.org/officeDocument/2006/relationships" xmlns:p="http://schemas.openxmlformats.org/presentationml/2006/main" preserve="1" showMasterSp="0" userDrawn="1">
   <p:cSld name="自定义版式">
     <p:spTree>
       <p:nvGrpSpPr>
@@ -2260,11 +2097,6 @@
         </p:spPr>
       </p:pic>
     </p:spTree>
-    <p:extLst>
-      <p:ext uri="{BB962C8B-B14F-4D97-AF65-F5344CB8AC3E}">
-        <p14:creationId xmlns:p14="http://schemas.microsoft.com/office/powerpoint/2010/main" val="3181599677"/>
-      </p:ext>
-    </p:extLst>
   </p:cSld>
   <p:clrMapOvr>
     <a:masterClrMapping/>
@@ -2463,6 +2295,7 @@
               <a:rPr lang="zh-CN" altLang="en-US" dirty="0"/>
               <a:t>单击此处编辑母版文本样式</a:t>
             </a:r>
+            <a:endParaRPr lang="zh-CN" altLang="en-US" dirty="0"/>
           </a:p>
           <a:p>
             <a:pPr lvl="1"/>
@@ -2470,6 +2303,7 @@
               <a:rPr lang="zh-CN" altLang="en-US" dirty="0"/>
               <a:t>二级</a:t>
             </a:r>
+            <a:endParaRPr lang="zh-CN" altLang="en-US" dirty="0"/>
           </a:p>
           <a:p>
             <a:pPr lvl="2"/>
@@ -2477,6 +2311,7 @@
               <a:rPr lang="zh-CN" altLang="en-US" dirty="0"/>
               <a:t>三级</a:t>
             </a:r>
+            <a:endParaRPr lang="zh-CN" altLang="en-US" dirty="0"/>
           </a:p>
           <a:p>
             <a:pPr lvl="3"/>
@@ -2484,6 +2319,7 @@
               <a:rPr lang="zh-CN" altLang="en-US" dirty="0"/>
               <a:t>四级</a:t>
             </a:r>
+            <a:endParaRPr lang="zh-CN" altLang="en-US" dirty="0"/>
           </a:p>
           <a:p>
             <a:pPr lvl="4"/>
@@ -2496,11 +2332,6 @@
         </p:txBody>
       </p:sp>
     </p:spTree>
-    <p:extLst>
-      <p:ext uri="{BB962C8B-B14F-4D97-AF65-F5344CB8AC3E}">
-        <p14:creationId xmlns:p14="http://schemas.microsoft.com/office/powerpoint/2010/main" val="2889592289"/>
-      </p:ext>
-    </p:extLst>
   </p:cSld>
   <p:clrMapOvr>
     <a:masterClrMapping/>
@@ -2593,7 +2424,9 @@
             </a:extLst>
           </a:blip>
           <a:srcRect t="12537" b="12537"/>
-          <a:stretch/>
+          <a:stretch>
+            <a:fillRect/>
+          </a:stretch>
         </p:blipFill>
         <p:spPr>
           <a:xfrm>
@@ -2606,11 +2439,6 @@
         </p:spPr>
       </p:pic>
     </p:spTree>
-    <p:extLst>
-      <p:ext uri="{BB962C8B-B14F-4D97-AF65-F5344CB8AC3E}">
-        <p14:creationId xmlns:p14="http://schemas.microsoft.com/office/powerpoint/2010/main" val="3296515341"/>
-      </p:ext>
-    </p:extLst>
   </p:cSld>
   <p:clrMapOvr>
     <a:masterClrMapping/>
@@ -2636,11 +2464,6 @@
         </a:xfrm>
       </p:grpSpPr>
     </p:spTree>
-    <p:extLst>
-      <p:ext uri="{BB962C8B-B14F-4D97-AF65-F5344CB8AC3E}">
-        <p14:creationId xmlns:p14="http://schemas.microsoft.com/office/powerpoint/2010/main" val="3624395775"/>
-      </p:ext>
-    </p:extLst>
   </p:cSld>
   <p:clrMapOvr>
     <a:masterClrMapping/>
@@ -2679,7 +2502,7 @@
           <p:nvPr/>
         </p:nvPicPr>
         <p:blipFill rotWithShape="1">
-          <a:blip r:embed="rId9" cstate="screen"/>
+          <a:blip r:embed="rId8" cstate="screen"/>
           <a:srcRect/>
           <a:stretch>
             <a:fillRect/>
@@ -2737,8 +2560,6 @@
                   </a:prstClr>
                 </a:solidFill>
               </a:rPr>
-              <a:pPr/>
-              <a:t>2020/8/16</a:t>
             </a:fld>
             <a:endParaRPr lang="zh-CN" altLang="en-US">
               <a:solidFill>
@@ -2834,8 +2655,6 @@
                   </a:prstClr>
                 </a:solidFill>
               </a:rPr>
-              <a:pPr/>
-              <a:t>‹#›</a:t>
             </a:fld>
             <a:endParaRPr lang="zh-CN" altLang="en-US">
               <a:solidFill>
@@ -2851,13 +2670,13 @@
   </p:cSld>
   <p:clrMap bg1="lt1" tx1="dk1" bg2="lt2" tx2="dk2" accent1="accent1" accent2="accent2" accent3="accent3" accent4="accent4" accent5="accent5" accent6="accent6" hlink="hlink" folHlink="folHlink"/>
   <p:sldLayoutIdLst>
-    <p:sldLayoutId id="2147483658" r:id="rId1"/>
-    <p:sldLayoutId id="2147483649" r:id="rId2"/>
-    <p:sldLayoutId id="2147483650" r:id="rId3"/>
-    <p:sldLayoutId id="2147483659" r:id="rId4"/>
-    <p:sldLayoutId id="2147483655" r:id="rId5"/>
-    <p:sldLayoutId id="2147483656" r:id="rId6"/>
-    <p:sldLayoutId id="2147483657" r:id="rId7"/>
+    <p:sldLayoutId id="2147483649" r:id="rId1"/>
+    <p:sldLayoutId id="2147483650" r:id="rId2"/>
+    <p:sldLayoutId id="2147483651" r:id="rId3"/>
+    <p:sldLayoutId id="2147483652" r:id="rId4"/>
+    <p:sldLayoutId id="2147483653" r:id="rId5"/>
+    <p:sldLayoutId id="2147483654" r:id="rId6"/>
+    <p:sldLayoutId id="2147483655" r:id="rId7"/>
   </p:sldLayoutIdLst>
   <p:txStyles>
     <p:titleStyle>
@@ -2881,7 +2700,7 @@
         <a:spcBef>
           <a:spcPct val="20000"/>
         </a:spcBef>
-        <a:buFont typeface="Arial" panose="020B0604020202020204" pitchFamily="34" charset="0"/>
+        <a:buFont typeface="Arial" panose="020B0604020202090204" pitchFamily="34" charset="0"/>
         <a:buChar char="•"/>
         <a:defRPr sz="2800" kern="1200">
           <a:solidFill>
@@ -2896,7 +2715,7 @@
         <a:spcBef>
           <a:spcPct val="20000"/>
         </a:spcBef>
-        <a:buFont typeface="Arial" panose="020B0604020202020204" pitchFamily="34" charset="0"/>
+        <a:buFont typeface="Arial" panose="020B0604020202090204" pitchFamily="34" charset="0"/>
         <a:buChar char="–"/>
         <a:defRPr sz="2400" kern="1200">
           <a:solidFill>
@@ -2911,7 +2730,7 @@
         <a:spcBef>
           <a:spcPct val="20000"/>
         </a:spcBef>
-        <a:buFont typeface="Arial" panose="020B0604020202020204" pitchFamily="34" charset="0"/>
+        <a:buFont typeface="Arial" panose="020B0604020202090204" pitchFamily="34" charset="0"/>
         <a:buChar char="•"/>
         <a:defRPr sz="2000" kern="1200">
           <a:solidFill>
@@ -2926,7 +2745,7 @@
         <a:spcBef>
           <a:spcPct val="20000"/>
         </a:spcBef>
-        <a:buFont typeface="Arial" panose="020B0604020202020204" pitchFamily="34" charset="0"/>
+        <a:buFont typeface="Arial" panose="020B0604020202090204" pitchFamily="34" charset="0"/>
         <a:buChar char="–"/>
         <a:defRPr sz="1800" kern="1200">
           <a:solidFill>
@@ -2941,7 +2760,7 @@
         <a:spcBef>
           <a:spcPct val="20000"/>
         </a:spcBef>
-        <a:buFont typeface="Arial" panose="020B0604020202020204" pitchFamily="34" charset="0"/>
+        <a:buFont typeface="Arial" panose="020B0604020202090204" pitchFamily="34" charset="0"/>
         <a:buChar char="»"/>
         <a:defRPr sz="1800" kern="1200">
           <a:solidFill>
@@ -2956,7 +2775,7 @@
         <a:spcBef>
           <a:spcPct val="20000"/>
         </a:spcBef>
-        <a:buFont typeface="Arial" panose="020B0604020202020204" pitchFamily="34" charset="0"/>
+        <a:buFont typeface="Arial" panose="020B0604020202090204" pitchFamily="34" charset="0"/>
         <a:buChar char="•"/>
         <a:defRPr sz="2000" kern="1200">
           <a:solidFill>
@@ -2971,7 +2790,7 @@
         <a:spcBef>
           <a:spcPct val="20000"/>
         </a:spcBef>
-        <a:buFont typeface="Arial" panose="020B0604020202020204" pitchFamily="34" charset="0"/>
+        <a:buFont typeface="Arial" panose="020B0604020202090204" pitchFamily="34" charset="0"/>
         <a:buChar char="•"/>
         <a:defRPr sz="2000" kern="1200">
           <a:solidFill>
@@ -2986,7 +2805,7 @@
         <a:spcBef>
           <a:spcPct val="20000"/>
         </a:spcBef>
-        <a:buFont typeface="Arial" panose="020B0604020202020204" pitchFamily="34" charset="0"/>
+        <a:buFont typeface="Arial" panose="020B0604020202090204" pitchFamily="34" charset="0"/>
         <a:buChar char="•"/>
         <a:defRPr sz="2000" kern="1200">
           <a:solidFill>
@@ -3001,7 +2820,7 @@
         <a:spcBef>
           <a:spcPct val="20000"/>
         </a:spcBef>
-        <a:buFont typeface="Arial" panose="020B0604020202020204" pitchFamily="34" charset="0"/>
+        <a:buFont typeface="Arial" panose="020B0604020202090204" pitchFamily="34" charset="0"/>
         <a:buChar char="•"/>
         <a:defRPr sz="2000" kern="1200">
           <a:solidFill>
@@ -3159,10 +2978,18 @@
                 </a:solidFill>
                 <a:latin typeface="华文中宋" pitchFamily="2" charset="-122"/>
                 <a:ea typeface="华文中宋" pitchFamily="2" charset="-122"/>
-                <a:sym typeface="Arial"/>
+                <a:sym typeface="Arial" panose="020B0604020202090204"/>
               </a:rPr>
               <a:t>前端模块化</a:t>
             </a:r>
+            <a:endParaRPr lang="zh-CN" altLang="en-US" sz="2800" b="1" spc="700" dirty="0">
+              <a:solidFill>
+                <a:schemeClr val="bg1"/>
+              </a:solidFill>
+              <a:latin typeface="华文中宋" pitchFamily="2" charset="-122"/>
+              <a:ea typeface="华文中宋" pitchFamily="2" charset="-122"/>
+              <a:sym typeface="Arial" panose="020B0604020202090204"/>
+            </a:endParaRPr>
           </a:p>
         </p:txBody>
       </p:sp>
@@ -3216,7 +3043,7 @@
                 <a:solidFill>
                   <a:schemeClr val="tx1"/>
                 </a:solidFill>
-                <a:latin typeface="Arial" panose="020B0604020202020204" pitchFamily="34" charset="0"/>
+                <a:latin typeface="Arial" panose="020B0604020202090204" pitchFamily="34" charset="0"/>
                 <a:ea typeface="宋体" panose="02010600030101010101" pitchFamily="2" charset="-122"/>
               </a:defRPr>
             </a:lvl1pPr>
@@ -3225,7 +3052,7 @@
                 <a:solidFill>
                   <a:schemeClr val="tx1"/>
                 </a:solidFill>
-                <a:latin typeface="Arial" panose="020B0604020202020204" pitchFamily="34" charset="0"/>
+                <a:latin typeface="Arial" panose="020B0604020202090204" pitchFamily="34" charset="0"/>
                 <a:ea typeface="宋体" panose="02010600030101010101" pitchFamily="2" charset="-122"/>
               </a:defRPr>
             </a:lvl2pPr>
@@ -3234,7 +3061,7 @@
                 <a:solidFill>
                   <a:schemeClr val="tx1"/>
                 </a:solidFill>
-                <a:latin typeface="Arial" panose="020B0604020202020204" pitchFamily="34" charset="0"/>
+                <a:latin typeface="Arial" panose="020B0604020202090204" pitchFamily="34" charset="0"/>
                 <a:ea typeface="宋体" panose="02010600030101010101" pitchFamily="2" charset="-122"/>
               </a:defRPr>
             </a:lvl3pPr>
@@ -3243,7 +3070,7 @@
                 <a:solidFill>
                   <a:schemeClr val="tx1"/>
                 </a:solidFill>
-                <a:latin typeface="Arial" panose="020B0604020202020204" pitchFamily="34" charset="0"/>
+                <a:latin typeface="Arial" panose="020B0604020202090204" pitchFamily="34" charset="0"/>
                 <a:ea typeface="宋体" panose="02010600030101010101" pitchFamily="2" charset="-122"/>
               </a:defRPr>
             </a:lvl4pPr>
@@ -3252,7 +3079,7 @@
                 <a:solidFill>
                   <a:schemeClr val="tx1"/>
                 </a:solidFill>
-                <a:latin typeface="Arial" panose="020B0604020202020204" pitchFamily="34" charset="0"/>
+                <a:latin typeface="Arial" panose="020B0604020202090204" pitchFamily="34" charset="0"/>
                 <a:ea typeface="宋体" panose="02010600030101010101" pitchFamily="2" charset="-122"/>
               </a:defRPr>
             </a:lvl5pPr>
@@ -3267,7 +3094,7 @@
                 <a:solidFill>
                   <a:schemeClr val="tx1"/>
                 </a:solidFill>
-                <a:latin typeface="Arial" panose="020B0604020202020204" pitchFamily="34" charset="0"/>
+                <a:latin typeface="Arial" panose="020B0604020202090204" pitchFamily="34" charset="0"/>
                 <a:ea typeface="宋体" panose="02010600030101010101" pitchFamily="2" charset="-122"/>
               </a:defRPr>
             </a:lvl6pPr>
@@ -3282,7 +3109,7 @@
                 <a:solidFill>
                   <a:schemeClr val="tx1"/>
                 </a:solidFill>
-                <a:latin typeface="Arial" panose="020B0604020202020204" pitchFamily="34" charset="0"/>
+                <a:latin typeface="Arial" panose="020B0604020202090204" pitchFamily="34" charset="0"/>
                 <a:ea typeface="宋体" panose="02010600030101010101" pitchFamily="2" charset="-122"/>
               </a:defRPr>
             </a:lvl7pPr>
@@ -3297,7 +3124,7 @@
                 <a:solidFill>
                   <a:schemeClr val="tx1"/>
                 </a:solidFill>
-                <a:latin typeface="Arial" panose="020B0604020202020204" pitchFamily="34" charset="0"/>
+                <a:latin typeface="Arial" panose="020B0604020202090204" pitchFamily="34" charset="0"/>
                 <a:ea typeface="宋体" panose="02010600030101010101" pitchFamily="2" charset="-122"/>
               </a:defRPr>
             </a:lvl8pPr>
@@ -3312,7 +3139,7 @@
                 <a:solidFill>
                   <a:schemeClr val="tx1"/>
                 </a:solidFill>
-                <a:latin typeface="Arial" panose="020B0604020202020204" pitchFamily="34" charset="0"/>
+                <a:latin typeface="Arial" panose="020B0604020202090204" pitchFamily="34" charset="0"/>
                 <a:ea typeface="宋体" panose="02010600030101010101" pitchFamily="2" charset="-122"/>
               </a:defRPr>
             </a:lvl9pPr>
@@ -3324,9 +3151,9 @@
                 <a:solidFill>
                   <a:schemeClr val="bg1"/>
                 </a:solidFill>
-                <a:latin typeface="Arial"/>
+                <a:latin typeface="Arial" panose="020B0604020202090204"/>
                 <a:ea typeface="Microsoft YaHei"/>
-                <a:sym typeface="Arial"/>
+                <a:sym typeface="Arial" panose="020B0604020202090204"/>
               </a:rPr>
               <a:t>二〇二〇年八月</a:t>
             </a:r>
@@ -3334,19 +3161,14 @@
               <a:solidFill>
                 <a:schemeClr val="bg1"/>
               </a:solidFill>
-              <a:latin typeface="Arial"/>
+              <a:latin typeface="Arial" panose="020B0604020202090204"/>
               <a:ea typeface="Microsoft YaHei"/>
-              <a:sym typeface="Arial"/>
+              <a:sym typeface="Arial" panose="020B0604020202090204"/>
             </a:endParaRPr>
           </a:p>
         </p:txBody>
       </p:sp>
     </p:spTree>
-    <p:extLst>
-      <p:ext uri="{BB962C8B-B14F-4D97-AF65-F5344CB8AC3E}">
-        <p14:creationId xmlns:p14="http://schemas.microsoft.com/office/powerpoint/2010/main" val="3289132818"/>
-      </p:ext>
-    </p:extLst>
   </p:cSld>
   <p:clrMapOvr>
     <a:masterClrMapping/>
@@ -3394,25 +3216,20 @@
               <a:rPr lang="zh-CN" altLang="en-US" dirty="0"/>
               <a:t>的特点</a:t>
             </a:r>
-          </a:p>
-        </p:txBody>
-      </p:sp>
-      <p:sp>
-        <p:nvSpPr>
-          <p:cNvPr id="3" name="文本框 2">
-            <a:extLst>
-              <a:ext uri="{FF2B5EF4-FFF2-40B4-BE49-F238E27FC236}">
-                <a16:creationId xmlns:a16="http://schemas.microsoft.com/office/drawing/2014/main" id="{E1B1CEF2-81FC-C849-913E-E776DE43388B}"/>
-              </a:ext>
-            </a:extLst>
-          </p:cNvPr>
+            <a:endParaRPr lang="zh-CN" altLang="en-US" dirty="0"/>
+          </a:p>
+        </p:txBody>
+      </p:sp>
+      <p:sp>
+        <p:nvSpPr>
+          <p:cNvPr id="3" name="文本框 2"/>
           <p:cNvSpPr txBox="1"/>
           <p:nvPr/>
         </p:nvSpPr>
         <p:spPr>
           <a:xfrm>
             <a:off x="683568" y="1419622"/>
-            <a:ext cx="3770584" cy="1229439"/>
+            <a:ext cx="3873500" cy="2306955"/>
           </a:xfrm>
           <a:prstGeom prst="rect">
             <a:avLst/>
@@ -3455,15 +3272,25 @@
               <a:rPr kumimoji="1" lang="zh-CN" altLang="en-US" sz="2400" dirty="0"/>
               <a:t>同步加载模块</a:t>
             </a:r>
+            <a:endParaRPr kumimoji="1" lang="zh-CN" altLang="en-US" sz="2400" dirty="0"/>
+          </a:p>
+          <a:p>
+            <a:pPr marL="342900" indent="-342900">
+              <a:lnSpc>
+                <a:spcPct val="250000"/>
+              </a:lnSpc>
+              <a:buFont typeface="+mj-lt"/>
+              <a:buAutoNum type="arabicPeriod"/>
+            </a:pPr>
+            <a:r>
+              <a:rPr kumimoji="1" lang="zh-CN" altLang="en-US" sz="2400" dirty="0"/>
+              <a:t>单例</a:t>
+            </a:r>
+            <a:endParaRPr kumimoji="1" lang="zh-CN" altLang="en-US" sz="2400" dirty="0"/>
           </a:p>
         </p:txBody>
       </p:sp>
     </p:spTree>
-    <p:extLst>
-      <p:ext uri="{BB962C8B-B14F-4D97-AF65-F5344CB8AC3E}">
-        <p14:creationId xmlns:p14="http://schemas.microsoft.com/office/powerpoint/2010/main" val="573540319"/>
-      </p:ext>
-    </p:extLst>
   </p:cSld>
   <p:clrMapOvr>
     <a:masterClrMapping/>
@@ -3513,13 +3340,7 @@
       </p:sp>
       <p:sp>
         <p:nvSpPr>
-          <p:cNvPr id="3" name="文本框 2">
-            <a:extLst>
-              <a:ext uri="{FF2B5EF4-FFF2-40B4-BE49-F238E27FC236}">
-                <a16:creationId xmlns:a16="http://schemas.microsoft.com/office/drawing/2014/main" id="{06226F5E-67CF-4645-8E63-8B166C1B98CA}"/>
-              </a:ext>
-            </a:extLst>
-          </p:cNvPr>
+          <p:cNvPr id="3" name="文本框 2"/>
           <p:cNvSpPr txBox="1"/>
           <p:nvPr/>
         </p:nvSpPr>
@@ -3563,18 +3384,13 @@
               <a:rPr kumimoji="1" lang="zh-CN" altLang="en-US" dirty="0"/>
               <a:t> 模块化规范</a:t>
             </a:r>
-          </a:p>
-        </p:txBody>
-      </p:sp>
-      <p:sp>
-        <p:nvSpPr>
-          <p:cNvPr id="4" name="文本框 3">
-            <a:extLst>
-              <a:ext uri="{FF2B5EF4-FFF2-40B4-BE49-F238E27FC236}">
-                <a16:creationId xmlns:a16="http://schemas.microsoft.com/office/drawing/2014/main" id="{E3DA1D69-8EAF-D145-A691-AFF96BF05ED1}"/>
-              </a:ext>
-            </a:extLst>
-          </p:cNvPr>
+            <a:endParaRPr kumimoji="1" lang="zh-CN" altLang="en-US" dirty="0"/>
+          </a:p>
+        </p:txBody>
+      </p:sp>
+      <p:sp>
+        <p:nvSpPr>
+          <p:cNvPr id="4" name="文本框 3"/>
           <p:cNvSpPr txBox="1"/>
           <p:nvPr/>
         </p:nvSpPr>
@@ -3618,6 +3434,11 @@
               </a:rPr>
               <a:t>异步的模块定义</a:t>
             </a:r>
+            <a:endParaRPr lang="zh-CN" altLang="en-US" dirty="0">
+              <a:solidFill>
+                <a:srgbClr val="FF0000"/>
+              </a:solidFill>
+            </a:endParaRPr>
           </a:p>
           <a:p>
             <a:endParaRPr kumimoji="1" lang="zh-CN" altLang="en-US" dirty="0"/>
@@ -3625,11 +3446,6 @@
         </p:txBody>
       </p:sp>
     </p:spTree>
-    <p:extLst>
-      <p:ext uri="{BB962C8B-B14F-4D97-AF65-F5344CB8AC3E}">
-        <p14:creationId xmlns:p14="http://schemas.microsoft.com/office/powerpoint/2010/main" val="1341800285"/>
-      </p:ext>
-    </p:extLst>
   </p:cSld>
   <p:clrMapOvr>
     <a:masterClrMapping/>
@@ -3679,20 +3495,14 @@
       </p:sp>
       <p:pic>
         <p:nvPicPr>
-          <p:cNvPr id="4" name="图片 3">
-            <a:extLst>
-              <a:ext uri="{FF2B5EF4-FFF2-40B4-BE49-F238E27FC236}">
-                <a16:creationId xmlns:a16="http://schemas.microsoft.com/office/drawing/2014/main" id="{1C7E0548-EC0F-454A-A02B-85F01F858717}"/>
-              </a:ext>
-            </a:extLst>
-          </p:cNvPr>
+          <p:cNvPr id="4" name="图片 3"/>
           <p:cNvPicPr>
             <a:picLocks noChangeAspect="1"/>
           </p:cNvPicPr>
           <p:nvPr/>
         </p:nvPicPr>
         <p:blipFill>
-          <a:blip r:embed="rId3"/>
+          <a:blip r:embed="rId1"/>
           <a:stretch>
             <a:fillRect/>
           </a:stretch>
@@ -3708,11 +3518,6 @@
         </p:spPr>
       </p:pic>
     </p:spTree>
-    <p:extLst>
-      <p:ext uri="{BB962C8B-B14F-4D97-AF65-F5344CB8AC3E}">
-        <p14:creationId xmlns:p14="http://schemas.microsoft.com/office/powerpoint/2010/main" val="163384629"/>
-      </p:ext>
-    </p:extLst>
   </p:cSld>
   <p:clrMapOvr>
     <a:masterClrMapping/>
@@ -3762,20 +3567,14 @@
       </p:sp>
       <p:pic>
         <p:nvPicPr>
-          <p:cNvPr id="3" name="图片 2">
-            <a:extLst>
-              <a:ext uri="{FF2B5EF4-FFF2-40B4-BE49-F238E27FC236}">
-                <a16:creationId xmlns:a16="http://schemas.microsoft.com/office/drawing/2014/main" id="{383F1473-0316-F943-B02A-F001FE0DA957}"/>
-              </a:ext>
-            </a:extLst>
-          </p:cNvPr>
+          <p:cNvPr id="3" name="图片 2"/>
           <p:cNvPicPr>
             <a:picLocks noChangeAspect="1"/>
           </p:cNvPicPr>
           <p:nvPr/>
         </p:nvPicPr>
         <p:blipFill>
-          <a:blip r:embed="rId3"/>
+          <a:blip r:embed="rId1"/>
           <a:stretch>
             <a:fillRect/>
           </a:stretch>
@@ -3792,20 +3591,14 @@
       </p:pic>
       <p:pic>
         <p:nvPicPr>
-          <p:cNvPr id="6" name="图片 5">
-            <a:extLst>
-              <a:ext uri="{FF2B5EF4-FFF2-40B4-BE49-F238E27FC236}">
-                <a16:creationId xmlns:a16="http://schemas.microsoft.com/office/drawing/2014/main" id="{A4A32D2F-094F-CB46-806B-4498442DA2BF}"/>
-              </a:ext>
-            </a:extLst>
-          </p:cNvPr>
+          <p:cNvPr id="6" name="图片 5"/>
           <p:cNvPicPr>
             <a:picLocks noChangeAspect="1"/>
           </p:cNvPicPr>
           <p:nvPr/>
         </p:nvPicPr>
         <p:blipFill>
-          <a:blip r:embed="rId4"/>
+          <a:blip r:embed="rId2"/>
           <a:stretch>
             <a:fillRect/>
           </a:stretch>
@@ -3822,20 +3615,14 @@
       </p:pic>
       <p:pic>
         <p:nvPicPr>
-          <p:cNvPr id="7" name="图片 6">
-            <a:extLst>
-              <a:ext uri="{FF2B5EF4-FFF2-40B4-BE49-F238E27FC236}">
-                <a16:creationId xmlns:a16="http://schemas.microsoft.com/office/drawing/2014/main" id="{8C9B317C-8072-2843-9504-CC3A93D9B8DD}"/>
-              </a:ext>
-            </a:extLst>
-          </p:cNvPr>
+          <p:cNvPr id="7" name="图片 6"/>
           <p:cNvPicPr>
             <a:picLocks noChangeAspect="1"/>
           </p:cNvPicPr>
           <p:nvPr/>
         </p:nvPicPr>
         <p:blipFill>
-          <a:blip r:embed="rId5"/>
+          <a:blip r:embed="rId3"/>
           <a:stretch>
             <a:fillRect/>
           </a:stretch>
@@ -3851,11 +3638,6 @@
         </p:spPr>
       </p:pic>
     </p:spTree>
-    <p:extLst>
-      <p:ext uri="{BB962C8B-B14F-4D97-AF65-F5344CB8AC3E}">
-        <p14:creationId xmlns:p14="http://schemas.microsoft.com/office/powerpoint/2010/main" val="1023809626"/>
-      </p:ext>
-    </p:extLst>
   </p:cSld>
   <p:clrMapOvr>
     <a:masterClrMapping/>
@@ -3903,25 +3685,20 @@
               <a:rPr lang="zh-CN" altLang="en-US" dirty="0"/>
               <a:t> 的特点</a:t>
             </a:r>
-          </a:p>
-        </p:txBody>
-      </p:sp>
-      <p:sp>
-        <p:nvSpPr>
-          <p:cNvPr id="3" name="文本框 2">
-            <a:extLst>
-              <a:ext uri="{FF2B5EF4-FFF2-40B4-BE49-F238E27FC236}">
-                <a16:creationId xmlns:a16="http://schemas.microsoft.com/office/drawing/2014/main" id="{CC594555-0CE1-044F-9CBB-002C9850DF61}"/>
-              </a:ext>
-            </a:extLst>
-          </p:cNvPr>
+            <a:endParaRPr lang="zh-CN" altLang="en-US" dirty="0"/>
+          </a:p>
+        </p:txBody>
+      </p:sp>
+      <p:sp>
+        <p:nvSpPr>
+          <p:cNvPr id="3" name="文本框 2"/>
           <p:cNvSpPr txBox="1"/>
           <p:nvPr/>
         </p:nvSpPr>
         <p:spPr>
           <a:xfrm>
             <a:off x="683568" y="1419622"/>
-            <a:ext cx="3823483" cy="2152769"/>
+            <a:ext cx="3810635" cy="2306955"/>
           </a:xfrm>
           <a:prstGeom prst="rect">
             <a:avLst/>
@@ -3940,7 +3717,7 @@
             </a:pPr>
             <a:r>
               <a:rPr kumimoji="1" lang="zh-CN" altLang="en-US" sz="2400" dirty="0"/>
-              <a:t>只能运行在 浏览器 环境</a:t>
+              <a:t>运行在 浏览器 环境</a:t>
             </a:r>
             <a:endParaRPr kumimoji="1" lang="en-US" altLang="zh-CN" sz="2400" dirty="0"/>
           </a:p>
@@ -3978,15 +3755,11 @@
               <a:rPr kumimoji="1" lang="zh-CN" altLang="en-US" sz="2400" dirty="0"/>
               <a:t> 库</a:t>
             </a:r>
+            <a:endParaRPr kumimoji="1" lang="zh-CN" altLang="en-US" sz="2400" dirty="0"/>
           </a:p>
         </p:txBody>
       </p:sp>
     </p:spTree>
-    <p:extLst>
-      <p:ext uri="{BB962C8B-B14F-4D97-AF65-F5344CB8AC3E}">
-        <p14:creationId xmlns:p14="http://schemas.microsoft.com/office/powerpoint/2010/main" val="4002631055"/>
-      </p:ext>
-    </p:extLst>
   </p:cSld>
   <p:clrMapOvr>
     <a:masterClrMapping/>
@@ -4036,13 +3809,7 @@
       </p:sp>
       <p:sp>
         <p:nvSpPr>
-          <p:cNvPr id="3" name="文本框 2">
-            <a:extLst>
-              <a:ext uri="{FF2B5EF4-FFF2-40B4-BE49-F238E27FC236}">
-                <a16:creationId xmlns:a16="http://schemas.microsoft.com/office/drawing/2014/main" id="{DF349C40-3620-724F-AA46-7C118493CA75}"/>
-              </a:ext>
-            </a:extLst>
-          </p:cNvPr>
+          <p:cNvPr id="3" name="文本框 2"/>
           <p:cNvSpPr txBox="1"/>
           <p:nvPr/>
         </p:nvSpPr>
@@ -4090,25 +3857,20 @@
               <a:rPr kumimoji="1" lang="zh-CN" altLang="en-US" dirty="0"/>
               <a:t> 模块</a:t>
             </a:r>
+            <a:endParaRPr kumimoji="1" lang="zh-CN" altLang="en-US" dirty="0"/>
           </a:p>
         </p:txBody>
       </p:sp>
       <p:pic>
         <p:nvPicPr>
-          <p:cNvPr id="4" name="图片 3">
-            <a:extLst>
-              <a:ext uri="{FF2B5EF4-FFF2-40B4-BE49-F238E27FC236}">
-                <a16:creationId xmlns:a16="http://schemas.microsoft.com/office/drawing/2014/main" id="{390EFF3A-41D6-E54B-A9C0-DEC533D17C4B}"/>
-              </a:ext>
-            </a:extLst>
-          </p:cNvPr>
+          <p:cNvPr id="4" name="图片 3"/>
           <p:cNvPicPr>
             <a:picLocks noChangeAspect="1"/>
           </p:cNvPicPr>
           <p:nvPr/>
         </p:nvPicPr>
         <p:blipFill>
-          <a:blip r:embed="rId3"/>
+          <a:blip r:embed="rId1"/>
           <a:stretch>
             <a:fillRect/>
           </a:stretch>
@@ -4124,11 +3886,6 @@
         </p:spPr>
       </p:pic>
     </p:spTree>
-    <p:extLst>
-      <p:ext uri="{BB962C8B-B14F-4D97-AF65-F5344CB8AC3E}">
-        <p14:creationId xmlns:p14="http://schemas.microsoft.com/office/powerpoint/2010/main" val="810316698"/>
-      </p:ext>
-    </p:extLst>
   </p:cSld>
   <p:clrMapOvr>
     <a:masterClrMapping/>
@@ -4186,19 +3943,13 @@
       </p:sp>
       <p:sp>
         <p:nvSpPr>
-          <p:cNvPr id="3" name="文本框 2">
-            <a:extLst>
-              <a:ext uri="{FF2B5EF4-FFF2-40B4-BE49-F238E27FC236}">
-                <a16:creationId xmlns:a16="http://schemas.microsoft.com/office/drawing/2014/main" id="{DC9CCF47-ABBF-E541-80AE-A56914F80684}"/>
-              </a:ext>
-            </a:extLst>
-          </p:cNvPr>
+          <p:cNvPr id="3" name="文本框 2"/>
           <p:cNvSpPr txBox="1"/>
           <p:nvPr/>
         </p:nvSpPr>
         <p:spPr>
           <a:xfrm>
-            <a:off x="881655" y="978282"/>
+            <a:off x="498115" y="844297"/>
             <a:ext cx="5135701" cy="369332"/>
           </a:xfrm>
           <a:prstGeom prst="rect">
@@ -4228,24 +3979,19 @@
               <a:rPr kumimoji="1" lang="zh-CN" altLang="en-US" dirty="0"/>
               <a:t> 有了语言层面的模块化语法与关键字</a:t>
             </a:r>
-          </a:p>
-        </p:txBody>
-      </p:sp>
-      <p:sp>
-        <p:nvSpPr>
-          <p:cNvPr id="4" name="文本框 3">
-            <a:extLst>
-              <a:ext uri="{FF2B5EF4-FFF2-40B4-BE49-F238E27FC236}">
-                <a16:creationId xmlns:a16="http://schemas.microsoft.com/office/drawing/2014/main" id="{53056E0F-D23F-8344-B8BB-1FCFE27B47A3}"/>
-              </a:ext>
-            </a:extLst>
-          </p:cNvPr>
+            <a:endParaRPr kumimoji="1" lang="zh-CN" altLang="en-US" dirty="0"/>
+          </a:p>
+        </p:txBody>
+      </p:sp>
+      <p:sp>
+        <p:nvSpPr>
+          <p:cNvPr id="4" name="文本框 3"/>
           <p:cNvSpPr txBox="1"/>
           <p:nvPr/>
         </p:nvSpPr>
         <p:spPr>
           <a:xfrm>
-            <a:off x="881655" y="1491630"/>
+            <a:off x="498115" y="1385585"/>
             <a:ext cx="5801332" cy="369332"/>
           </a:xfrm>
           <a:prstGeom prst="rect">
@@ -4279,25 +4025,20 @@
               <a:rPr kumimoji="1" lang="zh-CN" altLang="en-US" dirty="0"/>
               <a:t> 两个关键字对模块进行导入和导出</a:t>
             </a:r>
+            <a:endParaRPr kumimoji="1" lang="zh-CN" altLang="en-US" dirty="0"/>
           </a:p>
         </p:txBody>
       </p:sp>
       <p:pic>
         <p:nvPicPr>
-          <p:cNvPr id="6" name="图片 5">
-            <a:extLst>
-              <a:ext uri="{FF2B5EF4-FFF2-40B4-BE49-F238E27FC236}">
-                <a16:creationId xmlns:a16="http://schemas.microsoft.com/office/drawing/2014/main" id="{F83DA929-8A24-C647-A50F-4956C33A17B8}"/>
-              </a:ext>
-            </a:extLst>
-          </p:cNvPr>
+          <p:cNvPr id="6" name="图片 5"/>
           <p:cNvPicPr>
             <a:picLocks noChangeAspect="1"/>
           </p:cNvPicPr>
           <p:nvPr/>
         </p:nvPicPr>
         <p:blipFill>
-          <a:blip r:embed="rId3"/>
+          <a:blip r:embed="rId1"/>
           <a:stretch>
             <a:fillRect/>
           </a:stretch>
@@ -4313,11 +4054,6 @@
         </p:spPr>
       </p:pic>
     </p:spTree>
-    <p:extLst>
-      <p:ext uri="{BB962C8B-B14F-4D97-AF65-F5344CB8AC3E}">
-        <p14:creationId xmlns:p14="http://schemas.microsoft.com/office/powerpoint/2010/main" val="3877015280"/>
-      </p:ext>
-    </p:extLst>
   </p:cSld>
   <p:clrMapOvr>
     <a:masterClrMapping/>
@@ -4367,13 +4103,7 @@
       </p:sp>
       <p:sp>
         <p:nvSpPr>
-          <p:cNvPr id="3" name="文本框 2">
-            <a:extLst>
-              <a:ext uri="{FF2B5EF4-FFF2-40B4-BE49-F238E27FC236}">
-                <a16:creationId xmlns:a16="http://schemas.microsoft.com/office/drawing/2014/main" id="{EEBF97A8-CF49-444B-811D-96DD261B2B2C}"/>
-              </a:ext>
-            </a:extLst>
-          </p:cNvPr>
+          <p:cNvPr id="3" name="文本框 2"/>
           <p:cNvSpPr txBox="1"/>
           <p:nvPr/>
         </p:nvSpPr>
@@ -4403,27 +4133,34 @@
             </a:r>
             <a:r>
               <a:rPr lang="zh-CN" altLang="en-US" dirty="0"/>
-              <a:t>是语⾔层⾯的新增导⼊导出关键词与语法的规范</a:t>
-            </a:r>
+              <a:t>是</a:t>
+            </a:r>
+            <a:r>
+              <a:rPr lang="zh-CN" altLang="en-US" dirty="0">
+                <a:solidFill>
+                  <a:srgbClr val="FF0000"/>
+                </a:solidFill>
+              </a:rPr>
+              <a:t>语⾔层⾯</a:t>
+            </a:r>
+            <a:r>
+              <a:rPr lang="zh-CN" altLang="en-US" dirty="0"/>
+              <a:t>的新增导⼊导出关键词与语法的规范</a:t>
+            </a:r>
+            <a:endParaRPr lang="zh-CN" altLang="en-US" dirty="0"/>
           </a:p>
         </p:txBody>
       </p:sp>
       <p:pic>
         <p:nvPicPr>
-          <p:cNvPr id="4" name="图片 3">
-            <a:extLst>
-              <a:ext uri="{FF2B5EF4-FFF2-40B4-BE49-F238E27FC236}">
-                <a16:creationId xmlns:a16="http://schemas.microsoft.com/office/drawing/2014/main" id="{5CE44572-FC77-2B4E-BAB8-B3C6195B8B88}"/>
-              </a:ext>
-            </a:extLst>
-          </p:cNvPr>
+          <p:cNvPr id="4" name="图片 3"/>
           <p:cNvPicPr>
             <a:picLocks noChangeAspect="1"/>
           </p:cNvPicPr>
           <p:nvPr/>
         </p:nvPicPr>
         <p:blipFill>
-          <a:blip r:embed="rId3"/>
+          <a:blip r:embed="rId1"/>
           <a:stretch>
             <a:fillRect/>
           </a:stretch>
@@ -4439,11 +4176,6 @@
         </p:spPr>
       </p:pic>
     </p:spTree>
-    <p:extLst>
-      <p:ext uri="{BB962C8B-B14F-4D97-AF65-F5344CB8AC3E}">
-        <p14:creationId xmlns:p14="http://schemas.microsoft.com/office/powerpoint/2010/main" val="1540688373"/>
-      </p:ext>
-    </p:extLst>
   </p:cSld>
   <p:clrMapOvr>
     <a:masterClrMapping/>
@@ -4493,13 +4225,7 @@
       </p:sp>
       <p:sp>
         <p:nvSpPr>
-          <p:cNvPr id="3" name="文本框 2">
-            <a:extLst>
-              <a:ext uri="{FF2B5EF4-FFF2-40B4-BE49-F238E27FC236}">
-                <a16:creationId xmlns:a16="http://schemas.microsoft.com/office/drawing/2014/main" id="{EEBF97A8-CF49-444B-811D-96DD261B2B2C}"/>
-              </a:ext>
-            </a:extLst>
-          </p:cNvPr>
+          <p:cNvPr id="3" name="文本框 2"/>
           <p:cNvSpPr txBox="1"/>
           <p:nvPr/>
         </p:nvSpPr>
@@ -4551,25 +4277,20 @@
               <a:rPr lang="zh-CN" altLang="en-US" dirty="0"/>
               <a:t> 为值引用</a:t>
             </a:r>
+            <a:endParaRPr lang="zh-CN" altLang="en-US" dirty="0"/>
           </a:p>
         </p:txBody>
       </p:sp>
       <p:pic>
         <p:nvPicPr>
-          <p:cNvPr id="6" name="图片 5">
-            <a:extLst>
-              <a:ext uri="{FF2B5EF4-FFF2-40B4-BE49-F238E27FC236}">
-                <a16:creationId xmlns:a16="http://schemas.microsoft.com/office/drawing/2014/main" id="{96B8D12A-0BDF-4B40-9529-B3145F6AB737}"/>
-              </a:ext>
-            </a:extLst>
-          </p:cNvPr>
+          <p:cNvPr id="6" name="图片 5"/>
           <p:cNvPicPr>
             <a:picLocks noChangeAspect="1"/>
           </p:cNvPicPr>
           <p:nvPr/>
         </p:nvPicPr>
         <p:blipFill>
-          <a:blip r:embed="rId3"/>
+          <a:blip r:embed="rId1"/>
           <a:stretch>
             <a:fillRect/>
           </a:stretch>
@@ -4586,20 +4307,14 @@
       </p:pic>
       <p:pic>
         <p:nvPicPr>
-          <p:cNvPr id="7" name="图片 6">
-            <a:extLst>
-              <a:ext uri="{FF2B5EF4-FFF2-40B4-BE49-F238E27FC236}">
-                <a16:creationId xmlns:a16="http://schemas.microsoft.com/office/drawing/2014/main" id="{C36DB143-B6FF-5848-B6F2-29D878D62735}"/>
-              </a:ext>
-            </a:extLst>
-          </p:cNvPr>
+          <p:cNvPr id="7" name="图片 6"/>
           <p:cNvPicPr>
             <a:picLocks noChangeAspect="1"/>
           </p:cNvPicPr>
           <p:nvPr/>
         </p:nvPicPr>
         <p:blipFill>
-          <a:blip r:embed="rId4"/>
+          <a:blip r:embed="rId2"/>
           <a:stretch>
             <a:fillRect/>
           </a:stretch>
@@ -4615,11 +4330,6 @@
         </p:spPr>
       </p:pic>
     </p:spTree>
-    <p:extLst>
-      <p:ext uri="{BB962C8B-B14F-4D97-AF65-F5344CB8AC3E}">
-        <p14:creationId xmlns:p14="http://schemas.microsoft.com/office/powerpoint/2010/main" val="3106391416"/>
-      </p:ext>
-    </p:extLst>
   </p:cSld>
   <p:clrMapOvr>
     <a:masterClrMapping/>
@@ -4905,18 +4615,13 @@
               <a:rPr lang="zh-CN" altLang="en-US" dirty="0"/>
               <a:t>后模块化时代</a:t>
             </a:r>
-          </a:p>
-        </p:txBody>
-      </p:sp>
-      <p:sp>
-        <p:nvSpPr>
-          <p:cNvPr id="3" name="文本框 2">
-            <a:extLst>
-              <a:ext uri="{FF2B5EF4-FFF2-40B4-BE49-F238E27FC236}">
-                <a16:creationId xmlns:a16="http://schemas.microsoft.com/office/drawing/2014/main" id="{CB513366-5782-5045-BB04-3D0640E42C25}"/>
-              </a:ext>
-            </a:extLst>
-          </p:cNvPr>
+            <a:endParaRPr lang="zh-CN" altLang="en-US" dirty="0"/>
+          </a:p>
+        </p:txBody>
+      </p:sp>
+      <p:sp>
+        <p:nvSpPr>
+          <p:cNvPr id="3" name="文本框 2"/>
           <p:cNvSpPr txBox="1"/>
           <p:nvPr/>
         </p:nvSpPr>
@@ -4955,18 +4660,13 @@
               <a:rPr kumimoji="1" lang="zh-CN" altLang="en-US" sz="2400" dirty="0"/>
               <a:t> 向前兼容旧版浏览器</a:t>
             </a:r>
-          </a:p>
-        </p:txBody>
-      </p:sp>
-      <p:sp>
-        <p:nvSpPr>
-          <p:cNvPr id="4" name="文本框 3">
-            <a:extLst>
-              <a:ext uri="{FF2B5EF4-FFF2-40B4-BE49-F238E27FC236}">
-                <a16:creationId xmlns:a16="http://schemas.microsoft.com/office/drawing/2014/main" id="{4E43A384-947A-6F41-A3BC-87F45334B766}"/>
-              </a:ext>
-            </a:extLst>
-          </p:cNvPr>
+            <a:endParaRPr kumimoji="1" lang="zh-CN" altLang="en-US" sz="2400" dirty="0"/>
+          </a:p>
+        </p:txBody>
+      </p:sp>
+      <p:sp>
+        <p:nvSpPr>
+          <p:cNvPr id="4" name="文本框 3"/>
           <p:cNvSpPr txBox="1"/>
           <p:nvPr/>
         </p:nvSpPr>
@@ -4994,15 +4694,11 @@
               <a:rPr kumimoji="1" lang="zh-CN" altLang="en-US" sz="2400" dirty="0"/>
               <a:t>：处理不同版本间模块化的区别</a:t>
             </a:r>
+            <a:endParaRPr kumimoji="1" lang="zh-CN" altLang="en-US" sz="2400" dirty="0"/>
           </a:p>
         </p:txBody>
       </p:sp>
     </p:spTree>
-    <p:extLst>
-      <p:ext uri="{BB962C8B-B14F-4D97-AF65-F5344CB8AC3E}">
-        <p14:creationId xmlns:p14="http://schemas.microsoft.com/office/powerpoint/2010/main" val="3505083189"/>
-      </p:ext>
-    </p:extLst>
   </p:cSld>
   <p:clrMapOvr>
     <a:masterClrMapping/>
@@ -5029,13 +4725,7 @@
       </p:grpSpPr>
       <p:sp>
         <p:nvSpPr>
-          <p:cNvPr id="2" name="标题 1">
-            <a:extLst>
-              <a:ext uri="{FF2B5EF4-FFF2-40B4-BE49-F238E27FC236}">
-                <a16:creationId xmlns:a16="http://schemas.microsoft.com/office/drawing/2014/main" id="{E06D06A1-C892-409E-ACA8-FC8F319BCF14}"/>
-              </a:ext>
-            </a:extLst>
-          </p:cNvPr>
+          <p:cNvPr id="2" name="标题 1"/>
           <p:cNvSpPr>
             <a:spLocks noGrp="1"/>
           </p:cNvSpPr>
@@ -5053,14 +4743,14 @@
               <a:rPr lang="zh-CN" altLang="en-US" b="0" dirty="0">
                 <a:latin typeface="华文中宋" pitchFamily="2" charset="-122"/>
                 <a:ea typeface="华文中宋" pitchFamily="2" charset="-122"/>
-                <a:sym typeface="Arial"/>
+                <a:sym typeface="Arial" panose="020B0604020202090204"/>
               </a:rPr>
               <a:t>目录</a:t>
             </a:r>
             <a:endParaRPr lang="zh-CN" altLang="en-US" sz="2000" b="0" dirty="0">
               <a:latin typeface="华文中宋" pitchFamily="2" charset="-122"/>
               <a:ea typeface="华文中宋" pitchFamily="2" charset="-122"/>
-              <a:sym typeface="Arial"/>
+              <a:sym typeface="Arial" panose="020B0604020202090204"/>
             </a:endParaRPr>
           </a:p>
         </p:txBody>
@@ -5091,7 +4781,7 @@
               <a:lnSpc>
                 <a:spcPct val="150000"/>
               </a:lnSpc>
-              <a:buFont typeface="Arial" charset="0"/>
+              <a:buFont typeface="Arial" panose="020B0604020202090204" pitchFamily="34" charset="0"/>
               <a:buChar char="•"/>
             </a:pPr>
             <a:r>
@@ -5118,7 +4808,7 @@
               <a:lnSpc>
                 <a:spcPct val="150000"/>
               </a:lnSpc>
-              <a:buFont typeface="Arial" charset="0"/>
+              <a:buFont typeface="Arial" panose="020B0604020202090204" pitchFamily="34" charset="0"/>
               <a:buChar char="•"/>
             </a:pPr>
             <a:r>
@@ -5142,13 +4832,17 @@
               </a:rPr>
               <a:t>AMD</a:t>
             </a:r>
+            <a:endParaRPr lang="en-US" altLang="zh-CN" sz="2800" dirty="0">
+              <a:latin typeface="微软雅黑" panose="020B0503020204020204" pitchFamily="34" charset="-122"/>
+              <a:ea typeface="微软雅黑" panose="020B0503020204020204" pitchFamily="34" charset="-122"/>
+            </a:endParaRPr>
           </a:p>
           <a:p>
             <a:pPr marL="514350" indent="-514350">
               <a:lnSpc>
                 <a:spcPct val="150000"/>
               </a:lnSpc>
-              <a:buFont typeface="Arial" charset="0"/>
+              <a:buFont typeface="Arial" panose="020B0604020202090204" pitchFamily="34" charset="0"/>
               <a:buChar char="•"/>
             </a:pPr>
             <a:r>
@@ -5158,13 +4852,17 @@
               </a:rPr>
               <a:t>UMD</a:t>
             </a:r>
+            <a:endParaRPr lang="en-US" altLang="zh-CN" sz="2800" dirty="0">
+              <a:latin typeface="微软雅黑" panose="020B0503020204020204" pitchFamily="34" charset="-122"/>
+              <a:ea typeface="微软雅黑" panose="020B0503020204020204" pitchFamily="34" charset="-122"/>
+            </a:endParaRPr>
           </a:p>
           <a:p>
             <a:pPr marL="514350" indent="-514350">
               <a:lnSpc>
                 <a:spcPct val="150000"/>
               </a:lnSpc>
-              <a:buFont typeface="Arial" charset="0"/>
+              <a:buFont typeface="Arial" panose="020B0604020202090204" pitchFamily="34" charset="0"/>
               <a:buChar char="•"/>
             </a:pPr>
             <a:r>
@@ -5188,13 +4886,17 @@
               </a:rPr>
               <a:t>Module</a:t>
             </a:r>
+            <a:endParaRPr lang="en-US" altLang="zh-CN" sz="2800" dirty="0">
+              <a:latin typeface="微软雅黑" panose="020B0503020204020204" pitchFamily="34" charset="-122"/>
+              <a:ea typeface="微软雅黑" panose="020B0503020204020204" pitchFamily="34" charset="-122"/>
+            </a:endParaRPr>
           </a:p>
           <a:p>
             <a:pPr marL="514350" indent="-514350">
               <a:lnSpc>
                 <a:spcPct val="150000"/>
               </a:lnSpc>
-              <a:buFont typeface="Arial" charset="0"/>
+              <a:buFont typeface="Arial" panose="020B0604020202090204" pitchFamily="34" charset="0"/>
               <a:buChar char="•"/>
             </a:pPr>
             <a:r>
@@ -5211,7 +4913,7 @@
               <a:lnSpc>
                 <a:spcPct val="150000"/>
               </a:lnSpc>
-              <a:buFont typeface="Arial" charset="0"/>
+              <a:buFont typeface="Arial" panose="020B0604020202090204" pitchFamily="34" charset="0"/>
               <a:buChar char="•"/>
             </a:pPr>
             <a:endParaRPr lang="zh-CN" altLang="en-US" sz="2800" b="1" dirty="0">
@@ -5222,11 +4924,6 @@
         </p:txBody>
       </p:sp>
     </p:spTree>
-    <p:extLst>
-      <p:ext uri="{BB962C8B-B14F-4D97-AF65-F5344CB8AC3E}">
-        <p14:creationId xmlns:p14="http://schemas.microsoft.com/office/powerpoint/2010/main" val="1878644501"/>
-      </p:ext>
-    </p:extLst>
   </p:cSld>
   <p:clrMapOvr>
     <a:masterClrMapping/>
@@ -5378,9 +5075,7 @@
       <p:sp>
         <p:nvSpPr>
           <p:cNvPr id="4" name="TextBox 3"/>
-          <p:cNvSpPr txBox="1">
-            <a:spLocks/>
-          </p:cNvSpPr>
+          <p:cNvSpPr txBox="1"/>
           <p:nvPr/>
         </p:nvSpPr>
         <p:spPr>
@@ -5405,9 +5100,9 @@
                 <a:solidFill>
                   <a:schemeClr val="bg1"/>
                 </a:solidFill>
-                <a:latin typeface="Arial"/>
+                <a:latin typeface="Arial" panose="020B0604020202090204"/>
                 <a:ea typeface="Microsoft YaHei"/>
-                <a:sym typeface="Arial"/>
+                <a:sym typeface="Arial" panose="020B0604020202090204"/>
               </a:rPr>
               <a:t>Thank  You </a:t>
             </a:r>
@@ -5415,19 +5110,14 @@
               <a:solidFill>
                 <a:schemeClr val="bg1"/>
               </a:solidFill>
-              <a:latin typeface="Arial"/>
+              <a:latin typeface="Arial" panose="020B0604020202090204"/>
               <a:ea typeface="Microsoft YaHei"/>
-              <a:sym typeface="Arial"/>
+              <a:sym typeface="Arial" panose="020B0604020202090204"/>
             </a:endParaRPr>
           </a:p>
         </p:txBody>
       </p:sp>
     </p:spTree>
-    <p:extLst>
-      <p:ext uri="{BB962C8B-B14F-4D97-AF65-F5344CB8AC3E}">
-        <p14:creationId xmlns:p14="http://schemas.microsoft.com/office/powerpoint/2010/main" val="668721758"/>
-      </p:ext>
-    </p:extLst>
   </p:cSld>
   <p:clrMapOvr>
     <a:masterClrMapping/>
@@ -5472,11 +5162,6 @@
         </p:txBody>
       </p:sp>
     </p:spTree>
-    <p:extLst>
-      <p:ext uri="{BB962C8B-B14F-4D97-AF65-F5344CB8AC3E}">
-        <p14:creationId xmlns:p14="http://schemas.microsoft.com/office/powerpoint/2010/main" val="2136485896"/>
-      </p:ext>
-    </p:extLst>
   </p:cSld>
   <p:clrMapOvr>
     <a:masterClrMapping/>
@@ -5521,11 +5206,6 @@
         </p:txBody>
       </p:sp>
     </p:spTree>
-    <p:extLst>
-      <p:ext uri="{BB962C8B-B14F-4D97-AF65-F5344CB8AC3E}">
-        <p14:creationId xmlns:p14="http://schemas.microsoft.com/office/powerpoint/2010/main" val="973233946"/>
-      </p:ext>
-    </p:extLst>
   </p:cSld>
   <p:clrMapOvr>
     <a:masterClrMapping/>
@@ -5573,18 +5253,13 @@
               <a:rPr lang="zh-CN" altLang="en-US" dirty="0"/>
               <a:t> 标签引入</a:t>
             </a:r>
-          </a:p>
-        </p:txBody>
-      </p:sp>
-      <p:sp>
-        <p:nvSpPr>
-          <p:cNvPr id="8" name="文本框 7">
-            <a:extLst>
-              <a:ext uri="{FF2B5EF4-FFF2-40B4-BE49-F238E27FC236}">
-                <a16:creationId xmlns:a16="http://schemas.microsoft.com/office/drawing/2014/main" id="{29B41687-C7BF-434E-AA8C-CE51B75B0F1F}"/>
-              </a:ext>
-            </a:extLst>
-          </p:cNvPr>
+            <a:endParaRPr lang="zh-CN" altLang="en-US" dirty="0"/>
+          </a:p>
+        </p:txBody>
+      </p:sp>
+      <p:sp>
+        <p:nvSpPr>
+          <p:cNvPr id="8" name="文本框 7"/>
           <p:cNvSpPr txBox="1"/>
           <p:nvPr/>
         </p:nvSpPr>
@@ -5632,25 +5307,23 @@
               </a:rPr>
               <a:t> 标签加载</a:t>
             </a:r>
+            <a:endParaRPr kumimoji="1" lang="zh-CN" altLang="en-US" sz="2400" dirty="0">
+              <a:latin typeface="+mj-ea"/>
+              <a:ea typeface="+mj-ea"/>
+            </a:endParaRPr>
           </a:p>
         </p:txBody>
       </p:sp>
       <p:pic>
         <p:nvPicPr>
-          <p:cNvPr id="11" name="图片 10">
-            <a:extLst>
-              <a:ext uri="{FF2B5EF4-FFF2-40B4-BE49-F238E27FC236}">
-                <a16:creationId xmlns:a16="http://schemas.microsoft.com/office/drawing/2014/main" id="{5E43BBFD-A012-2C46-A936-A92B6A05AECF}"/>
-              </a:ext>
-            </a:extLst>
-          </p:cNvPr>
+          <p:cNvPr id="11" name="图片 10"/>
           <p:cNvPicPr>
             <a:picLocks noChangeAspect="1"/>
           </p:cNvPicPr>
           <p:nvPr/>
         </p:nvPicPr>
         <p:blipFill>
-          <a:blip r:embed="rId3"/>
+          <a:blip r:embed="rId1"/>
           <a:stretch>
             <a:fillRect/>
           </a:stretch>
@@ -5713,25 +5386,20 @@
               <a:rPr lang="zh-CN" altLang="en-US" dirty="0"/>
               <a:t> 标签引入</a:t>
             </a:r>
+            <a:endParaRPr lang="zh-CN" altLang="en-US" dirty="0"/>
           </a:p>
         </p:txBody>
       </p:sp>
       <p:pic>
         <p:nvPicPr>
-          <p:cNvPr id="5" name="图片 4">
-            <a:extLst>
-              <a:ext uri="{FF2B5EF4-FFF2-40B4-BE49-F238E27FC236}">
-                <a16:creationId xmlns:a16="http://schemas.microsoft.com/office/drawing/2014/main" id="{33DCFE2B-E16F-984F-9859-00F72188387A}"/>
-              </a:ext>
-            </a:extLst>
-          </p:cNvPr>
+          <p:cNvPr id="5" name="图片 4"/>
           <p:cNvPicPr>
             <a:picLocks noChangeAspect="1"/>
           </p:cNvPicPr>
           <p:nvPr/>
         </p:nvPicPr>
         <p:blipFill>
-          <a:blip r:embed="rId3"/>
+          <a:blip r:embed="rId1"/>
           <a:stretch>
             <a:fillRect/>
           </a:stretch>
@@ -5747,11 +5415,6 @@
         </p:spPr>
       </p:pic>
     </p:spTree>
-    <p:extLst>
-      <p:ext uri="{BB962C8B-B14F-4D97-AF65-F5344CB8AC3E}">
-        <p14:creationId xmlns:p14="http://schemas.microsoft.com/office/powerpoint/2010/main" val="1123600918"/>
-      </p:ext>
-    </p:extLst>
   </p:cSld>
   <p:clrMapOvr>
     <a:masterClrMapping/>
@@ -5799,25 +5462,20 @@
               <a:rPr lang="zh-CN" altLang="en-US" dirty="0"/>
               <a:t> 标签的问题</a:t>
             </a:r>
-          </a:p>
-        </p:txBody>
-      </p:sp>
-      <p:sp>
-        <p:nvSpPr>
-          <p:cNvPr id="3" name="文本框 2">
-            <a:extLst>
-              <a:ext uri="{FF2B5EF4-FFF2-40B4-BE49-F238E27FC236}">
-                <a16:creationId xmlns:a16="http://schemas.microsoft.com/office/drawing/2014/main" id="{D06D3CA0-F516-164E-BB09-43C887D23B9E}"/>
-              </a:ext>
-            </a:extLst>
-          </p:cNvPr>
+            <a:endParaRPr lang="zh-CN" altLang="en-US" dirty="0"/>
+          </a:p>
+        </p:txBody>
+      </p:sp>
+      <p:sp>
+        <p:nvSpPr>
+          <p:cNvPr id="3" name="文本框 2"/>
           <p:cNvSpPr txBox="1"/>
           <p:nvPr/>
         </p:nvSpPr>
         <p:spPr>
           <a:xfrm>
             <a:off x="507618" y="1491630"/>
-            <a:ext cx="7630615" cy="1695977"/>
+            <a:ext cx="7721600" cy="2506980"/>
           </a:xfrm>
           <a:prstGeom prst="rect">
             <a:avLst/>
@@ -5830,11 +5488,11 @@
           </a:bodyPr>
           <a:lstStyle/>
           <a:p>
-            <a:pPr marL="285750" indent="-285750">
+            <a:pPr marL="285750" indent="-285750" algn="l">
               <a:lnSpc>
                 <a:spcPct val="150000"/>
               </a:lnSpc>
-              <a:buFont typeface="Arial" panose="020B0604020202020204" pitchFamily="34" charset="0"/>
+              <a:buFont typeface="Arial" panose="020B0604020202090204" pitchFamily="34" charset="0"/>
               <a:buChar char="•"/>
             </a:pPr>
             <a:r>
@@ -5876,27 +5534,63 @@
             </a:endParaRPr>
           </a:p>
           <a:p>
-            <a:pPr marL="285750" indent="-285750">
+            <a:pPr marL="285750" indent="-285750" algn="l">
               <a:lnSpc>
                 <a:spcPct val="250000"/>
               </a:lnSpc>
-              <a:buFont typeface="Arial" panose="020B0604020202020204" pitchFamily="34" charset="0"/>
+              <a:buFont typeface="Arial" panose="020B0604020202090204" pitchFamily="34" charset="0"/>
               <a:buChar char="•"/>
             </a:pPr>
             <a:r>
-              <a:rPr lang="zh-CN" altLang="en-US" sz="2000" dirty="0"/>
-              <a:t>额外需要关注脚本的 </a:t>
+              <a:rPr lang="zh-CN" altLang="en-US" sz="2000" dirty="0">
+                <a:sym typeface="+mn-ea"/>
+              </a:rPr>
+              <a:t>模块之间的</a:t>
             </a:r>
             <a:r>
               <a:rPr lang="zh-CN" altLang="en-US" sz="2000" dirty="0">
                 <a:solidFill>
                   <a:srgbClr val="FF0000"/>
                 </a:solidFill>
+                <a:sym typeface="+mn-ea"/>
+              </a:rPr>
+              <a:t>依赖关系</a:t>
+            </a:r>
+            <a:r>
+              <a:rPr lang="zh-CN" altLang="en-US" sz="2000" dirty="0">
+                <a:sym typeface="+mn-ea"/>
+              </a:rPr>
+              <a:t>不够清晰</a:t>
+            </a:r>
+            <a:endParaRPr lang="zh-CN" altLang="en-US" sz="2000" dirty="0"/>
+          </a:p>
+          <a:p>
+            <a:pPr marL="285750" indent="-285750" algn="l">
+              <a:lnSpc>
+                <a:spcPct val="250000"/>
+              </a:lnSpc>
+              <a:buFont typeface="Arial" panose="020B0604020202090204" pitchFamily="34" charset="0"/>
+              <a:buChar char="•"/>
+            </a:pPr>
+            <a:r>
+              <a:rPr lang="zh-CN" altLang="en-US" sz="2000" dirty="0">
+                <a:sym typeface="+mn-ea"/>
+              </a:rPr>
+              <a:t>额外需要关注脚本的 </a:t>
+            </a:r>
+            <a:r>
+              <a:rPr lang="zh-CN" altLang="en-US" sz="2000" dirty="0">
+                <a:solidFill>
+                  <a:srgbClr val="FF0000"/>
+                </a:solidFill>
+                <a:sym typeface="+mn-ea"/>
               </a:rPr>
               <a:t>加载顺序</a:t>
             </a:r>
             <a:r>
-              <a:rPr lang="zh-CN" altLang="en-US" sz="2000" dirty="0"/>
+              <a:rPr lang="zh-CN" altLang="en-US" sz="2000" dirty="0">
+                <a:sym typeface="+mn-ea"/>
+              </a:rPr>
               <a:t>，需要手动维护</a:t>
             </a:r>
             <a:endParaRPr lang="en-US" altLang="zh-CN" sz="2000" dirty="0"/>
@@ -5916,11 +5610,6 @@
         </p:txBody>
       </p:sp>
     </p:spTree>
-    <p:extLst>
-      <p:ext uri="{BB962C8B-B14F-4D97-AF65-F5344CB8AC3E}">
-        <p14:creationId xmlns:p14="http://schemas.microsoft.com/office/powerpoint/2010/main" val="1347557973"/>
-      </p:ext>
-    </p:extLst>
   </p:cSld>
   <p:clrMapOvr>
     <a:masterClrMapping/>
@@ -5955,7 +5644,12 @@
             <p:ph type="title"/>
           </p:nvPr>
         </p:nvSpPr>
-        <p:spPr/>
+        <p:spPr>
+          <a:xfrm>
+            <a:off x="98453" y="238696"/>
+            <a:ext cx="7644068" cy="344357"/>
+          </a:xfrm>
+        </p:spPr>
         <p:txBody>
           <a:bodyPr/>
           <a:lstStyle/>
@@ -5964,18 +5658,13 @@
               <a:rPr lang="zh-CN" altLang="en-US" dirty="0"/>
               <a:t>模块化的概念</a:t>
             </a:r>
-          </a:p>
-        </p:txBody>
-      </p:sp>
-      <p:sp>
-        <p:nvSpPr>
-          <p:cNvPr id="3" name="文本框 2">
-            <a:extLst>
-              <a:ext uri="{FF2B5EF4-FFF2-40B4-BE49-F238E27FC236}">
-                <a16:creationId xmlns:a16="http://schemas.microsoft.com/office/drawing/2014/main" id="{FB64C97A-BE9E-5946-926B-335C1637F948}"/>
-              </a:ext>
-            </a:extLst>
-          </p:cNvPr>
+            <a:endParaRPr lang="zh-CN" altLang="en-US" dirty="0"/>
+          </a:p>
+        </p:txBody>
+      </p:sp>
+      <p:sp>
+        <p:nvSpPr>
+          <p:cNvPr id="3" name="文本框 2"/>
           <p:cNvSpPr txBox="1"/>
           <p:nvPr/>
         </p:nvSpPr>
@@ -6056,15 +5745,11 @@
               <a:rPr kumimoji="1" lang="zh-CN" altLang="en-US" sz="2000" dirty="0"/>
               <a:t>关系</a:t>
             </a:r>
+            <a:endParaRPr kumimoji="1" lang="zh-CN" altLang="en-US" sz="2000" dirty="0"/>
           </a:p>
         </p:txBody>
       </p:sp>
     </p:spTree>
-    <p:extLst>
-      <p:ext uri="{BB962C8B-B14F-4D97-AF65-F5344CB8AC3E}">
-        <p14:creationId xmlns:p14="http://schemas.microsoft.com/office/powerpoint/2010/main" val="1421579227"/>
-      </p:ext>
-    </p:extLst>
   </p:cSld>
   <p:clrMapOvr>
     <a:masterClrMapping/>
@@ -6114,13 +5799,7 @@
       </p:sp>
       <p:sp>
         <p:nvSpPr>
-          <p:cNvPr id="3" name="文本框 2">
-            <a:extLst>
-              <a:ext uri="{FF2B5EF4-FFF2-40B4-BE49-F238E27FC236}">
-                <a16:creationId xmlns:a16="http://schemas.microsoft.com/office/drawing/2014/main" id="{87AB4F9A-2547-5445-8301-EBE77CFB67EB}"/>
-              </a:ext>
-            </a:extLst>
-          </p:cNvPr>
+          <p:cNvPr id="3" name="文本框 2"/>
           <p:cNvSpPr txBox="1"/>
           <p:nvPr/>
         </p:nvSpPr>
@@ -6156,18 +5835,13 @@
               <a:rPr kumimoji="1" lang="zh-CN" altLang="en-US" sz="2400" dirty="0"/>
               <a:t> 模块化规范</a:t>
             </a:r>
-          </a:p>
-        </p:txBody>
-      </p:sp>
-      <p:sp>
-        <p:nvSpPr>
-          <p:cNvPr id="4" name="文本框 3">
-            <a:extLst>
-              <a:ext uri="{FF2B5EF4-FFF2-40B4-BE49-F238E27FC236}">
-                <a16:creationId xmlns:a16="http://schemas.microsoft.com/office/drawing/2014/main" id="{994468F1-F99D-0345-89E5-59E12B1C46A0}"/>
-              </a:ext>
-            </a:extLst>
-          </p:cNvPr>
+            <a:endParaRPr kumimoji="1" lang="zh-CN" altLang="en-US" sz="2400" dirty="0"/>
+          </a:p>
+        </p:txBody>
+      </p:sp>
+      <p:sp>
+        <p:nvSpPr>
+          <p:cNvPr id="4" name="文本框 3"/>
           <p:cNvSpPr txBox="1"/>
           <p:nvPr/>
         </p:nvSpPr>
@@ -6245,25 +5919,20 @@
               <a:rPr kumimoji="1" lang="zh-CN" altLang="en-US" dirty="0"/>
               <a:t>对象来对模块进行导入和导出</a:t>
             </a:r>
+            <a:endParaRPr kumimoji="1" lang="zh-CN" altLang="en-US" dirty="0"/>
           </a:p>
         </p:txBody>
       </p:sp>
       <p:pic>
         <p:nvPicPr>
-          <p:cNvPr id="5" name="图片 4">
-            <a:extLst>
-              <a:ext uri="{FF2B5EF4-FFF2-40B4-BE49-F238E27FC236}">
-                <a16:creationId xmlns:a16="http://schemas.microsoft.com/office/drawing/2014/main" id="{77A154C4-8E57-0E4E-B360-31C57A581B5B}"/>
-              </a:ext>
-            </a:extLst>
-          </p:cNvPr>
+          <p:cNvPr id="5" name="图片 4"/>
           <p:cNvPicPr>
             <a:picLocks noChangeAspect="1"/>
           </p:cNvPicPr>
           <p:nvPr/>
         </p:nvPicPr>
         <p:blipFill>
-          <a:blip r:embed="rId3"/>
+          <a:blip r:embed="rId1"/>
           <a:stretch>
             <a:fillRect/>
           </a:stretch>
@@ -6279,11 +5948,6 @@
         </p:spPr>
       </p:pic>
     </p:spTree>
-    <p:extLst>
-      <p:ext uri="{BB962C8B-B14F-4D97-AF65-F5344CB8AC3E}">
-        <p14:creationId xmlns:p14="http://schemas.microsoft.com/office/powerpoint/2010/main" val="526911038"/>
-      </p:ext>
-    </p:extLst>
   </p:cSld>
   <p:clrMapOvr>
     <a:masterClrMapping/>
@@ -6333,20 +5997,14 @@
       </p:sp>
       <p:pic>
         <p:nvPicPr>
-          <p:cNvPr id="6" name="图片 5">
-            <a:extLst>
-              <a:ext uri="{FF2B5EF4-FFF2-40B4-BE49-F238E27FC236}">
-                <a16:creationId xmlns:a16="http://schemas.microsoft.com/office/drawing/2014/main" id="{6B326C26-9903-D248-90CA-B96D973D9BC4}"/>
-              </a:ext>
-            </a:extLst>
-          </p:cNvPr>
+          <p:cNvPr id="6" name="图片 5"/>
           <p:cNvPicPr>
             <a:picLocks noChangeAspect="1"/>
           </p:cNvPicPr>
           <p:nvPr/>
         </p:nvPicPr>
         <p:blipFill>
-          <a:blip r:embed="rId3"/>
+          <a:blip r:embed="rId1"/>
           <a:stretch>
             <a:fillRect/>
           </a:stretch>
@@ -6362,11 +6020,6 @@
         </p:spPr>
       </p:pic>
     </p:spTree>
-    <p:extLst>
-      <p:ext uri="{BB962C8B-B14F-4D97-AF65-F5344CB8AC3E}">
-        <p14:creationId xmlns:p14="http://schemas.microsoft.com/office/powerpoint/2010/main" val="1013248968"/>
-      </p:ext>
-    </p:extLst>
   </p:cSld>
   <p:clrMapOvr>
     <a:masterClrMapping/>
@@ -6416,20 +6069,14 @@
       </p:sp>
       <p:pic>
         <p:nvPicPr>
-          <p:cNvPr id="3" name="图片 2">
-            <a:extLst>
-              <a:ext uri="{FF2B5EF4-FFF2-40B4-BE49-F238E27FC236}">
-                <a16:creationId xmlns:a16="http://schemas.microsoft.com/office/drawing/2014/main" id="{B0C472ED-E6D3-D547-B3CC-ED5F5D0E1788}"/>
-              </a:ext>
-            </a:extLst>
-          </p:cNvPr>
+          <p:cNvPr id="3" name="图片 2"/>
           <p:cNvPicPr>
             <a:picLocks noChangeAspect="1"/>
           </p:cNvPicPr>
           <p:nvPr/>
         </p:nvPicPr>
         <p:blipFill>
-          <a:blip r:embed="rId3"/>
+          <a:blip r:embed="rId1"/>
           <a:stretch>
             <a:fillRect/>
           </a:stretch>
@@ -6446,13 +6093,7 @@
       </p:pic>
       <p:sp>
         <p:nvSpPr>
-          <p:cNvPr id="4" name="文本框 3">
-            <a:extLst>
-              <a:ext uri="{FF2B5EF4-FFF2-40B4-BE49-F238E27FC236}">
-                <a16:creationId xmlns:a16="http://schemas.microsoft.com/office/drawing/2014/main" id="{B6D37A71-919A-354E-A7DC-29919B160B55}"/>
-              </a:ext>
-            </a:extLst>
-          </p:cNvPr>
+          <p:cNvPr id="4" name="文本框 3"/>
           <p:cNvSpPr txBox="1"/>
           <p:nvPr/>
         </p:nvSpPr>
@@ -6476,26 +6117,16 @@
               <a:rPr kumimoji="1" lang="zh-CN" altLang="en-US" dirty="0"/>
               <a:t>执行结果</a:t>
             </a:r>
+            <a:endParaRPr kumimoji="1" lang="zh-CN" altLang="en-US" dirty="0"/>
           </a:p>
         </p:txBody>
       </p:sp>
     </p:spTree>
-    <p:extLst>
-      <p:ext uri="{BB962C8B-B14F-4D97-AF65-F5344CB8AC3E}">
-        <p14:creationId xmlns:p14="http://schemas.microsoft.com/office/powerpoint/2010/main" val="1590269097"/>
-      </p:ext>
-    </p:extLst>
   </p:cSld>
   <p:clrMapOvr>
     <a:masterClrMapping/>
   </p:clrMapOvr>
 </p:sld>
-</file>
-
-<file path=ppt/tags/tag1.xml><?xml version="1.0" encoding="utf-8"?>
-<p:tagLst xmlns:a="http://schemas.openxmlformats.org/drawingml/2006/main" xmlns:r="http://schemas.openxmlformats.org/officeDocument/2006/relationships" xmlns:p="http://schemas.openxmlformats.org/presentationml/2006/main">
-  <p:tag name="KSO_WM_DOC_GUID" val="{ec43a442-389f-45b7-bc83-cbc3709368fc}"/>
-</p:tagLst>
 </file>
 
 <file path=ppt/theme/theme1.xml><?xml version="1.0" encoding="utf-8"?>
@@ -6778,8 +6409,6 @@
       </a:bgFillStyleLst>
     </a:fmtScheme>
   </a:themeElements>
-  <a:objectDefaults/>
-  <a:extraClrSchemeLst/>
   <a:extLst>
     <a:ext uri="{05A4C25C-085E-4340-85A3-A5531E510DB2}">
       <thm15:themeFamily xmlns:thm15="http://schemas.microsoft.com/office/thememl/2012/main" name="Office Theme" id="{62F939B6-93AF-4DB8-9C6B-D6C7DFDC589F}" vid="{4A3C46E8-61CC-4603-A589-7422A47A8E4A}"/>
@@ -7068,8 +6697,6 @@
       </a:bgFillStyleLst>
     </a:fmtScheme>
   </a:themeElements>
-  <a:objectDefaults/>
-  <a:extraClrSchemeLst/>
   <a:extLst>
     <a:ext uri="{05A4C25C-085E-4340-85A3-A5531E510DB2}">
       <thm15:themeFamily xmlns:thm15="http://schemas.microsoft.com/office/thememl/2012/main" name="Office Theme" id="{62F939B6-93AF-4DB8-9C6B-D6C7DFDC589F}" vid="{4A3C46E8-61CC-4603-A589-7422A47A8E4A}"/>

--- a/封装库&笔记/前端模块化分享/前端模块化.pptx
+++ b/封装库&笔记/前端模块化分享/前端模块化.pptx
@@ -5,31 +5,32 @@
     <p:sldMasterId id="2147483648" r:id="rId1"/>
   </p:sldMasterIdLst>
   <p:notesMasterIdLst>
-    <p:notesMasterId r:id="rId5"/>
+    <p:notesMasterId r:id="rId25"/>
   </p:notesMasterIdLst>
   <p:sldIdLst>
-    <p:sldId id="364" r:id="rId3"/>
-    <p:sldId id="423" r:id="rId4"/>
-    <p:sldId id="424" r:id="rId6"/>
-    <p:sldId id="425" r:id="rId7"/>
-    <p:sldId id="426" r:id="rId8"/>
-    <p:sldId id="427" r:id="rId9"/>
-    <p:sldId id="428" r:id="rId10"/>
-    <p:sldId id="430" r:id="rId11"/>
-    <p:sldId id="431" r:id="rId12"/>
-    <p:sldId id="432" r:id="rId13"/>
-    <p:sldId id="429" r:id="rId14"/>
-    <p:sldId id="436" r:id="rId15"/>
-    <p:sldId id="437" r:id="rId16"/>
-    <p:sldId id="433" r:id="rId17"/>
-    <p:sldId id="438" r:id="rId18"/>
-    <p:sldId id="434" r:id="rId19"/>
+    <p:sldId id="364" r:id="rId2"/>
+    <p:sldId id="423" r:id="rId3"/>
+    <p:sldId id="424" r:id="rId4"/>
+    <p:sldId id="425" r:id="rId5"/>
+    <p:sldId id="426" r:id="rId6"/>
+    <p:sldId id="427" r:id="rId7"/>
+    <p:sldId id="428" r:id="rId8"/>
+    <p:sldId id="430" r:id="rId9"/>
+    <p:sldId id="431" r:id="rId10"/>
+    <p:sldId id="432" r:id="rId11"/>
+    <p:sldId id="429" r:id="rId12"/>
+    <p:sldId id="436" r:id="rId13"/>
+    <p:sldId id="437" r:id="rId14"/>
+    <p:sldId id="433" r:id="rId15"/>
+    <p:sldId id="438" r:id="rId16"/>
+    <p:sldId id="434" r:id="rId17"/>
+    <p:sldId id="444" r:id="rId18"/>
+    <p:sldId id="443" r:id="rId19"/>
     <p:sldId id="435" r:id="rId20"/>
-    <p:sldId id="443" r:id="rId21"/>
-    <p:sldId id="442" r:id="rId22"/>
-    <p:sldId id="368" r:id="rId23"/>
-    <p:sldId id="439" r:id="rId24"/>
-    <p:sldId id="440" r:id="rId25"/>
+    <p:sldId id="442" r:id="rId21"/>
+    <p:sldId id="368" r:id="rId22"/>
+    <p:sldId id="439" r:id="rId23"/>
+    <p:sldId id="440" r:id="rId24"/>
   </p:sldIdLst>
   <p:sldSz cx="9144000" cy="5143500" type="screen16x9"/>
   <p:notesSz cx="6858000" cy="9144000"/>
@@ -128,6 +129,22 @@
       </a:defRPr>
     </a:lvl9pPr>
   </p:defaultTextStyle>
+  <p:extLst>
+    <p:ext uri="{EFAFB233-063F-42B5-8137-9DF3F51BA10A}">
+      <p15:sldGuideLst xmlns:p15="http://schemas.microsoft.com/office/powerpoint/2012/main">
+        <p15:guide id="1" orient="horz" pos="1620">
+          <p15:clr>
+            <a:srgbClr val="A4A3A4"/>
+          </p15:clr>
+        </p15:guide>
+        <p15:guide id="2" pos="2880">
+          <p15:clr>
+            <a:srgbClr val="A4A3A4"/>
+          </p15:clr>
+        </p15:guide>
+      </p15:sldGuideLst>
+    </p:ext>
+  </p:extLst>
 </p:presentation>
 </file>
 
@@ -213,6 +230,7 @@
           <a:p>
             <a:fld id="{4587AB4D-9FE0-43C3-AA19-D3ACFE2BF9B0}" type="datetimeFigureOut">
               <a:rPr lang="zh-CN" altLang="en-US" smtClean="0"/>
+              <a:t>2020/8/18</a:t>
             </a:fld>
             <a:endParaRPr lang="zh-CN" altLang="en-US"/>
           </a:p>
@@ -279,7 +297,6 @@
               <a:rPr lang="zh-CN" altLang="en-US"/>
               <a:t>单击此处编辑母版文本样式</a:t>
             </a:r>
-            <a:endParaRPr lang="zh-CN" altLang="en-US"/>
           </a:p>
           <a:p>
             <a:pPr lvl="1"/>
@@ -287,7 +304,6 @@
               <a:rPr lang="zh-CN" altLang="en-US"/>
               <a:t>第二级</a:t>
             </a:r>
-            <a:endParaRPr lang="zh-CN" altLang="en-US"/>
           </a:p>
           <a:p>
             <a:pPr lvl="2"/>
@@ -295,7 +311,6 @@
               <a:rPr lang="zh-CN" altLang="en-US"/>
               <a:t>第三级</a:t>
             </a:r>
-            <a:endParaRPr lang="zh-CN" altLang="en-US"/>
           </a:p>
           <a:p>
             <a:pPr lvl="3"/>
@@ -303,7 +318,6 @@
               <a:rPr lang="zh-CN" altLang="en-US"/>
               <a:t>第四级</a:t>
             </a:r>
-            <a:endParaRPr lang="zh-CN" altLang="en-US"/>
           </a:p>
           <a:p>
             <a:pPr lvl="4"/>
@@ -311,7 +325,6 @@
               <a:rPr lang="zh-CN" altLang="en-US"/>
               <a:t>第五级</a:t>
             </a:r>
-            <a:endParaRPr lang="zh-CN" altLang="en-US"/>
           </a:p>
         </p:txBody>
       </p:sp>
@@ -375,6 +388,7 @@
           <a:p>
             <a:fld id="{63A25BFF-71DC-4924-B8E0-9D8932DD8731}" type="slidenum">
               <a:rPr lang="zh-CN" altLang="en-US" smtClean="0"/>
+              <a:t>‹#›</a:t>
             </a:fld>
             <a:endParaRPr lang="zh-CN" altLang="en-US"/>
           </a:p>
@@ -543,6 +557,7 @@
           <a:p>
             <a:fld id="{63A25BFF-71DC-4924-B8E0-9D8932DD8731}" type="slidenum">
               <a:rPr lang="zh-CN" altLang="en-US" smtClean="0"/>
+              <a:t>2</a:t>
             </a:fld>
             <a:endParaRPr lang="zh-CN" altLang="en-US"/>
           </a:p>
@@ -621,6 +636,7 @@
           <a:p>
             <a:fld id="{63A25BFF-71DC-4924-B8E0-9D8932DD8731}" type="slidenum">
               <a:rPr lang="zh-CN" altLang="en-US" smtClean="0"/>
+              <a:t>11</a:t>
             </a:fld>
             <a:endParaRPr lang="zh-CN" altLang="en-US"/>
           </a:p>
@@ -699,6 +715,7 @@
           <a:p>
             <a:fld id="{63A25BFF-71DC-4924-B8E0-9D8932DD8731}" type="slidenum">
               <a:rPr lang="zh-CN" altLang="en-US" smtClean="0"/>
+              <a:t>12</a:t>
             </a:fld>
             <a:endParaRPr lang="zh-CN" altLang="en-US"/>
           </a:p>
@@ -777,6 +794,7 @@
           <a:p>
             <a:fld id="{63A25BFF-71DC-4924-B8E0-9D8932DD8731}" type="slidenum">
               <a:rPr lang="zh-CN" altLang="en-US" smtClean="0"/>
+              <a:t>13</a:t>
             </a:fld>
             <a:endParaRPr lang="zh-CN" altLang="en-US"/>
           </a:p>
@@ -855,6 +873,7 @@
           <a:p>
             <a:fld id="{63A25BFF-71DC-4924-B8E0-9D8932DD8731}" type="slidenum">
               <a:rPr lang="zh-CN" altLang="en-US" smtClean="0"/>
+              <a:t>14</a:t>
             </a:fld>
             <a:endParaRPr lang="zh-CN" altLang="en-US"/>
           </a:p>
@@ -933,6 +952,7 @@
           <a:p>
             <a:fld id="{63A25BFF-71DC-4924-B8E0-9D8932DD8731}" type="slidenum">
               <a:rPr lang="zh-CN" altLang="en-US" smtClean="0"/>
+              <a:t>15</a:t>
             </a:fld>
             <a:endParaRPr lang="zh-CN" altLang="en-US"/>
           </a:p>
@@ -1011,6 +1031,7 @@
           <a:p>
             <a:fld id="{63A25BFF-71DC-4924-B8E0-9D8932DD8731}" type="slidenum">
               <a:rPr lang="zh-CN" altLang="en-US" smtClean="0"/>
+              <a:t>16</a:t>
             </a:fld>
             <a:endParaRPr lang="zh-CN" altLang="en-US"/>
           </a:p>
@@ -1089,12 +1110,18 @@
           <a:p>
             <a:fld id="{63A25BFF-71DC-4924-B8E0-9D8932DD8731}" type="slidenum">
               <a:rPr lang="zh-CN" altLang="en-US" smtClean="0"/>
+              <a:t>17</a:t>
             </a:fld>
             <a:endParaRPr lang="zh-CN" altLang="en-US"/>
           </a:p>
         </p:txBody>
       </p:sp>
     </p:spTree>
+    <p:extLst>
+      <p:ext uri="{BB962C8B-B14F-4D97-AF65-F5344CB8AC3E}">
+        <p14:creationId xmlns:p14="http://schemas.microsoft.com/office/powerpoint/2010/main" val="1216119010"/>
+      </p:ext>
+    </p:extLst>
   </p:cSld>
   <p:clrMapOvr>
     <a:masterClrMapping/>
@@ -1167,6 +1194,7 @@
           <a:p>
             <a:fld id="{63A25BFF-71DC-4924-B8E0-9D8932DD8731}" type="slidenum">
               <a:rPr lang="zh-CN" altLang="en-US" smtClean="0"/>
+              <a:t>18</a:t>
             </a:fld>
             <a:endParaRPr lang="zh-CN" altLang="en-US"/>
           </a:p>
@@ -1245,6 +1273,7 @@
           <a:p>
             <a:fld id="{63A25BFF-71DC-4924-B8E0-9D8932DD8731}" type="slidenum">
               <a:rPr lang="zh-CN" altLang="en-US" smtClean="0"/>
+              <a:t>19</a:t>
             </a:fld>
             <a:endParaRPr lang="zh-CN" altLang="en-US"/>
           </a:p>
@@ -1323,6 +1352,7 @@
           <a:p>
             <a:fld id="{63A25BFF-71DC-4924-B8E0-9D8932DD8731}" type="slidenum">
               <a:rPr lang="zh-CN" altLang="en-US" smtClean="0"/>
+              <a:t>20</a:t>
             </a:fld>
             <a:endParaRPr lang="zh-CN" altLang="en-US"/>
           </a:p>
@@ -1401,6 +1431,7 @@
           <a:p>
             <a:fld id="{63A25BFF-71DC-4924-B8E0-9D8932DD8731}" type="slidenum">
               <a:rPr lang="zh-CN" altLang="en-US" smtClean="0"/>
+              <a:t>3</a:t>
             </a:fld>
             <a:endParaRPr lang="zh-CN" altLang="en-US"/>
           </a:p>
@@ -1479,6 +1510,86 @@
           <a:p>
             <a:fld id="{63A25BFF-71DC-4924-B8E0-9D8932DD8731}" type="slidenum">
               <a:rPr lang="zh-CN" altLang="en-US" smtClean="0"/>
+              <a:t>22</a:t>
+            </a:fld>
+            <a:endParaRPr lang="zh-CN" altLang="en-US"/>
+          </a:p>
+        </p:txBody>
+      </p:sp>
+    </p:spTree>
+  </p:cSld>
+  <p:clrMapOvr>
+    <a:masterClrMapping/>
+  </p:clrMapOvr>
+</p:notes>
+</file>
+
+<file path=ppt/notesSlides/notesSlide21.xml><?xml version="1.0" encoding="utf-8"?>
+<p:notes xmlns:a="http://schemas.openxmlformats.org/drawingml/2006/main" xmlns:r="http://schemas.openxmlformats.org/officeDocument/2006/relationships" xmlns:p="http://schemas.openxmlformats.org/presentationml/2006/main">
+  <p:cSld>
+    <p:spTree>
+      <p:nvGrpSpPr>
+        <p:cNvPr id="1" name=""/>
+        <p:cNvGrpSpPr/>
+        <p:nvPr/>
+      </p:nvGrpSpPr>
+      <p:grpSpPr>
+        <a:xfrm>
+          <a:off x="0" y="0"/>
+          <a:ext cx="0" cy="0"/>
+          <a:chOff x="0" y="0"/>
+          <a:chExt cx="0" cy="0"/>
+        </a:xfrm>
+      </p:grpSpPr>
+      <p:sp>
+        <p:nvSpPr>
+          <p:cNvPr id="2" name="幻灯片图像占位符 1"/>
+          <p:cNvSpPr>
+            <a:spLocks noGrp="1" noRot="1" noChangeAspect="1"/>
+          </p:cNvSpPr>
+          <p:nvPr>
+            <p:ph type="sldImg"/>
+          </p:nvPr>
+        </p:nvSpPr>
+        <p:spPr/>
+      </p:sp>
+      <p:sp>
+        <p:nvSpPr>
+          <p:cNvPr id="3" name="备注占位符 2"/>
+          <p:cNvSpPr>
+            <a:spLocks noGrp="1"/>
+          </p:cNvSpPr>
+          <p:nvPr>
+            <p:ph type="body" idx="1"/>
+          </p:nvPr>
+        </p:nvSpPr>
+        <p:spPr/>
+        <p:txBody>
+          <a:bodyPr/>
+          <a:lstStyle/>
+          <a:p>
+            <a:endParaRPr lang="zh-CN" altLang="en-US" dirty="0"/>
+          </a:p>
+        </p:txBody>
+      </p:sp>
+      <p:sp>
+        <p:nvSpPr>
+          <p:cNvPr id="4" name="灯片编号占位符 3"/>
+          <p:cNvSpPr>
+            <a:spLocks noGrp="1"/>
+          </p:cNvSpPr>
+          <p:nvPr>
+            <p:ph type="sldNum" sz="quarter" idx="10"/>
+          </p:nvPr>
+        </p:nvSpPr>
+        <p:spPr/>
+        <p:txBody>
+          <a:bodyPr/>
+          <a:lstStyle/>
+          <a:p>
+            <a:fld id="{63A25BFF-71DC-4924-B8E0-9D8932DD8731}" type="slidenum">
+              <a:rPr lang="zh-CN" altLang="en-US" smtClean="0"/>
+              <a:t>23</a:t>
             </a:fld>
             <a:endParaRPr lang="zh-CN" altLang="en-US"/>
           </a:p>
@@ -1557,6 +1668,7 @@
           <a:p>
             <a:fld id="{63A25BFF-71DC-4924-B8E0-9D8932DD8731}" type="slidenum">
               <a:rPr lang="zh-CN" altLang="en-US" smtClean="0"/>
+              <a:t>4</a:t>
             </a:fld>
             <a:endParaRPr lang="zh-CN" altLang="en-US"/>
           </a:p>
@@ -1635,6 +1747,7 @@
           <a:p>
             <a:fld id="{63A25BFF-71DC-4924-B8E0-9D8932DD8731}" type="slidenum">
               <a:rPr lang="zh-CN" altLang="en-US" smtClean="0"/>
+              <a:t>5</a:t>
             </a:fld>
             <a:endParaRPr lang="zh-CN" altLang="en-US"/>
           </a:p>
@@ -1713,6 +1826,7 @@
           <a:p>
             <a:fld id="{63A25BFF-71DC-4924-B8E0-9D8932DD8731}" type="slidenum">
               <a:rPr lang="zh-CN" altLang="en-US" smtClean="0"/>
+              <a:t>6</a:t>
             </a:fld>
             <a:endParaRPr lang="zh-CN" altLang="en-US"/>
           </a:p>
@@ -1791,6 +1905,7 @@
           <a:p>
             <a:fld id="{63A25BFF-71DC-4924-B8E0-9D8932DD8731}" type="slidenum">
               <a:rPr lang="zh-CN" altLang="en-US" smtClean="0"/>
+              <a:t>7</a:t>
             </a:fld>
             <a:endParaRPr lang="zh-CN" altLang="en-US"/>
           </a:p>
@@ -1869,6 +1984,7 @@
           <a:p>
             <a:fld id="{63A25BFF-71DC-4924-B8E0-9D8932DD8731}" type="slidenum">
               <a:rPr lang="zh-CN" altLang="en-US" smtClean="0"/>
+              <a:t>8</a:t>
             </a:fld>
             <a:endParaRPr lang="zh-CN" altLang="en-US"/>
           </a:p>
@@ -1947,6 +2063,7 @@
           <a:p>
             <a:fld id="{63A25BFF-71DC-4924-B8E0-9D8932DD8731}" type="slidenum">
               <a:rPr lang="zh-CN" altLang="en-US" smtClean="0"/>
+              <a:t>9</a:t>
             </a:fld>
             <a:endParaRPr lang="zh-CN" altLang="en-US"/>
           </a:p>
@@ -2025,6 +2142,7 @@
           <a:p>
             <a:fld id="{63A25BFF-71DC-4924-B8E0-9D8932DD8731}" type="slidenum">
               <a:rPr lang="zh-CN" altLang="en-US" smtClean="0"/>
+              <a:t>10</a:t>
             </a:fld>
             <a:endParaRPr lang="zh-CN" altLang="en-US"/>
           </a:p>
@@ -2039,7 +2157,7 @@
 </file>
 
 <file path=ppt/slideLayouts/slideLayout1.xml><?xml version="1.0" encoding="utf-8"?>
-<p:sldLayout xmlns:a="http://schemas.openxmlformats.org/drawingml/2006/main" xmlns:r="http://schemas.openxmlformats.org/officeDocument/2006/relationships" xmlns:p="http://schemas.openxmlformats.org/presentationml/2006/main" preserve="1" showMasterSp="0" userDrawn="1">
+<p:sldLayout xmlns:a="http://schemas.openxmlformats.org/drawingml/2006/main" xmlns:r="http://schemas.openxmlformats.org/officeDocument/2006/relationships" xmlns:p="http://schemas.openxmlformats.org/presentationml/2006/main" showMasterSp="0" preserve="1" userDrawn="1">
   <p:cSld name="自定义版式">
     <p:spTree>
       <p:nvGrpSpPr>
@@ -2295,7 +2413,6 @@
               <a:rPr lang="zh-CN" altLang="en-US" dirty="0"/>
               <a:t>单击此处编辑母版文本样式</a:t>
             </a:r>
-            <a:endParaRPr lang="zh-CN" altLang="en-US" dirty="0"/>
           </a:p>
           <a:p>
             <a:pPr lvl="1"/>
@@ -2303,7 +2420,6 @@
               <a:rPr lang="zh-CN" altLang="en-US" dirty="0"/>
               <a:t>二级</a:t>
             </a:r>
-            <a:endParaRPr lang="zh-CN" altLang="en-US" dirty="0"/>
           </a:p>
           <a:p>
             <a:pPr lvl="2"/>
@@ -2311,7 +2427,6 @@
               <a:rPr lang="zh-CN" altLang="en-US" dirty="0"/>
               <a:t>三级</a:t>
             </a:r>
-            <a:endParaRPr lang="zh-CN" altLang="en-US" dirty="0"/>
           </a:p>
           <a:p>
             <a:pPr lvl="3"/>
@@ -2319,7 +2434,6 @@
               <a:rPr lang="zh-CN" altLang="en-US" dirty="0"/>
               <a:t>四级</a:t>
             </a:r>
-            <a:endParaRPr lang="zh-CN" altLang="en-US" dirty="0"/>
           </a:p>
           <a:p>
             <a:pPr lvl="4"/>
@@ -2502,7 +2616,7 @@
           <p:nvPr/>
         </p:nvPicPr>
         <p:blipFill rotWithShape="1">
-          <a:blip r:embed="rId8" cstate="screen"/>
+          <a:blip r:embed="rId9" cstate="screen"/>
           <a:srcRect/>
           <a:stretch>
             <a:fillRect/>
@@ -2560,6 +2674,7 @@
                   </a:prstClr>
                 </a:solidFill>
               </a:rPr>
+              <a:t>2020/8/18</a:t>
             </a:fld>
             <a:endParaRPr lang="zh-CN" altLang="en-US">
               <a:solidFill>
@@ -2655,6 +2770,7 @@
                   </a:prstClr>
                 </a:solidFill>
               </a:rPr>
+              <a:t>‹#›</a:t>
             </a:fld>
             <a:endParaRPr lang="zh-CN" altLang="en-US">
               <a:solidFill>
@@ -2982,14 +3098,6 @@
               </a:rPr>
               <a:t>前端模块化</a:t>
             </a:r>
-            <a:endParaRPr lang="zh-CN" altLang="en-US" sz="2800" b="1" spc="700" dirty="0">
-              <a:solidFill>
-                <a:schemeClr val="bg1"/>
-              </a:solidFill>
-              <a:latin typeface="华文中宋" pitchFamily="2" charset="-122"/>
-              <a:ea typeface="华文中宋" pitchFamily="2" charset="-122"/>
-              <a:sym typeface="Arial" panose="020B0604020202090204"/>
-            </a:endParaRPr>
           </a:p>
         </p:txBody>
       </p:sp>
@@ -3216,7 +3324,6 @@
               <a:rPr lang="zh-CN" altLang="en-US" dirty="0"/>
               <a:t>的特点</a:t>
             </a:r>
-            <a:endParaRPr lang="zh-CN" altLang="en-US" dirty="0"/>
           </a:p>
         </p:txBody>
       </p:sp>
@@ -3272,7 +3379,6 @@
               <a:rPr kumimoji="1" lang="zh-CN" altLang="en-US" sz="2400" dirty="0"/>
               <a:t>同步加载模块</a:t>
             </a:r>
-            <a:endParaRPr kumimoji="1" lang="zh-CN" altLang="en-US" sz="2400" dirty="0"/>
           </a:p>
           <a:p>
             <a:pPr marL="342900" indent="-342900">
@@ -3286,7 +3392,6 @@
               <a:rPr kumimoji="1" lang="zh-CN" altLang="en-US" sz="2400" dirty="0"/>
               <a:t>单例</a:t>
             </a:r>
-            <a:endParaRPr kumimoji="1" lang="zh-CN" altLang="en-US" sz="2400" dirty="0"/>
           </a:p>
         </p:txBody>
       </p:sp>
@@ -3384,7 +3489,6 @@
               <a:rPr kumimoji="1" lang="zh-CN" altLang="en-US" dirty="0"/>
               <a:t> 模块化规范</a:t>
             </a:r>
-            <a:endParaRPr kumimoji="1" lang="zh-CN" altLang="en-US" dirty="0"/>
           </a:p>
         </p:txBody>
       </p:sp>
@@ -3434,11 +3538,6 @@
               </a:rPr>
               <a:t>异步的模块定义</a:t>
             </a:r>
-            <a:endParaRPr lang="zh-CN" altLang="en-US" dirty="0">
-              <a:solidFill>
-                <a:srgbClr val="FF0000"/>
-              </a:solidFill>
-            </a:endParaRPr>
           </a:p>
           <a:p>
             <a:endParaRPr kumimoji="1" lang="zh-CN" altLang="en-US" dirty="0"/>
@@ -3502,7 +3601,7 @@
           <p:nvPr/>
         </p:nvPicPr>
         <p:blipFill>
-          <a:blip r:embed="rId1"/>
+          <a:blip r:embed="rId3"/>
           <a:stretch>
             <a:fillRect/>
           </a:stretch>
@@ -3574,7 +3673,7 @@
           <p:nvPr/>
         </p:nvPicPr>
         <p:blipFill>
-          <a:blip r:embed="rId1"/>
+          <a:blip r:embed="rId3"/>
           <a:stretch>
             <a:fillRect/>
           </a:stretch>
@@ -3598,7 +3697,7 @@
           <p:nvPr/>
         </p:nvPicPr>
         <p:blipFill>
-          <a:blip r:embed="rId2"/>
+          <a:blip r:embed="rId4"/>
           <a:stretch>
             <a:fillRect/>
           </a:stretch>
@@ -3622,7 +3721,7 @@
           <p:nvPr/>
         </p:nvPicPr>
         <p:blipFill>
-          <a:blip r:embed="rId3"/>
+          <a:blip r:embed="rId5"/>
           <a:stretch>
             <a:fillRect/>
           </a:stretch>
@@ -3685,7 +3784,6 @@
               <a:rPr lang="zh-CN" altLang="en-US" dirty="0"/>
               <a:t> 的特点</a:t>
             </a:r>
-            <a:endParaRPr lang="zh-CN" altLang="en-US" dirty="0"/>
           </a:p>
         </p:txBody>
       </p:sp>
@@ -3755,7 +3853,6 @@
               <a:rPr kumimoji="1" lang="zh-CN" altLang="en-US" sz="2400" dirty="0"/>
               <a:t> 库</a:t>
             </a:r>
-            <a:endParaRPr kumimoji="1" lang="zh-CN" altLang="en-US" sz="2400" dirty="0"/>
           </a:p>
         </p:txBody>
       </p:sp>
@@ -3857,7 +3954,6 @@
               <a:rPr kumimoji="1" lang="zh-CN" altLang="en-US" dirty="0"/>
               <a:t> 模块</a:t>
             </a:r>
-            <a:endParaRPr kumimoji="1" lang="zh-CN" altLang="en-US" dirty="0"/>
           </a:p>
         </p:txBody>
       </p:sp>
@@ -3870,7 +3966,7 @@
           <p:nvPr/>
         </p:nvPicPr>
         <p:blipFill>
-          <a:blip r:embed="rId1"/>
+          <a:blip r:embed="rId3"/>
           <a:stretch>
             <a:fillRect/>
           </a:stretch>
@@ -3979,7 +4075,6 @@
               <a:rPr kumimoji="1" lang="zh-CN" altLang="en-US" dirty="0"/>
               <a:t> 有了语言层面的模块化语法与关键字</a:t>
             </a:r>
-            <a:endParaRPr kumimoji="1" lang="zh-CN" altLang="en-US" dirty="0"/>
           </a:p>
         </p:txBody>
       </p:sp>
@@ -4025,7 +4120,6 @@
               <a:rPr kumimoji="1" lang="zh-CN" altLang="en-US" dirty="0"/>
               <a:t> 两个关键字对模块进行导入和导出</a:t>
             </a:r>
-            <a:endParaRPr kumimoji="1" lang="zh-CN" altLang="en-US" dirty="0"/>
           </a:p>
         </p:txBody>
       </p:sp>
@@ -4038,7 +4132,7 @@
           <p:nvPr/>
         </p:nvPicPr>
         <p:blipFill>
-          <a:blip r:embed="rId1"/>
+          <a:blip r:embed="rId3"/>
           <a:stretch>
             <a:fillRect/>
           </a:stretch>
@@ -4110,7 +4204,7 @@
         <p:spPr>
           <a:xfrm>
             <a:off x="395536" y="843558"/>
-            <a:ext cx="6430928" cy="369332"/>
+            <a:ext cx="5706370" cy="369332"/>
           </a:xfrm>
           <a:prstGeom prst="rect">
             <a:avLst/>
@@ -4123,17 +4217,9 @@
           </a:bodyPr>
           <a:lstStyle/>
           <a:p>
-            <a:pPr marL="342900" indent="-342900">
-              <a:buFont typeface="+mj-lt"/>
-              <a:buAutoNum type="arabicPeriod"/>
-            </a:pPr>
             <a:r>
               <a:rPr lang="en-US" altLang="zh-CN" dirty="0"/>
-              <a:t>ES Module </a:t>
-            </a:r>
-            <a:r>
-              <a:rPr lang="zh-CN" altLang="en-US" dirty="0"/>
-              <a:t>是</a:t>
+              <a:t>1. </a:t>
             </a:r>
             <a:r>
               <a:rPr lang="zh-CN" altLang="en-US" dirty="0">
@@ -4141,34 +4227,39 @@
                   <a:srgbClr val="FF0000"/>
                 </a:solidFill>
               </a:rPr>
-              <a:t>语⾔层⾯</a:t>
+              <a:t>静态化</a:t>
             </a:r>
             <a:r>
               <a:rPr lang="zh-CN" altLang="en-US" dirty="0"/>
-              <a:t>的新增导⼊导出关键词与语法的规范</a:t>
-            </a:r>
-            <a:endParaRPr lang="zh-CN" altLang="en-US" dirty="0"/>
+              <a:t>设计思想，编译时就能确定模块的依赖关系</a:t>
+            </a:r>
           </a:p>
         </p:txBody>
       </p:sp>
       <p:pic>
         <p:nvPicPr>
-          <p:cNvPr id="4" name="图片 3"/>
+          <p:cNvPr id="6" name="图片 5">
+            <a:extLst>
+              <a:ext uri="{FF2B5EF4-FFF2-40B4-BE49-F238E27FC236}">
+                <a16:creationId xmlns:a16="http://schemas.microsoft.com/office/drawing/2014/main" id="{0E2F0070-A639-6948-BE30-F81BE95FCA92}"/>
+              </a:ext>
+            </a:extLst>
+          </p:cNvPr>
           <p:cNvPicPr>
             <a:picLocks noChangeAspect="1"/>
           </p:cNvPicPr>
           <p:nvPr/>
         </p:nvPicPr>
         <p:blipFill>
-          <a:blip r:embed="rId1"/>
+          <a:blip r:embed="rId3"/>
           <a:stretch>
             <a:fillRect/>
           </a:stretch>
         </p:blipFill>
         <p:spPr>
           <a:xfrm>
-            <a:off x="1454426" y="1378448"/>
-            <a:ext cx="6235148" cy="3542866"/>
+            <a:off x="2231740" y="1463376"/>
+            <a:ext cx="4680520" cy="3292606"/>
           </a:xfrm>
           <a:prstGeom prst="rect">
             <a:avLst/>
@@ -4176,6 +4267,11 @@
         </p:spPr>
       </p:pic>
     </p:spTree>
+    <p:extLst>
+      <p:ext uri="{BB962C8B-B14F-4D97-AF65-F5344CB8AC3E}">
+        <p14:creationId xmlns:p14="http://schemas.microsoft.com/office/powerpoint/2010/main" val="2801884554"/>
+      </p:ext>
+    </p:extLst>
   </p:cSld>
   <p:clrMapOvr>
     <a:masterClrMapping/>
@@ -4251,7 +4347,7 @@
             </a:r>
             <a:r>
               <a:rPr lang="zh-CN" altLang="en-US" dirty="0"/>
-              <a:t>    加载机制，</a:t>
+              <a:t> 加载机制，</a:t>
             </a:r>
             <a:r>
               <a:rPr lang="en-US" altLang="zh-CN" dirty="0" err="1"/>
@@ -4277,7 +4373,6 @@
               <a:rPr lang="zh-CN" altLang="en-US" dirty="0"/>
               <a:t> 为值引用</a:t>
             </a:r>
-            <a:endParaRPr lang="zh-CN" altLang="en-US" dirty="0"/>
           </a:p>
         </p:txBody>
       </p:sp>
@@ -4290,7 +4385,7 @@
           <p:nvPr/>
         </p:nvPicPr>
         <p:blipFill>
-          <a:blip r:embed="rId1"/>
+          <a:blip r:embed="rId3"/>
           <a:stretch>
             <a:fillRect/>
           </a:stretch>
@@ -4314,7 +4409,7 @@
           <p:nvPr/>
         </p:nvPicPr>
         <p:blipFill>
-          <a:blip r:embed="rId2"/>
+          <a:blip r:embed="rId4"/>
           <a:stretch>
             <a:fillRect/>
           </a:stretch>
@@ -4612,8 +4707,8 @@
           <a:lstStyle/>
           <a:p>
             <a:r>
-              <a:rPr lang="zh-CN" altLang="en-US" dirty="0"/>
-              <a:t>后模块化时代</a:t>
+              <a:rPr lang="en-US" altLang="zh-CN" dirty="0"/>
+              <a:t>ES Module</a:t>
             </a:r>
             <a:endParaRPr lang="zh-CN" altLang="en-US" dirty="0"/>
           </a:p>
@@ -4627,8 +4722,8 @@
         </p:nvSpPr>
         <p:spPr>
           <a:xfrm>
-            <a:off x="395536" y="1491630"/>
-            <a:ext cx="7964040" cy="830997"/>
+            <a:off x="395536" y="843558"/>
+            <a:ext cx="6312305" cy="369332"/>
           </a:xfrm>
           <a:prstGeom prst="rect">
             <a:avLst/>
@@ -4642,62 +4737,52 @@
           <a:lstStyle/>
           <a:p>
             <a:r>
-              <a:rPr kumimoji="1" lang="en-US" altLang="zh-CN" sz="2400" dirty="0"/>
-              <a:t>Babel</a:t>
-            </a:r>
-            <a:r>
-              <a:rPr kumimoji="1" lang="zh-CN" altLang="en-US" sz="2400" dirty="0"/>
-              <a:t>：能够将高版本规范代码编译为低版本规范的代码，</a:t>
-            </a:r>
-            <a:endParaRPr kumimoji="1" lang="en-US" altLang="zh-CN" sz="2400" dirty="0"/>
-          </a:p>
-          <a:p>
-            <a:r>
-              <a:rPr kumimoji="1" lang="en-US" altLang="zh-CN" sz="2400" dirty="0"/>
-              <a:t>	</a:t>
-            </a:r>
-            <a:r>
-              <a:rPr kumimoji="1" lang="zh-CN" altLang="en-US" sz="2400" dirty="0"/>
-              <a:t> 向前兼容旧版浏览器</a:t>
-            </a:r>
-            <a:endParaRPr kumimoji="1" lang="zh-CN" altLang="en-US" sz="2400" dirty="0"/>
-          </a:p>
-        </p:txBody>
-      </p:sp>
-      <p:sp>
-        <p:nvSpPr>
-          <p:cNvPr id="4" name="文本框 3"/>
-          <p:cNvSpPr txBox="1"/>
+              <a:rPr lang="en-US" altLang="zh-CN" dirty="0"/>
+              <a:t>3. ES Module </a:t>
+            </a:r>
+            <a:r>
+              <a:rPr lang="zh-CN" altLang="en-US" dirty="0"/>
+              <a:t>是</a:t>
+            </a:r>
+            <a:r>
+              <a:rPr lang="zh-CN" altLang="en-US" dirty="0">
+                <a:solidFill>
+                  <a:srgbClr val="FF0000"/>
+                </a:solidFill>
+              </a:rPr>
+              <a:t>语⾔层⾯</a:t>
+            </a:r>
+            <a:r>
+              <a:rPr lang="zh-CN" altLang="en-US" dirty="0"/>
+              <a:t>的新增导⼊导出关键词与语法的规范</a:t>
+            </a:r>
+          </a:p>
+        </p:txBody>
+      </p:sp>
+      <p:pic>
+        <p:nvPicPr>
+          <p:cNvPr id="4" name="图片 3"/>
+          <p:cNvPicPr>
+            <a:picLocks noChangeAspect="1"/>
+          </p:cNvPicPr>
           <p:nvPr/>
-        </p:nvSpPr>
+        </p:nvPicPr>
+        <p:blipFill>
+          <a:blip r:embed="rId3"/>
+          <a:stretch>
+            <a:fillRect/>
+          </a:stretch>
+        </p:blipFill>
         <p:spPr>
           <a:xfrm>
-            <a:off x="395536" y="2931790"/>
-            <a:ext cx="5604932" cy="461665"/>
+            <a:off x="1454426" y="1378448"/>
+            <a:ext cx="6235148" cy="3542866"/>
           </a:xfrm>
           <a:prstGeom prst="rect">
             <a:avLst/>
           </a:prstGeom>
-          <a:noFill/>
         </p:spPr>
-        <p:txBody>
-          <a:bodyPr wrap="none" rtlCol="0">
-            <a:spAutoFit/>
-          </a:bodyPr>
-          <a:lstStyle/>
-          <a:p>
-            <a:r>
-              <a:rPr kumimoji="1" lang="en-US" altLang="zh-CN" sz="2400" dirty="0"/>
-              <a:t>webpack</a:t>
-            </a:r>
-            <a:r>
-              <a:rPr kumimoji="1" lang="zh-CN" altLang="en-US" sz="2400" dirty="0"/>
-              <a:t>：处理不同版本间模块化的区别</a:t>
-            </a:r>
-            <a:endParaRPr kumimoji="1" lang="zh-CN" altLang="en-US" sz="2400" dirty="0"/>
-          </a:p>
-        </p:txBody>
-      </p:sp>
+      </p:pic>
     </p:spTree>
   </p:cSld>
   <p:clrMapOvr>
@@ -4832,10 +4917,6 @@
               </a:rPr>
               <a:t>AMD</a:t>
             </a:r>
-            <a:endParaRPr lang="en-US" altLang="zh-CN" sz="2800" dirty="0">
-              <a:latin typeface="微软雅黑" panose="020B0503020204020204" pitchFamily="34" charset="-122"/>
-              <a:ea typeface="微软雅黑" panose="020B0503020204020204" pitchFamily="34" charset="-122"/>
-            </a:endParaRPr>
           </a:p>
           <a:p>
             <a:pPr marL="514350" indent="-514350">
@@ -4852,10 +4933,6 @@
               </a:rPr>
               <a:t>UMD</a:t>
             </a:r>
-            <a:endParaRPr lang="en-US" altLang="zh-CN" sz="2800" dirty="0">
-              <a:latin typeface="微软雅黑" panose="020B0503020204020204" pitchFamily="34" charset="-122"/>
-              <a:ea typeface="微软雅黑" panose="020B0503020204020204" pitchFamily="34" charset="-122"/>
-            </a:endParaRPr>
           </a:p>
           <a:p>
             <a:pPr marL="514350" indent="-514350">
@@ -4886,10 +4963,6 @@
               </a:rPr>
               <a:t>Module</a:t>
             </a:r>
-            <a:endParaRPr lang="en-US" altLang="zh-CN" sz="2800" dirty="0">
-              <a:latin typeface="微软雅黑" panose="020B0503020204020204" pitchFamily="34" charset="-122"/>
-              <a:ea typeface="微软雅黑" panose="020B0503020204020204" pitchFamily="34" charset="-122"/>
-            </a:endParaRPr>
           </a:p>
           <a:p>
             <a:pPr marL="514350" indent="-514350">
@@ -5074,14 +5147,36 @@
       </p:grpSpPr>
       <p:sp>
         <p:nvSpPr>
-          <p:cNvPr id="4" name="TextBox 3"/>
+          <p:cNvPr id="2" name="标题 1"/>
+          <p:cNvSpPr>
+            <a:spLocks noGrp="1"/>
+          </p:cNvSpPr>
+          <p:nvPr>
+            <p:ph type="title"/>
+          </p:nvPr>
+        </p:nvSpPr>
+        <p:spPr/>
+        <p:txBody>
+          <a:bodyPr/>
+          <a:lstStyle/>
+          <a:p>
+            <a:r>
+              <a:rPr lang="zh-CN" altLang="en-US" dirty="0"/>
+              <a:t>后模块化时代</a:t>
+            </a:r>
+          </a:p>
+        </p:txBody>
+      </p:sp>
+      <p:sp>
+        <p:nvSpPr>
+          <p:cNvPr id="3" name="文本框 2"/>
           <p:cNvSpPr txBox="1"/>
           <p:nvPr/>
         </p:nvSpPr>
         <p:spPr>
           <a:xfrm>
-            <a:off x="0" y="2008460"/>
-            <a:ext cx="9144000" cy="923330"/>
+            <a:off x="353634" y="730900"/>
+            <a:ext cx="8148384" cy="369332"/>
           </a:xfrm>
           <a:prstGeom prst="rect">
             <a:avLst/>
@@ -5089,31 +5184,96 @@
           <a:noFill/>
         </p:spPr>
         <p:txBody>
-          <a:bodyPr wrap="square" rtlCol="0">
+          <a:bodyPr wrap="none" rtlCol="0">
             <a:spAutoFit/>
           </a:bodyPr>
           <a:lstStyle/>
           <a:p>
-            <a:pPr algn="ctr"/>
-            <a:r>
-              <a:rPr lang="en-US" altLang="zh-CN" sz="5400" b="1" dirty="0">
-                <a:solidFill>
-                  <a:schemeClr val="bg1"/>
-                </a:solidFill>
-                <a:latin typeface="Arial" panose="020B0604020202090204"/>
-                <a:ea typeface="Microsoft YaHei"/>
-                <a:sym typeface="Arial" panose="020B0604020202090204"/>
+            <a:r>
+              <a:rPr kumimoji="1" lang="en-US" altLang="zh-CN" dirty="0">
+                <a:latin typeface="+mn-ea"/>
               </a:rPr>
-              <a:t>Thank  You </a:t>
-            </a:r>
-            <a:endParaRPr lang="zh-CN" altLang="en-US" sz="5400" b="1" spc="700" dirty="0">
-              <a:solidFill>
-                <a:schemeClr val="bg1"/>
-              </a:solidFill>
-              <a:latin typeface="Arial" panose="020B0604020202090204"/>
-              <a:ea typeface="Microsoft YaHei"/>
-              <a:sym typeface="Arial" panose="020B0604020202090204"/>
-            </a:endParaRPr>
+              <a:t>Babel</a:t>
+            </a:r>
+            <a:r>
+              <a:rPr kumimoji="1" lang="zh-CN" altLang="en-US" dirty="0">
+                <a:latin typeface="+mn-ea"/>
+              </a:rPr>
+              <a:t>：能够将高版本规范代码编译为低版本规范的代码，向前兼容旧版浏览器</a:t>
+            </a:r>
+          </a:p>
+        </p:txBody>
+      </p:sp>
+      <p:pic>
+        <p:nvPicPr>
+          <p:cNvPr id="6" name="图片 5">
+            <a:extLst>
+              <a:ext uri="{FF2B5EF4-FFF2-40B4-BE49-F238E27FC236}">
+                <a16:creationId xmlns:a16="http://schemas.microsoft.com/office/drawing/2014/main" id="{7E365852-6730-8045-A89A-A47D636840D5}"/>
+              </a:ext>
+            </a:extLst>
+          </p:cNvPr>
+          <p:cNvPicPr>
+            <a:picLocks noChangeAspect="1"/>
+          </p:cNvPicPr>
+          <p:nvPr/>
+        </p:nvPicPr>
+        <p:blipFill>
+          <a:blip r:embed="rId3"/>
+          <a:stretch>
+            <a:fillRect/>
+          </a:stretch>
+        </p:blipFill>
+        <p:spPr>
+          <a:xfrm>
+            <a:off x="636568" y="1992726"/>
+            <a:ext cx="7870863" cy="2235208"/>
+          </a:xfrm>
+          <a:prstGeom prst="rect">
+            <a:avLst/>
+          </a:prstGeom>
+        </p:spPr>
+      </p:pic>
+      <p:sp>
+        <p:nvSpPr>
+          <p:cNvPr id="7" name="文本框 6">
+            <a:extLst>
+              <a:ext uri="{FF2B5EF4-FFF2-40B4-BE49-F238E27FC236}">
+                <a16:creationId xmlns:a16="http://schemas.microsoft.com/office/drawing/2014/main" id="{A94D75F2-E4F9-4F47-A623-043B06F257C7}"/>
+              </a:ext>
+            </a:extLst>
+          </p:cNvPr>
+          <p:cNvSpPr txBox="1"/>
+          <p:nvPr/>
+        </p:nvSpPr>
+        <p:spPr>
+          <a:xfrm>
+            <a:off x="353634" y="1113537"/>
+            <a:ext cx="3993401" cy="369332"/>
+          </a:xfrm>
+          <a:prstGeom prst="rect">
+            <a:avLst/>
+          </a:prstGeom>
+          <a:noFill/>
+        </p:spPr>
+        <p:txBody>
+          <a:bodyPr wrap="none" rtlCol="0">
+            <a:spAutoFit/>
+          </a:bodyPr>
+          <a:lstStyle/>
+          <a:p>
+            <a:r>
+              <a:rPr kumimoji="1" lang="en-US" altLang="zh-CN" dirty="0">
+                <a:latin typeface="+mn-ea"/>
+              </a:rPr>
+              <a:t>webpack</a:t>
+            </a:r>
+            <a:r>
+              <a:rPr kumimoji="1" lang="zh-CN" altLang="en-US" dirty="0">
+                <a:latin typeface="+mn-ea"/>
+              </a:rPr>
+              <a:t>：处理不同环境模块化的区别</a:t>
+            </a:r>
           </a:p>
         </p:txBody>
       </p:sp>
@@ -5122,6 +5282,267 @@
   <p:clrMapOvr>
     <a:masterClrMapping/>
   </p:clrMapOvr>
+  <p:timing>
+    <p:tnLst>
+      <p:par>
+        <p:cTn id="1" dur="indefinite" restart="never" nodeType="tmRoot">
+          <p:childTnLst>
+            <p:seq concurrent="1" nextAc="seek">
+              <p:cTn id="2" dur="indefinite" nodeType="mainSeq">
+                <p:childTnLst>
+                  <p:par>
+                    <p:cTn id="3" fill="hold">
+                      <p:stCondLst>
+                        <p:cond delay="indefinite"/>
+                      </p:stCondLst>
+                      <p:childTnLst>
+                        <p:par>
+                          <p:cTn id="4" fill="hold">
+                            <p:stCondLst>
+                              <p:cond delay="0"/>
+                            </p:stCondLst>
+                            <p:childTnLst>
+                              <p:par>
+                                <p:cTn id="5" presetID="1" presetClass="entr" presetSubtype="0" fill="hold" grpId="0" nodeType="clickEffect">
+                                  <p:stCondLst>
+                                    <p:cond delay="0"/>
+                                  </p:stCondLst>
+                                  <p:childTnLst>
+                                    <p:set>
+                                      <p:cBhvr>
+                                        <p:cTn id="6" dur="1" fill="hold">
+                                          <p:stCondLst>
+                                            <p:cond delay="0"/>
+                                          </p:stCondLst>
+                                        </p:cTn>
+                                        <p:tgtEl>
+                                          <p:spTgt spid="3"/>
+                                        </p:tgtEl>
+                                        <p:attrNameLst>
+                                          <p:attrName>style.visibility</p:attrName>
+                                        </p:attrNameLst>
+                                      </p:cBhvr>
+                                      <p:to>
+                                        <p:strVal val="visible"/>
+                                      </p:to>
+                                    </p:set>
+                                  </p:childTnLst>
+                                </p:cTn>
+                              </p:par>
+                            </p:childTnLst>
+                          </p:cTn>
+                        </p:par>
+                      </p:childTnLst>
+                    </p:cTn>
+                  </p:par>
+                  <p:par>
+                    <p:cTn id="7" fill="hold">
+                      <p:stCondLst>
+                        <p:cond delay="indefinite"/>
+                      </p:stCondLst>
+                      <p:childTnLst>
+                        <p:par>
+                          <p:cTn id="8" fill="hold">
+                            <p:stCondLst>
+                              <p:cond delay="0"/>
+                            </p:stCondLst>
+                            <p:childTnLst>
+                              <p:par>
+                                <p:cTn id="9" presetID="2" presetClass="entr" presetSubtype="4" fill="hold" nodeType="clickEffect">
+                                  <p:stCondLst>
+                                    <p:cond delay="0"/>
+                                  </p:stCondLst>
+                                  <p:childTnLst>
+                                    <p:set>
+                                      <p:cBhvr>
+                                        <p:cTn id="10" dur="1" fill="hold">
+                                          <p:stCondLst>
+                                            <p:cond delay="0"/>
+                                          </p:stCondLst>
+                                        </p:cTn>
+                                        <p:tgtEl>
+                                          <p:spTgt spid="6"/>
+                                        </p:tgtEl>
+                                        <p:attrNameLst>
+                                          <p:attrName>style.visibility</p:attrName>
+                                        </p:attrNameLst>
+                                      </p:cBhvr>
+                                      <p:to>
+                                        <p:strVal val="visible"/>
+                                      </p:to>
+                                    </p:set>
+                                    <p:anim calcmode="lin" valueType="num">
+                                      <p:cBhvr additive="base">
+                                        <p:cTn id="11" dur="500" fill="hold"/>
+                                        <p:tgtEl>
+                                          <p:spTgt spid="6"/>
+                                        </p:tgtEl>
+                                        <p:attrNameLst>
+                                          <p:attrName>ppt_x</p:attrName>
+                                        </p:attrNameLst>
+                                      </p:cBhvr>
+                                      <p:tavLst>
+                                        <p:tav tm="0">
+                                          <p:val>
+                                            <p:strVal val="#ppt_x"/>
+                                          </p:val>
+                                        </p:tav>
+                                        <p:tav tm="100000">
+                                          <p:val>
+                                            <p:strVal val="#ppt_x"/>
+                                          </p:val>
+                                        </p:tav>
+                                      </p:tavLst>
+                                    </p:anim>
+                                    <p:anim calcmode="lin" valueType="num">
+                                      <p:cBhvr additive="base">
+                                        <p:cTn id="12" dur="500" fill="hold"/>
+                                        <p:tgtEl>
+                                          <p:spTgt spid="6"/>
+                                        </p:tgtEl>
+                                        <p:attrNameLst>
+                                          <p:attrName>ppt_y</p:attrName>
+                                        </p:attrNameLst>
+                                      </p:cBhvr>
+                                      <p:tavLst>
+                                        <p:tav tm="0">
+                                          <p:val>
+                                            <p:strVal val="1+#ppt_h/2"/>
+                                          </p:val>
+                                        </p:tav>
+                                        <p:tav tm="100000">
+                                          <p:val>
+                                            <p:strVal val="#ppt_y"/>
+                                          </p:val>
+                                        </p:tav>
+                                      </p:tavLst>
+                                    </p:anim>
+                                  </p:childTnLst>
+                                </p:cTn>
+                              </p:par>
+                            </p:childTnLst>
+                          </p:cTn>
+                        </p:par>
+                      </p:childTnLst>
+                    </p:cTn>
+                  </p:par>
+                  <p:par>
+                    <p:cTn id="13" fill="hold">
+                      <p:stCondLst>
+                        <p:cond delay="indefinite"/>
+                      </p:stCondLst>
+                      <p:childTnLst>
+                        <p:par>
+                          <p:cTn id="14" fill="hold">
+                            <p:stCondLst>
+                              <p:cond delay="0"/>
+                            </p:stCondLst>
+                            <p:childTnLst>
+                              <p:par>
+                                <p:cTn id="15" presetID="2" presetClass="entr" presetSubtype="4" fill="hold" grpId="0" nodeType="clickEffect">
+                                  <p:stCondLst>
+                                    <p:cond delay="0"/>
+                                  </p:stCondLst>
+                                  <p:childTnLst>
+                                    <p:set>
+                                      <p:cBhvr>
+                                        <p:cTn id="16" dur="1" fill="hold">
+                                          <p:stCondLst>
+                                            <p:cond delay="0"/>
+                                          </p:stCondLst>
+                                        </p:cTn>
+                                        <p:tgtEl>
+                                          <p:spTgt spid="7"/>
+                                        </p:tgtEl>
+                                        <p:attrNameLst>
+                                          <p:attrName>style.visibility</p:attrName>
+                                        </p:attrNameLst>
+                                      </p:cBhvr>
+                                      <p:to>
+                                        <p:strVal val="visible"/>
+                                      </p:to>
+                                    </p:set>
+                                    <p:anim calcmode="lin" valueType="num">
+                                      <p:cBhvr additive="base">
+                                        <p:cTn id="17" dur="500" fill="hold"/>
+                                        <p:tgtEl>
+                                          <p:spTgt spid="7"/>
+                                        </p:tgtEl>
+                                        <p:attrNameLst>
+                                          <p:attrName>ppt_x</p:attrName>
+                                        </p:attrNameLst>
+                                      </p:cBhvr>
+                                      <p:tavLst>
+                                        <p:tav tm="0">
+                                          <p:val>
+                                            <p:strVal val="#ppt_x"/>
+                                          </p:val>
+                                        </p:tav>
+                                        <p:tav tm="100000">
+                                          <p:val>
+                                            <p:strVal val="#ppt_x"/>
+                                          </p:val>
+                                        </p:tav>
+                                      </p:tavLst>
+                                    </p:anim>
+                                    <p:anim calcmode="lin" valueType="num">
+                                      <p:cBhvr additive="base">
+                                        <p:cTn id="18" dur="500" fill="hold"/>
+                                        <p:tgtEl>
+                                          <p:spTgt spid="7"/>
+                                        </p:tgtEl>
+                                        <p:attrNameLst>
+                                          <p:attrName>ppt_y</p:attrName>
+                                        </p:attrNameLst>
+                                      </p:cBhvr>
+                                      <p:tavLst>
+                                        <p:tav tm="0">
+                                          <p:val>
+                                            <p:strVal val="1+#ppt_h/2"/>
+                                          </p:val>
+                                        </p:tav>
+                                        <p:tav tm="100000">
+                                          <p:val>
+                                            <p:strVal val="#ppt_y"/>
+                                          </p:val>
+                                        </p:tav>
+                                      </p:tavLst>
+                                    </p:anim>
+                                  </p:childTnLst>
+                                </p:cTn>
+                              </p:par>
+                            </p:childTnLst>
+                          </p:cTn>
+                        </p:par>
+                      </p:childTnLst>
+                    </p:cTn>
+                  </p:par>
+                </p:childTnLst>
+              </p:cTn>
+              <p:prevCondLst>
+                <p:cond evt="onPrev" delay="0">
+                  <p:tgtEl>
+                    <p:sldTgt/>
+                  </p:tgtEl>
+                </p:cond>
+              </p:prevCondLst>
+              <p:nextCondLst>
+                <p:cond evt="onNext" delay="0">
+                  <p:tgtEl>
+                    <p:sldTgt/>
+                  </p:tgtEl>
+                </p:cond>
+              </p:nextCondLst>
+            </p:seq>
+          </p:childTnLst>
+        </p:cTn>
+      </p:par>
+    </p:tnLst>
+    <p:bldLst>
+      <p:bldP spid="3" grpId="0"/>
+      <p:bldP spid="7" grpId="0"/>
+    </p:bldLst>
+  </p:timing>
 </p:sld>
 </file>
 
@@ -5144,20 +5565,46 @@
       </p:grpSpPr>
       <p:sp>
         <p:nvSpPr>
-          <p:cNvPr id="2" name="标题 1"/>
-          <p:cNvSpPr>
-            <a:spLocks noGrp="1"/>
-          </p:cNvSpPr>
-          <p:nvPr>
-            <p:ph type="title"/>
-          </p:nvPr>
-        </p:nvSpPr>
-        <p:spPr/>
-        <p:txBody>
-          <a:bodyPr/>
-          <a:lstStyle/>
-          <a:p>
-            <a:endParaRPr lang="zh-CN" altLang="en-US" dirty="0"/>
+          <p:cNvPr id="4" name="TextBox 3"/>
+          <p:cNvSpPr txBox="1"/>
+          <p:nvPr/>
+        </p:nvSpPr>
+        <p:spPr>
+          <a:xfrm>
+            <a:off x="0" y="2008460"/>
+            <a:ext cx="9144000" cy="923330"/>
+          </a:xfrm>
+          <a:prstGeom prst="rect">
+            <a:avLst/>
+          </a:prstGeom>
+          <a:noFill/>
+        </p:spPr>
+        <p:txBody>
+          <a:bodyPr wrap="square" rtlCol="0">
+            <a:spAutoFit/>
+          </a:bodyPr>
+          <a:lstStyle/>
+          <a:p>
+            <a:pPr algn="ctr"/>
+            <a:r>
+              <a:rPr lang="en-US" altLang="zh-CN" sz="5400" b="1" dirty="0">
+                <a:solidFill>
+                  <a:schemeClr val="bg1"/>
+                </a:solidFill>
+                <a:latin typeface="Arial" panose="020B0604020202090204"/>
+                <a:ea typeface="Microsoft YaHei"/>
+                <a:sym typeface="Arial" panose="020B0604020202090204"/>
+              </a:rPr>
+              <a:t>Thank  You </a:t>
+            </a:r>
+            <a:endParaRPr lang="zh-CN" altLang="en-US" sz="5400" b="1" spc="700" dirty="0">
+              <a:solidFill>
+                <a:schemeClr val="bg1"/>
+              </a:solidFill>
+              <a:latin typeface="Arial" panose="020B0604020202090204"/>
+              <a:ea typeface="Microsoft YaHei"/>
+              <a:sym typeface="Arial" panose="020B0604020202090204"/>
+            </a:endParaRPr>
           </a:p>
         </p:txBody>
       </p:sp>
@@ -5213,6 +5660,50 @@
 </p:sld>
 </file>
 
+<file path=ppt/slides/slide23.xml><?xml version="1.0" encoding="utf-8"?>
+<p:sld xmlns:a="http://schemas.openxmlformats.org/drawingml/2006/main" xmlns:r="http://schemas.openxmlformats.org/officeDocument/2006/relationships" xmlns:p="http://schemas.openxmlformats.org/presentationml/2006/main">
+  <p:cSld>
+    <p:spTree>
+      <p:nvGrpSpPr>
+        <p:cNvPr id="1" name=""/>
+        <p:cNvGrpSpPr/>
+        <p:nvPr/>
+      </p:nvGrpSpPr>
+      <p:grpSpPr>
+        <a:xfrm>
+          <a:off x="0" y="0"/>
+          <a:ext cx="0" cy="0"/>
+          <a:chOff x="0" y="0"/>
+          <a:chExt cx="0" cy="0"/>
+        </a:xfrm>
+      </p:grpSpPr>
+      <p:sp>
+        <p:nvSpPr>
+          <p:cNvPr id="2" name="标题 1"/>
+          <p:cNvSpPr>
+            <a:spLocks noGrp="1"/>
+          </p:cNvSpPr>
+          <p:nvPr>
+            <p:ph type="title"/>
+          </p:nvPr>
+        </p:nvSpPr>
+        <p:spPr/>
+        <p:txBody>
+          <a:bodyPr/>
+          <a:lstStyle/>
+          <a:p>
+            <a:endParaRPr lang="zh-CN" altLang="en-US" dirty="0"/>
+          </a:p>
+        </p:txBody>
+      </p:sp>
+    </p:spTree>
+  </p:cSld>
+  <p:clrMapOvr>
+    <a:masterClrMapping/>
+  </p:clrMapOvr>
+</p:sld>
+</file>
+
 <file path=ppt/slides/slide3.xml><?xml version="1.0" encoding="utf-8"?>
 <p:sld xmlns:a="http://schemas.openxmlformats.org/drawingml/2006/main" xmlns:r="http://schemas.openxmlformats.org/officeDocument/2006/relationships" xmlns:p="http://schemas.openxmlformats.org/presentationml/2006/main">
   <p:cSld>
@@ -5253,7 +5744,6 @@
               <a:rPr lang="zh-CN" altLang="en-US" dirty="0"/>
               <a:t> 标签引入</a:t>
             </a:r>
-            <a:endParaRPr lang="zh-CN" altLang="en-US" dirty="0"/>
           </a:p>
         </p:txBody>
       </p:sp>
@@ -5307,10 +5797,6 @@
               </a:rPr>
               <a:t> 标签加载</a:t>
             </a:r>
-            <a:endParaRPr kumimoji="1" lang="zh-CN" altLang="en-US" sz="2400" dirty="0">
-              <a:latin typeface="+mj-ea"/>
-              <a:ea typeface="+mj-ea"/>
-            </a:endParaRPr>
           </a:p>
         </p:txBody>
       </p:sp>
@@ -5323,7 +5809,7 @@
           <p:nvPr/>
         </p:nvPicPr>
         <p:blipFill>
-          <a:blip r:embed="rId1"/>
+          <a:blip r:embed="rId3"/>
           <a:stretch>
             <a:fillRect/>
           </a:stretch>
@@ -5386,7 +5872,6 @@
               <a:rPr lang="zh-CN" altLang="en-US" dirty="0"/>
               <a:t> 标签引入</a:t>
             </a:r>
-            <a:endParaRPr lang="zh-CN" altLang="en-US" dirty="0"/>
           </a:p>
         </p:txBody>
       </p:sp>
@@ -5399,7 +5884,7 @@
           <p:nvPr/>
         </p:nvPicPr>
         <p:blipFill>
-          <a:blip r:embed="rId1"/>
+          <a:blip r:embed="rId3"/>
           <a:stretch>
             <a:fillRect/>
           </a:stretch>
@@ -5462,7 +5947,6 @@
               <a:rPr lang="zh-CN" altLang="en-US" dirty="0"/>
               <a:t> 标签的问题</a:t>
             </a:r>
-            <a:endParaRPr lang="zh-CN" altLang="en-US" dirty="0"/>
           </a:p>
         </p:txBody>
       </p:sp>
@@ -5658,7 +6142,6 @@
               <a:rPr lang="zh-CN" altLang="en-US" dirty="0"/>
               <a:t>模块化的概念</a:t>
             </a:r>
-            <a:endParaRPr lang="zh-CN" altLang="en-US" dirty="0"/>
           </a:p>
         </p:txBody>
       </p:sp>
@@ -5745,7 +6228,6 @@
               <a:rPr kumimoji="1" lang="zh-CN" altLang="en-US" sz="2000" dirty="0"/>
               <a:t>关系</a:t>
             </a:r>
-            <a:endParaRPr kumimoji="1" lang="zh-CN" altLang="en-US" sz="2000" dirty="0"/>
           </a:p>
         </p:txBody>
       </p:sp>
@@ -5835,7 +6317,6 @@
               <a:rPr kumimoji="1" lang="zh-CN" altLang="en-US" sz="2400" dirty="0"/>
               <a:t> 模块化规范</a:t>
             </a:r>
-            <a:endParaRPr kumimoji="1" lang="zh-CN" altLang="en-US" sz="2400" dirty="0"/>
           </a:p>
         </p:txBody>
       </p:sp>
@@ -5919,7 +6400,6 @@
               <a:rPr kumimoji="1" lang="zh-CN" altLang="en-US" dirty="0"/>
               <a:t>对象来对模块进行导入和导出</a:t>
             </a:r>
-            <a:endParaRPr kumimoji="1" lang="zh-CN" altLang="en-US" dirty="0"/>
           </a:p>
         </p:txBody>
       </p:sp>
@@ -5932,7 +6412,7 @@
           <p:nvPr/>
         </p:nvPicPr>
         <p:blipFill>
-          <a:blip r:embed="rId1"/>
+          <a:blip r:embed="rId3"/>
           <a:stretch>
             <a:fillRect/>
           </a:stretch>
@@ -6004,7 +6484,7 @@
           <p:nvPr/>
         </p:nvPicPr>
         <p:blipFill>
-          <a:blip r:embed="rId1"/>
+          <a:blip r:embed="rId3"/>
           <a:stretch>
             <a:fillRect/>
           </a:stretch>
@@ -6076,7 +6556,7 @@
           <p:nvPr/>
         </p:nvPicPr>
         <p:blipFill>
-          <a:blip r:embed="rId1"/>
+          <a:blip r:embed="rId3"/>
           <a:stretch>
             <a:fillRect/>
           </a:stretch>
@@ -6117,7 +6597,6 @@
               <a:rPr kumimoji="1" lang="zh-CN" altLang="en-US" dirty="0"/>
               <a:t>执行结果</a:t>
             </a:r>
-            <a:endParaRPr kumimoji="1" lang="zh-CN" altLang="en-US" dirty="0"/>
           </a:p>
         </p:txBody>
       </p:sp>
@@ -6409,6 +6888,8 @@
       </a:bgFillStyleLst>
     </a:fmtScheme>
   </a:themeElements>
+  <a:objectDefaults/>
+  <a:extraClrSchemeLst/>
   <a:extLst>
     <a:ext uri="{05A4C25C-085E-4340-85A3-A5531E510DB2}">
       <thm15:themeFamily xmlns:thm15="http://schemas.microsoft.com/office/thememl/2012/main" name="Office Theme" id="{62F939B6-93AF-4DB8-9C6B-D6C7DFDC589F}" vid="{4A3C46E8-61CC-4603-A589-7422A47A8E4A}"/>
@@ -6697,6 +7178,8 @@
       </a:bgFillStyleLst>
     </a:fmtScheme>
   </a:themeElements>
+  <a:objectDefaults/>
+  <a:extraClrSchemeLst/>
   <a:extLst>
     <a:ext uri="{05A4C25C-085E-4340-85A3-A5531E510DB2}">
       <thm15:themeFamily xmlns:thm15="http://schemas.microsoft.com/office/thememl/2012/main" name="Office Theme" id="{62F939B6-93AF-4DB8-9C6B-D6C7DFDC589F}" vid="{4A3C46E8-61CC-4603-A589-7422A47A8E4A}"/>

--- a/封装库&笔记/前端模块化分享/前端模块化.pptx
+++ b/封装库&笔记/前端模块化分享/前端模块化.pptx
@@ -5,7 +5,7 @@
     <p:sldMasterId id="2147483648" r:id="rId1"/>
   </p:sldMasterIdLst>
   <p:notesMasterIdLst>
-    <p:notesMasterId r:id="rId25"/>
+    <p:notesMasterId r:id="rId27"/>
   </p:notesMasterIdLst>
   <p:sldIdLst>
     <p:sldId id="364" r:id="rId2"/>
@@ -28,9 +28,11 @@
     <p:sldId id="443" r:id="rId19"/>
     <p:sldId id="435" r:id="rId20"/>
     <p:sldId id="442" r:id="rId21"/>
-    <p:sldId id="368" r:id="rId22"/>
-    <p:sldId id="439" r:id="rId23"/>
-    <p:sldId id="440" r:id="rId24"/>
+    <p:sldId id="439" r:id="rId22"/>
+    <p:sldId id="440" r:id="rId23"/>
+    <p:sldId id="445" r:id="rId24"/>
+    <p:sldId id="446" r:id="rId25"/>
+    <p:sldId id="368" r:id="rId26"/>
   </p:sldIdLst>
   <p:sldSz cx="9144000" cy="5143500" type="screen16x9"/>
   <p:notesSz cx="6858000" cy="9144000"/>
@@ -230,7 +232,7 @@
           <a:p>
             <a:fld id="{4587AB4D-9FE0-43C3-AA19-D3ACFE2BF9B0}" type="datetimeFigureOut">
               <a:rPr lang="zh-CN" altLang="en-US" smtClean="0"/>
-              <a:t>2020/8/18</a:t>
+              <a:t>2020/8/19</a:t>
             </a:fld>
             <a:endParaRPr lang="zh-CN" altLang="en-US"/>
           </a:p>
@@ -1510,7 +1512,7 @@
           <a:p>
             <a:fld id="{63A25BFF-71DC-4924-B8E0-9D8932DD8731}" type="slidenum">
               <a:rPr lang="zh-CN" altLang="en-US" smtClean="0"/>
-              <a:t>22</a:t>
+              <a:t>21</a:t>
             </a:fld>
             <a:endParaRPr lang="zh-CN" altLang="en-US"/>
           </a:p>
@@ -1589,6 +1591,85 @@
           <a:p>
             <a:fld id="{63A25BFF-71DC-4924-B8E0-9D8932DD8731}" type="slidenum">
               <a:rPr lang="zh-CN" altLang="en-US" smtClean="0"/>
+              <a:t>22</a:t>
+            </a:fld>
+            <a:endParaRPr lang="zh-CN" altLang="en-US"/>
+          </a:p>
+        </p:txBody>
+      </p:sp>
+    </p:spTree>
+  </p:cSld>
+  <p:clrMapOvr>
+    <a:masterClrMapping/>
+  </p:clrMapOvr>
+</p:notes>
+</file>
+
+<file path=ppt/notesSlides/notesSlide22.xml><?xml version="1.0" encoding="utf-8"?>
+<p:notes xmlns:a="http://schemas.openxmlformats.org/drawingml/2006/main" xmlns:r="http://schemas.openxmlformats.org/officeDocument/2006/relationships" xmlns:p="http://schemas.openxmlformats.org/presentationml/2006/main">
+  <p:cSld>
+    <p:spTree>
+      <p:nvGrpSpPr>
+        <p:cNvPr id="1" name=""/>
+        <p:cNvGrpSpPr/>
+        <p:nvPr/>
+      </p:nvGrpSpPr>
+      <p:grpSpPr>
+        <a:xfrm>
+          <a:off x="0" y="0"/>
+          <a:ext cx="0" cy="0"/>
+          <a:chOff x="0" y="0"/>
+          <a:chExt cx="0" cy="0"/>
+        </a:xfrm>
+      </p:grpSpPr>
+      <p:sp>
+        <p:nvSpPr>
+          <p:cNvPr id="2" name="幻灯片图像占位符 1"/>
+          <p:cNvSpPr>
+            <a:spLocks noGrp="1" noRot="1" noChangeAspect="1"/>
+          </p:cNvSpPr>
+          <p:nvPr>
+            <p:ph type="sldImg"/>
+          </p:nvPr>
+        </p:nvSpPr>
+        <p:spPr/>
+      </p:sp>
+      <p:sp>
+        <p:nvSpPr>
+          <p:cNvPr id="3" name="备注占位符 2"/>
+          <p:cNvSpPr>
+            <a:spLocks noGrp="1"/>
+          </p:cNvSpPr>
+          <p:nvPr>
+            <p:ph type="body" idx="1"/>
+          </p:nvPr>
+        </p:nvSpPr>
+        <p:spPr/>
+        <p:txBody>
+          <a:bodyPr/>
+          <a:lstStyle/>
+          <a:p>
+            <a:endParaRPr lang="zh-CN" altLang="en-US" dirty="0"/>
+          </a:p>
+        </p:txBody>
+      </p:sp>
+      <p:sp>
+        <p:nvSpPr>
+          <p:cNvPr id="4" name="灯片编号占位符 3"/>
+          <p:cNvSpPr>
+            <a:spLocks noGrp="1"/>
+          </p:cNvSpPr>
+          <p:nvPr>
+            <p:ph type="sldNum" sz="quarter" idx="10"/>
+          </p:nvPr>
+        </p:nvSpPr>
+        <p:spPr/>
+        <p:txBody>
+          <a:bodyPr/>
+          <a:lstStyle/>
+          <a:p>
+            <a:fld id="{63A25BFF-71DC-4924-B8E0-9D8932DD8731}" type="slidenum">
+              <a:rPr lang="zh-CN" altLang="en-US" smtClean="0"/>
               <a:t>23</a:t>
             </a:fld>
             <a:endParaRPr lang="zh-CN" altLang="en-US"/>
@@ -1596,6 +1677,95 @@
         </p:txBody>
       </p:sp>
     </p:spTree>
+    <p:extLst>
+      <p:ext uri="{BB962C8B-B14F-4D97-AF65-F5344CB8AC3E}">
+        <p14:creationId xmlns:p14="http://schemas.microsoft.com/office/powerpoint/2010/main" val="187070475"/>
+      </p:ext>
+    </p:extLst>
+  </p:cSld>
+  <p:clrMapOvr>
+    <a:masterClrMapping/>
+  </p:clrMapOvr>
+</p:notes>
+</file>
+
+<file path=ppt/notesSlides/notesSlide23.xml><?xml version="1.0" encoding="utf-8"?>
+<p:notes xmlns:a="http://schemas.openxmlformats.org/drawingml/2006/main" xmlns:r="http://schemas.openxmlformats.org/officeDocument/2006/relationships" xmlns:p="http://schemas.openxmlformats.org/presentationml/2006/main">
+  <p:cSld>
+    <p:spTree>
+      <p:nvGrpSpPr>
+        <p:cNvPr id="1" name=""/>
+        <p:cNvGrpSpPr/>
+        <p:nvPr/>
+      </p:nvGrpSpPr>
+      <p:grpSpPr>
+        <a:xfrm>
+          <a:off x="0" y="0"/>
+          <a:ext cx="0" cy="0"/>
+          <a:chOff x="0" y="0"/>
+          <a:chExt cx="0" cy="0"/>
+        </a:xfrm>
+      </p:grpSpPr>
+      <p:sp>
+        <p:nvSpPr>
+          <p:cNvPr id="2" name="幻灯片图像占位符 1"/>
+          <p:cNvSpPr>
+            <a:spLocks noGrp="1" noRot="1" noChangeAspect="1"/>
+          </p:cNvSpPr>
+          <p:nvPr>
+            <p:ph type="sldImg"/>
+          </p:nvPr>
+        </p:nvSpPr>
+        <p:spPr/>
+      </p:sp>
+      <p:sp>
+        <p:nvSpPr>
+          <p:cNvPr id="3" name="备注占位符 2"/>
+          <p:cNvSpPr>
+            <a:spLocks noGrp="1"/>
+          </p:cNvSpPr>
+          <p:nvPr>
+            <p:ph type="body" idx="1"/>
+          </p:nvPr>
+        </p:nvSpPr>
+        <p:spPr/>
+        <p:txBody>
+          <a:bodyPr/>
+          <a:lstStyle/>
+          <a:p>
+            <a:endParaRPr lang="zh-CN" altLang="en-US" dirty="0"/>
+          </a:p>
+        </p:txBody>
+      </p:sp>
+      <p:sp>
+        <p:nvSpPr>
+          <p:cNvPr id="4" name="灯片编号占位符 3"/>
+          <p:cNvSpPr>
+            <a:spLocks noGrp="1"/>
+          </p:cNvSpPr>
+          <p:nvPr>
+            <p:ph type="sldNum" sz="quarter" idx="10"/>
+          </p:nvPr>
+        </p:nvSpPr>
+        <p:spPr/>
+        <p:txBody>
+          <a:bodyPr/>
+          <a:lstStyle/>
+          <a:p>
+            <a:fld id="{63A25BFF-71DC-4924-B8E0-9D8932DD8731}" type="slidenum">
+              <a:rPr lang="zh-CN" altLang="en-US" smtClean="0"/>
+              <a:t>24</a:t>
+            </a:fld>
+            <a:endParaRPr lang="zh-CN" altLang="en-US"/>
+          </a:p>
+        </p:txBody>
+      </p:sp>
+    </p:spTree>
+    <p:extLst>
+      <p:ext uri="{BB962C8B-B14F-4D97-AF65-F5344CB8AC3E}">
+        <p14:creationId xmlns:p14="http://schemas.microsoft.com/office/powerpoint/2010/main" val="2830455208"/>
+      </p:ext>
+    </p:extLst>
   </p:cSld>
   <p:clrMapOvr>
     <a:masterClrMapping/>
@@ -2674,7 +2844,7 @@
                   </a:prstClr>
                 </a:solidFill>
               </a:rPr>
-              <a:t>2020/8/18</a:t>
+              <a:t>2020/8/19</a:t>
             </a:fld>
             <a:endParaRPr lang="zh-CN" altLang="en-US">
               <a:solidFill>
@@ -5565,14 +5735,46 @@
       </p:grpSpPr>
       <p:sp>
         <p:nvSpPr>
-          <p:cNvPr id="4" name="TextBox 3"/>
+          <p:cNvPr id="2" name="标题 1"/>
+          <p:cNvSpPr>
+            <a:spLocks noGrp="1"/>
+          </p:cNvSpPr>
+          <p:nvPr>
+            <p:ph type="title"/>
+          </p:nvPr>
+        </p:nvSpPr>
+        <p:spPr/>
+        <p:txBody>
+          <a:bodyPr/>
+          <a:lstStyle/>
+          <a:p>
+            <a:r>
+              <a:rPr lang="en-US" altLang="zh-CN" dirty="0" err="1"/>
+              <a:t>CommonJs</a:t>
+            </a:r>
+            <a:r>
+              <a:rPr lang="zh-CN" altLang="en-US" dirty="0"/>
+              <a:t> 的实现</a:t>
+            </a:r>
+          </a:p>
+        </p:txBody>
+      </p:sp>
+      <p:sp>
+        <p:nvSpPr>
+          <p:cNvPr id="3" name="文本框 2">
+            <a:extLst>
+              <a:ext uri="{FF2B5EF4-FFF2-40B4-BE49-F238E27FC236}">
+                <a16:creationId xmlns:a16="http://schemas.microsoft.com/office/drawing/2014/main" id="{1C28A0AB-5C94-3948-8B78-7B2B61A498EC}"/>
+              </a:ext>
+            </a:extLst>
+          </p:cNvPr>
           <p:cNvSpPr txBox="1"/>
           <p:nvPr/>
         </p:nvSpPr>
         <p:spPr>
           <a:xfrm>
-            <a:off x="0" y="2008460"/>
-            <a:ext cx="9144000" cy="923330"/>
+            <a:off x="683568" y="1059582"/>
+            <a:ext cx="7438255" cy="369332"/>
           </a:xfrm>
           <a:prstGeom prst="rect">
             <a:avLst/>
@@ -5580,31 +5782,129 @@
           <a:noFill/>
         </p:spPr>
         <p:txBody>
-          <a:bodyPr wrap="square" rtlCol="0">
+          <a:bodyPr wrap="none" rtlCol="0">
             <a:spAutoFit/>
           </a:bodyPr>
           <a:lstStyle/>
           <a:p>
-            <a:pPr algn="ctr"/>
-            <a:r>
-              <a:rPr lang="en-US" altLang="zh-CN" sz="5400" b="1" dirty="0">
-                <a:solidFill>
-                  <a:schemeClr val="bg1"/>
-                </a:solidFill>
-                <a:latin typeface="Arial" panose="020B0604020202090204"/>
-                <a:ea typeface="Microsoft YaHei"/>
-                <a:sym typeface="Arial" panose="020B0604020202090204"/>
-              </a:rPr>
-              <a:t>Thank  You </a:t>
-            </a:r>
-            <a:endParaRPr lang="zh-CN" altLang="en-US" sz="5400" b="1" spc="700" dirty="0">
-              <a:solidFill>
-                <a:schemeClr val="bg1"/>
-              </a:solidFill>
-              <a:latin typeface="Arial" panose="020B0604020202090204"/>
-              <a:ea typeface="Microsoft YaHei"/>
-              <a:sym typeface="Arial" panose="020B0604020202090204"/>
-            </a:endParaRPr>
+            <a:r>
+              <a:rPr kumimoji="1" lang="en-US" altLang="zh-CN" dirty="0"/>
+              <a:t>VM </a:t>
+            </a:r>
+            <a:r>
+              <a:rPr kumimoji="1" lang="zh-CN" altLang="en-US" dirty="0"/>
+              <a:t>模块：连接上层 </a:t>
+            </a:r>
+            <a:r>
+              <a:rPr kumimoji="1" lang="en-US" altLang="zh-CN" dirty="0"/>
+              <a:t>JS</a:t>
+            </a:r>
+            <a:r>
+              <a:rPr kumimoji="1" lang="zh-CN" altLang="en-US" dirty="0"/>
+              <a:t> 代码与底层 </a:t>
+            </a:r>
+            <a:r>
+              <a:rPr kumimoji="1" lang="en-US" altLang="zh-CN" dirty="0"/>
+              <a:t>V8</a:t>
+            </a:r>
+            <a:r>
+              <a:rPr kumimoji="1" lang="zh-CN" altLang="en-US" dirty="0"/>
+              <a:t> 引擎，将字符串解析为可执行代码</a:t>
+            </a:r>
+          </a:p>
+        </p:txBody>
+      </p:sp>
+      <p:pic>
+        <p:nvPicPr>
+          <p:cNvPr id="4" name="图片 3">
+            <a:extLst>
+              <a:ext uri="{FF2B5EF4-FFF2-40B4-BE49-F238E27FC236}">
+                <a16:creationId xmlns:a16="http://schemas.microsoft.com/office/drawing/2014/main" id="{571C2BB9-5071-1B41-A4D8-4330BA885447}"/>
+              </a:ext>
+            </a:extLst>
+          </p:cNvPr>
+          <p:cNvPicPr>
+            <a:picLocks noChangeAspect="1"/>
+          </p:cNvPicPr>
+          <p:nvPr/>
+        </p:nvPicPr>
+        <p:blipFill>
+          <a:blip r:embed="rId3"/>
+          <a:stretch>
+            <a:fillRect/>
+          </a:stretch>
+        </p:blipFill>
+        <p:spPr>
+          <a:xfrm>
+            <a:off x="901700" y="2211710"/>
+            <a:ext cx="7340600" cy="2184400"/>
+          </a:xfrm>
+          <a:prstGeom prst="rect">
+            <a:avLst/>
+          </a:prstGeom>
+        </p:spPr>
+      </p:pic>
+      <p:sp>
+        <p:nvSpPr>
+          <p:cNvPr id="5" name="文本框 4">
+            <a:extLst>
+              <a:ext uri="{FF2B5EF4-FFF2-40B4-BE49-F238E27FC236}">
+                <a16:creationId xmlns:a16="http://schemas.microsoft.com/office/drawing/2014/main" id="{9AE0104D-49C8-574B-84C5-B571B3E515A4}"/>
+              </a:ext>
+            </a:extLst>
+          </p:cNvPr>
+          <p:cNvSpPr txBox="1"/>
+          <p:nvPr/>
+        </p:nvSpPr>
+        <p:spPr>
+          <a:xfrm>
+            <a:off x="683568" y="1635646"/>
+            <a:ext cx="3328860" cy="369332"/>
+          </a:xfrm>
+          <a:prstGeom prst="rect">
+            <a:avLst/>
+          </a:prstGeom>
+          <a:noFill/>
+        </p:spPr>
+        <p:txBody>
+          <a:bodyPr wrap="none" rtlCol="0">
+            <a:spAutoFit/>
+          </a:bodyPr>
+          <a:lstStyle/>
+          <a:p>
+            <a:r>
+              <a:rPr kumimoji="1" lang="zh-CN" altLang="en-US" dirty="0"/>
+              <a:t>原生 </a:t>
+            </a:r>
+            <a:r>
+              <a:rPr kumimoji="1" lang="en-US" altLang="zh-CN" dirty="0"/>
+              <a:t>JS</a:t>
+            </a:r>
+            <a:r>
+              <a:rPr kumimoji="1" lang="zh-CN" altLang="en-US" dirty="0"/>
+              <a:t>：</a:t>
+            </a:r>
+            <a:r>
+              <a:rPr kumimoji="1" lang="en-US" altLang="zh-CN" dirty="0"/>
+              <a:t>new</a:t>
+            </a:r>
+            <a:r>
+              <a:rPr kumimoji="1" lang="zh-CN" altLang="en-US" dirty="0"/>
+              <a:t> </a:t>
+            </a:r>
+            <a:r>
+              <a:rPr kumimoji="1" lang="en-US" altLang="zh-CN" dirty="0"/>
+              <a:t>Function() </a:t>
+            </a:r>
+            <a:r>
+              <a:rPr kumimoji="1" lang="zh-CN" altLang="en-US" dirty="0"/>
+              <a:t>、</a:t>
+            </a:r>
+            <a:r>
+              <a:rPr kumimoji="1" lang="en-US" altLang="zh-CN" dirty="0"/>
+              <a:t>eval()</a:t>
+            </a:r>
+            <a:endParaRPr kumimoji="1" lang="zh-CN" altLang="en-US" dirty="0"/>
           </a:p>
         </p:txBody>
       </p:sp>
@@ -5613,6 +5913,221 @@
   <p:clrMapOvr>
     <a:masterClrMapping/>
   </p:clrMapOvr>
+  <p:timing>
+    <p:tnLst>
+      <p:par>
+        <p:cTn id="1" dur="indefinite" restart="never" nodeType="tmRoot">
+          <p:childTnLst>
+            <p:seq concurrent="1" nextAc="seek">
+              <p:cTn id="2" dur="indefinite" nodeType="mainSeq">
+                <p:childTnLst>
+                  <p:par>
+                    <p:cTn id="3" fill="hold">
+                      <p:stCondLst>
+                        <p:cond delay="indefinite"/>
+                      </p:stCondLst>
+                      <p:childTnLst>
+                        <p:par>
+                          <p:cTn id="4" fill="hold">
+                            <p:stCondLst>
+                              <p:cond delay="0"/>
+                            </p:stCondLst>
+                            <p:childTnLst>
+                              <p:par>
+                                <p:cTn id="5" presetID="2" presetClass="entr" presetSubtype="4" fill="hold" grpId="0" nodeType="clickEffect">
+                                  <p:stCondLst>
+                                    <p:cond delay="0"/>
+                                  </p:stCondLst>
+                                  <p:childTnLst>
+                                    <p:set>
+                                      <p:cBhvr>
+                                        <p:cTn id="6" dur="1" fill="hold">
+                                          <p:stCondLst>
+                                            <p:cond delay="0"/>
+                                          </p:stCondLst>
+                                        </p:cTn>
+                                        <p:tgtEl>
+                                          <p:spTgt spid="5"/>
+                                        </p:tgtEl>
+                                        <p:attrNameLst>
+                                          <p:attrName>style.visibility</p:attrName>
+                                        </p:attrNameLst>
+                                      </p:cBhvr>
+                                      <p:to>
+                                        <p:strVal val="visible"/>
+                                      </p:to>
+                                    </p:set>
+                                    <p:anim calcmode="lin" valueType="num">
+                                      <p:cBhvr additive="base">
+                                        <p:cTn id="7" dur="500" fill="hold"/>
+                                        <p:tgtEl>
+                                          <p:spTgt spid="5"/>
+                                        </p:tgtEl>
+                                        <p:attrNameLst>
+                                          <p:attrName>ppt_x</p:attrName>
+                                        </p:attrNameLst>
+                                      </p:cBhvr>
+                                      <p:tavLst>
+                                        <p:tav tm="0">
+                                          <p:val>
+                                            <p:strVal val="#ppt_x"/>
+                                          </p:val>
+                                        </p:tav>
+                                        <p:tav tm="100000">
+                                          <p:val>
+                                            <p:strVal val="#ppt_x"/>
+                                          </p:val>
+                                        </p:tav>
+                                      </p:tavLst>
+                                    </p:anim>
+                                    <p:anim calcmode="lin" valueType="num">
+                                      <p:cBhvr additive="base">
+                                        <p:cTn id="8" dur="500" fill="hold"/>
+                                        <p:tgtEl>
+                                          <p:spTgt spid="5"/>
+                                        </p:tgtEl>
+                                        <p:attrNameLst>
+                                          <p:attrName>ppt_y</p:attrName>
+                                        </p:attrNameLst>
+                                      </p:cBhvr>
+                                      <p:tavLst>
+                                        <p:tav tm="0">
+                                          <p:val>
+                                            <p:strVal val="1+#ppt_h/2"/>
+                                          </p:val>
+                                        </p:tav>
+                                        <p:tav tm="100000">
+                                          <p:val>
+                                            <p:strVal val="#ppt_y"/>
+                                          </p:val>
+                                        </p:tav>
+                                      </p:tavLst>
+                                    </p:anim>
+                                  </p:childTnLst>
+                                </p:cTn>
+                              </p:par>
+                            </p:childTnLst>
+                          </p:cTn>
+                        </p:par>
+                      </p:childTnLst>
+                    </p:cTn>
+                  </p:par>
+                  <p:par>
+                    <p:cTn id="9" fill="hold">
+                      <p:stCondLst>
+                        <p:cond delay="indefinite"/>
+                      </p:stCondLst>
+                      <p:childTnLst>
+                        <p:par>
+                          <p:cTn id="10" fill="hold">
+                            <p:stCondLst>
+                              <p:cond delay="0"/>
+                            </p:stCondLst>
+                            <p:childTnLst>
+                              <p:par>
+                                <p:cTn id="11" presetID="2" presetClass="entr" presetSubtype="4" fill="hold" nodeType="clickEffect">
+                                  <p:stCondLst>
+                                    <p:cond delay="0"/>
+                                  </p:stCondLst>
+                                  <p:childTnLst>
+                                    <p:set>
+                                      <p:cBhvr>
+                                        <p:cTn id="12" dur="1" fill="hold">
+                                          <p:stCondLst>
+                                            <p:cond delay="0"/>
+                                          </p:stCondLst>
+                                        </p:cTn>
+                                        <p:tgtEl>
+                                          <p:spTgt spid="4"/>
+                                        </p:tgtEl>
+                                        <p:attrNameLst>
+                                          <p:attrName>style.visibility</p:attrName>
+                                        </p:attrNameLst>
+                                      </p:cBhvr>
+                                      <p:to>
+                                        <p:strVal val="visible"/>
+                                      </p:to>
+                                    </p:set>
+                                    <p:anim calcmode="lin" valueType="num">
+                                      <p:cBhvr additive="base">
+                                        <p:cTn id="13" dur="500" fill="hold"/>
+                                        <p:tgtEl>
+                                          <p:spTgt spid="4"/>
+                                        </p:tgtEl>
+                                        <p:attrNameLst>
+                                          <p:attrName>ppt_x</p:attrName>
+                                        </p:attrNameLst>
+                                      </p:cBhvr>
+                                      <p:tavLst>
+                                        <p:tav tm="0">
+                                          <p:val>
+                                            <p:strVal val="#ppt_x"/>
+                                          </p:val>
+                                        </p:tav>
+                                        <p:tav tm="100000">
+                                          <p:val>
+                                            <p:strVal val="#ppt_x"/>
+                                          </p:val>
+                                        </p:tav>
+                                      </p:tavLst>
+                                    </p:anim>
+                                    <p:anim calcmode="lin" valueType="num">
+                                      <p:cBhvr additive="base">
+                                        <p:cTn id="14" dur="500" fill="hold"/>
+                                        <p:tgtEl>
+                                          <p:spTgt spid="4"/>
+                                        </p:tgtEl>
+                                        <p:attrNameLst>
+                                          <p:attrName>ppt_y</p:attrName>
+                                        </p:attrNameLst>
+                                      </p:cBhvr>
+                                      <p:tavLst>
+                                        <p:tav tm="0">
+                                          <p:val>
+                                            <p:strVal val="1+#ppt_h/2"/>
+                                          </p:val>
+                                        </p:tav>
+                                        <p:tav tm="100000">
+                                          <p:val>
+                                            <p:strVal val="#ppt_y"/>
+                                          </p:val>
+                                        </p:tav>
+                                      </p:tavLst>
+                                    </p:anim>
+                                  </p:childTnLst>
+                                </p:cTn>
+                              </p:par>
+                            </p:childTnLst>
+                          </p:cTn>
+                        </p:par>
+                      </p:childTnLst>
+                    </p:cTn>
+                  </p:par>
+                </p:childTnLst>
+              </p:cTn>
+              <p:prevCondLst>
+                <p:cond evt="onPrev" delay="0">
+                  <p:tgtEl>
+                    <p:sldTgt/>
+                  </p:tgtEl>
+                </p:cond>
+              </p:prevCondLst>
+              <p:nextCondLst>
+                <p:cond evt="onNext" delay="0">
+                  <p:tgtEl>
+                    <p:sldTgt/>
+                  </p:tgtEl>
+                </p:cond>
+              </p:nextCondLst>
+            </p:seq>
+          </p:childTnLst>
+        </p:cTn>
+      </p:par>
+    </p:tnLst>
+    <p:bldLst>
+      <p:bldP spid="5" grpId="0"/>
+    </p:bldLst>
+  </p:timing>
 </p:sld>
 </file>
 
@@ -5648,15 +6163,1012 @@
           <a:bodyPr/>
           <a:lstStyle/>
           <a:p>
-            <a:endParaRPr lang="zh-CN" altLang="en-US" dirty="0"/>
-          </a:p>
-        </p:txBody>
-      </p:sp>
+            <a:r>
+              <a:rPr lang="en-US" altLang="zh-CN" dirty="0" err="1"/>
+              <a:t>CommonJS</a:t>
+            </a:r>
+            <a:r>
+              <a:rPr lang="zh-CN" altLang="en-US" dirty="0"/>
+              <a:t> 的实现</a:t>
+            </a:r>
+          </a:p>
+        </p:txBody>
+      </p:sp>
+      <p:pic>
+        <p:nvPicPr>
+          <p:cNvPr id="5" name="图片 4">
+            <a:extLst>
+              <a:ext uri="{FF2B5EF4-FFF2-40B4-BE49-F238E27FC236}">
+                <a16:creationId xmlns:a16="http://schemas.microsoft.com/office/drawing/2014/main" id="{0D59396E-A83E-424C-A28A-55B2E1C6B55A}"/>
+              </a:ext>
+            </a:extLst>
+          </p:cNvPr>
+          <p:cNvPicPr>
+            <a:picLocks noChangeAspect="1"/>
+          </p:cNvPicPr>
+          <p:nvPr/>
+        </p:nvPicPr>
+        <p:blipFill>
+          <a:blip r:embed="rId3"/>
+          <a:stretch>
+            <a:fillRect/>
+          </a:stretch>
+        </p:blipFill>
+        <p:spPr>
+          <a:xfrm>
+            <a:off x="5630517" y="57604"/>
+            <a:ext cx="3390900" cy="774700"/>
+          </a:xfrm>
+          <a:prstGeom prst="rect">
+            <a:avLst/>
+          </a:prstGeom>
+        </p:spPr>
+      </p:pic>
+      <p:pic>
+        <p:nvPicPr>
+          <p:cNvPr id="11" name="图片 10">
+            <a:extLst>
+              <a:ext uri="{FF2B5EF4-FFF2-40B4-BE49-F238E27FC236}">
+                <a16:creationId xmlns:a16="http://schemas.microsoft.com/office/drawing/2014/main" id="{475012E3-876D-384E-946F-BEC37EADCBEA}"/>
+              </a:ext>
+            </a:extLst>
+          </p:cNvPr>
+          <p:cNvPicPr>
+            <a:picLocks noChangeAspect="1"/>
+          </p:cNvPicPr>
+          <p:nvPr/>
+        </p:nvPicPr>
+        <p:blipFill>
+          <a:blip r:embed="rId4"/>
+          <a:stretch>
+            <a:fillRect/>
+          </a:stretch>
+        </p:blipFill>
+        <p:spPr>
+          <a:xfrm>
+            <a:off x="4765389" y="2937486"/>
+            <a:ext cx="4256028" cy="703571"/>
+          </a:xfrm>
+          <a:prstGeom prst="rect">
+            <a:avLst/>
+          </a:prstGeom>
+        </p:spPr>
+      </p:pic>
+      <p:pic>
+        <p:nvPicPr>
+          <p:cNvPr id="13" name="图片 12">
+            <a:extLst>
+              <a:ext uri="{FF2B5EF4-FFF2-40B4-BE49-F238E27FC236}">
+                <a16:creationId xmlns:a16="http://schemas.microsoft.com/office/drawing/2014/main" id="{620A8D3E-5A2F-154E-AC9A-2605F5AC5B78}"/>
+              </a:ext>
+            </a:extLst>
+          </p:cNvPr>
+          <p:cNvPicPr>
+            <a:picLocks noChangeAspect="1"/>
+          </p:cNvPicPr>
+          <p:nvPr/>
+        </p:nvPicPr>
+        <p:blipFill>
+          <a:blip r:embed="rId5"/>
+          <a:stretch>
+            <a:fillRect/>
+          </a:stretch>
+        </p:blipFill>
+        <p:spPr>
+          <a:xfrm>
+            <a:off x="287017" y="758916"/>
+            <a:ext cx="7315200" cy="901700"/>
+          </a:xfrm>
+          <a:prstGeom prst="rect">
+            <a:avLst/>
+          </a:prstGeom>
+        </p:spPr>
+      </p:pic>
+      <p:pic>
+        <p:nvPicPr>
+          <p:cNvPr id="14" name="图片 13">
+            <a:extLst>
+              <a:ext uri="{FF2B5EF4-FFF2-40B4-BE49-F238E27FC236}">
+                <a16:creationId xmlns:a16="http://schemas.microsoft.com/office/drawing/2014/main" id="{78FD04A5-FB5C-074D-999A-1B2AE1553986}"/>
+              </a:ext>
+            </a:extLst>
+          </p:cNvPr>
+          <p:cNvPicPr>
+            <a:picLocks noChangeAspect="1"/>
+          </p:cNvPicPr>
+          <p:nvPr/>
+        </p:nvPicPr>
+        <p:blipFill>
+          <a:blip r:embed="rId6"/>
+          <a:stretch>
+            <a:fillRect/>
+          </a:stretch>
+        </p:blipFill>
+        <p:spPr>
+          <a:xfrm>
+            <a:off x="287017" y="2937486"/>
+            <a:ext cx="3644900" cy="444500"/>
+          </a:xfrm>
+          <a:prstGeom prst="rect">
+            <a:avLst/>
+          </a:prstGeom>
+        </p:spPr>
+      </p:pic>
+      <p:pic>
+        <p:nvPicPr>
+          <p:cNvPr id="16" name="图片 15">
+            <a:extLst>
+              <a:ext uri="{FF2B5EF4-FFF2-40B4-BE49-F238E27FC236}">
+                <a16:creationId xmlns:a16="http://schemas.microsoft.com/office/drawing/2014/main" id="{17983ABC-2EFF-C640-9509-25EA677406D5}"/>
+              </a:ext>
+            </a:extLst>
+          </p:cNvPr>
+          <p:cNvPicPr>
+            <a:picLocks noChangeAspect="1"/>
+          </p:cNvPicPr>
+          <p:nvPr/>
+        </p:nvPicPr>
+        <p:blipFill>
+          <a:blip r:embed="rId7"/>
+          <a:stretch>
+            <a:fillRect/>
+          </a:stretch>
+        </p:blipFill>
+        <p:spPr>
+          <a:xfrm>
+            <a:off x="287017" y="1699371"/>
+            <a:ext cx="4826000" cy="1181100"/>
+          </a:xfrm>
+          <a:prstGeom prst="rect">
+            <a:avLst/>
+          </a:prstGeom>
+        </p:spPr>
+      </p:pic>
+      <p:pic>
+        <p:nvPicPr>
+          <p:cNvPr id="17" name="图片 16">
+            <a:extLst>
+              <a:ext uri="{FF2B5EF4-FFF2-40B4-BE49-F238E27FC236}">
+                <a16:creationId xmlns:a16="http://schemas.microsoft.com/office/drawing/2014/main" id="{2E152CBC-946B-9E4B-B508-D36B49A067BF}"/>
+              </a:ext>
+            </a:extLst>
+          </p:cNvPr>
+          <p:cNvPicPr>
+            <a:picLocks noChangeAspect="1"/>
+          </p:cNvPicPr>
+          <p:nvPr/>
+        </p:nvPicPr>
+        <p:blipFill>
+          <a:blip r:embed="rId8"/>
+          <a:stretch>
+            <a:fillRect/>
+          </a:stretch>
+        </p:blipFill>
+        <p:spPr>
+          <a:xfrm>
+            <a:off x="287017" y="3440349"/>
+            <a:ext cx="2320890" cy="877850"/>
+          </a:xfrm>
+          <a:prstGeom prst="rect">
+            <a:avLst/>
+          </a:prstGeom>
+        </p:spPr>
+      </p:pic>
+      <p:pic>
+        <p:nvPicPr>
+          <p:cNvPr id="18" name="图片 17">
+            <a:extLst>
+              <a:ext uri="{FF2B5EF4-FFF2-40B4-BE49-F238E27FC236}">
+                <a16:creationId xmlns:a16="http://schemas.microsoft.com/office/drawing/2014/main" id="{5D68681A-B81C-B54E-A3B1-60C44E92BE02}"/>
+              </a:ext>
+            </a:extLst>
+          </p:cNvPr>
+          <p:cNvPicPr>
+            <a:picLocks noChangeAspect="1"/>
+          </p:cNvPicPr>
+          <p:nvPr/>
+        </p:nvPicPr>
+        <p:blipFill>
+          <a:blip r:embed="rId9"/>
+          <a:stretch>
+            <a:fillRect/>
+          </a:stretch>
+        </p:blipFill>
+        <p:spPr>
+          <a:xfrm>
+            <a:off x="3292189" y="3664985"/>
+            <a:ext cx="2946400" cy="342900"/>
+          </a:xfrm>
+          <a:prstGeom prst="rect">
+            <a:avLst/>
+          </a:prstGeom>
+        </p:spPr>
+      </p:pic>
+      <p:pic>
+        <p:nvPicPr>
+          <p:cNvPr id="19" name="图片 18">
+            <a:extLst>
+              <a:ext uri="{FF2B5EF4-FFF2-40B4-BE49-F238E27FC236}">
+                <a16:creationId xmlns:a16="http://schemas.microsoft.com/office/drawing/2014/main" id="{15716035-F974-5844-B877-37F7EC5AFA51}"/>
+              </a:ext>
+            </a:extLst>
+          </p:cNvPr>
+          <p:cNvPicPr>
+            <a:picLocks noChangeAspect="1"/>
+          </p:cNvPicPr>
+          <p:nvPr/>
+        </p:nvPicPr>
+        <p:blipFill>
+          <a:blip r:embed="rId10"/>
+          <a:stretch>
+            <a:fillRect/>
+          </a:stretch>
+        </p:blipFill>
+        <p:spPr>
+          <a:xfrm>
+            <a:off x="122583" y="465271"/>
+            <a:ext cx="3467100" cy="241300"/>
+          </a:xfrm>
+          <a:prstGeom prst="rect">
+            <a:avLst/>
+          </a:prstGeom>
+        </p:spPr>
+      </p:pic>
+      <p:pic>
+        <p:nvPicPr>
+          <p:cNvPr id="25" name="图片 24">
+            <a:extLst>
+              <a:ext uri="{FF2B5EF4-FFF2-40B4-BE49-F238E27FC236}">
+                <a16:creationId xmlns:a16="http://schemas.microsoft.com/office/drawing/2014/main" id="{500B23F6-5C20-F640-A644-BB81F23E9600}"/>
+              </a:ext>
+            </a:extLst>
+          </p:cNvPr>
+          <p:cNvPicPr>
+            <a:picLocks noChangeAspect="1"/>
+          </p:cNvPicPr>
+          <p:nvPr/>
+        </p:nvPicPr>
+        <p:blipFill>
+          <a:blip r:embed="rId11"/>
+          <a:stretch>
+            <a:fillRect/>
+          </a:stretch>
+        </p:blipFill>
+        <p:spPr>
+          <a:xfrm>
+            <a:off x="122583" y="4384584"/>
+            <a:ext cx="1778000" cy="546100"/>
+          </a:xfrm>
+          <a:prstGeom prst="rect">
+            <a:avLst/>
+          </a:prstGeom>
+        </p:spPr>
+      </p:pic>
+      <p:pic>
+        <p:nvPicPr>
+          <p:cNvPr id="26" name="图片 25">
+            <a:extLst>
+              <a:ext uri="{FF2B5EF4-FFF2-40B4-BE49-F238E27FC236}">
+                <a16:creationId xmlns:a16="http://schemas.microsoft.com/office/drawing/2014/main" id="{4FCABCF4-9A91-2B4D-B962-6B133435004A}"/>
+              </a:ext>
+            </a:extLst>
+          </p:cNvPr>
+          <p:cNvPicPr>
+            <a:picLocks noChangeAspect="1"/>
+          </p:cNvPicPr>
+          <p:nvPr/>
+        </p:nvPicPr>
+        <p:blipFill>
+          <a:blip r:embed="rId12"/>
+          <a:stretch>
+            <a:fillRect/>
+          </a:stretch>
+        </p:blipFill>
+        <p:spPr>
+          <a:xfrm>
+            <a:off x="5292080" y="1389920"/>
+            <a:ext cx="1224136" cy="284683"/>
+          </a:xfrm>
+          <a:prstGeom prst="rect">
+            <a:avLst/>
+          </a:prstGeom>
+        </p:spPr>
+      </p:pic>
+      <p:pic>
+        <p:nvPicPr>
+          <p:cNvPr id="28" name="图片 27">
+            <a:extLst>
+              <a:ext uri="{FF2B5EF4-FFF2-40B4-BE49-F238E27FC236}">
+                <a16:creationId xmlns:a16="http://schemas.microsoft.com/office/drawing/2014/main" id="{700217FC-7DBF-054C-A121-F31E7DE6AB8C}"/>
+              </a:ext>
+            </a:extLst>
+          </p:cNvPr>
+          <p:cNvPicPr>
+            <a:picLocks noChangeAspect="1"/>
+          </p:cNvPicPr>
+          <p:nvPr/>
+        </p:nvPicPr>
+        <p:blipFill>
+          <a:blip r:embed="rId13"/>
+          <a:stretch>
+            <a:fillRect/>
+          </a:stretch>
+        </p:blipFill>
+        <p:spPr>
+          <a:xfrm>
+            <a:off x="287017" y="4049390"/>
+            <a:ext cx="3111500" cy="279400"/>
+          </a:xfrm>
+          <a:prstGeom prst="rect">
+            <a:avLst/>
+          </a:prstGeom>
+        </p:spPr>
+      </p:pic>
     </p:spTree>
   </p:cSld>
   <p:clrMapOvr>
     <a:masterClrMapping/>
   </p:clrMapOvr>
+  <p:timing>
+    <p:tnLst>
+      <p:par>
+        <p:cTn id="1" dur="indefinite" restart="never" nodeType="tmRoot">
+          <p:childTnLst>
+            <p:seq concurrent="1" nextAc="seek">
+              <p:cTn id="2" dur="indefinite" nodeType="mainSeq">
+                <p:childTnLst>
+                  <p:par>
+                    <p:cTn id="3" fill="hold">
+                      <p:stCondLst>
+                        <p:cond delay="indefinite"/>
+                      </p:stCondLst>
+                      <p:childTnLst>
+                        <p:par>
+                          <p:cTn id="4" fill="hold">
+                            <p:stCondLst>
+                              <p:cond delay="0"/>
+                            </p:stCondLst>
+                            <p:childTnLst>
+                              <p:par>
+                                <p:cTn id="5" presetID="2" presetClass="entr" presetSubtype="4" fill="hold" nodeType="clickEffect">
+                                  <p:stCondLst>
+                                    <p:cond delay="0"/>
+                                  </p:stCondLst>
+                                  <p:childTnLst>
+                                    <p:set>
+                                      <p:cBhvr>
+                                        <p:cTn id="6" dur="1" fill="hold">
+                                          <p:stCondLst>
+                                            <p:cond delay="0"/>
+                                          </p:stCondLst>
+                                        </p:cTn>
+                                        <p:tgtEl>
+                                          <p:spTgt spid="5"/>
+                                        </p:tgtEl>
+                                        <p:attrNameLst>
+                                          <p:attrName>style.visibility</p:attrName>
+                                        </p:attrNameLst>
+                                      </p:cBhvr>
+                                      <p:to>
+                                        <p:strVal val="visible"/>
+                                      </p:to>
+                                    </p:set>
+                                    <p:anim calcmode="lin" valueType="num">
+                                      <p:cBhvr additive="base">
+                                        <p:cTn id="7" dur="500" fill="hold"/>
+                                        <p:tgtEl>
+                                          <p:spTgt spid="5"/>
+                                        </p:tgtEl>
+                                        <p:attrNameLst>
+                                          <p:attrName>ppt_x</p:attrName>
+                                        </p:attrNameLst>
+                                      </p:cBhvr>
+                                      <p:tavLst>
+                                        <p:tav tm="0">
+                                          <p:val>
+                                            <p:strVal val="#ppt_x"/>
+                                          </p:val>
+                                        </p:tav>
+                                        <p:tav tm="100000">
+                                          <p:val>
+                                            <p:strVal val="#ppt_x"/>
+                                          </p:val>
+                                        </p:tav>
+                                      </p:tavLst>
+                                    </p:anim>
+                                    <p:anim calcmode="lin" valueType="num">
+                                      <p:cBhvr additive="base">
+                                        <p:cTn id="8" dur="500" fill="hold"/>
+                                        <p:tgtEl>
+                                          <p:spTgt spid="5"/>
+                                        </p:tgtEl>
+                                        <p:attrNameLst>
+                                          <p:attrName>ppt_y</p:attrName>
+                                        </p:attrNameLst>
+                                      </p:cBhvr>
+                                      <p:tavLst>
+                                        <p:tav tm="0">
+                                          <p:val>
+                                            <p:strVal val="1+#ppt_h/2"/>
+                                          </p:val>
+                                        </p:tav>
+                                        <p:tav tm="100000">
+                                          <p:val>
+                                            <p:strVal val="#ppt_y"/>
+                                          </p:val>
+                                        </p:tav>
+                                      </p:tavLst>
+                                    </p:anim>
+                                  </p:childTnLst>
+                                </p:cTn>
+                              </p:par>
+                            </p:childTnLst>
+                          </p:cTn>
+                        </p:par>
+                      </p:childTnLst>
+                    </p:cTn>
+                  </p:par>
+                  <p:par>
+                    <p:cTn id="9" fill="hold">
+                      <p:stCondLst>
+                        <p:cond delay="indefinite"/>
+                      </p:stCondLst>
+                      <p:childTnLst>
+                        <p:par>
+                          <p:cTn id="10" fill="hold">
+                            <p:stCondLst>
+                              <p:cond delay="0"/>
+                            </p:stCondLst>
+                            <p:childTnLst>
+                              <p:par>
+                                <p:cTn id="11" presetID="1" presetClass="entr" presetSubtype="0" fill="hold" nodeType="clickEffect">
+                                  <p:stCondLst>
+                                    <p:cond delay="0"/>
+                                  </p:stCondLst>
+                                  <p:childTnLst>
+                                    <p:set>
+                                      <p:cBhvr>
+                                        <p:cTn id="12" dur="1" fill="hold">
+                                          <p:stCondLst>
+                                            <p:cond delay="0"/>
+                                          </p:stCondLst>
+                                        </p:cTn>
+                                        <p:tgtEl>
+                                          <p:spTgt spid="13"/>
+                                        </p:tgtEl>
+                                        <p:attrNameLst>
+                                          <p:attrName>style.visibility</p:attrName>
+                                        </p:attrNameLst>
+                                      </p:cBhvr>
+                                      <p:to>
+                                        <p:strVal val="visible"/>
+                                      </p:to>
+                                    </p:set>
+                                  </p:childTnLst>
+                                </p:cTn>
+                              </p:par>
+                              <p:par>
+                                <p:cTn id="13" presetID="1" presetClass="entr" presetSubtype="0" fill="hold" nodeType="withEffect">
+                                  <p:stCondLst>
+                                    <p:cond delay="0"/>
+                                  </p:stCondLst>
+                                  <p:childTnLst>
+                                    <p:set>
+                                      <p:cBhvr>
+                                        <p:cTn id="14" dur="1" fill="hold">
+                                          <p:stCondLst>
+                                            <p:cond delay="0"/>
+                                          </p:stCondLst>
+                                        </p:cTn>
+                                        <p:tgtEl>
+                                          <p:spTgt spid="14"/>
+                                        </p:tgtEl>
+                                        <p:attrNameLst>
+                                          <p:attrName>style.visibility</p:attrName>
+                                        </p:attrNameLst>
+                                      </p:cBhvr>
+                                      <p:to>
+                                        <p:strVal val="visible"/>
+                                      </p:to>
+                                    </p:set>
+                                  </p:childTnLst>
+                                </p:cTn>
+                              </p:par>
+                            </p:childTnLst>
+                          </p:cTn>
+                        </p:par>
+                      </p:childTnLst>
+                    </p:cTn>
+                  </p:par>
+                  <p:par>
+                    <p:cTn id="15" fill="hold">
+                      <p:stCondLst>
+                        <p:cond delay="indefinite"/>
+                      </p:stCondLst>
+                      <p:childTnLst>
+                        <p:par>
+                          <p:cTn id="16" fill="hold">
+                            <p:stCondLst>
+                              <p:cond delay="0"/>
+                            </p:stCondLst>
+                            <p:childTnLst>
+                              <p:par>
+                                <p:cTn id="17" presetID="3" presetClass="entr" presetSubtype="10" fill="hold" nodeType="clickEffect">
+                                  <p:stCondLst>
+                                    <p:cond delay="0"/>
+                                  </p:stCondLst>
+                                  <p:childTnLst>
+                                    <p:set>
+                                      <p:cBhvr>
+                                        <p:cTn id="18" dur="1" fill="hold">
+                                          <p:stCondLst>
+                                            <p:cond delay="0"/>
+                                          </p:stCondLst>
+                                        </p:cTn>
+                                        <p:tgtEl>
+                                          <p:spTgt spid="16"/>
+                                        </p:tgtEl>
+                                        <p:attrNameLst>
+                                          <p:attrName>style.visibility</p:attrName>
+                                        </p:attrNameLst>
+                                      </p:cBhvr>
+                                      <p:to>
+                                        <p:strVal val="visible"/>
+                                      </p:to>
+                                    </p:set>
+                                    <p:animEffect transition="in" filter="blinds(horizontal)">
+                                      <p:cBhvr>
+                                        <p:cTn id="19" dur="500"/>
+                                        <p:tgtEl>
+                                          <p:spTgt spid="16"/>
+                                        </p:tgtEl>
+                                      </p:cBhvr>
+                                    </p:animEffect>
+                                  </p:childTnLst>
+                                </p:cTn>
+                              </p:par>
+                            </p:childTnLst>
+                          </p:cTn>
+                        </p:par>
+                      </p:childTnLst>
+                    </p:cTn>
+                  </p:par>
+                  <p:par>
+                    <p:cTn id="20" fill="hold">
+                      <p:stCondLst>
+                        <p:cond delay="indefinite"/>
+                      </p:stCondLst>
+                      <p:childTnLst>
+                        <p:par>
+                          <p:cTn id="21" fill="hold">
+                            <p:stCondLst>
+                              <p:cond delay="0"/>
+                            </p:stCondLst>
+                            <p:childTnLst>
+                              <p:par>
+                                <p:cTn id="22" presetID="2" presetClass="entr" presetSubtype="4" fill="hold" nodeType="clickEffect">
+                                  <p:stCondLst>
+                                    <p:cond delay="0"/>
+                                  </p:stCondLst>
+                                  <p:childTnLst>
+                                    <p:set>
+                                      <p:cBhvr>
+                                        <p:cTn id="23" dur="1" fill="hold">
+                                          <p:stCondLst>
+                                            <p:cond delay="0"/>
+                                          </p:stCondLst>
+                                        </p:cTn>
+                                        <p:tgtEl>
+                                          <p:spTgt spid="11"/>
+                                        </p:tgtEl>
+                                        <p:attrNameLst>
+                                          <p:attrName>style.visibility</p:attrName>
+                                        </p:attrNameLst>
+                                      </p:cBhvr>
+                                      <p:to>
+                                        <p:strVal val="visible"/>
+                                      </p:to>
+                                    </p:set>
+                                    <p:anim calcmode="lin" valueType="num">
+                                      <p:cBhvr additive="base">
+                                        <p:cTn id="24" dur="500" fill="hold"/>
+                                        <p:tgtEl>
+                                          <p:spTgt spid="11"/>
+                                        </p:tgtEl>
+                                        <p:attrNameLst>
+                                          <p:attrName>ppt_x</p:attrName>
+                                        </p:attrNameLst>
+                                      </p:cBhvr>
+                                      <p:tavLst>
+                                        <p:tav tm="0">
+                                          <p:val>
+                                            <p:strVal val="#ppt_x"/>
+                                          </p:val>
+                                        </p:tav>
+                                        <p:tav tm="100000">
+                                          <p:val>
+                                            <p:strVal val="#ppt_x"/>
+                                          </p:val>
+                                        </p:tav>
+                                      </p:tavLst>
+                                    </p:anim>
+                                    <p:anim calcmode="lin" valueType="num">
+                                      <p:cBhvr additive="base">
+                                        <p:cTn id="25" dur="500" fill="hold"/>
+                                        <p:tgtEl>
+                                          <p:spTgt spid="11"/>
+                                        </p:tgtEl>
+                                        <p:attrNameLst>
+                                          <p:attrName>ppt_y</p:attrName>
+                                        </p:attrNameLst>
+                                      </p:cBhvr>
+                                      <p:tavLst>
+                                        <p:tav tm="0">
+                                          <p:val>
+                                            <p:strVal val="1+#ppt_h/2"/>
+                                          </p:val>
+                                        </p:tav>
+                                        <p:tav tm="100000">
+                                          <p:val>
+                                            <p:strVal val="#ppt_y"/>
+                                          </p:val>
+                                        </p:tav>
+                                      </p:tavLst>
+                                    </p:anim>
+                                  </p:childTnLst>
+                                </p:cTn>
+                              </p:par>
+                            </p:childTnLst>
+                          </p:cTn>
+                        </p:par>
+                      </p:childTnLst>
+                    </p:cTn>
+                  </p:par>
+                  <p:par>
+                    <p:cTn id="26" fill="hold">
+                      <p:stCondLst>
+                        <p:cond delay="indefinite"/>
+                      </p:stCondLst>
+                      <p:childTnLst>
+                        <p:par>
+                          <p:cTn id="27" fill="hold">
+                            <p:stCondLst>
+                              <p:cond delay="0"/>
+                            </p:stCondLst>
+                            <p:childTnLst>
+                              <p:par>
+                                <p:cTn id="28" presetID="3" presetClass="entr" presetSubtype="10" fill="hold" nodeType="clickEffect">
+                                  <p:stCondLst>
+                                    <p:cond delay="0"/>
+                                  </p:stCondLst>
+                                  <p:childTnLst>
+                                    <p:set>
+                                      <p:cBhvr>
+                                        <p:cTn id="29" dur="1" fill="hold">
+                                          <p:stCondLst>
+                                            <p:cond delay="0"/>
+                                          </p:stCondLst>
+                                        </p:cTn>
+                                        <p:tgtEl>
+                                          <p:spTgt spid="17"/>
+                                        </p:tgtEl>
+                                        <p:attrNameLst>
+                                          <p:attrName>style.visibility</p:attrName>
+                                        </p:attrNameLst>
+                                      </p:cBhvr>
+                                      <p:to>
+                                        <p:strVal val="visible"/>
+                                      </p:to>
+                                    </p:set>
+                                    <p:animEffect transition="in" filter="blinds(horizontal)">
+                                      <p:cBhvr>
+                                        <p:cTn id="30" dur="500"/>
+                                        <p:tgtEl>
+                                          <p:spTgt spid="17"/>
+                                        </p:tgtEl>
+                                      </p:cBhvr>
+                                    </p:animEffect>
+                                  </p:childTnLst>
+                                </p:cTn>
+                              </p:par>
+                            </p:childTnLst>
+                          </p:cTn>
+                        </p:par>
+                      </p:childTnLst>
+                    </p:cTn>
+                  </p:par>
+                  <p:par>
+                    <p:cTn id="31" fill="hold">
+                      <p:stCondLst>
+                        <p:cond delay="indefinite"/>
+                      </p:stCondLst>
+                      <p:childTnLst>
+                        <p:par>
+                          <p:cTn id="32" fill="hold">
+                            <p:stCondLst>
+                              <p:cond delay="0"/>
+                            </p:stCondLst>
+                            <p:childTnLst>
+                              <p:par>
+                                <p:cTn id="33" presetID="3" presetClass="entr" presetSubtype="10" fill="hold" nodeType="clickEffect">
+                                  <p:stCondLst>
+                                    <p:cond delay="0"/>
+                                  </p:stCondLst>
+                                  <p:childTnLst>
+                                    <p:set>
+                                      <p:cBhvr>
+                                        <p:cTn id="34" dur="1" fill="hold">
+                                          <p:stCondLst>
+                                            <p:cond delay="0"/>
+                                          </p:stCondLst>
+                                        </p:cTn>
+                                        <p:tgtEl>
+                                          <p:spTgt spid="19"/>
+                                        </p:tgtEl>
+                                        <p:attrNameLst>
+                                          <p:attrName>style.visibility</p:attrName>
+                                        </p:attrNameLst>
+                                      </p:cBhvr>
+                                      <p:to>
+                                        <p:strVal val="visible"/>
+                                      </p:to>
+                                    </p:set>
+                                    <p:animEffect transition="in" filter="blinds(horizontal)">
+                                      <p:cBhvr>
+                                        <p:cTn id="35" dur="500"/>
+                                        <p:tgtEl>
+                                          <p:spTgt spid="19"/>
+                                        </p:tgtEl>
+                                      </p:cBhvr>
+                                    </p:animEffect>
+                                  </p:childTnLst>
+                                </p:cTn>
+                              </p:par>
+                              <p:par>
+                                <p:cTn id="36" presetID="3" presetClass="entr" presetSubtype="10" fill="hold" nodeType="withEffect">
+                                  <p:stCondLst>
+                                    <p:cond delay="0"/>
+                                  </p:stCondLst>
+                                  <p:childTnLst>
+                                    <p:set>
+                                      <p:cBhvr>
+                                        <p:cTn id="37" dur="1" fill="hold">
+                                          <p:stCondLst>
+                                            <p:cond delay="0"/>
+                                          </p:stCondLst>
+                                        </p:cTn>
+                                        <p:tgtEl>
+                                          <p:spTgt spid="25"/>
+                                        </p:tgtEl>
+                                        <p:attrNameLst>
+                                          <p:attrName>style.visibility</p:attrName>
+                                        </p:attrNameLst>
+                                      </p:cBhvr>
+                                      <p:to>
+                                        <p:strVal val="visible"/>
+                                      </p:to>
+                                    </p:set>
+                                    <p:animEffect transition="in" filter="blinds(horizontal)">
+                                      <p:cBhvr>
+                                        <p:cTn id="38" dur="500"/>
+                                        <p:tgtEl>
+                                          <p:spTgt spid="25"/>
+                                        </p:tgtEl>
+                                      </p:cBhvr>
+                                    </p:animEffect>
+                                  </p:childTnLst>
+                                </p:cTn>
+                              </p:par>
+                            </p:childTnLst>
+                          </p:cTn>
+                        </p:par>
+                      </p:childTnLst>
+                    </p:cTn>
+                  </p:par>
+                  <p:par>
+                    <p:cTn id="39" fill="hold">
+                      <p:stCondLst>
+                        <p:cond delay="indefinite"/>
+                      </p:stCondLst>
+                      <p:childTnLst>
+                        <p:par>
+                          <p:cTn id="40" fill="hold">
+                            <p:stCondLst>
+                              <p:cond delay="0"/>
+                            </p:stCondLst>
+                            <p:childTnLst>
+                              <p:par>
+                                <p:cTn id="41" presetID="2" presetClass="entr" presetSubtype="4" fill="hold" nodeType="clickEffect">
+                                  <p:stCondLst>
+                                    <p:cond delay="0"/>
+                                  </p:stCondLst>
+                                  <p:childTnLst>
+                                    <p:set>
+                                      <p:cBhvr>
+                                        <p:cTn id="42" dur="1" fill="hold">
+                                          <p:stCondLst>
+                                            <p:cond delay="0"/>
+                                          </p:stCondLst>
+                                        </p:cTn>
+                                        <p:tgtEl>
+                                          <p:spTgt spid="26"/>
+                                        </p:tgtEl>
+                                        <p:attrNameLst>
+                                          <p:attrName>style.visibility</p:attrName>
+                                        </p:attrNameLst>
+                                      </p:cBhvr>
+                                      <p:to>
+                                        <p:strVal val="visible"/>
+                                      </p:to>
+                                    </p:set>
+                                    <p:anim calcmode="lin" valueType="num">
+                                      <p:cBhvr additive="base">
+                                        <p:cTn id="43" dur="500" fill="hold"/>
+                                        <p:tgtEl>
+                                          <p:spTgt spid="26"/>
+                                        </p:tgtEl>
+                                        <p:attrNameLst>
+                                          <p:attrName>ppt_x</p:attrName>
+                                        </p:attrNameLst>
+                                      </p:cBhvr>
+                                      <p:tavLst>
+                                        <p:tav tm="0">
+                                          <p:val>
+                                            <p:strVal val="#ppt_x"/>
+                                          </p:val>
+                                        </p:tav>
+                                        <p:tav tm="100000">
+                                          <p:val>
+                                            <p:strVal val="#ppt_x"/>
+                                          </p:val>
+                                        </p:tav>
+                                      </p:tavLst>
+                                    </p:anim>
+                                    <p:anim calcmode="lin" valueType="num">
+                                      <p:cBhvr additive="base">
+                                        <p:cTn id="44" dur="500" fill="hold"/>
+                                        <p:tgtEl>
+                                          <p:spTgt spid="26"/>
+                                        </p:tgtEl>
+                                        <p:attrNameLst>
+                                          <p:attrName>ppt_y</p:attrName>
+                                        </p:attrNameLst>
+                                      </p:cBhvr>
+                                      <p:tavLst>
+                                        <p:tav tm="0">
+                                          <p:val>
+                                            <p:strVal val="1+#ppt_h/2"/>
+                                          </p:val>
+                                        </p:tav>
+                                        <p:tav tm="100000">
+                                          <p:val>
+                                            <p:strVal val="#ppt_y"/>
+                                          </p:val>
+                                        </p:tav>
+                                      </p:tavLst>
+                                    </p:anim>
+                                  </p:childTnLst>
+                                </p:cTn>
+                              </p:par>
+                            </p:childTnLst>
+                          </p:cTn>
+                        </p:par>
+                      </p:childTnLst>
+                    </p:cTn>
+                  </p:par>
+                  <p:par>
+                    <p:cTn id="45" fill="hold">
+                      <p:stCondLst>
+                        <p:cond delay="indefinite"/>
+                      </p:stCondLst>
+                      <p:childTnLst>
+                        <p:par>
+                          <p:cTn id="46" fill="hold">
+                            <p:stCondLst>
+                              <p:cond delay="0"/>
+                            </p:stCondLst>
+                            <p:childTnLst>
+                              <p:par>
+                                <p:cTn id="47" presetID="2" presetClass="entr" presetSubtype="4" fill="hold" nodeType="clickEffect">
+                                  <p:stCondLst>
+                                    <p:cond delay="0"/>
+                                  </p:stCondLst>
+                                  <p:childTnLst>
+                                    <p:set>
+                                      <p:cBhvr>
+                                        <p:cTn id="48" dur="1" fill="hold">
+                                          <p:stCondLst>
+                                            <p:cond delay="0"/>
+                                          </p:stCondLst>
+                                        </p:cTn>
+                                        <p:tgtEl>
+                                          <p:spTgt spid="28"/>
+                                        </p:tgtEl>
+                                        <p:attrNameLst>
+                                          <p:attrName>style.visibility</p:attrName>
+                                        </p:attrNameLst>
+                                      </p:cBhvr>
+                                      <p:to>
+                                        <p:strVal val="visible"/>
+                                      </p:to>
+                                    </p:set>
+                                    <p:anim calcmode="lin" valueType="num">
+                                      <p:cBhvr additive="base">
+                                        <p:cTn id="49" dur="500" fill="hold"/>
+                                        <p:tgtEl>
+                                          <p:spTgt spid="28"/>
+                                        </p:tgtEl>
+                                        <p:attrNameLst>
+                                          <p:attrName>ppt_x</p:attrName>
+                                        </p:attrNameLst>
+                                      </p:cBhvr>
+                                      <p:tavLst>
+                                        <p:tav tm="0">
+                                          <p:val>
+                                            <p:strVal val="#ppt_x"/>
+                                          </p:val>
+                                        </p:tav>
+                                        <p:tav tm="100000">
+                                          <p:val>
+                                            <p:strVal val="#ppt_x"/>
+                                          </p:val>
+                                        </p:tav>
+                                      </p:tavLst>
+                                    </p:anim>
+                                    <p:anim calcmode="lin" valueType="num">
+                                      <p:cBhvr additive="base">
+                                        <p:cTn id="50" dur="500" fill="hold"/>
+                                        <p:tgtEl>
+                                          <p:spTgt spid="28"/>
+                                        </p:tgtEl>
+                                        <p:attrNameLst>
+                                          <p:attrName>ppt_y</p:attrName>
+                                        </p:attrNameLst>
+                                      </p:cBhvr>
+                                      <p:tavLst>
+                                        <p:tav tm="0">
+                                          <p:val>
+                                            <p:strVal val="1+#ppt_h/2"/>
+                                          </p:val>
+                                        </p:tav>
+                                        <p:tav tm="100000">
+                                          <p:val>
+                                            <p:strVal val="#ppt_y"/>
+                                          </p:val>
+                                        </p:tav>
+                                      </p:tavLst>
+                                    </p:anim>
+                                  </p:childTnLst>
+                                </p:cTn>
+                              </p:par>
+                            </p:childTnLst>
+                          </p:cTn>
+                        </p:par>
+                      </p:childTnLst>
+                    </p:cTn>
+                  </p:par>
+                </p:childTnLst>
+              </p:cTn>
+              <p:prevCondLst>
+                <p:cond evt="onPrev" delay="0">
+                  <p:tgtEl>
+                    <p:sldTgt/>
+                  </p:tgtEl>
+                </p:cond>
+              </p:prevCondLst>
+              <p:nextCondLst>
+                <p:cond evt="onNext" delay="0">
+                  <p:tgtEl>
+                    <p:sldTgt/>
+                  </p:tgtEl>
+                </p:cond>
+              </p:nextCondLst>
+            </p:seq>
+          </p:childTnLst>
+        </p:cTn>
+      </p:par>
+    </p:tnLst>
+  </p:timing>
 </p:sld>
 </file>
 
@@ -5693,6 +7205,130 @@
           <a:lstStyle/>
           <a:p>
             <a:endParaRPr lang="zh-CN" altLang="en-US" dirty="0"/>
+          </a:p>
+        </p:txBody>
+      </p:sp>
+    </p:spTree>
+    <p:extLst>
+      <p:ext uri="{BB962C8B-B14F-4D97-AF65-F5344CB8AC3E}">
+        <p14:creationId xmlns:p14="http://schemas.microsoft.com/office/powerpoint/2010/main" val="1417347087"/>
+      </p:ext>
+    </p:extLst>
+  </p:cSld>
+  <p:clrMapOvr>
+    <a:masterClrMapping/>
+  </p:clrMapOvr>
+</p:sld>
+</file>
+
+<file path=ppt/slides/slide24.xml><?xml version="1.0" encoding="utf-8"?>
+<p:sld xmlns:a="http://schemas.openxmlformats.org/drawingml/2006/main" xmlns:r="http://schemas.openxmlformats.org/officeDocument/2006/relationships" xmlns:p="http://schemas.openxmlformats.org/presentationml/2006/main">
+  <p:cSld>
+    <p:spTree>
+      <p:nvGrpSpPr>
+        <p:cNvPr id="1" name=""/>
+        <p:cNvGrpSpPr/>
+        <p:nvPr/>
+      </p:nvGrpSpPr>
+      <p:grpSpPr>
+        <a:xfrm>
+          <a:off x="0" y="0"/>
+          <a:ext cx="0" cy="0"/>
+          <a:chOff x="0" y="0"/>
+          <a:chExt cx="0" cy="0"/>
+        </a:xfrm>
+      </p:grpSpPr>
+      <p:sp>
+        <p:nvSpPr>
+          <p:cNvPr id="2" name="标题 1"/>
+          <p:cNvSpPr>
+            <a:spLocks noGrp="1"/>
+          </p:cNvSpPr>
+          <p:nvPr>
+            <p:ph type="title"/>
+          </p:nvPr>
+        </p:nvSpPr>
+        <p:spPr/>
+        <p:txBody>
+          <a:bodyPr/>
+          <a:lstStyle/>
+          <a:p>
+            <a:endParaRPr lang="zh-CN" altLang="en-US" dirty="0"/>
+          </a:p>
+        </p:txBody>
+      </p:sp>
+    </p:spTree>
+    <p:extLst>
+      <p:ext uri="{BB962C8B-B14F-4D97-AF65-F5344CB8AC3E}">
+        <p14:creationId xmlns:p14="http://schemas.microsoft.com/office/powerpoint/2010/main" val="869377071"/>
+      </p:ext>
+    </p:extLst>
+  </p:cSld>
+  <p:clrMapOvr>
+    <a:masterClrMapping/>
+  </p:clrMapOvr>
+</p:sld>
+</file>
+
+<file path=ppt/slides/slide25.xml><?xml version="1.0" encoding="utf-8"?>
+<p:sld xmlns:a="http://schemas.openxmlformats.org/drawingml/2006/main" xmlns:r="http://schemas.openxmlformats.org/officeDocument/2006/relationships" xmlns:p="http://schemas.openxmlformats.org/presentationml/2006/main">
+  <p:cSld>
+    <p:spTree>
+      <p:nvGrpSpPr>
+        <p:cNvPr id="1" name=""/>
+        <p:cNvGrpSpPr/>
+        <p:nvPr/>
+      </p:nvGrpSpPr>
+      <p:grpSpPr>
+        <a:xfrm>
+          <a:off x="0" y="0"/>
+          <a:ext cx="0" cy="0"/>
+          <a:chOff x="0" y="0"/>
+          <a:chExt cx="0" cy="0"/>
+        </a:xfrm>
+      </p:grpSpPr>
+      <p:sp>
+        <p:nvSpPr>
+          <p:cNvPr id="4" name="TextBox 3"/>
+          <p:cNvSpPr txBox="1"/>
+          <p:nvPr/>
+        </p:nvSpPr>
+        <p:spPr>
+          <a:xfrm>
+            <a:off x="0" y="2008460"/>
+            <a:ext cx="9144000" cy="923330"/>
+          </a:xfrm>
+          <a:prstGeom prst="rect">
+            <a:avLst/>
+          </a:prstGeom>
+          <a:noFill/>
+        </p:spPr>
+        <p:txBody>
+          <a:bodyPr wrap="square" rtlCol="0">
+            <a:spAutoFit/>
+          </a:bodyPr>
+          <a:lstStyle/>
+          <a:p>
+            <a:pPr algn="ctr"/>
+            <a:r>
+              <a:rPr lang="en-US" altLang="zh-CN" sz="5400" b="1" dirty="0">
+                <a:solidFill>
+                  <a:schemeClr val="bg1"/>
+                </a:solidFill>
+                <a:latin typeface="Arial" panose="020B0604020202090204"/>
+                <a:ea typeface="Microsoft YaHei"/>
+                <a:sym typeface="Arial" panose="020B0604020202090204"/>
+              </a:rPr>
+              <a:t>Thank  You </a:t>
+            </a:r>
+            <a:endParaRPr lang="zh-CN" altLang="en-US" sz="5400" b="1" spc="700" dirty="0">
+              <a:solidFill>
+                <a:schemeClr val="bg1"/>
+              </a:solidFill>
+              <a:latin typeface="Arial" panose="020B0604020202090204"/>
+              <a:ea typeface="Microsoft YaHei"/>
+              <a:sym typeface="Arial" panose="020B0604020202090204"/>
+            </a:endParaRPr>
           </a:p>
         </p:txBody>
       </p:sp>

--- a/封装库&笔记/前端模块化分享/前端模块化.pptx
+++ b/封装库&笔记/前端模块化分享/前端模块化.pptx
@@ -5,32 +5,32 @@
     <p:sldMasterId id="2147483648" r:id="rId1"/>
   </p:sldMasterIdLst>
   <p:notesMasterIdLst>
-    <p:notesMasterId r:id="rId25"/>
+    <p:notesMasterId r:id="rId5"/>
   </p:notesMasterIdLst>
   <p:sldIdLst>
-    <p:sldId id="364" r:id="rId2"/>
-    <p:sldId id="423" r:id="rId3"/>
-    <p:sldId id="424" r:id="rId4"/>
-    <p:sldId id="425" r:id="rId5"/>
-    <p:sldId id="426" r:id="rId6"/>
-    <p:sldId id="427" r:id="rId7"/>
-    <p:sldId id="428" r:id="rId8"/>
-    <p:sldId id="430" r:id="rId9"/>
-    <p:sldId id="431" r:id="rId10"/>
-    <p:sldId id="432" r:id="rId11"/>
-    <p:sldId id="429" r:id="rId12"/>
-    <p:sldId id="436" r:id="rId13"/>
-    <p:sldId id="437" r:id="rId14"/>
-    <p:sldId id="433" r:id="rId15"/>
-    <p:sldId id="438" r:id="rId16"/>
-    <p:sldId id="434" r:id="rId17"/>
-    <p:sldId id="444" r:id="rId18"/>
-    <p:sldId id="443" r:id="rId19"/>
-    <p:sldId id="435" r:id="rId20"/>
-    <p:sldId id="442" r:id="rId21"/>
-    <p:sldId id="368" r:id="rId22"/>
-    <p:sldId id="439" r:id="rId23"/>
-    <p:sldId id="440" r:id="rId24"/>
+    <p:sldId id="364" r:id="rId3"/>
+    <p:sldId id="423" r:id="rId4"/>
+    <p:sldId id="424" r:id="rId6"/>
+    <p:sldId id="425" r:id="rId7"/>
+    <p:sldId id="426" r:id="rId8"/>
+    <p:sldId id="427" r:id="rId9"/>
+    <p:sldId id="428" r:id="rId10"/>
+    <p:sldId id="430" r:id="rId11"/>
+    <p:sldId id="431" r:id="rId12"/>
+    <p:sldId id="432" r:id="rId13"/>
+    <p:sldId id="429" r:id="rId14"/>
+    <p:sldId id="436" r:id="rId15"/>
+    <p:sldId id="437" r:id="rId16"/>
+    <p:sldId id="433" r:id="rId17"/>
+    <p:sldId id="438" r:id="rId18"/>
+    <p:sldId id="434" r:id="rId19"/>
+    <p:sldId id="444" r:id="rId20"/>
+    <p:sldId id="443" r:id="rId21"/>
+    <p:sldId id="435" r:id="rId22"/>
+    <p:sldId id="442" r:id="rId23"/>
+    <p:sldId id="368" r:id="rId24"/>
+    <p:sldId id="439" r:id="rId25"/>
+    <p:sldId id="440" r:id="rId26"/>
   </p:sldIdLst>
   <p:sldSz cx="9144000" cy="5143500" type="screen16x9"/>
   <p:notesSz cx="6858000" cy="9144000"/>
@@ -129,22 +129,6 @@
       </a:defRPr>
     </a:lvl9pPr>
   </p:defaultTextStyle>
-  <p:extLst>
-    <p:ext uri="{EFAFB233-063F-42B5-8137-9DF3F51BA10A}">
-      <p15:sldGuideLst xmlns:p15="http://schemas.microsoft.com/office/powerpoint/2012/main">
-        <p15:guide id="1" orient="horz" pos="1620">
-          <p15:clr>
-            <a:srgbClr val="A4A3A4"/>
-          </p15:clr>
-        </p15:guide>
-        <p15:guide id="2" pos="2880">
-          <p15:clr>
-            <a:srgbClr val="A4A3A4"/>
-          </p15:clr>
-        </p15:guide>
-      </p15:sldGuideLst>
-    </p:ext>
-  </p:extLst>
 </p:presentation>
 </file>
 
@@ -230,7 +214,6 @@
           <a:p>
             <a:fld id="{4587AB4D-9FE0-43C3-AA19-D3ACFE2BF9B0}" type="datetimeFigureOut">
               <a:rPr lang="zh-CN" altLang="en-US" smtClean="0"/>
-              <a:t>2020/8/18</a:t>
             </a:fld>
             <a:endParaRPr lang="zh-CN" altLang="en-US"/>
           </a:p>
@@ -297,6 +280,7 @@
               <a:rPr lang="zh-CN" altLang="en-US"/>
               <a:t>单击此处编辑母版文本样式</a:t>
             </a:r>
+            <a:endParaRPr lang="zh-CN" altLang="en-US"/>
           </a:p>
           <a:p>
             <a:pPr lvl="1"/>
@@ -304,6 +288,7 @@
               <a:rPr lang="zh-CN" altLang="en-US"/>
               <a:t>第二级</a:t>
             </a:r>
+            <a:endParaRPr lang="zh-CN" altLang="en-US"/>
           </a:p>
           <a:p>
             <a:pPr lvl="2"/>
@@ -311,6 +296,7 @@
               <a:rPr lang="zh-CN" altLang="en-US"/>
               <a:t>第三级</a:t>
             </a:r>
+            <a:endParaRPr lang="zh-CN" altLang="en-US"/>
           </a:p>
           <a:p>
             <a:pPr lvl="3"/>
@@ -318,6 +304,7 @@
               <a:rPr lang="zh-CN" altLang="en-US"/>
               <a:t>第四级</a:t>
             </a:r>
+            <a:endParaRPr lang="zh-CN" altLang="en-US"/>
           </a:p>
           <a:p>
             <a:pPr lvl="4"/>
@@ -325,6 +312,7 @@
               <a:rPr lang="zh-CN" altLang="en-US"/>
               <a:t>第五级</a:t>
             </a:r>
+            <a:endParaRPr lang="zh-CN" altLang="en-US"/>
           </a:p>
         </p:txBody>
       </p:sp>
@@ -388,7 +376,6 @@
           <a:p>
             <a:fld id="{63A25BFF-71DC-4924-B8E0-9D8932DD8731}" type="slidenum">
               <a:rPr lang="zh-CN" altLang="en-US" smtClean="0"/>
-              <a:t>‹#›</a:t>
             </a:fld>
             <a:endParaRPr lang="zh-CN" altLang="en-US"/>
           </a:p>
@@ -557,7 +544,6 @@
           <a:p>
             <a:fld id="{63A25BFF-71DC-4924-B8E0-9D8932DD8731}" type="slidenum">
               <a:rPr lang="zh-CN" altLang="en-US" smtClean="0"/>
-              <a:t>2</a:t>
             </a:fld>
             <a:endParaRPr lang="zh-CN" altLang="en-US"/>
           </a:p>
@@ -636,7 +622,6 @@
           <a:p>
             <a:fld id="{63A25BFF-71DC-4924-B8E0-9D8932DD8731}" type="slidenum">
               <a:rPr lang="zh-CN" altLang="en-US" smtClean="0"/>
-              <a:t>11</a:t>
             </a:fld>
             <a:endParaRPr lang="zh-CN" altLang="en-US"/>
           </a:p>
@@ -715,7 +700,6 @@
           <a:p>
             <a:fld id="{63A25BFF-71DC-4924-B8E0-9D8932DD8731}" type="slidenum">
               <a:rPr lang="zh-CN" altLang="en-US" smtClean="0"/>
-              <a:t>12</a:t>
             </a:fld>
             <a:endParaRPr lang="zh-CN" altLang="en-US"/>
           </a:p>
@@ -794,7 +778,6 @@
           <a:p>
             <a:fld id="{63A25BFF-71DC-4924-B8E0-9D8932DD8731}" type="slidenum">
               <a:rPr lang="zh-CN" altLang="en-US" smtClean="0"/>
-              <a:t>13</a:t>
             </a:fld>
             <a:endParaRPr lang="zh-CN" altLang="en-US"/>
           </a:p>
@@ -873,7 +856,6 @@
           <a:p>
             <a:fld id="{63A25BFF-71DC-4924-B8E0-9D8932DD8731}" type="slidenum">
               <a:rPr lang="zh-CN" altLang="en-US" smtClean="0"/>
-              <a:t>14</a:t>
             </a:fld>
             <a:endParaRPr lang="zh-CN" altLang="en-US"/>
           </a:p>
@@ -952,7 +934,6 @@
           <a:p>
             <a:fld id="{63A25BFF-71DC-4924-B8E0-9D8932DD8731}" type="slidenum">
               <a:rPr lang="zh-CN" altLang="en-US" smtClean="0"/>
-              <a:t>15</a:t>
             </a:fld>
             <a:endParaRPr lang="zh-CN" altLang="en-US"/>
           </a:p>
@@ -1031,7 +1012,6 @@
           <a:p>
             <a:fld id="{63A25BFF-71DC-4924-B8E0-9D8932DD8731}" type="slidenum">
               <a:rPr lang="zh-CN" altLang="en-US" smtClean="0"/>
-              <a:t>16</a:t>
             </a:fld>
             <a:endParaRPr lang="zh-CN" altLang="en-US"/>
           </a:p>
@@ -1110,18 +1090,12 @@
           <a:p>
             <a:fld id="{63A25BFF-71DC-4924-B8E0-9D8932DD8731}" type="slidenum">
               <a:rPr lang="zh-CN" altLang="en-US" smtClean="0"/>
-              <a:t>17</a:t>
             </a:fld>
             <a:endParaRPr lang="zh-CN" altLang="en-US"/>
           </a:p>
         </p:txBody>
       </p:sp>
     </p:spTree>
-    <p:extLst>
-      <p:ext uri="{BB962C8B-B14F-4D97-AF65-F5344CB8AC3E}">
-        <p14:creationId xmlns:p14="http://schemas.microsoft.com/office/powerpoint/2010/main" val="1216119010"/>
-      </p:ext>
-    </p:extLst>
   </p:cSld>
   <p:clrMapOvr>
     <a:masterClrMapping/>
@@ -1194,7 +1168,6 @@
           <a:p>
             <a:fld id="{63A25BFF-71DC-4924-B8E0-9D8932DD8731}" type="slidenum">
               <a:rPr lang="zh-CN" altLang="en-US" smtClean="0"/>
-              <a:t>18</a:t>
             </a:fld>
             <a:endParaRPr lang="zh-CN" altLang="en-US"/>
           </a:p>
@@ -1273,7 +1246,6 @@
           <a:p>
             <a:fld id="{63A25BFF-71DC-4924-B8E0-9D8932DD8731}" type="slidenum">
               <a:rPr lang="zh-CN" altLang="en-US" smtClean="0"/>
-              <a:t>19</a:t>
             </a:fld>
             <a:endParaRPr lang="zh-CN" altLang="en-US"/>
           </a:p>
@@ -1352,7 +1324,6 @@
           <a:p>
             <a:fld id="{63A25BFF-71DC-4924-B8E0-9D8932DD8731}" type="slidenum">
               <a:rPr lang="zh-CN" altLang="en-US" smtClean="0"/>
-              <a:t>20</a:t>
             </a:fld>
             <a:endParaRPr lang="zh-CN" altLang="en-US"/>
           </a:p>
@@ -1431,7 +1402,6 @@
           <a:p>
             <a:fld id="{63A25BFF-71DC-4924-B8E0-9D8932DD8731}" type="slidenum">
               <a:rPr lang="zh-CN" altLang="en-US" smtClean="0"/>
-              <a:t>3</a:t>
             </a:fld>
             <a:endParaRPr lang="zh-CN" altLang="en-US"/>
           </a:p>
@@ -1510,7 +1480,6 @@
           <a:p>
             <a:fld id="{63A25BFF-71DC-4924-B8E0-9D8932DD8731}" type="slidenum">
               <a:rPr lang="zh-CN" altLang="en-US" smtClean="0"/>
-              <a:t>22</a:t>
             </a:fld>
             <a:endParaRPr lang="zh-CN" altLang="en-US"/>
           </a:p>
@@ -1589,7 +1558,6 @@
           <a:p>
             <a:fld id="{63A25BFF-71DC-4924-B8E0-9D8932DD8731}" type="slidenum">
               <a:rPr lang="zh-CN" altLang="en-US" smtClean="0"/>
-              <a:t>23</a:t>
             </a:fld>
             <a:endParaRPr lang="zh-CN" altLang="en-US"/>
           </a:p>
@@ -1668,7 +1636,6 @@
           <a:p>
             <a:fld id="{63A25BFF-71DC-4924-B8E0-9D8932DD8731}" type="slidenum">
               <a:rPr lang="zh-CN" altLang="en-US" smtClean="0"/>
-              <a:t>4</a:t>
             </a:fld>
             <a:endParaRPr lang="zh-CN" altLang="en-US"/>
           </a:p>
@@ -1747,7 +1714,6 @@
           <a:p>
             <a:fld id="{63A25BFF-71DC-4924-B8E0-9D8932DD8731}" type="slidenum">
               <a:rPr lang="zh-CN" altLang="en-US" smtClean="0"/>
-              <a:t>5</a:t>
             </a:fld>
             <a:endParaRPr lang="zh-CN" altLang="en-US"/>
           </a:p>
@@ -1826,7 +1792,6 @@
           <a:p>
             <a:fld id="{63A25BFF-71DC-4924-B8E0-9D8932DD8731}" type="slidenum">
               <a:rPr lang="zh-CN" altLang="en-US" smtClean="0"/>
-              <a:t>6</a:t>
             </a:fld>
             <a:endParaRPr lang="zh-CN" altLang="en-US"/>
           </a:p>
@@ -1905,7 +1870,6 @@
           <a:p>
             <a:fld id="{63A25BFF-71DC-4924-B8E0-9D8932DD8731}" type="slidenum">
               <a:rPr lang="zh-CN" altLang="en-US" smtClean="0"/>
-              <a:t>7</a:t>
             </a:fld>
             <a:endParaRPr lang="zh-CN" altLang="en-US"/>
           </a:p>
@@ -1984,7 +1948,6 @@
           <a:p>
             <a:fld id="{63A25BFF-71DC-4924-B8E0-9D8932DD8731}" type="slidenum">
               <a:rPr lang="zh-CN" altLang="en-US" smtClean="0"/>
-              <a:t>8</a:t>
             </a:fld>
             <a:endParaRPr lang="zh-CN" altLang="en-US"/>
           </a:p>
@@ -2063,7 +2026,6 @@
           <a:p>
             <a:fld id="{63A25BFF-71DC-4924-B8E0-9D8932DD8731}" type="slidenum">
               <a:rPr lang="zh-CN" altLang="en-US" smtClean="0"/>
-              <a:t>9</a:t>
             </a:fld>
             <a:endParaRPr lang="zh-CN" altLang="en-US"/>
           </a:p>
@@ -2142,7 +2104,6 @@
           <a:p>
             <a:fld id="{63A25BFF-71DC-4924-B8E0-9D8932DD8731}" type="slidenum">
               <a:rPr lang="zh-CN" altLang="en-US" smtClean="0"/>
-              <a:t>10</a:t>
             </a:fld>
             <a:endParaRPr lang="zh-CN" altLang="en-US"/>
           </a:p>
@@ -2157,7 +2118,7 @@
 </file>
 
 <file path=ppt/slideLayouts/slideLayout1.xml><?xml version="1.0" encoding="utf-8"?>
-<p:sldLayout xmlns:a="http://schemas.openxmlformats.org/drawingml/2006/main" xmlns:r="http://schemas.openxmlformats.org/officeDocument/2006/relationships" xmlns:p="http://schemas.openxmlformats.org/presentationml/2006/main" showMasterSp="0" preserve="1" userDrawn="1">
+<p:sldLayout xmlns:a="http://schemas.openxmlformats.org/drawingml/2006/main" xmlns:r="http://schemas.openxmlformats.org/officeDocument/2006/relationships" xmlns:p="http://schemas.openxmlformats.org/presentationml/2006/main" preserve="1" showMasterSp="0" userDrawn="1">
   <p:cSld name="自定义版式">
     <p:spTree>
       <p:nvGrpSpPr>
@@ -2413,6 +2374,7 @@
               <a:rPr lang="zh-CN" altLang="en-US" dirty="0"/>
               <a:t>单击此处编辑母版文本样式</a:t>
             </a:r>
+            <a:endParaRPr lang="zh-CN" altLang="en-US" dirty="0"/>
           </a:p>
           <a:p>
             <a:pPr lvl="1"/>
@@ -2420,6 +2382,7 @@
               <a:rPr lang="zh-CN" altLang="en-US" dirty="0"/>
               <a:t>二级</a:t>
             </a:r>
+            <a:endParaRPr lang="zh-CN" altLang="en-US" dirty="0"/>
           </a:p>
           <a:p>
             <a:pPr lvl="2"/>
@@ -2427,6 +2390,7 @@
               <a:rPr lang="zh-CN" altLang="en-US" dirty="0"/>
               <a:t>三级</a:t>
             </a:r>
+            <a:endParaRPr lang="zh-CN" altLang="en-US" dirty="0"/>
           </a:p>
           <a:p>
             <a:pPr lvl="3"/>
@@ -2434,6 +2398,7 @@
               <a:rPr lang="zh-CN" altLang="en-US" dirty="0"/>
               <a:t>四级</a:t>
             </a:r>
+            <a:endParaRPr lang="zh-CN" altLang="en-US" dirty="0"/>
           </a:p>
           <a:p>
             <a:pPr lvl="4"/>
@@ -2616,7 +2581,7 @@
           <p:nvPr/>
         </p:nvPicPr>
         <p:blipFill rotWithShape="1">
-          <a:blip r:embed="rId9" cstate="screen"/>
+          <a:blip r:embed="rId8" cstate="screen"/>
           <a:srcRect/>
           <a:stretch>
             <a:fillRect/>
@@ -2674,7 +2639,6 @@
                   </a:prstClr>
                 </a:solidFill>
               </a:rPr>
-              <a:t>2020/8/18</a:t>
             </a:fld>
             <a:endParaRPr lang="zh-CN" altLang="en-US">
               <a:solidFill>
@@ -2770,7 +2734,6 @@
                   </a:prstClr>
                 </a:solidFill>
               </a:rPr>
-              <a:t>‹#›</a:t>
             </a:fld>
             <a:endParaRPr lang="zh-CN" altLang="en-US">
               <a:solidFill>
@@ -3098,6 +3061,14 @@
               </a:rPr>
               <a:t>前端模块化</a:t>
             </a:r>
+            <a:endParaRPr lang="zh-CN" altLang="en-US" sz="2800" b="1" spc="700" dirty="0">
+              <a:solidFill>
+                <a:schemeClr val="bg1"/>
+              </a:solidFill>
+              <a:latin typeface="华文中宋" pitchFamily="2" charset="-122"/>
+              <a:ea typeface="华文中宋" pitchFamily="2" charset="-122"/>
+              <a:sym typeface="Arial" panose="020B0604020202090204"/>
+            </a:endParaRPr>
           </a:p>
         </p:txBody>
       </p:sp>
@@ -3324,6 +3295,7 @@
               <a:rPr lang="zh-CN" altLang="en-US" dirty="0"/>
               <a:t>的特点</a:t>
             </a:r>
+            <a:endParaRPr lang="zh-CN" altLang="en-US" dirty="0"/>
           </a:p>
         </p:txBody>
       </p:sp>
@@ -3336,7 +3308,7 @@
         <p:spPr>
           <a:xfrm>
             <a:off x="683568" y="1419622"/>
-            <a:ext cx="3873500" cy="2306955"/>
+            <a:ext cx="3263900" cy="2306955"/>
           </a:xfrm>
           <a:prstGeom prst="rect">
             <a:avLst/>
@@ -3355,7 +3327,7 @@
             </a:pPr>
             <a:r>
               <a:rPr kumimoji="1" lang="zh-CN" altLang="en-US" sz="2400" dirty="0"/>
-              <a:t>只能运行在 </a:t>
+              <a:t>运行在 </a:t>
             </a:r>
             <a:r>
               <a:rPr kumimoji="1" lang="en-US" altLang="zh-CN" sz="2400" dirty="0"/>
@@ -3379,6 +3351,7 @@
               <a:rPr kumimoji="1" lang="zh-CN" altLang="en-US" sz="2400" dirty="0"/>
               <a:t>同步加载模块</a:t>
             </a:r>
+            <a:endParaRPr kumimoji="1" lang="zh-CN" altLang="en-US" sz="2400" dirty="0"/>
           </a:p>
           <a:p>
             <a:pPr marL="342900" indent="-342900">
@@ -3392,6 +3365,7 @@
               <a:rPr kumimoji="1" lang="zh-CN" altLang="en-US" sz="2400" dirty="0"/>
               <a:t>单例</a:t>
             </a:r>
+            <a:endParaRPr kumimoji="1" lang="zh-CN" altLang="en-US" sz="2400" dirty="0"/>
           </a:p>
         </p:txBody>
       </p:sp>
@@ -3489,6 +3463,7 @@
               <a:rPr kumimoji="1" lang="zh-CN" altLang="en-US" dirty="0"/>
               <a:t> 模块化规范</a:t>
             </a:r>
+            <a:endParaRPr kumimoji="1" lang="zh-CN" altLang="en-US" dirty="0"/>
           </a:p>
         </p:txBody>
       </p:sp>
@@ -3538,6 +3513,11 @@
               </a:rPr>
               <a:t>异步的模块定义</a:t>
             </a:r>
+            <a:endParaRPr lang="zh-CN" altLang="en-US" dirty="0">
+              <a:solidFill>
+                <a:srgbClr val="FF0000"/>
+              </a:solidFill>
+            </a:endParaRPr>
           </a:p>
           <a:p>
             <a:endParaRPr kumimoji="1" lang="zh-CN" altLang="en-US" dirty="0"/>
@@ -3601,7 +3581,7 @@
           <p:nvPr/>
         </p:nvPicPr>
         <p:blipFill>
-          <a:blip r:embed="rId3"/>
+          <a:blip r:embed="rId1"/>
           <a:stretch>
             <a:fillRect/>
           </a:stretch>
@@ -3673,14 +3653,14 @@
           <p:nvPr/>
         </p:nvPicPr>
         <p:blipFill>
-          <a:blip r:embed="rId3"/>
+          <a:blip r:embed="rId1"/>
           <a:stretch>
             <a:fillRect/>
           </a:stretch>
         </p:blipFill>
         <p:spPr>
           <a:xfrm>
-            <a:off x="467544" y="1158863"/>
+            <a:off x="508184" y="988048"/>
             <a:ext cx="7920880" cy="634168"/>
           </a:xfrm>
           <a:prstGeom prst="rect">
@@ -3697,7 +3677,7 @@
           <p:nvPr/>
         </p:nvPicPr>
         <p:blipFill>
-          <a:blip r:embed="rId4"/>
+          <a:blip r:embed="rId2"/>
           <a:stretch>
             <a:fillRect/>
           </a:stretch>
@@ -3721,7 +3701,7 @@
           <p:nvPr/>
         </p:nvPicPr>
         <p:blipFill>
-          <a:blip r:embed="rId5"/>
+          <a:blip r:embed="rId3"/>
           <a:stretch>
             <a:fillRect/>
           </a:stretch>
@@ -3784,6 +3764,7 @@
               <a:rPr lang="zh-CN" altLang="en-US" dirty="0"/>
               <a:t> 的特点</a:t>
             </a:r>
+            <a:endParaRPr lang="zh-CN" altLang="en-US" dirty="0"/>
           </a:p>
         </p:txBody>
       </p:sp>
@@ -3853,6 +3834,7 @@
               <a:rPr kumimoji="1" lang="zh-CN" altLang="en-US" sz="2400" dirty="0"/>
               <a:t> 库</a:t>
             </a:r>
+            <a:endParaRPr kumimoji="1" lang="zh-CN" altLang="en-US" sz="2400" dirty="0"/>
           </a:p>
         </p:txBody>
       </p:sp>
@@ -3954,6 +3936,7 @@
               <a:rPr kumimoji="1" lang="zh-CN" altLang="en-US" dirty="0"/>
               <a:t> 模块</a:t>
             </a:r>
+            <a:endParaRPr kumimoji="1" lang="zh-CN" altLang="en-US" dirty="0"/>
           </a:p>
         </p:txBody>
       </p:sp>
@@ -3966,7 +3949,7 @@
           <p:nvPr/>
         </p:nvPicPr>
         <p:blipFill>
-          <a:blip r:embed="rId3"/>
+          <a:blip r:embed="rId1"/>
           <a:stretch>
             <a:fillRect/>
           </a:stretch>
@@ -4075,6 +4058,7 @@
               <a:rPr kumimoji="1" lang="zh-CN" altLang="en-US" dirty="0"/>
               <a:t> 有了语言层面的模块化语法与关键字</a:t>
             </a:r>
+            <a:endParaRPr kumimoji="1" lang="zh-CN" altLang="en-US" dirty="0"/>
           </a:p>
         </p:txBody>
       </p:sp>
@@ -4120,6 +4104,7 @@
               <a:rPr kumimoji="1" lang="zh-CN" altLang="en-US" dirty="0"/>
               <a:t> 两个关键字对模块进行导入和导出</a:t>
             </a:r>
+            <a:endParaRPr kumimoji="1" lang="zh-CN" altLang="en-US" dirty="0"/>
           </a:p>
         </p:txBody>
       </p:sp>
@@ -4132,7 +4117,7 @@
           <p:nvPr/>
         </p:nvPicPr>
         <p:blipFill>
-          <a:blip r:embed="rId3"/>
+          <a:blip r:embed="rId1"/>
           <a:stretch>
             <a:fillRect/>
           </a:stretch>
@@ -4233,25 +4218,20 @@
               <a:rPr lang="zh-CN" altLang="en-US" dirty="0"/>
               <a:t>设计思想，编译时就能确定模块的依赖关系</a:t>
             </a:r>
+            <a:endParaRPr lang="zh-CN" altLang="en-US" dirty="0"/>
           </a:p>
         </p:txBody>
       </p:sp>
       <p:pic>
         <p:nvPicPr>
-          <p:cNvPr id="6" name="图片 5">
-            <a:extLst>
-              <a:ext uri="{FF2B5EF4-FFF2-40B4-BE49-F238E27FC236}">
-                <a16:creationId xmlns:a16="http://schemas.microsoft.com/office/drawing/2014/main" id="{0E2F0070-A639-6948-BE30-F81BE95FCA92}"/>
-              </a:ext>
-            </a:extLst>
-          </p:cNvPr>
+          <p:cNvPr id="6" name="图片 5"/>
           <p:cNvPicPr>
             <a:picLocks noChangeAspect="1"/>
           </p:cNvPicPr>
           <p:nvPr/>
         </p:nvPicPr>
         <p:blipFill>
-          <a:blip r:embed="rId3"/>
+          <a:blip r:embed="rId1"/>
           <a:stretch>
             <a:fillRect/>
           </a:stretch>
@@ -4267,11 +4247,6 @@
         </p:spPr>
       </p:pic>
     </p:spTree>
-    <p:extLst>
-      <p:ext uri="{BB962C8B-B14F-4D97-AF65-F5344CB8AC3E}">
-        <p14:creationId xmlns:p14="http://schemas.microsoft.com/office/powerpoint/2010/main" val="2801884554"/>
-      </p:ext>
-    </p:extLst>
   </p:cSld>
   <p:clrMapOvr>
     <a:masterClrMapping/>
@@ -4373,6 +4348,7 @@
               <a:rPr lang="zh-CN" altLang="en-US" dirty="0"/>
               <a:t> 为值引用</a:t>
             </a:r>
+            <a:endParaRPr lang="zh-CN" altLang="en-US" dirty="0"/>
           </a:p>
         </p:txBody>
       </p:sp>
@@ -4385,7 +4361,7 @@
           <p:nvPr/>
         </p:nvPicPr>
         <p:blipFill>
-          <a:blip r:embed="rId3"/>
+          <a:blip r:embed="rId1"/>
           <a:stretch>
             <a:fillRect/>
           </a:stretch>
@@ -4409,7 +4385,7 @@
           <p:nvPr/>
         </p:nvPicPr>
         <p:blipFill>
-          <a:blip r:embed="rId4"/>
+          <a:blip r:embed="rId2"/>
           <a:stretch>
             <a:fillRect/>
           </a:stretch>
@@ -4756,6 +4732,7 @@
               <a:rPr lang="zh-CN" altLang="en-US" dirty="0"/>
               <a:t>的新增导⼊导出关键词与语法的规范</a:t>
             </a:r>
+            <a:endParaRPr lang="zh-CN" altLang="en-US" dirty="0"/>
           </a:p>
         </p:txBody>
       </p:sp>
@@ -4768,7 +4745,7 @@
           <p:nvPr/>
         </p:nvPicPr>
         <p:blipFill>
-          <a:blip r:embed="rId3"/>
+          <a:blip r:embed="rId1"/>
           <a:stretch>
             <a:fillRect/>
           </a:stretch>
@@ -4917,6 +4894,10 @@
               </a:rPr>
               <a:t>AMD</a:t>
             </a:r>
+            <a:endParaRPr lang="en-US" altLang="zh-CN" sz="2800" dirty="0">
+              <a:latin typeface="微软雅黑" panose="020B0503020204020204" pitchFamily="34" charset="-122"/>
+              <a:ea typeface="微软雅黑" panose="020B0503020204020204" pitchFamily="34" charset="-122"/>
+            </a:endParaRPr>
           </a:p>
           <a:p>
             <a:pPr marL="514350" indent="-514350">
@@ -4933,6 +4914,10 @@
               </a:rPr>
               <a:t>UMD</a:t>
             </a:r>
+            <a:endParaRPr lang="en-US" altLang="zh-CN" sz="2800" dirty="0">
+              <a:latin typeface="微软雅黑" panose="020B0503020204020204" pitchFamily="34" charset="-122"/>
+              <a:ea typeface="微软雅黑" panose="020B0503020204020204" pitchFamily="34" charset="-122"/>
+            </a:endParaRPr>
           </a:p>
           <a:p>
             <a:pPr marL="514350" indent="-514350">
@@ -4963,6 +4948,10 @@
               </a:rPr>
               <a:t>Module</a:t>
             </a:r>
+            <a:endParaRPr lang="en-US" altLang="zh-CN" sz="2800" dirty="0">
+              <a:latin typeface="微软雅黑" panose="020B0503020204020204" pitchFamily="34" charset="-122"/>
+              <a:ea typeface="微软雅黑" panose="020B0503020204020204" pitchFamily="34" charset="-122"/>
+            </a:endParaRPr>
           </a:p>
           <a:p>
             <a:pPr marL="514350" indent="-514350">
@@ -5164,6 +5153,7 @@
               <a:rPr lang="zh-CN" altLang="en-US" dirty="0"/>
               <a:t>后模块化时代</a:t>
             </a:r>
+            <a:endParaRPr lang="zh-CN" altLang="en-US" dirty="0"/>
           </a:p>
         </p:txBody>
       </p:sp>
@@ -5201,25 +5191,22 @@
               </a:rPr>
               <a:t>：能够将高版本规范代码编译为低版本规范的代码，向前兼容旧版浏览器</a:t>
             </a:r>
+            <a:endParaRPr kumimoji="1" lang="zh-CN" altLang="en-US" dirty="0">
+              <a:latin typeface="+mn-ea"/>
+            </a:endParaRPr>
           </a:p>
         </p:txBody>
       </p:sp>
       <p:pic>
         <p:nvPicPr>
-          <p:cNvPr id="6" name="图片 5">
-            <a:extLst>
-              <a:ext uri="{FF2B5EF4-FFF2-40B4-BE49-F238E27FC236}">
-                <a16:creationId xmlns:a16="http://schemas.microsoft.com/office/drawing/2014/main" id="{7E365852-6730-8045-A89A-A47D636840D5}"/>
-              </a:ext>
-            </a:extLst>
-          </p:cNvPr>
+          <p:cNvPr id="6" name="图片 5"/>
           <p:cNvPicPr>
             <a:picLocks noChangeAspect="1"/>
           </p:cNvPicPr>
           <p:nvPr/>
         </p:nvPicPr>
         <p:blipFill>
-          <a:blip r:embed="rId3"/>
+          <a:blip r:embed="rId1"/>
           <a:stretch>
             <a:fillRect/>
           </a:stretch>
@@ -5236,13 +5223,7 @@
       </p:pic>
       <p:sp>
         <p:nvSpPr>
-          <p:cNvPr id="7" name="文本框 6">
-            <a:extLst>
-              <a:ext uri="{FF2B5EF4-FFF2-40B4-BE49-F238E27FC236}">
-                <a16:creationId xmlns:a16="http://schemas.microsoft.com/office/drawing/2014/main" id="{A94D75F2-E4F9-4F47-A623-043B06F257C7}"/>
-              </a:ext>
-            </a:extLst>
-          </p:cNvPr>
+          <p:cNvPr id="7" name="文本框 6"/>
           <p:cNvSpPr txBox="1"/>
           <p:nvPr/>
         </p:nvSpPr>
@@ -5274,6 +5255,9 @@
               </a:rPr>
               <a:t>：处理不同环境模块化的区别</a:t>
             </a:r>
+            <a:endParaRPr kumimoji="1" lang="zh-CN" altLang="en-US" dirty="0">
+              <a:latin typeface="+mn-ea"/>
+            </a:endParaRPr>
           </a:p>
         </p:txBody>
       </p:sp>
@@ -5744,6 +5728,7 @@
               <a:rPr lang="zh-CN" altLang="en-US" dirty="0"/>
               <a:t> 标签引入</a:t>
             </a:r>
+            <a:endParaRPr lang="zh-CN" altLang="en-US" dirty="0"/>
           </a:p>
         </p:txBody>
       </p:sp>
@@ -5797,6 +5782,10 @@
               </a:rPr>
               <a:t> 标签加载</a:t>
             </a:r>
+            <a:endParaRPr kumimoji="1" lang="zh-CN" altLang="en-US" sz="2400" dirty="0">
+              <a:latin typeface="+mj-ea"/>
+              <a:ea typeface="+mj-ea"/>
+            </a:endParaRPr>
           </a:p>
         </p:txBody>
       </p:sp>
@@ -5809,7 +5798,7 @@
           <p:nvPr/>
         </p:nvPicPr>
         <p:blipFill>
-          <a:blip r:embed="rId3"/>
+          <a:blip r:embed="rId1"/>
           <a:stretch>
             <a:fillRect/>
           </a:stretch>
@@ -5872,6 +5861,7 @@
               <a:rPr lang="zh-CN" altLang="en-US" dirty="0"/>
               <a:t> 标签引入</a:t>
             </a:r>
+            <a:endParaRPr lang="zh-CN" altLang="en-US" dirty="0"/>
           </a:p>
         </p:txBody>
       </p:sp>
@@ -5884,7 +5874,7 @@
           <p:nvPr/>
         </p:nvPicPr>
         <p:blipFill>
-          <a:blip r:embed="rId3"/>
+          <a:blip r:embed="rId1"/>
           <a:stretch>
             <a:fillRect/>
           </a:stretch>
@@ -5947,6 +5937,7 @@
               <a:rPr lang="zh-CN" altLang="en-US" dirty="0"/>
               <a:t> 标签的问题</a:t>
             </a:r>
+            <a:endParaRPr lang="zh-CN" altLang="en-US" dirty="0"/>
           </a:p>
         </p:txBody>
       </p:sp>
@@ -6142,6 +6133,7 @@
               <a:rPr lang="zh-CN" altLang="en-US" dirty="0"/>
               <a:t>模块化的概念</a:t>
             </a:r>
+            <a:endParaRPr lang="zh-CN" altLang="en-US" dirty="0"/>
           </a:p>
         </p:txBody>
       </p:sp>
@@ -6228,6 +6220,7 @@
               <a:rPr kumimoji="1" lang="zh-CN" altLang="en-US" sz="2000" dirty="0"/>
               <a:t>关系</a:t>
             </a:r>
+            <a:endParaRPr kumimoji="1" lang="zh-CN" altLang="en-US" sz="2000" dirty="0"/>
           </a:p>
         </p:txBody>
       </p:sp>
@@ -6317,6 +6310,7 @@
               <a:rPr kumimoji="1" lang="zh-CN" altLang="en-US" sz="2400" dirty="0"/>
               <a:t> 模块化规范</a:t>
             </a:r>
+            <a:endParaRPr kumimoji="1" lang="zh-CN" altLang="en-US" sz="2400" dirty="0"/>
           </a:p>
         </p:txBody>
       </p:sp>
@@ -6400,6 +6394,7 @@
               <a:rPr kumimoji="1" lang="zh-CN" altLang="en-US" dirty="0"/>
               <a:t>对象来对模块进行导入和导出</a:t>
             </a:r>
+            <a:endParaRPr kumimoji="1" lang="zh-CN" altLang="en-US" dirty="0"/>
           </a:p>
         </p:txBody>
       </p:sp>
@@ -6412,7 +6407,7 @@
           <p:nvPr/>
         </p:nvPicPr>
         <p:blipFill>
-          <a:blip r:embed="rId3"/>
+          <a:blip r:embed="rId1"/>
           <a:stretch>
             <a:fillRect/>
           </a:stretch>
@@ -6484,7 +6479,7 @@
           <p:nvPr/>
         </p:nvPicPr>
         <p:blipFill>
-          <a:blip r:embed="rId3"/>
+          <a:blip r:embed="rId1"/>
           <a:stretch>
             <a:fillRect/>
           </a:stretch>
@@ -6556,7 +6551,7 @@
           <p:nvPr/>
         </p:nvPicPr>
         <p:blipFill>
-          <a:blip r:embed="rId3"/>
+          <a:blip r:embed="rId1"/>
           <a:stretch>
             <a:fillRect/>
           </a:stretch>
@@ -6597,6 +6592,7 @@
               <a:rPr kumimoji="1" lang="zh-CN" altLang="en-US" dirty="0"/>
               <a:t>执行结果</a:t>
             </a:r>
+            <a:endParaRPr kumimoji="1" lang="zh-CN" altLang="en-US" dirty="0"/>
           </a:p>
         </p:txBody>
       </p:sp>
@@ -6888,8 +6884,6 @@
       </a:bgFillStyleLst>
     </a:fmtScheme>
   </a:themeElements>
-  <a:objectDefaults/>
-  <a:extraClrSchemeLst/>
   <a:extLst>
     <a:ext uri="{05A4C25C-085E-4340-85A3-A5531E510DB2}">
       <thm15:themeFamily xmlns:thm15="http://schemas.microsoft.com/office/thememl/2012/main" name="Office Theme" id="{62F939B6-93AF-4DB8-9C6B-D6C7DFDC589F}" vid="{4A3C46E8-61CC-4603-A589-7422A47A8E4A}"/>
@@ -7178,8 +7172,6 @@
       </a:bgFillStyleLst>
     </a:fmtScheme>
   </a:themeElements>
-  <a:objectDefaults/>
-  <a:extraClrSchemeLst/>
   <a:extLst>
     <a:ext uri="{05A4C25C-085E-4340-85A3-A5531E510DB2}">
       <thm15:themeFamily xmlns:thm15="http://schemas.microsoft.com/office/thememl/2012/main" name="Office Theme" id="{62F939B6-93AF-4DB8-9C6B-D6C7DFDC589F}" vid="{4A3C46E8-61CC-4603-A589-7422A47A8E4A}"/>

--- a/封装库&笔记/前端模块化分享/前端模块化.pptx
+++ b/封装库&笔记/前端模块化分享/前端模块化.pptx
@@ -5,32 +5,34 @@
     <p:sldMasterId id="2147483648" r:id="rId1"/>
   </p:sldMasterIdLst>
   <p:notesMasterIdLst>
-    <p:notesMasterId r:id="rId5"/>
+    <p:notesMasterId r:id="rId27"/>
   </p:notesMasterIdLst>
   <p:sldIdLst>
-    <p:sldId id="364" r:id="rId3"/>
-    <p:sldId id="423" r:id="rId4"/>
-    <p:sldId id="424" r:id="rId6"/>
-    <p:sldId id="425" r:id="rId7"/>
-    <p:sldId id="426" r:id="rId8"/>
-    <p:sldId id="427" r:id="rId9"/>
-    <p:sldId id="428" r:id="rId10"/>
-    <p:sldId id="430" r:id="rId11"/>
-    <p:sldId id="431" r:id="rId12"/>
-    <p:sldId id="432" r:id="rId13"/>
-    <p:sldId id="429" r:id="rId14"/>
-    <p:sldId id="436" r:id="rId15"/>
-    <p:sldId id="437" r:id="rId16"/>
-    <p:sldId id="433" r:id="rId17"/>
-    <p:sldId id="438" r:id="rId18"/>
-    <p:sldId id="434" r:id="rId19"/>
-    <p:sldId id="444" r:id="rId20"/>
-    <p:sldId id="443" r:id="rId21"/>
-    <p:sldId id="435" r:id="rId22"/>
-    <p:sldId id="442" r:id="rId23"/>
-    <p:sldId id="368" r:id="rId24"/>
-    <p:sldId id="439" r:id="rId25"/>
-    <p:sldId id="440" r:id="rId26"/>
+    <p:sldId id="364" r:id="rId2"/>
+    <p:sldId id="423" r:id="rId3"/>
+    <p:sldId id="424" r:id="rId4"/>
+    <p:sldId id="425" r:id="rId5"/>
+    <p:sldId id="426" r:id="rId6"/>
+    <p:sldId id="427" r:id="rId7"/>
+    <p:sldId id="428" r:id="rId8"/>
+    <p:sldId id="430" r:id="rId9"/>
+    <p:sldId id="431" r:id="rId10"/>
+    <p:sldId id="432" r:id="rId11"/>
+    <p:sldId id="429" r:id="rId12"/>
+    <p:sldId id="436" r:id="rId13"/>
+    <p:sldId id="437" r:id="rId14"/>
+    <p:sldId id="433" r:id="rId15"/>
+    <p:sldId id="438" r:id="rId16"/>
+    <p:sldId id="434" r:id="rId17"/>
+    <p:sldId id="444" r:id="rId18"/>
+    <p:sldId id="443" r:id="rId19"/>
+    <p:sldId id="435" r:id="rId20"/>
+    <p:sldId id="442" r:id="rId21"/>
+    <p:sldId id="439" r:id="rId22"/>
+    <p:sldId id="440" r:id="rId23"/>
+    <p:sldId id="445" r:id="rId24"/>
+    <p:sldId id="446" r:id="rId25"/>
+    <p:sldId id="368" r:id="rId26"/>
   </p:sldIdLst>
   <p:sldSz cx="9144000" cy="5143500" type="screen16x9"/>
   <p:notesSz cx="6858000" cy="9144000"/>
@@ -129,6 +131,22 @@
       </a:defRPr>
     </a:lvl9pPr>
   </p:defaultTextStyle>
+  <p:extLst>
+    <p:ext uri="{EFAFB233-063F-42B5-8137-9DF3F51BA10A}">
+      <p15:sldGuideLst xmlns:p15="http://schemas.microsoft.com/office/powerpoint/2012/main">
+        <p15:guide id="1" orient="horz" pos="1620">
+          <p15:clr>
+            <a:srgbClr val="A4A3A4"/>
+          </p15:clr>
+        </p15:guide>
+        <p15:guide id="2" pos="2880">
+          <p15:clr>
+            <a:srgbClr val="A4A3A4"/>
+          </p15:clr>
+        </p15:guide>
+      </p15:sldGuideLst>
+    </p:ext>
+  </p:extLst>
 </p:presentation>
 </file>
 
@@ -214,6 +232,7 @@
           <a:p>
             <a:fld id="{4587AB4D-9FE0-43C3-AA19-D3ACFE2BF9B0}" type="datetimeFigureOut">
               <a:rPr lang="zh-CN" altLang="en-US" smtClean="0"/>
+              <a:t>2020/8/19</a:t>
             </a:fld>
             <a:endParaRPr lang="zh-CN" altLang="en-US"/>
           </a:p>
@@ -280,7 +299,6 @@
               <a:rPr lang="zh-CN" altLang="en-US"/>
               <a:t>单击此处编辑母版文本样式</a:t>
             </a:r>
-            <a:endParaRPr lang="zh-CN" altLang="en-US"/>
           </a:p>
           <a:p>
             <a:pPr lvl="1"/>
@@ -288,7 +306,6 @@
               <a:rPr lang="zh-CN" altLang="en-US"/>
               <a:t>第二级</a:t>
             </a:r>
-            <a:endParaRPr lang="zh-CN" altLang="en-US"/>
           </a:p>
           <a:p>
             <a:pPr lvl="2"/>
@@ -296,7 +313,6 @@
               <a:rPr lang="zh-CN" altLang="en-US"/>
               <a:t>第三级</a:t>
             </a:r>
-            <a:endParaRPr lang="zh-CN" altLang="en-US"/>
           </a:p>
           <a:p>
             <a:pPr lvl="3"/>
@@ -304,7 +320,6 @@
               <a:rPr lang="zh-CN" altLang="en-US"/>
               <a:t>第四级</a:t>
             </a:r>
-            <a:endParaRPr lang="zh-CN" altLang="en-US"/>
           </a:p>
           <a:p>
             <a:pPr lvl="4"/>
@@ -312,7 +327,6 @@
               <a:rPr lang="zh-CN" altLang="en-US"/>
               <a:t>第五级</a:t>
             </a:r>
-            <a:endParaRPr lang="zh-CN" altLang="en-US"/>
           </a:p>
         </p:txBody>
       </p:sp>
@@ -376,6 +390,7 @@
           <a:p>
             <a:fld id="{63A25BFF-71DC-4924-B8E0-9D8932DD8731}" type="slidenum">
               <a:rPr lang="zh-CN" altLang="en-US" smtClean="0"/>
+              <a:t>‹#›</a:t>
             </a:fld>
             <a:endParaRPr lang="zh-CN" altLang="en-US"/>
           </a:p>
@@ -544,6 +559,7 @@
           <a:p>
             <a:fld id="{63A25BFF-71DC-4924-B8E0-9D8932DD8731}" type="slidenum">
               <a:rPr lang="zh-CN" altLang="en-US" smtClean="0"/>
+              <a:t>2</a:t>
             </a:fld>
             <a:endParaRPr lang="zh-CN" altLang="en-US"/>
           </a:p>
@@ -622,6 +638,7 @@
           <a:p>
             <a:fld id="{63A25BFF-71DC-4924-B8E0-9D8932DD8731}" type="slidenum">
               <a:rPr lang="zh-CN" altLang="en-US" smtClean="0"/>
+              <a:t>11</a:t>
             </a:fld>
             <a:endParaRPr lang="zh-CN" altLang="en-US"/>
           </a:p>
@@ -700,6 +717,7 @@
           <a:p>
             <a:fld id="{63A25BFF-71DC-4924-B8E0-9D8932DD8731}" type="slidenum">
               <a:rPr lang="zh-CN" altLang="en-US" smtClean="0"/>
+              <a:t>12</a:t>
             </a:fld>
             <a:endParaRPr lang="zh-CN" altLang="en-US"/>
           </a:p>
@@ -778,6 +796,7 @@
           <a:p>
             <a:fld id="{63A25BFF-71DC-4924-B8E0-9D8932DD8731}" type="slidenum">
               <a:rPr lang="zh-CN" altLang="en-US" smtClean="0"/>
+              <a:t>13</a:t>
             </a:fld>
             <a:endParaRPr lang="zh-CN" altLang="en-US"/>
           </a:p>
@@ -856,6 +875,7 @@
           <a:p>
             <a:fld id="{63A25BFF-71DC-4924-B8E0-9D8932DD8731}" type="slidenum">
               <a:rPr lang="zh-CN" altLang="en-US" smtClean="0"/>
+              <a:t>14</a:t>
             </a:fld>
             <a:endParaRPr lang="zh-CN" altLang="en-US"/>
           </a:p>
@@ -934,6 +954,7 @@
           <a:p>
             <a:fld id="{63A25BFF-71DC-4924-B8E0-9D8932DD8731}" type="slidenum">
               <a:rPr lang="zh-CN" altLang="en-US" smtClean="0"/>
+              <a:t>15</a:t>
             </a:fld>
             <a:endParaRPr lang="zh-CN" altLang="en-US"/>
           </a:p>
@@ -1012,6 +1033,7 @@
           <a:p>
             <a:fld id="{63A25BFF-71DC-4924-B8E0-9D8932DD8731}" type="slidenum">
               <a:rPr lang="zh-CN" altLang="en-US" smtClean="0"/>
+              <a:t>16</a:t>
             </a:fld>
             <a:endParaRPr lang="zh-CN" altLang="en-US"/>
           </a:p>
@@ -1090,12 +1112,18 @@
           <a:p>
             <a:fld id="{63A25BFF-71DC-4924-B8E0-9D8932DD8731}" type="slidenum">
               <a:rPr lang="zh-CN" altLang="en-US" smtClean="0"/>
+              <a:t>17</a:t>
             </a:fld>
             <a:endParaRPr lang="zh-CN" altLang="en-US"/>
           </a:p>
         </p:txBody>
       </p:sp>
     </p:spTree>
+    <p:extLst>
+      <p:ext uri="{BB962C8B-B14F-4D97-AF65-F5344CB8AC3E}">
+        <p14:creationId xmlns:p14="http://schemas.microsoft.com/office/powerpoint/2010/main" val="1216119010"/>
+      </p:ext>
+    </p:extLst>
   </p:cSld>
   <p:clrMapOvr>
     <a:masterClrMapping/>
@@ -1168,6 +1196,7 @@
           <a:p>
             <a:fld id="{63A25BFF-71DC-4924-B8E0-9D8932DD8731}" type="slidenum">
               <a:rPr lang="zh-CN" altLang="en-US" smtClean="0"/>
+              <a:t>18</a:t>
             </a:fld>
             <a:endParaRPr lang="zh-CN" altLang="en-US"/>
           </a:p>
@@ -1246,6 +1275,7 @@
           <a:p>
             <a:fld id="{63A25BFF-71DC-4924-B8E0-9D8932DD8731}" type="slidenum">
               <a:rPr lang="zh-CN" altLang="en-US" smtClean="0"/>
+              <a:t>19</a:t>
             </a:fld>
             <a:endParaRPr lang="zh-CN" altLang="en-US"/>
           </a:p>
@@ -1324,6 +1354,7 @@
           <a:p>
             <a:fld id="{63A25BFF-71DC-4924-B8E0-9D8932DD8731}" type="slidenum">
               <a:rPr lang="zh-CN" altLang="en-US" smtClean="0"/>
+              <a:t>20</a:t>
             </a:fld>
             <a:endParaRPr lang="zh-CN" altLang="en-US"/>
           </a:p>
@@ -1402,6 +1433,7 @@
           <a:p>
             <a:fld id="{63A25BFF-71DC-4924-B8E0-9D8932DD8731}" type="slidenum">
               <a:rPr lang="zh-CN" altLang="en-US" smtClean="0"/>
+              <a:t>3</a:t>
             </a:fld>
             <a:endParaRPr lang="zh-CN" altLang="en-US"/>
           </a:p>
@@ -1480,6 +1512,7 @@
           <a:p>
             <a:fld id="{63A25BFF-71DC-4924-B8E0-9D8932DD8731}" type="slidenum">
               <a:rPr lang="zh-CN" altLang="en-US" smtClean="0"/>
+              <a:t>21</a:t>
             </a:fld>
             <a:endParaRPr lang="zh-CN" altLang="en-US"/>
           </a:p>
@@ -1558,12 +1591,181 @@
           <a:p>
             <a:fld id="{63A25BFF-71DC-4924-B8E0-9D8932DD8731}" type="slidenum">
               <a:rPr lang="zh-CN" altLang="en-US" smtClean="0"/>
+              <a:t>22</a:t>
             </a:fld>
             <a:endParaRPr lang="zh-CN" altLang="en-US"/>
           </a:p>
         </p:txBody>
       </p:sp>
     </p:spTree>
+  </p:cSld>
+  <p:clrMapOvr>
+    <a:masterClrMapping/>
+  </p:clrMapOvr>
+</p:notes>
+</file>
+
+<file path=ppt/notesSlides/notesSlide22.xml><?xml version="1.0" encoding="utf-8"?>
+<p:notes xmlns:a="http://schemas.openxmlformats.org/drawingml/2006/main" xmlns:r="http://schemas.openxmlformats.org/officeDocument/2006/relationships" xmlns:p="http://schemas.openxmlformats.org/presentationml/2006/main">
+  <p:cSld>
+    <p:spTree>
+      <p:nvGrpSpPr>
+        <p:cNvPr id="1" name=""/>
+        <p:cNvGrpSpPr/>
+        <p:nvPr/>
+      </p:nvGrpSpPr>
+      <p:grpSpPr>
+        <a:xfrm>
+          <a:off x="0" y="0"/>
+          <a:ext cx="0" cy="0"/>
+          <a:chOff x="0" y="0"/>
+          <a:chExt cx="0" cy="0"/>
+        </a:xfrm>
+      </p:grpSpPr>
+      <p:sp>
+        <p:nvSpPr>
+          <p:cNvPr id="2" name="幻灯片图像占位符 1"/>
+          <p:cNvSpPr>
+            <a:spLocks noGrp="1" noRot="1" noChangeAspect="1"/>
+          </p:cNvSpPr>
+          <p:nvPr>
+            <p:ph type="sldImg"/>
+          </p:nvPr>
+        </p:nvSpPr>
+        <p:spPr/>
+      </p:sp>
+      <p:sp>
+        <p:nvSpPr>
+          <p:cNvPr id="3" name="备注占位符 2"/>
+          <p:cNvSpPr>
+            <a:spLocks noGrp="1"/>
+          </p:cNvSpPr>
+          <p:nvPr>
+            <p:ph type="body" idx="1"/>
+          </p:nvPr>
+        </p:nvSpPr>
+        <p:spPr/>
+        <p:txBody>
+          <a:bodyPr/>
+          <a:lstStyle/>
+          <a:p>
+            <a:endParaRPr lang="zh-CN" altLang="en-US" dirty="0"/>
+          </a:p>
+        </p:txBody>
+      </p:sp>
+      <p:sp>
+        <p:nvSpPr>
+          <p:cNvPr id="4" name="灯片编号占位符 3"/>
+          <p:cNvSpPr>
+            <a:spLocks noGrp="1"/>
+          </p:cNvSpPr>
+          <p:nvPr>
+            <p:ph type="sldNum" sz="quarter" idx="10"/>
+          </p:nvPr>
+        </p:nvSpPr>
+        <p:spPr/>
+        <p:txBody>
+          <a:bodyPr/>
+          <a:lstStyle/>
+          <a:p>
+            <a:fld id="{63A25BFF-71DC-4924-B8E0-9D8932DD8731}" type="slidenum">
+              <a:rPr lang="zh-CN" altLang="en-US" smtClean="0"/>
+              <a:t>23</a:t>
+            </a:fld>
+            <a:endParaRPr lang="zh-CN" altLang="en-US"/>
+          </a:p>
+        </p:txBody>
+      </p:sp>
+    </p:spTree>
+    <p:extLst>
+      <p:ext uri="{BB962C8B-B14F-4D97-AF65-F5344CB8AC3E}">
+        <p14:creationId xmlns:p14="http://schemas.microsoft.com/office/powerpoint/2010/main" val="187070475"/>
+      </p:ext>
+    </p:extLst>
+  </p:cSld>
+  <p:clrMapOvr>
+    <a:masterClrMapping/>
+  </p:clrMapOvr>
+</p:notes>
+</file>
+
+<file path=ppt/notesSlides/notesSlide23.xml><?xml version="1.0" encoding="utf-8"?>
+<p:notes xmlns:a="http://schemas.openxmlformats.org/drawingml/2006/main" xmlns:r="http://schemas.openxmlformats.org/officeDocument/2006/relationships" xmlns:p="http://schemas.openxmlformats.org/presentationml/2006/main">
+  <p:cSld>
+    <p:spTree>
+      <p:nvGrpSpPr>
+        <p:cNvPr id="1" name=""/>
+        <p:cNvGrpSpPr/>
+        <p:nvPr/>
+      </p:nvGrpSpPr>
+      <p:grpSpPr>
+        <a:xfrm>
+          <a:off x="0" y="0"/>
+          <a:ext cx="0" cy="0"/>
+          <a:chOff x="0" y="0"/>
+          <a:chExt cx="0" cy="0"/>
+        </a:xfrm>
+      </p:grpSpPr>
+      <p:sp>
+        <p:nvSpPr>
+          <p:cNvPr id="2" name="幻灯片图像占位符 1"/>
+          <p:cNvSpPr>
+            <a:spLocks noGrp="1" noRot="1" noChangeAspect="1"/>
+          </p:cNvSpPr>
+          <p:nvPr>
+            <p:ph type="sldImg"/>
+          </p:nvPr>
+        </p:nvSpPr>
+        <p:spPr/>
+      </p:sp>
+      <p:sp>
+        <p:nvSpPr>
+          <p:cNvPr id="3" name="备注占位符 2"/>
+          <p:cNvSpPr>
+            <a:spLocks noGrp="1"/>
+          </p:cNvSpPr>
+          <p:nvPr>
+            <p:ph type="body" idx="1"/>
+          </p:nvPr>
+        </p:nvSpPr>
+        <p:spPr/>
+        <p:txBody>
+          <a:bodyPr/>
+          <a:lstStyle/>
+          <a:p>
+            <a:endParaRPr lang="zh-CN" altLang="en-US" dirty="0"/>
+          </a:p>
+        </p:txBody>
+      </p:sp>
+      <p:sp>
+        <p:nvSpPr>
+          <p:cNvPr id="4" name="灯片编号占位符 3"/>
+          <p:cNvSpPr>
+            <a:spLocks noGrp="1"/>
+          </p:cNvSpPr>
+          <p:nvPr>
+            <p:ph type="sldNum" sz="quarter" idx="10"/>
+          </p:nvPr>
+        </p:nvSpPr>
+        <p:spPr/>
+        <p:txBody>
+          <a:bodyPr/>
+          <a:lstStyle/>
+          <a:p>
+            <a:fld id="{63A25BFF-71DC-4924-B8E0-9D8932DD8731}" type="slidenum">
+              <a:rPr lang="zh-CN" altLang="en-US" smtClean="0"/>
+              <a:t>24</a:t>
+            </a:fld>
+            <a:endParaRPr lang="zh-CN" altLang="en-US"/>
+          </a:p>
+        </p:txBody>
+      </p:sp>
+    </p:spTree>
+    <p:extLst>
+      <p:ext uri="{BB962C8B-B14F-4D97-AF65-F5344CB8AC3E}">
+        <p14:creationId xmlns:p14="http://schemas.microsoft.com/office/powerpoint/2010/main" val="2830455208"/>
+      </p:ext>
+    </p:extLst>
   </p:cSld>
   <p:clrMapOvr>
     <a:masterClrMapping/>
@@ -1636,6 +1838,7 @@
           <a:p>
             <a:fld id="{63A25BFF-71DC-4924-B8E0-9D8932DD8731}" type="slidenum">
               <a:rPr lang="zh-CN" altLang="en-US" smtClean="0"/>
+              <a:t>4</a:t>
             </a:fld>
             <a:endParaRPr lang="zh-CN" altLang="en-US"/>
           </a:p>
@@ -1714,6 +1917,7 @@
           <a:p>
             <a:fld id="{63A25BFF-71DC-4924-B8E0-9D8932DD8731}" type="slidenum">
               <a:rPr lang="zh-CN" altLang="en-US" smtClean="0"/>
+              <a:t>5</a:t>
             </a:fld>
             <a:endParaRPr lang="zh-CN" altLang="en-US"/>
           </a:p>
@@ -1792,6 +1996,7 @@
           <a:p>
             <a:fld id="{63A25BFF-71DC-4924-B8E0-9D8932DD8731}" type="slidenum">
               <a:rPr lang="zh-CN" altLang="en-US" smtClean="0"/>
+              <a:t>6</a:t>
             </a:fld>
             <a:endParaRPr lang="zh-CN" altLang="en-US"/>
           </a:p>
@@ -1870,6 +2075,7 @@
           <a:p>
             <a:fld id="{63A25BFF-71DC-4924-B8E0-9D8932DD8731}" type="slidenum">
               <a:rPr lang="zh-CN" altLang="en-US" smtClean="0"/>
+              <a:t>7</a:t>
             </a:fld>
             <a:endParaRPr lang="zh-CN" altLang="en-US"/>
           </a:p>
@@ -1948,6 +2154,7 @@
           <a:p>
             <a:fld id="{63A25BFF-71DC-4924-B8E0-9D8932DD8731}" type="slidenum">
               <a:rPr lang="zh-CN" altLang="en-US" smtClean="0"/>
+              <a:t>8</a:t>
             </a:fld>
             <a:endParaRPr lang="zh-CN" altLang="en-US"/>
           </a:p>
@@ -2026,6 +2233,7 @@
           <a:p>
             <a:fld id="{63A25BFF-71DC-4924-B8E0-9D8932DD8731}" type="slidenum">
               <a:rPr lang="zh-CN" altLang="en-US" smtClean="0"/>
+              <a:t>9</a:t>
             </a:fld>
             <a:endParaRPr lang="zh-CN" altLang="en-US"/>
           </a:p>
@@ -2104,6 +2312,7 @@
           <a:p>
             <a:fld id="{63A25BFF-71DC-4924-B8E0-9D8932DD8731}" type="slidenum">
               <a:rPr lang="zh-CN" altLang="en-US" smtClean="0"/>
+              <a:t>10</a:t>
             </a:fld>
             <a:endParaRPr lang="zh-CN" altLang="en-US"/>
           </a:p>
@@ -2118,7 +2327,7 @@
 </file>
 
 <file path=ppt/slideLayouts/slideLayout1.xml><?xml version="1.0" encoding="utf-8"?>
-<p:sldLayout xmlns:a="http://schemas.openxmlformats.org/drawingml/2006/main" xmlns:r="http://schemas.openxmlformats.org/officeDocument/2006/relationships" xmlns:p="http://schemas.openxmlformats.org/presentationml/2006/main" preserve="1" showMasterSp="0" userDrawn="1">
+<p:sldLayout xmlns:a="http://schemas.openxmlformats.org/drawingml/2006/main" xmlns:r="http://schemas.openxmlformats.org/officeDocument/2006/relationships" xmlns:p="http://schemas.openxmlformats.org/presentationml/2006/main" showMasterSp="0" preserve="1" userDrawn="1">
   <p:cSld name="自定义版式">
     <p:spTree>
       <p:nvGrpSpPr>
@@ -2374,7 +2583,6 @@
               <a:rPr lang="zh-CN" altLang="en-US" dirty="0"/>
               <a:t>单击此处编辑母版文本样式</a:t>
             </a:r>
-            <a:endParaRPr lang="zh-CN" altLang="en-US" dirty="0"/>
           </a:p>
           <a:p>
             <a:pPr lvl="1"/>
@@ -2382,7 +2590,6 @@
               <a:rPr lang="zh-CN" altLang="en-US" dirty="0"/>
               <a:t>二级</a:t>
             </a:r>
-            <a:endParaRPr lang="zh-CN" altLang="en-US" dirty="0"/>
           </a:p>
           <a:p>
             <a:pPr lvl="2"/>
@@ -2390,7 +2597,6 @@
               <a:rPr lang="zh-CN" altLang="en-US" dirty="0"/>
               <a:t>三级</a:t>
             </a:r>
-            <a:endParaRPr lang="zh-CN" altLang="en-US" dirty="0"/>
           </a:p>
           <a:p>
             <a:pPr lvl="3"/>
@@ -2398,7 +2604,6 @@
               <a:rPr lang="zh-CN" altLang="en-US" dirty="0"/>
               <a:t>四级</a:t>
             </a:r>
-            <a:endParaRPr lang="zh-CN" altLang="en-US" dirty="0"/>
           </a:p>
           <a:p>
             <a:pPr lvl="4"/>
@@ -2581,7 +2786,7 @@
           <p:nvPr/>
         </p:nvPicPr>
         <p:blipFill rotWithShape="1">
-          <a:blip r:embed="rId8" cstate="screen"/>
+          <a:blip r:embed="rId9" cstate="screen"/>
           <a:srcRect/>
           <a:stretch>
             <a:fillRect/>
@@ -2639,6 +2844,7 @@
                   </a:prstClr>
                 </a:solidFill>
               </a:rPr>
+              <a:t>2020/8/19</a:t>
             </a:fld>
             <a:endParaRPr lang="zh-CN" altLang="en-US">
               <a:solidFill>
@@ -2734,6 +2940,7 @@
                   </a:prstClr>
                 </a:solidFill>
               </a:rPr>
+              <a:t>‹#›</a:t>
             </a:fld>
             <a:endParaRPr lang="zh-CN" altLang="en-US">
               <a:solidFill>
@@ -3061,14 +3268,6 @@
               </a:rPr>
               <a:t>前端模块化</a:t>
             </a:r>
-            <a:endParaRPr lang="zh-CN" altLang="en-US" sz="2800" b="1" spc="700" dirty="0">
-              <a:solidFill>
-                <a:schemeClr val="bg1"/>
-              </a:solidFill>
-              <a:latin typeface="华文中宋" pitchFamily="2" charset="-122"/>
-              <a:ea typeface="华文中宋" pitchFamily="2" charset="-122"/>
-              <a:sym typeface="Arial" panose="020B0604020202090204"/>
-            </a:endParaRPr>
           </a:p>
         </p:txBody>
       </p:sp>
@@ -3295,7 +3494,6 @@
               <a:rPr lang="zh-CN" altLang="en-US" dirty="0"/>
               <a:t>的特点</a:t>
             </a:r>
-            <a:endParaRPr lang="zh-CN" altLang="en-US" dirty="0"/>
           </a:p>
         </p:txBody>
       </p:sp>
@@ -3308,7 +3506,7 @@
         <p:spPr>
           <a:xfrm>
             <a:off x="683568" y="1419622"/>
-            <a:ext cx="3263900" cy="2306955"/>
+            <a:ext cx="3873500" cy="2306955"/>
           </a:xfrm>
           <a:prstGeom prst="rect">
             <a:avLst/>
@@ -3327,7 +3525,7 @@
             </a:pPr>
             <a:r>
               <a:rPr kumimoji="1" lang="zh-CN" altLang="en-US" sz="2400" dirty="0"/>
-              <a:t>运行在 </a:t>
+              <a:t>只能运行在 </a:t>
             </a:r>
             <a:r>
               <a:rPr kumimoji="1" lang="en-US" altLang="zh-CN" sz="2400" dirty="0"/>
@@ -3351,7 +3549,6 @@
               <a:rPr kumimoji="1" lang="zh-CN" altLang="en-US" sz="2400" dirty="0"/>
               <a:t>同步加载模块</a:t>
             </a:r>
-            <a:endParaRPr kumimoji="1" lang="zh-CN" altLang="en-US" sz="2400" dirty="0"/>
           </a:p>
           <a:p>
             <a:pPr marL="342900" indent="-342900">
@@ -3365,7 +3562,6 @@
               <a:rPr kumimoji="1" lang="zh-CN" altLang="en-US" sz="2400" dirty="0"/>
               <a:t>单例</a:t>
             </a:r>
-            <a:endParaRPr kumimoji="1" lang="zh-CN" altLang="en-US" sz="2400" dirty="0"/>
           </a:p>
         </p:txBody>
       </p:sp>
@@ -3463,7 +3659,6 @@
               <a:rPr kumimoji="1" lang="zh-CN" altLang="en-US" dirty="0"/>
               <a:t> 模块化规范</a:t>
             </a:r>
-            <a:endParaRPr kumimoji="1" lang="zh-CN" altLang="en-US" dirty="0"/>
           </a:p>
         </p:txBody>
       </p:sp>
@@ -3513,11 +3708,6 @@
               </a:rPr>
               <a:t>异步的模块定义</a:t>
             </a:r>
-            <a:endParaRPr lang="zh-CN" altLang="en-US" dirty="0">
-              <a:solidFill>
-                <a:srgbClr val="FF0000"/>
-              </a:solidFill>
-            </a:endParaRPr>
           </a:p>
           <a:p>
             <a:endParaRPr kumimoji="1" lang="zh-CN" altLang="en-US" dirty="0"/>
@@ -3581,7 +3771,7 @@
           <p:nvPr/>
         </p:nvPicPr>
         <p:blipFill>
-          <a:blip r:embed="rId1"/>
+          <a:blip r:embed="rId3"/>
           <a:stretch>
             <a:fillRect/>
           </a:stretch>
@@ -3653,14 +3843,14 @@
           <p:nvPr/>
         </p:nvPicPr>
         <p:blipFill>
-          <a:blip r:embed="rId1"/>
+          <a:blip r:embed="rId3"/>
           <a:stretch>
             <a:fillRect/>
           </a:stretch>
         </p:blipFill>
         <p:spPr>
           <a:xfrm>
-            <a:off x="508184" y="988048"/>
+            <a:off x="467544" y="1158863"/>
             <a:ext cx="7920880" cy="634168"/>
           </a:xfrm>
           <a:prstGeom prst="rect">
@@ -3677,7 +3867,7 @@
           <p:nvPr/>
         </p:nvPicPr>
         <p:blipFill>
-          <a:blip r:embed="rId2"/>
+          <a:blip r:embed="rId4"/>
           <a:stretch>
             <a:fillRect/>
           </a:stretch>
@@ -3701,7 +3891,7 @@
           <p:nvPr/>
         </p:nvPicPr>
         <p:blipFill>
-          <a:blip r:embed="rId3"/>
+          <a:blip r:embed="rId5"/>
           <a:stretch>
             <a:fillRect/>
           </a:stretch>
@@ -3764,7 +3954,6 @@
               <a:rPr lang="zh-CN" altLang="en-US" dirty="0"/>
               <a:t> 的特点</a:t>
             </a:r>
-            <a:endParaRPr lang="zh-CN" altLang="en-US" dirty="0"/>
           </a:p>
         </p:txBody>
       </p:sp>
@@ -3834,7 +4023,6 @@
               <a:rPr kumimoji="1" lang="zh-CN" altLang="en-US" sz="2400" dirty="0"/>
               <a:t> 库</a:t>
             </a:r>
-            <a:endParaRPr kumimoji="1" lang="zh-CN" altLang="en-US" sz="2400" dirty="0"/>
           </a:p>
         </p:txBody>
       </p:sp>
@@ -3936,7 +4124,6 @@
               <a:rPr kumimoji="1" lang="zh-CN" altLang="en-US" dirty="0"/>
               <a:t> 模块</a:t>
             </a:r>
-            <a:endParaRPr kumimoji="1" lang="zh-CN" altLang="en-US" dirty="0"/>
           </a:p>
         </p:txBody>
       </p:sp>
@@ -3949,7 +4136,7 @@
           <p:nvPr/>
         </p:nvPicPr>
         <p:blipFill>
-          <a:blip r:embed="rId1"/>
+          <a:blip r:embed="rId3"/>
           <a:stretch>
             <a:fillRect/>
           </a:stretch>
@@ -4058,7 +4245,6 @@
               <a:rPr kumimoji="1" lang="zh-CN" altLang="en-US" dirty="0"/>
               <a:t> 有了语言层面的模块化语法与关键字</a:t>
             </a:r>
-            <a:endParaRPr kumimoji="1" lang="zh-CN" altLang="en-US" dirty="0"/>
           </a:p>
         </p:txBody>
       </p:sp>
@@ -4104,7 +4290,6 @@
               <a:rPr kumimoji="1" lang="zh-CN" altLang="en-US" dirty="0"/>
               <a:t> 两个关键字对模块进行导入和导出</a:t>
             </a:r>
-            <a:endParaRPr kumimoji="1" lang="zh-CN" altLang="en-US" dirty="0"/>
           </a:p>
         </p:txBody>
       </p:sp>
@@ -4117,7 +4302,7 @@
           <p:nvPr/>
         </p:nvPicPr>
         <p:blipFill>
-          <a:blip r:embed="rId1"/>
+          <a:blip r:embed="rId3"/>
           <a:stretch>
             <a:fillRect/>
           </a:stretch>
@@ -4218,20 +4403,25 @@
               <a:rPr lang="zh-CN" altLang="en-US" dirty="0"/>
               <a:t>设计思想，编译时就能确定模块的依赖关系</a:t>
             </a:r>
-            <a:endParaRPr lang="zh-CN" altLang="en-US" dirty="0"/>
           </a:p>
         </p:txBody>
       </p:sp>
       <p:pic>
         <p:nvPicPr>
-          <p:cNvPr id="6" name="图片 5"/>
+          <p:cNvPr id="6" name="图片 5">
+            <a:extLst>
+              <a:ext uri="{FF2B5EF4-FFF2-40B4-BE49-F238E27FC236}">
+                <a16:creationId xmlns:a16="http://schemas.microsoft.com/office/drawing/2014/main" id="{0E2F0070-A639-6948-BE30-F81BE95FCA92}"/>
+              </a:ext>
+            </a:extLst>
+          </p:cNvPr>
           <p:cNvPicPr>
             <a:picLocks noChangeAspect="1"/>
           </p:cNvPicPr>
           <p:nvPr/>
         </p:nvPicPr>
         <p:blipFill>
-          <a:blip r:embed="rId1"/>
+          <a:blip r:embed="rId3"/>
           <a:stretch>
             <a:fillRect/>
           </a:stretch>
@@ -4247,6 +4437,11 @@
         </p:spPr>
       </p:pic>
     </p:spTree>
+    <p:extLst>
+      <p:ext uri="{BB962C8B-B14F-4D97-AF65-F5344CB8AC3E}">
+        <p14:creationId xmlns:p14="http://schemas.microsoft.com/office/powerpoint/2010/main" val="2801884554"/>
+      </p:ext>
+    </p:extLst>
   </p:cSld>
   <p:clrMapOvr>
     <a:masterClrMapping/>
@@ -4348,7 +4543,6 @@
               <a:rPr lang="zh-CN" altLang="en-US" dirty="0"/>
               <a:t> 为值引用</a:t>
             </a:r>
-            <a:endParaRPr lang="zh-CN" altLang="en-US" dirty="0"/>
           </a:p>
         </p:txBody>
       </p:sp>
@@ -4361,7 +4555,7 @@
           <p:nvPr/>
         </p:nvPicPr>
         <p:blipFill>
-          <a:blip r:embed="rId1"/>
+          <a:blip r:embed="rId3"/>
           <a:stretch>
             <a:fillRect/>
           </a:stretch>
@@ -4385,7 +4579,7 @@
           <p:nvPr/>
         </p:nvPicPr>
         <p:blipFill>
-          <a:blip r:embed="rId2"/>
+          <a:blip r:embed="rId4"/>
           <a:stretch>
             <a:fillRect/>
           </a:stretch>
@@ -4732,7 +4926,6 @@
               <a:rPr lang="zh-CN" altLang="en-US" dirty="0"/>
               <a:t>的新增导⼊导出关键词与语法的规范</a:t>
             </a:r>
-            <a:endParaRPr lang="zh-CN" altLang="en-US" dirty="0"/>
           </a:p>
         </p:txBody>
       </p:sp>
@@ -4745,7 +4938,7 @@
           <p:nvPr/>
         </p:nvPicPr>
         <p:blipFill>
-          <a:blip r:embed="rId1"/>
+          <a:blip r:embed="rId3"/>
           <a:stretch>
             <a:fillRect/>
           </a:stretch>
@@ -4894,10 +5087,6 @@
               </a:rPr>
               <a:t>AMD</a:t>
             </a:r>
-            <a:endParaRPr lang="en-US" altLang="zh-CN" sz="2800" dirty="0">
-              <a:latin typeface="微软雅黑" panose="020B0503020204020204" pitchFamily="34" charset="-122"/>
-              <a:ea typeface="微软雅黑" panose="020B0503020204020204" pitchFamily="34" charset="-122"/>
-            </a:endParaRPr>
           </a:p>
           <a:p>
             <a:pPr marL="514350" indent="-514350">
@@ -4914,10 +5103,6 @@
               </a:rPr>
               <a:t>UMD</a:t>
             </a:r>
-            <a:endParaRPr lang="en-US" altLang="zh-CN" sz="2800" dirty="0">
-              <a:latin typeface="微软雅黑" panose="020B0503020204020204" pitchFamily="34" charset="-122"/>
-              <a:ea typeface="微软雅黑" panose="020B0503020204020204" pitchFamily="34" charset="-122"/>
-            </a:endParaRPr>
           </a:p>
           <a:p>
             <a:pPr marL="514350" indent="-514350">
@@ -4948,10 +5133,6 @@
               </a:rPr>
               <a:t>Module</a:t>
             </a:r>
-            <a:endParaRPr lang="en-US" altLang="zh-CN" sz="2800" dirty="0">
-              <a:latin typeface="微软雅黑" panose="020B0503020204020204" pitchFamily="34" charset="-122"/>
-              <a:ea typeface="微软雅黑" panose="020B0503020204020204" pitchFamily="34" charset="-122"/>
-            </a:endParaRPr>
           </a:p>
           <a:p>
             <a:pPr marL="514350" indent="-514350">
@@ -5153,7 +5334,6 @@
               <a:rPr lang="zh-CN" altLang="en-US" dirty="0"/>
               <a:t>后模块化时代</a:t>
             </a:r>
-            <a:endParaRPr lang="zh-CN" altLang="en-US" dirty="0"/>
           </a:p>
         </p:txBody>
       </p:sp>
@@ -5191,22 +5371,25 @@
               </a:rPr>
               <a:t>：能够将高版本规范代码编译为低版本规范的代码，向前兼容旧版浏览器</a:t>
             </a:r>
-            <a:endParaRPr kumimoji="1" lang="zh-CN" altLang="en-US" dirty="0">
-              <a:latin typeface="+mn-ea"/>
-            </a:endParaRPr>
           </a:p>
         </p:txBody>
       </p:sp>
       <p:pic>
         <p:nvPicPr>
-          <p:cNvPr id="6" name="图片 5"/>
+          <p:cNvPr id="6" name="图片 5">
+            <a:extLst>
+              <a:ext uri="{FF2B5EF4-FFF2-40B4-BE49-F238E27FC236}">
+                <a16:creationId xmlns:a16="http://schemas.microsoft.com/office/drawing/2014/main" id="{7E365852-6730-8045-A89A-A47D636840D5}"/>
+              </a:ext>
+            </a:extLst>
+          </p:cNvPr>
           <p:cNvPicPr>
             <a:picLocks noChangeAspect="1"/>
           </p:cNvPicPr>
           <p:nvPr/>
         </p:nvPicPr>
         <p:blipFill>
-          <a:blip r:embed="rId1"/>
+          <a:blip r:embed="rId3"/>
           <a:stretch>
             <a:fillRect/>
           </a:stretch>
@@ -5223,7 +5406,13 @@
       </p:pic>
       <p:sp>
         <p:nvSpPr>
-          <p:cNvPr id="7" name="文本框 6"/>
+          <p:cNvPr id="7" name="文本框 6">
+            <a:extLst>
+              <a:ext uri="{FF2B5EF4-FFF2-40B4-BE49-F238E27FC236}">
+                <a16:creationId xmlns:a16="http://schemas.microsoft.com/office/drawing/2014/main" id="{A94D75F2-E4F9-4F47-A623-043B06F257C7}"/>
+              </a:ext>
+            </a:extLst>
+          </p:cNvPr>
           <p:cNvSpPr txBox="1"/>
           <p:nvPr/>
         </p:nvSpPr>
@@ -5255,9 +5444,6 @@
               </a:rPr>
               <a:t>：处理不同环境模块化的区别</a:t>
             </a:r>
-            <a:endParaRPr kumimoji="1" lang="zh-CN" altLang="en-US" dirty="0">
-              <a:latin typeface="+mn-ea"/>
-            </a:endParaRPr>
           </a:p>
         </p:txBody>
       </p:sp>
@@ -5549,14 +5735,46 @@
       </p:grpSpPr>
       <p:sp>
         <p:nvSpPr>
-          <p:cNvPr id="4" name="TextBox 3"/>
+          <p:cNvPr id="2" name="标题 1"/>
+          <p:cNvSpPr>
+            <a:spLocks noGrp="1"/>
+          </p:cNvSpPr>
+          <p:nvPr>
+            <p:ph type="title"/>
+          </p:nvPr>
+        </p:nvSpPr>
+        <p:spPr/>
+        <p:txBody>
+          <a:bodyPr/>
+          <a:lstStyle/>
+          <a:p>
+            <a:r>
+              <a:rPr lang="en-US" altLang="zh-CN" dirty="0" err="1"/>
+              <a:t>CommonJs</a:t>
+            </a:r>
+            <a:r>
+              <a:rPr lang="zh-CN" altLang="en-US" dirty="0"/>
+              <a:t> 的实现</a:t>
+            </a:r>
+          </a:p>
+        </p:txBody>
+      </p:sp>
+      <p:sp>
+        <p:nvSpPr>
+          <p:cNvPr id="3" name="文本框 2">
+            <a:extLst>
+              <a:ext uri="{FF2B5EF4-FFF2-40B4-BE49-F238E27FC236}">
+                <a16:creationId xmlns:a16="http://schemas.microsoft.com/office/drawing/2014/main" id="{1C28A0AB-5C94-3948-8B78-7B2B61A498EC}"/>
+              </a:ext>
+            </a:extLst>
+          </p:cNvPr>
           <p:cNvSpPr txBox="1"/>
           <p:nvPr/>
         </p:nvSpPr>
         <p:spPr>
           <a:xfrm>
-            <a:off x="0" y="2008460"/>
-            <a:ext cx="9144000" cy="923330"/>
+            <a:off x="683568" y="1059582"/>
+            <a:ext cx="7438255" cy="369332"/>
           </a:xfrm>
           <a:prstGeom prst="rect">
             <a:avLst/>
@@ -5564,31 +5782,129 @@
           <a:noFill/>
         </p:spPr>
         <p:txBody>
-          <a:bodyPr wrap="square" rtlCol="0">
+          <a:bodyPr wrap="none" rtlCol="0">
             <a:spAutoFit/>
           </a:bodyPr>
           <a:lstStyle/>
           <a:p>
-            <a:pPr algn="ctr"/>
-            <a:r>
-              <a:rPr lang="en-US" altLang="zh-CN" sz="5400" b="1" dirty="0">
-                <a:solidFill>
-                  <a:schemeClr val="bg1"/>
-                </a:solidFill>
-                <a:latin typeface="Arial" panose="020B0604020202090204"/>
-                <a:ea typeface="Microsoft YaHei"/>
-                <a:sym typeface="Arial" panose="020B0604020202090204"/>
-              </a:rPr>
-              <a:t>Thank  You </a:t>
-            </a:r>
-            <a:endParaRPr lang="zh-CN" altLang="en-US" sz="5400" b="1" spc="700" dirty="0">
-              <a:solidFill>
-                <a:schemeClr val="bg1"/>
-              </a:solidFill>
-              <a:latin typeface="Arial" panose="020B0604020202090204"/>
-              <a:ea typeface="Microsoft YaHei"/>
-              <a:sym typeface="Arial" panose="020B0604020202090204"/>
-            </a:endParaRPr>
+            <a:r>
+              <a:rPr kumimoji="1" lang="en-US" altLang="zh-CN" dirty="0"/>
+              <a:t>VM </a:t>
+            </a:r>
+            <a:r>
+              <a:rPr kumimoji="1" lang="zh-CN" altLang="en-US" dirty="0"/>
+              <a:t>模块：连接上层 </a:t>
+            </a:r>
+            <a:r>
+              <a:rPr kumimoji="1" lang="en-US" altLang="zh-CN" dirty="0"/>
+              <a:t>JS</a:t>
+            </a:r>
+            <a:r>
+              <a:rPr kumimoji="1" lang="zh-CN" altLang="en-US" dirty="0"/>
+              <a:t> 代码与底层 </a:t>
+            </a:r>
+            <a:r>
+              <a:rPr kumimoji="1" lang="en-US" altLang="zh-CN" dirty="0"/>
+              <a:t>V8</a:t>
+            </a:r>
+            <a:r>
+              <a:rPr kumimoji="1" lang="zh-CN" altLang="en-US" dirty="0"/>
+              <a:t> 引擎，将字符串解析为可执行代码</a:t>
+            </a:r>
+          </a:p>
+        </p:txBody>
+      </p:sp>
+      <p:pic>
+        <p:nvPicPr>
+          <p:cNvPr id="4" name="图片 3">
+            <a:extLst>
+              <a:ext uri="{FF2B5EF4-FFF2-40B4-BE49-F238E27FC236}">
+                <a16:creationId xmlns:a16="http://schemas.microsoft.com/office/drawing/2014/main" id="{571C2BB9-5071-1B41-A4D8-4330BA885447}"/>
+              </a:ext>
+            </a:extLst>
+          </p:cNvPr>
+          <p:cNvPicPr>
+            <a:picLocks noChangeAspect="1"/>
+          </p:cNvPicPr>
+          <p:nvPr/>
+        </p:nvPicPr>
+        <p:blipFill>
+          <a:blip r:embed="rId3"/>
+          <a:stretch>
+            <a:fillRect/>
+          </a:stretch>
+        </p:blipFill>
+        <p:spPr>
+          <a:xfrm>
+            <a:off x="901700" y="2211710"/>
+            <a:ext cx="7340600" cy="2184400"/>
+          </a:xfrm>
+          <a:prstGeom prst="rect">
+            <a:avLst/>
+          </a:prstGeom>
+        </p:spPr>
+      </p:pic>
+      <p:sp>
+        <p:nvSpPr>
+          <p:cNvPr id="5" name="文本框 4">
+            <a:extLst>
+              <a:ext uri="{FF2B5EF4-FFF2-40B4-BE49-F238E27FC236}">
+                <a16:creationId xmlns:a16="http://schemas.microsoft.com/office/drawing/2014/main" id="{9AE0104D-49C8-574B-84C5-B571B3E515A4}"/>
+              </a:ext>
+            </a:extLst>
+          </p:cNvPr>
+          <p:cNvSpPr txBox="1"/>
+          <p:nvPr/>
+        </p:nvSpPr>
+        <p:spPr>
+          <a:xfrm>
+            <a:off x="683568" y="1635646"/>
+            <a:ext cx="3328860" cy="369332"/>
+          </a:xfrm>
+          <a:prstGeom prst="rect">
+            <a:avLst/>
+          </a:prstGeom>
+          <a:noFill/>
+        </p:spPr>
+        <p:txBody>
+          <a:bodyPr wrap="none" rtlCol="0">
+            <a:spAutoFit/>
+          </a:bodyPr>
+          <a:lstStyle/>
+          <a:p>
+            <a:r>
+              <a:rPr kumimoji="1" lang="zh-CN" altLang="en-US" dirty="0"/>
+              <a:t>原生 </a:t>
+            </a:r>
+            <a:r>
+              <a:rPr kumimoji="1" lang="en-US" altLang="zh-CN" dirty="0"/>
+              <a:t>JS</a:t>
+            </a:r>
+            <a:r>
+              <a:rPr kumimoji="1" lang="zh-CN" altLang="en-US" dirty="0"/>
+              <a:t>：</a:t>
+            </a:r>
+            <a:r>
+              <a:rPr kumimoji="1" lang="en-US" altLang="zh-CN" dirty="0"/>
+              <a:t>new</a:t>
+            </a:r>
+            <a:r>
+              <a:rPr kumimoji="1" lang="zh-CN" altLang="en-US" dirty="0"/>
+              <a:t> </a:t>
+            </a:r>
+            <a:r>
+              <a:rPr kumimoji="1" lang="en-US" altLang="zh-CN" dirty="0"/>
+              <a:t>Function() </a:t>
+            </a:r>
+            <a:r>
+              <a:rPr kumimoji="1" lang="zh-CN" altLang="en-US" dirty="0"/>
+              <a:t>、</a:t>
+            </a:r>
+            <a:r>
+              <a:rPr kumimoji="1" lang="en-US" altLang="zh-CN" dirty="0"/>
+              <a:t>eval()</a:t>
+            </a:r>
+            <a:endParaRPr kumimoji="1" lang="zh-CN" altLang="en-US" dirty="0"/>
           </a:p>
         </p:txBody>
       </p:sp>
@@ -5597,6 +5913,221 @@
   <p:clrMapOvr>
     <a:masterClrMapping/>
   </p:clrMapOvr>
+  <p:timing>
+    <p:tnLst>
+      <p:par>
+        <p:cTn id="1" dur="indefinite" restart="never" nodeType="tmRoot">
+          <p:childTnLst>
+            <p:seq concurrent="1" nextAc="seek">
+              <p:cTn id="2" dur="indefinite" nodeType="mainSeq">
+                <p:childTnLst>
+                  <p:par>
+                    <p:cTn id="3" fill="hold">
+                      <p:stCondLst>
+                        <p:cond delay="indefinite"/>
+                      </p:stCondLst>
+                      <p:childTnLst>
+                        <p:par>
+                          <p:cTn id="4" fill="hold">
+                            <p:stCondLst>
+                              <p:cond delay="0"/>
+                            </p:stCondLst>
+                            <p:childTnLst>
+                              <p:par>
+                                <p:cTn id="5" presetID="2" presetClass="entr" presetSubtype="4" fill="hold" grpId="0" nodeType="clickEffect">
+                                  <p:stCondLst>
+                                    <p:cond delay="0"/>
+                                  </p:stCondLst>
+                                  <p:childTnLst>
+                                    <p:set>
+                                      <p:cBhvr>
+                                        <p:cTn id="6" dur="1" fill="hold">
+                                          <p:stCondLst>
+                                            <p:cond delay="0"/>
+                                          </p:stCondLst>
+                                        </p:cTn>
+                                        <p:tgtEl>
+                                          <p:spTgt spid="5"/>
+                                        </p:tgtEl>
+                                        <p:attrNameLst>
+                                          <p:attrName>style.visibility</p:attrName>
+                                        </p:attrNameLst>
+                                      </p:cBhvr>
+                                      <p:to>
+                                        <p:strVal val="visible"/>
+                                      </p:to>
+                                    </p:set>
+                                    <p:anim calcmode="lin" valueType="num">
+                                      <p:cBhvr additive="base">
+                                        <p:cTn id="7" dur="500" fill="hold"/>
+                                        <p:tgtEl>
+                                          <p:spTgt spid="5"/>
+                                        </p:tgtEl>
+                                        <p:attrNameLst>
+                                          <p:attrName>ppt_x</p:attrName>
+                                        </p:attrNameLst>
+                                      </p:cBhvr>
+                                      <p:tavLst>
+                                        <p:tav tm="0">
+                                          <p:val>
+                                            <p:strVal val="#ppt_x"/>
+                                          </p:val>
+                                        </p:tav>
+                                        <p:tav tm="100000">
+                                          <p:val>
+                                            <p:strVal val="#ppt_x"/>
+                                          </p:val>
+                                        </p:tav>
+                                      </p:tavLst>
+                                    </p:anim>
+                                    <p:anim calcmode="lin" valueType="num">
+                                      <p:cBhvr additive="base">
+                                        <p:cTn id="8" dur="500" fill="hold"/>
+                                        <p:tgtEl>
+                                          <p:spTgt spid="5"/>
+                                        </p:tgtEl>
+                                        <p:attrNameLst>
+                                          <p:attrName>ppt_y</p:attrName>
+                                        </p:attrNameLst>
+                                      </p:cBhvr>
+                                      <p:tavLst>
+                                        <p:tav tm="0">
+                                          <p:val>
+                                            <p:strVal val="1+#ppt_h/2"/>
+                                          </p:val>
+                                        </p:tav>
+                                        <p:tav tm="100000">
+                                          <p:val>
+                                            <p:strVal val="#ppt_y"/>
+                                          </p:val>
+                                        </p:tav>
+                                      </p:tavLst>
+                                    </p:anim>
+                                  </p:childTnLst>
+                                </p:cTn>
+                              </p:par>
+                            </p:childTnLst>
+                          </p:cTn>
+                        </p:par>
+                      </p:childTnLst>
+                    </p:cTn>
+                  </p:par>
+                  <p:par>
+                    <p:cTn id="9" fill="hold">
+                      <p:stCondLst>
+                        <p:cond delay="indefinite"/>
+                      </p:stCondLst>
+                      <p:childTnLst>
+                        <p:par>
+                          <p:cTn id="10" fill="hold">
+                            <p:stCondLst>
+                              <p:cond delay="0"/>
+                            </p:stCondLst>
+                            <p:childTnLst>
+                              <p:par>
+                                <p:cTn id="11" presetID="2" presetClass="entr" presetSubtype="4" fill="hold" nodeType="clickEffect">
+                                  <p:stCondLst>
+                                    <p:cond delay="0"/>
+                                  </p:stCondLst>
+                                  <p:childTnLst>
+                                    <p:set>
+                                      <p:cBhvr>
+                                        <p:cTn id="12" dur="1" fill="hold">
+                                          <p:stCondLst>
+                                            <p:cond delay="0"/>
+                                          </p:stCondLst>
+                                        </p:cTn>
+                                        <p:tgtEl>
+                                          <p:spTgt spid="4"/>
+                                        </p:tgtEl>
+                                        <p:attrNameLst>
+                                          <p:attrName>style.visibility</p:attrName>
+                                        </p:attrNameLst>
+                                      </p:cBhvr>
+                                      <p:to>
+                                        <p:strVal val="visible"/>
+                                      </p:to>
+                                    </p:set>
+                                    <p:anim calcmode="lin" valueType="num">
+                                      <p:cBhvr additive="base">
+                                        <p:cTn id="13" dur="500" fill="hold"/>
+                                        <p:tgtEl>
+                                          <p:spTgt spid="4"/>
+                                        </p:tgtEl>
+                                        <p:attrNameLst>
+                                          <p:attrName>ppt_x</p:attrName>
+                                        </p:attrNameLst>
+                                      </p:cBhvr>
+                                      <p:tavLst>
+                                        <p:tav tm="0">
+                                          <p:val>
+                                            <p:strVal val="#ppt_x"/>
+                                          </p:val>
+                                        </p:tav>
+                                        <p:tav tm="100000">
+                                          <p:val>
+                                            <p:strVal val="#ppt_x"/>
+                                          </p:val>
+                                        </p:tav>
+                                      </p:tavLst>
+                                    </p:anim>
+                                    <p:anim calcmode="lin" valueType="num">
+                                      <p:cBhvr additive="base">
+                                        <p:cTn id="14" dur="500" fill="hold"/>
+                                        <p:tgtEl>
+                                          <p:spTgt spid="4"/>
+                                        </p:tgtEl>
+                                        <p:attrNameLst>
+                                          <p:attrName>ppt_y</p:attrName>
+                                        </p:attrNameLst>
+                                      </p:cBhvr>
+                                      <p:tavLst>
+                                        <p:tav tm="0">
+                                          <p:val>
+                                            <p:strVal val="1+#ppt_h/2"/>
+                                          </p:val>
+                                        </p:tav>
+                                        <p:tav tm="100000">
+                                          <p:val>
+                                            <p:strVal val="#ppt_y"/>
+                                          </p:val>
+                                        </p:tav>
+                                      </p:tavLst>
+                                    </p:anim>
+                                  </p:childTnLst>
+                                </p:cTn>
+                              </p:par>
+                            </p:childTnLst>
+                          </p:cTn>
+                        </p:par>
+                      </p:childTnLst>
+                    </p:cTn>
+                  </p:par>
+                </p:childTnLst>
+              </p:cTn>
+              <p:prevCondLst>
+                <p:cond evt="onPrev" delay="0">
+                  <p:tgtEl>
+                    <p:sldTgt/>
+                  </p:tgtEl>
+                </p:cond>
+              </p:prevCondLst>
+              <p:nextCondLst>
+                <p:cond evt="onNext" delay="0">
+                  <p:tgtEl>
+                    <p:sldTgt/>
+                  </p:tgtEl>
+                </p:cond>
+              </p:nextCondLst>
+            </p:seq>
+          </p:childTnLst>
+        </p:cTn>
+      </p:par>
+    </p:tnLst>
+    <p:bldLst>
+      <p:bldP spid="5" grpId="0"/>
+    </p:bldLst>
+  </p:timing>
 </p:sld>
 </file>
 
@@ -5632,15 +6163,1012 @@
           <a:bodyPr/>
           <a:lstStyle/>
           <a:p>
-            <a:endParaRPr lang="zh-CN" altLang="en-US" dirty="0"/>
-          </a:p>
-        </p:txBody>
-      </p:sp>
+            <a:r>
+              <a:rPr lang="en-US" altLang="zh-CN" dirty="0" err="1"/>
+              <a:t>CommonJS</a:t>
+            </a:r>
+            <a:r>
+              <a:rPr lang="zh-CN" altLang="en-US" dirty="0"/>
+              <a:t> 的实现</a:t>
+            </a:r>
+          </a:p>
+        </p:txBody>
+      </p:sp>
+      <p:pic>
+        <p:nvPicPr>
+          <p:cNvPr id="5" name="图片 4">
+            <a:extLst>
+              <a:ext uri="{FF2B5EF4-FFF2-40B4-BE49-F238E27FC236}">
+                <a16:creationId xmlns:a16="http://schemas.microsoft.com/office/drawing/2014/main" id="{0D59396E-A83E-424C-A28A-55B2E1C6B55A}"/>
+              </a:ext>
+            </a:extLst>
+          </p:cNvPr>
+          <p:cNvPicPr>
+            <a:picLocks noChangeAspect="1"/>
+          </p:cNvPicPr>
+          <p:nvPr/>
+        </p:nvPicPr>
+        <p:blipFill>
+          <a:blip r:embed="rId3"/>
+          <a:stretch>
+            <a:fillRect/>
+          </a:stretch>
+        </p:blipFill>
+        <p:spPr>
+          <a:xfrm>
+            <a:off x="5630517" y="57604"/>
+            <a:ext cx="3390900" cy="774700"/>
+          </a:xfrm>
+          <a:prstGeom prst="rect">
+            <a:avLst/>
+          </a:prstGeom>
+        </p:spPr>
+      </p:pic>
+      <p:pic>
+        <p:nvPicPr>
+          <p:cNvPr id="11" name="图片 10">
+            <a:extLst>
+              <a:ext uri="{FF2B5EF4-FFF2-40B4-BE49-F238E27FC236}">
+                <a16:creationId xmlns:a16="http://schemas.microsoft.com/office/drawing/2014/main" id="{475012E3-876D-384E-946F-BEC37EADCBEA}"/>
+              </a:ext>
+            </a:extLst>
+          </p:cNvPr>
+          <p:cNvPicPr>
+            <a:picLocks noChangeAspect="1"/>
+          </p:cNvPicPr>
+          <p:nvPr/>
+        </p:nvPicPr>
+        <p:blipFill>
+          <a:blip r:embed="rId4"/>
+          <a:stretch>
+            <a:fillRect/>
+          </a:stretch>
+        </p:blipFill>
+        <p:spPr>
+          <a:xfrm>
+            <a:off x="4765389" y="2937486"/>
+            <a:ext cx="4256028" cy="703571"/>
+          </a:xfrm>
+          <a:prstGeom prst="rect">
+            <a:avLst/>
+          </a:prstGeom>
+        </p:spPr>
+      </p:pic>
+      <p:pic>
+        <p:nvPicPr>
+          <p:cNvPr id="13" name="图片 12">
+            <a:extLst>
+              <a:ext uri="{FF2B5EF4-FFF2-40B4-BE49-F238E27FC236}">
+                <a16:creationId xmlns:a16="http://schemas.microsoft.com/office/drawing/2014/main" id="{620A8D3E-5A2F-154E-AC9A-2605F5AC5B78}"/>
+              </a:ext>
+            </a:extLst>
+          </p:cNvPr>
+          <p:cNvPicPr>
+            <a:picLocks noChangeAspect="1"/>
+          </p:cNvPicPr>
+          <p:nvPr/>
+        </p:nvPicPr>
+        <p:blipFill>
+          <a:blip r:embed="rId5"/>
+          <a:stretch>
+            <a:fillRect/>
+          </a:stretch>
+        </p:blipFill>
+        <p:spPr>
+          <a:xfrm>
+            <a:off x="287017" y="758916"/>
+            <a:ext cx="7315200" cy="901700"/>
+          </a:xfrm>
+          <a:prstGeom prst="rect">
+            <a:avLst/>
+          </a:prstGeom>
+        </p:spPr>
+      </p:pic>
+      <p:pic>
+        <p:nvPicPr>
+          <p:cNvPr id="14" name="图片 13">
+            <a:extLst>
+              <a:ext uri="{FF2B5EF4-FFF2-40B4-BE49-F238E27FC236}">
+                <a16:creationId xmlns:a16="http://schemas.microsoft.com/office/drawing/2014/main" id="{78FD04A5-FB5C-074D-999A-1B2AE1553986}"/>
+              </a:ext>
+            </a:extLst>
+          </p:cNvPr>
+          <p:cNvPicPr>
+            <a:picLocks noChangeAspect="1"/>
+          </p:cNvPicPr>
+          <p:nvPr/>
+        </p:nvPicPr>
+        <p:blipFill>
+          <a:blip r:embed="rId6"/>
+          <a:stretch>
+            <a:fillRect/>
+          </a:stretch>
+        </p:blipFill>
+        <p:spPr>
+          <a:xfrm>
+            <a:off x="287017" y="2937486"/>
+            <a:ext cx="3644900" cy="444500"/>
+          </a:xfrm>
+          <a:prstGeom prst="rect">
+            <a:avLst/>
+          </a:prstGeom>
+        </p:spPr>
+      </p:pic>
+      <p:pic>
+        <p:nvPicPr>
+          <p:cNvPr id="16" name="图片 15">
+            <a:extLst>
+              <a:ext uri="{FF2B5EF4-FFF2-40B4-BE49-F238E27FC236}">
+                <a16:creationId xmlns:a16="http://schemas.microsoft.com/office/drawing/2014/main" id="{17983ABC-2EFF-C640-9509-25EA677406D5}"/>
+              </a:ext>
+            </a:extLst>
+          </p:cNvPr>
+          <p:cNvPicPr>
+            <a:picLocks noChangeAspect="1"/>
+          </p:cNvPicPr>
+          <p:nvPr/>
+        </p:nvPicPr>
+        <p:blipFill>
+          <a:blip r:embed="rId7"/>
+          <a:stretch>
+            <a:fillRect/>
+          </a:stretch>
+        </p:blipFill>
+        <p:spPr>
+          <a:xfrm>
+            <a:off x="287017" y="1699371"/>
+            <a:ext cx="4826000" cy="1181100"/>
+          </a:xfrm>
+          <a:prstGeom prst="rect">
+            <a:avLst/>
+          </a:prstGeom>
+        </p:spPr>
+      </p:pic>
+      <p:pic>
+        <p:nvPicPr>
+          <p:cNvPr id="17" name="图片 16">
+            <a:extLst>
+              <a:ext uri="{FF2B5EF4-FFF2-40B4-BE49-F238E27FC236}">
+                <a16:creationId xmlns:a16="http://schemas.microsoft.com/office/drawing/2014/main" id="{2E152CBC-946B-9E4B-B508-D36B49A067BF}"/>
+              </a:ext>
+            </a:extLst>
+          </p:cNvPr>
+          <p:cNvPicPr>
+            <a:picLocks noChangeAspect="1"/>
+          </p:cNvPicPr>
+          <p:nvPr/>
+        </p:nvPicPr>
+        <p:blipFill>
+          <a:blip r:embed="rId8"/>
+          <a:stretch>
+            <a:fillRect/>
+          </a:stretch>
+        </p:blipFill>
+        <p:spPr>
+          <a:xfrm>
+            <a:off x="287017" y="3440349"/>
+            <a:ext cx="2320890" cy="877850"/>
+          </a:xfrm>
+          <a:prstGeom prst="rect">
+            <a:avLst/>
+          </a:prstGeom>
+        </p:spPr>
+      </p:pic>
+      <p:pic>
+        <p:nvPicPr>
+          <p:cNvPr id="18" name="图片 17">
+            <a:extLst>
+              <a:ext uri="{FF2B5EF4-FFF2-40B4-BE49-F238E27FC236}">
+                <a16:creationId xmlns:a16="http://schemas.microsoft.com/office/drawing/2014/main" id="{5D68681A-B81C-B54E-A3B1-60C44E92BE02}"/>
+              </a:ext>
+            </a:extLst>
+          </p:cNvPr>
+          <p:cNvPicPr>
+            <a:picLocks noChangeAspect="1"/>
+          </p:cNvPicPr>
+          <p:nvPr/>
+        </p:nvPicPr>
+        <p:blipFill>
+          <a:blip r:embed="rId9"/>
+          <a:stretch>
+            <a:fillRect/>
+          </a:stretch>
+        </p:blipFill>
+        <p:spPr>
+          <a:xfrm>
+            <a:off x="3292189" y="3664985"/>
+            <a:ext cx="2946400" cy="342900"/>
+          </a:xfrm>
+          <a:prstGeom prst="rect">
+            <a:avLst/>
+          </a:prstGeom>
+        </p:spPr>
+      </p:pic>
+      <p:pic>
+        <p:nvPicPr>
+          <p:cNvPr id="19" name="图片 18">
+            <a:extLst>
+              <a:ext uri="{FF2B5EF4-FFF2-40B4-BE49-F238E27FC236}">
+                <a16:creationId xmlns:a16="http://schemas.microsoft.com/office/drawing/2014/main" id="{15716035-F974-5844-B877-37F7EC5AFA51}"/>
+              </a:ext>
+            </a:extLst>
+          </p:cNvPr>
+          <p:cNvPicPr>
+            <a:picLocks noChangeAspect="1"/>
+          </p:cNvPicPr>
+          <p:nvPr/>
+        </p:nvPicPr>
+        <p:blipFill>
+          <a:blip r:embed="rId10"/>
+          <a:stretch>
+            <a:fillRect/>
+          </a:stretch>
+        </p:blipFill>
+        <p:spPr>
+          <a:xfrm>
+            <a:off x="122583" y="465271"/>
+            <a:ext cx="3467100" cy="241300"/>
+          </a:xfrm>
+          <a:prstGeom prst="rect">
+            <a:avLst/>
+          </a:prstGeom>
+        </p:spPr>
+      </p:pic>
+      <p:pic>
+        <p:nvPicPr>
+          <p:cNvPr id="25" name="图片 24">
+            <a:extLst>
+              <a:ext uri="{FF2B5EF4-FFF2-40B4-BE49-F238E27FC236}">
+                <a16:creationId xmlns:a16="http://schemas.microsoft.com/office/drawing/2014/main" id="{500B23F6-5C20-F640-A644-BB81F23E9600}"/>
+              </a:ext>
+            </a:extLst>
+          </p:cNvPr>
+          <p:cNvPicPr>
+            <a:picLocks noChangeAspect="1"/>
+          </p:cNvPicPr>
+          <p:nvPr/>
+        </p:nvPicPr>
+        <p:blipFill>
+          <a:blip r:embed="rId11"/>
+          <a:stretch>
+            <a:fillRect/>
+          </a:stretch>
+        </p:blipFill>
+        <p:spPr>
+          <a:xfrm>
+            <a:off x="122583" y="4384584"/>
+            <a:ext cx="1778000" cy="546100"/>
+          </a:xfrm>
+          <a:prstGeom prst="rect">
+            <a:avLst/>
+          </a:prstGeom>
+        </p:spPr>
+      </p:pic>
+      <p:pic>
+        <p:nvPicPr>
+          <p:cNvPr id="26" name="图片 25">
+            <a:extLst>
+              <a:ext uri="{FF2B5EF4-FFF2-40B4-BE49-F238E27FC236}">
+                <a16:creationId xmlns:a16="http://schemas.microsoft.com/office/drawing/2014/main" id="{4FCABCF4-9A91-2B4D-B962-6B133435004A}"/>
+              </a:ext>
+            </a:extLst>
+          </p:cNvPr>
+          <p:cNvPicPr>
+            <a:picLocks noChangeAspect="1"/>
+          </p:cNvPicPr>
+          <p:nvPr/>
+        </p:nvPicPr>
+        <p:blipFill>
+          <a:blip r:embed="rId12"/>
+          <a:stretch>
+            <a:fillRect/>
+          </a:stretch>
+        </p:blipFill>
+        <p:spPr>
+          <a:xfrm>
+            <a:off x="5292080" y="1389920"/>
+            <a:ext cx="1224136" cy="284683"/>
+          </a:xfrm>
+          <a:prstGeom prst="rect">
+            <a:avLst/>
+          </a:prstGeom>
+        </p:spPr>
+      </p:pic>
+      <p:pic>
+        <p:nvPicPr>
+          <p:cNvPr id="28" name="图片 27">
+            <a:extLst>
+              <a:ext uri="{FF2B5EF4-FFF2-40B4-BE49-F238E27FC236}">
+                <a16:creationId xmlns:a16="http://schemas.microsoft.com/office/drawing/2014/main" id="{700217FC-7DBF-054C-A121-F31E7DE6AB8C}"/>
+              </a:ext>
+            </a:extLst>
+          </p:cNvPr>
+          <p:cNvPicPr>
+            <a:picLocks noChangeAspect="1"/>
+          </p:cNvPicPr>
+          <p:nvPr/>
+        </p:nvPicPr>
+        <p:blipFill>
+          <a:blip r:embed="rId13"/>
+          <a:stretch>
+            <a:fillRect/>
+          </a:stretch>
+        </p:blipFill>
+        <p:spPr>
+          <a:xfrm>
+            <a:off x="287017" y="4049390"/>
+            <a:ext cx="3111500" cy="279400"/>
+          </a:xfrm>
+          <a:prstGeom prst="rect">
+            <a:avLst/>
+          </a:prstGeom>
+        </p:spPr>
+      </p:pic>
     </p:spTree>
   </p:cSld>
   <p:clrMapOvr>
     <a:masterClrMapping/>
   </p:clrMapOvr>
+  <p:timing>
+    <p:tnLst>
+      <p:par>
+        <p:cTn id="1" dur="indefinite" restart="never" nodeType="tmRoot">
+          <p:childTnLst>
+            <p:seq concurrent="1" nextAc="seek">
+              <p:cTn id="2" dur="indefinite" nodeType="mainSeq">
+                <p:childTnLst>
+                  <p:par>
+                    <p:cTn id="3" fill="hold">
+                      <p:stCondLst>
+                        <p:cond delay="indefinite"/>
+                      </p:stCondLst>
+                      <p:childTnLst>
+                        <p:par>
+                          <p:cTn id="4" fill="hold">
+                            <p:stCondLst>
+                              <p:cond delay="0"/>
+                            </p:stCondLst>
+                            <p:childTnLst>
+                              <p:par>
+                                <p:cTn id="5" presetID="2" presetClass="entr" presetSubtype="4" fill="hold" nodeType="clickEffect">
+                                  <p:stCondLst>
+                                    <p:cond delay="0"/>
+                                  </p:stCondLst>
+                                  <p:childTnLst>
+                                    <p:set>
+                                      <p:cBhvr>
+                                        <p:cTn id="6" dur="1" fill="hold">
+                                          <p:stCondLst>
+                                            <p:cond delay="0"/>
+                                          </p:stCondLst>
+                                        </p:cTn>
+                                        <p:tgtEl>
+                                          <p:spTgt spid="5"/>
+                                        </p:tgtEl>
+                                        <p:attrNameLst>
+                                          <p:attrName>style.visibility</p:attrName>
+                                        </p:attrNameLst>
+                                      </p:cBhvr>
+                                      <p:to>
+                                        <p:strVal val="visible"/>
+                                      </p:to>
+                                    </p:set>
+                                    <p:anim calcmode="lin" valueType="num">
+                                      <p:cBhvr additive="base">
+                                        <p:cTn id="7" dur="500" fill="hold"/>
+                                        <p:tgtEl>
+                                          <p:spTgt spid="5"/>
+                                        </p:tgtEl>
+                                        <p:attrNameLst>
+                                          <p:attrName>ppt_x</p:attrName>
+                                        </p:attrNameLst>
+                                      </p:cBhvr>
+                                      <p:tavLst>
+                                        <p:tav tm="0">
+                                          <p:val>
+                                            <p:strVal val="#ppt_x"/>
+                                          </p:val>
+                                        </p:tav>
+                                        <p:tav tm="100000">
+                                          <p:val>
+                                            <p:strVal val="#ppt_x"/>
+                                          </p:val>
+                                        </p:tav>
+                                      </p:tavLst>
+                                    </p:anim>
+                                    <p:anim calcmode="lin" valueType="num">
+                                      <p:cBhvr additive="base">
+                                        <p:cTn id="8" dur="500" fill="hold"/>
+                                        <p:tgtEl>
+                                          <p:spTgt spid="5"/>
+                                        </p:tgtEl>
+                                        <p:attrNameLst>
+                                          <p:attrName>ppt_y</p:attrName>
+                                        </p:attrNameLst>
+                                      </p:cBhvr>
+                                      <p:tavLst>
+                                        <p:tav tm="0">
+                                          <p:val>
+                                            <p:strVal val="1+#ppt_h/2"/>
+                                          </p:val>
+                                        </p:tav>
+                                        <p:tav tm="100000">
+                                          <p:val>
+                                            <p:strVal val="#ppt_y"/>
+                                          </p:val>
+                                        </p:tav>
+                                      </p:tavLst>
+                                    </p:anim>
+                                  </p:childTnLst>
+                                </p:cTn>
+                              </p:par>
+                            </p:childTnLst>
+                          </p:cTn>
+                        </p:par>
+                      </p:childTnLst>
+                    </p:cTn>
+                  </p:par>
+                  <p:par>
+                    <p:cTn id="9" fill="hold">
+                      <p:stCondLst>
+                        <p:cond delay="indefinite"/>
+                      </p:stCondLst>
+                      <p:childTnLst>
+                        <p:par>
+                          <p:cTn id="10" fill="hold">
+                            <p:stCondLst>
+                              <p:cond delay="0"/>
+                            </p:stCondLst>
+                            <p:childTnLst>
+                              <p:par>
+                                <p:cTn id="11" presetID="1" presetClass="entr" presetSubtype="0" fill="hold" nodeType="clickEffect">
+                                  <p:stCondLst>
+                                    <p:cond delay="0"/>
+                                  </p:stCondLst>
+                                  <p:childTnLst>
+                                    <p:set>
+                                      <p:cBhvr>
+                                        <p:cTn id="12" dur="1" fill="hold">
+                                          <p:stCondLst>
+                                            <p:cond delay="0"/>
+                                          </p:stCondLst>
+                                        </p:cTn>
+                                        <p:tgtEl>
+                                          <p:spTgt spid="13"/>
+                                        </p:tgtEl>
+                                        <p:attrNameLst>
+                                          <p:attrName>style.visibility</p:attrName>
+                                        </p:attrNameLst>
+                                      </p:cBhvr>
+                                      <p:to>
+                                        <p:strVal val="visible"/>
+                                      </p:to>
+                                    </p:set>
+                                  </p:childTnLst>
+                                </p:cTn>
+                              </p:par>
+                              <p:par>
+                                <p:cTn id="13" presetID="1" presetClass="entr" presetSubtype="0" fill="hold" nodeType="withEffect">
+                                  <p:stCondLst>
+                                    <p:cond delay="0"/>
+                                  </p:stCondLst>
+                                  <p:childTnLst>
+                                    <p:set>
+                                      <p:cBhvr>
+                                        <p:cTn id="14" dur="1" fill="hold">
+                                          <p:stCondLst>
+                                            <p:cond delay="0"/>
+                                          </p:stCondLst>
+                                        </p:cTn>
+                                        <p:tgtEl>
+                                          <p:spTgt spid="14"/>
+                                        </p:tgtEl>
+                                        <p:attrNameLst>
+                                          <p:attrName>style.visibility</p:attrName>
+                                        </p:attrNameLst>
+                                      </p:cBhvr>
+                                      <p:to>
+                                        <p:strVal val="visible"/>
+                                      </p:to>
+                                    </p:set>
+                                  </p:childTnLst>
+                                </p:cTn>
+                              </p:par>
+                            </p:childTnLst>
+                          </p:cTn>
+                        </p:par>
+                      </p:childTnLst>
+                    </p:cTn>
+                  </p:par>
+                  <p:par>
+                    <p:cTn id="15" fill="hold">
+                      <p:stCondLst>
+                        <p:cond delay="indefinite"/>
+                      </p:stCondLst>
+                      <p:childTnLst>
+                        <p:par>
+                          <p:cTn id="16" fill="hold">
+                            <p:stCondLst>
+                              <p:cond delay="0"/>
+                            </p:stCondLst>
+                            <p:childTnLst>
+                              <p:par>
+                                <p:cTn id="17" presetID="3" presetClass="entr" presetSubtype="10" fill="hold" nodeType="clickEffect">
+                                  <p:stCondLst>
+                                    <p:cond delay="0"/>
+                                  </p:stCondLst>
+                                  <p:childTnLst>
+                                    <p:set>
+                                      <p:cBhvr>
+                                        <p:cTn id="18" dur="1" fill="hold">
+                                          <p:stCondLst>
+                                            <p:cond delay="0"/>
+                                          </p:stCondLst>
+                                        </p:cTn>
+                                        <p:tgtEl>
+                                          <p:spTgt spid="16"/>
+                                        </p:tgtEl>
+                                        <p:attrNameLst>
+                                          <p:attrName>style.visibility</p:attrName>
+                                        </p:attrNameLst>
+                                      </p:cBhvr>
+                                      <p:to>
+                                        <p:strVal val="visible"/>
+                                      </p:to>
+                                    </p:set>
+                                    <p:animEffect transition="in" filter="blinds(horizontal)">
+                                      <p:cBhvr>
+                                        <p:cTn id="19" dur="500"/>
+                                        <p:tgtEl>
+                                          <p:spTgt spid="16"/>
+                                        </p:tgtEl>
+                                      </p:cBhvr>
+                                    </p:animEffect>
+                                  </p:childTnLst>
+                                </p:cTn>
+                              </p:par>
+                            </p:childTnLst>
+                          </p:cTn>
+                        </p:par>
+                      </p:childTnLst>
+                    </p:cTn>
+                  </p:par>
+                  <p:par>
+                    <p:cTn id="20" fill="hold">
+                      <p:stCondLst>
+                        <p:cond delay="indefinite"/>
+                      </p:stCondLst>
+                      <p:childTnLst>
+                        <p:par>
+                          <p:cTn id="21" fill="hold">
+                            <p:stCondLst>
+                              <p:cond delay="0"/>
+                            </p:stCondLst>
+                            <p:childTnLst>
+                              <p:par>
+                                <p:cTn id="22" presetID="2" presetClass="entr" presetSubtype="4" fill="hold" nodeType="clickEffect">
+                                  <p:stCondLst>
+                                    <p:cond delay="0"/>
+                                  </p:stCondLst>
+                                  <p:childTnLst>
+                                    <p:set>
+                                      <p:cBhvr>
+                                        <p:cTn id="23" dur="1" fill="hold">
+                                          <p:stCondLst>
+                                            <p:cond delay="0"/>
+                                          </p:stCondLst>
+                                        </p:cTn>
+                                        <p:tgtEl>
+                                          <p:spTgt spid="11"/>
+                                        </p:tgtEl>
+                                        <p:attrNameLst>
+                                          <p:attrName>style.visibility</p:attrName>
+                                        </p:attrNameLst>
+                                      </p:cBhvr>
+                                      <p:to>
+                                        <p:strVal val="visible"/>
+                                      </p:to>
+                                    </p:set>
+                                    <p:anim calcmode="lin" valueType="num">
+                                      <p:cBhvr additive="base">
+                                        <p:cTn id="24" dur="500" fill="hold"/>
+                                        <p:tgtEl>
+                                          <p:spTgt spid="11"/>
+                                        </p:tgtEl>
+                                        <p:attrNameLst>
+                                          <p:attrName>ppt_x</p:attrName>
+                                        </p:attrNameLst>
+                                      </p:cBhvr>
+                                      <p:tavLst>
+                                        <p:tav tm="0">
+                                          <p:val>
+                                            <p:strVal val="#ppt_x"/>
+                                          </p:val>
+                                        </p:tav>
+                                        <p:tav tm="100000">
+                                          <p:val>
+                                            <p:strVal val="#ppt_x"/>
+                                          </p:val>
+                                        </p:tav>
+                                      </p:tavLst>
+                                    </p:anim>
+                                    <p:anim calcmode="lin" valueType="num">
+                                      <p:cBhvr additive="base">
+                                        <p:cTn id="25" dur="500" fill="hold"/>
+                                        <p:tgtEl>
+                                          <p:spTgt spid="11"/>
+                                        </p:tgtEl>
+                                        <p:attrNameLst>
+                                          <p:attrName>ppt_y</p:attrName>
+                                        </p:attrNameLst>
+                                      </p:cBhvr>
+                                      <p:tavLst>
+                                        <p:tav tm="0">
+                                          <p:val>
+                                            <p:strVal val="1+#ppt_h/2"/>
+                                          </p:val>
+                                        </p:tav>
+                                        <p:tav tm="100000">
+                                          <p:val>
+                                            <p:strVal val="#ppt_y"/>
+                                          </p:val>
+                                        </p:tav>
+                                      </p:tavLst>
+                                    </p:anim>
+                                  </p:childTnLst>
+                                </p:cTn>
+                              </p:par>
+                            </p:childTnLst>
+                          </p:cTn>
+                        </p:par>
+                      </p:childTnLst>
+                    </p:cTn>
+                  </p:par>
+                  <p:par>
+                    <p:cTn id="26" fill="hold">
+                      <p:stCondLst>
+                        <p:cond delay="indefinite"/>
+                      </p:stCondLst>
+                      <p:childTnLst>
+                        <p:par>
+                          <p:cTn id="27" fill="hold">
+                            <p:stCondLst>
+                              <p:cond delay="0"/>
+                            </p:stCondLst>
+                            <p:childTnLst>
+                              <p:par>
+                                <p:cTn id="28" presetID="3" presetClass="entr" presetSubtype="10" fill="hold" nodeType="clickEffect">
+                                  <p:stCondLst>
+                                    <p:cond delay="0"/>
+                                  </p:stCondLst>
+                                  <p:childTnLst>
+                                    <p:set>
+                                      <p:cBhvr>
+                                        <p:cTn id="29" dur="1" fill="hold">
+                                          <p:stCondLst>
+                                            <p:cond delay="0"/>
+                                          </p:stCondLst>
+                                        </p:cTn>
+                                        <p:tgtEl>
+                                          <p:spTgt spid="17"/>
+                                        </p:tgtEl>
+                                        <p:attrNameLst>
+                                          <p:attrName>style.visibility</p:attrName>
+                                        </p:attrNameLst>
+                                      </p:cBhvr>
+                                      <p:to>
+                                        <p:strVal val="visible"/>
+                                      </p:to>
+                                    </p:set>
+                                    <p:animEffect transition="in" filter="blinds(horizontal)">
+                                      <p:cBhvr>
+                                        <p:cTn id="30" dur="500"/>
+                                        <p:tgtEl>
+                                          <p:spTgt spid="17"/>
+                                        </p:tgtEl>
+                                      </p:cBhvr>
+                                    </p:animEffect>
+                                  </p:childTnLst>
+                                </p:cTn>
+                              </p:par>
+                            </p:childTnLst>
+                          </p:cTn>
+                        </p:par>
+                      </p:childTnLst>
+                    </p:cTn>
+                  </p:par>
+                  <p:par>
+                    <p:cTn id="31" fill="hold">
+                      <p:stCondLst>
+                        <p:cond delay="indefinite"/>
+                      </p:stCondLst>
+                      <p:childTnLst>
+                        <p:par>
+                          <p:cTn id="32" fill="hold">
+                            <p:stCondLst>
+                              <p:cond delay="0"/>
+                            </p:stCondLst>
+                            <p:childTnLst>
+                              <p:par>
+                                <p:cTn id="33" presetID="3" presetClass="entr" presetSubtype="10" fill="hold" nodeType="clickEffect">
+                                  <p:stCondLst>
+                                    <p:cond delay="0"/>
+                                  </p:stCondLst>
+                                  <p:childTnLst>
+                                    <p:set>
+                                      <p:cBhvr>
+                                        <p:cTn id="34" dur="1" fill="hold">
+                                          <p:stCondLst>
+                                            <p:cond delay="0"/>
+                                          </p:stCondLst>
+                                        </p:cTn>
+                                        <p:tgtEl>
+                                          <p:spTgt spid="19"/>
+                                        </p:tgtEl>
+                                        <p:attrNameLst>
+                                          <p:attrName>style.visibility</p:attrName>
+                                        </p:attrNameLst>
+                                      </p:cBhvr>
+                                      <p:to>
+                                        <p:strVal val="visible"/>
+                                      </p:to>
+                                    </p:set>
+                                    <p:animEffect transition="in" filter="blinds(horizontal)">
+                                      <p:cBhvr>
+                                        <p:cTn id="35" dur="500"/>
+                                        <p:tgtEl>
+                                          <p:spTgt spid="19"/>
+                                        </p:tgtEl>
+                                      </p:cBhvr>
+                                    </p:animEffect>
+                                  </p:childTnLst>
+                                </p:cTn>
+                              </p:par>
+                              <p:par>
+                                <p:cTn id="36" presetID="3" presetClass="entr" presetSubtype="10" fill="hold" nodeType="withEffect">
+                                  <p:stCondLst>
+                                    <p:cond delay="0"/>
+                                  </p:stCondLst>
+                                  <p:childTnLst>
+                                    <p:set>
+                                      <p:cBhvr>
+                                        <p:cTn id="37" dur="1" fill="hold">
+                                          <p:stCondLst>
+                                            <p:cond delay="0"/>
+                                          </p:stCondLst>
+                                        </p:cTn>
+                                        <p:tgtEl>
+                                          <p:spTgt spid="25"/>
+                                        </p:tgtEl>
+                                        <p:attrNameLst>
+                                          <p:attrName>style.visibility</p:attrName>
+                                        </p:attrNameLst>
+                                      </p:cBhvr>
+                                      <p:to>
+                                        <p:strVal val="visible"/>
+                                      </p:to>
+                                    </p:set>
+                                    <p:animEffect transition="in" filter="blinds(horizontal)">
+                                      <p:cBhvr>
+                                        <p:cTn id="38" dur="500"/>
+                                        <p:tgtEl>
+                                          <p:spTgt spid="25"/>
+                                        </p:tgtEl>
+                                      </p:cBhvr>
+                                    </p:animEffect>
+                                  </p:childTnLst>
+                                </p:cTn>
+                              </p:par>
+                            </p:childTnLst>
+                          </p:cTn>
+                        </p:par>
+                      </p:childTnLst>
+                    </p:cTn>
+                  </p:par>
+                  <p:par>
+                    <p:cTn id="39" fill="hold">
+                      <p:stCondLst>
+                        <p:cond delay="indefinite"/>
+                      </p:stCondLst>
+                      <p:childTnLst>
+                        <p:par>
+                          <p:cTn id="40" fill="hold">
+                            <p:stCondLst>
+                              <p:cond delay="0"/>
+                            </p:stCondLst>
+                            <p:childTnLst>
+                              <p:par>
+                                <p:cTn id="41" presetID="2" presetClass="entr" presetSubtype="4" fill="hold" nodeType="clickEffect">
+                                  <p:stCondLst>
+                                    <p:cond delay="0"/>
+                                  </p:stCondLst>
+                                  <p:childTnLst>
+                                    <p:set>
+                                      <p:cBhvr>
+                                        <p:cTn id="42" dur="1" fill="hold">
+                                          <p:stCondLst>
+                                            <p:cond delay="0"/>
+                                          </p:stCondLst>
+                                        </p:cTn>
+                                        <p:tgtEl>
+                                          <p:spTgt spid="26"/>
+                                        </p:tgtEl>
+                                        <p:attrNameLst>
+                                          <p:attrName>style.visibility</p:attrName>
+                                        </p:attrNameLst>
+                                      </p:cBhvr>
+                                      <p:to>
+                                        <p:strVal val="visible"/>
+                                      </p:to>
+                                    </p:set>
+                                    <p:anim calcmode="lin" valueType="num">
+                                      <p:cBhvr additive="base">
+                                        <p:cTn id="43" dur="500" fill="hold"/>
+                                        <p:tgtEl>
+                                          <p:spTgt spid="26"/>
+                                        </p:tgtEl>
+                                        <p:attrNameLst>
+                                          <p:attrName>ppt_x</p:attrName>
+                                        </p:attrNameLst>
+                                      </p:cBhvr>
+                                      <p:tavLst>
+                                        <p:tav tm="0">
+                                          <p:val>
+                                            <p:strVal val="#ppt_x"/>
+                                          </p:val>
+                                        </p:tav>
+                                        <p:tav tm="100000">
+                                          <p:val>
+                                            <p:strVal val="#ppt_x"/>
+                                          </p:val>
+                                        </p:tav>
+                                      </p:tavLst>
+                                    </p:anim>
+                                    <p:anim calcmode="lin" valueType="num">
+                                      <p:cBhvr additive="base">
+                                        <p:cTn id="44" dur="500" fill="hold"/>
+                                        <p:tgtEl>
+                                          <p:spTgt spid="26"/>
+                                        </p:tgtEl>
+                                        <p:attrNameLst>
+                                          <p:attrName>ppt_y</p:attrName>
+                                        </p:attrNameLst>
+                                      </p:cBhvr>
+                                      <p:tavLst>
+                                        <p:tav tm="0">
+                                          <p:val>
+                                            <p:strVal val="1+#ppt_h/2"/>
+                                          </p:val>
+                                        </p:tav>
+                                        <p:tav tm="100000">
+                                          <p:val>
+                                            <p:strVal val="#ppt_y"/>
+                                          </p:val>
+                                        </p:tav>
+                                      </p:tavLst>
+                                    </p:anim>
+                                  </p:childTnLst>
+                                </p:cTn>
+                              </p:par>
+                            </p:childTnLst>
+                          </p:cTn>
+                        </p:par>
+                      </p:childTnLst>
+                    </p:cTn>
+                  </p:par>
+                  <p:par>
+                    <p:cTn id="45" fill="hold">
+                      <p:stCondLst>
+                        <p:cond delay="indefinite"/>
+                      </p:stCondLst>
+                      <p:childTnLst>
+                        <p:par>
+                          <p:cTn id="46" fill="hold">
+                            <p:stCondLst>
+                              <p:cond delay="0"/>
+                            </p:stCondLst>
+                            <p:childTnLst>
+                              <p:par>
+                                <p:cTn id="47" presetID="2" presetClass="entr" presetSubtype="4" fill="hold" nodeType="clickEffect">
+                                  <p:stCondLst>
+                                    <p:cond delay="0"/>
+                                  </p:stCondLst>
+                                  <p:childTnLst>
+                                    <p:set>
+                                      <p:cBhvr>
+                                        <p:cTn id="48" dur="1" fill="hold">
+                                          <p:stCondLst>
+                                            <p:cond delay="0"/>
+                                          </p:stCondLst>
+                                        </p:cTn>
+                                        <p:tgtEl>
+                                          <p:spTgt spid="28"/>
+                                        </p:tgtEl>
+                                        <p:attrNameLst>
+                                          <p:attrName>style.visibility</p:attrName>
+                                        </p:attrNameLst>
+                                      </p:cBhvr>
+                                      <p:to>
+                                        <p:strVal val="visible"/>
+                                      </p:to>
+                                    </p:set>
+                                    <p:anim calcmode="lin" valueType="num">
+                                      <p:cBhvr additive="base">
+                                        <p:cTn id="49" dur="500" fill="hold"/>
+                                        <p:tgtEl>
+                                          <p:spTgt spid="28"/>
+                                        </p:tgtEl>
+                                        <p:attrNameLst>
+                                          <p:attrName>ppt_x</p:attrName>
+                                        </p:attrNameLst>
+                                      </p:cBhvr>
+                                      <p:tavLst>
+                                        <p:tav tm="0">
+                                          <p:val>
+                                            <p:strVal val="#ppt_x"/>
+                                          </p:val>
+                                        </p:tav>
+                                        <p:tav tm="100000">
+                                          <p:val>
+                                            <p:strVal val="#ppt_x"/>
+                                          </p:val>
+                                        </p:tav>
+                                      </p:tavLst>
+                                    </p:anim>
+                                    <p:anim calcmode="lin" valueType="num">
+                                      <p:cBhvr additive="base">
+                                        <p:cTn id="50" dur="500" fill="hold"/>
+                                        <p:tgtEl>
+                                          <p:spTgt spid="28"/>
+                                        </p:tgtEl>
+                                        <p:attrNameLst>
+                                          <p:attrName>ppt_y</p:attrName>
+                                        </p:attrNameLst>
+                                      </p:cBhvr>
+                                      <p:tavLst>
+                                        <p:tav tm="0">
+                                          <p:val>
+                                            <p:strVal val="1+#ppt_h/2"/>
+                                          </p:val>
+                                        </p:tav>
+                                        <p:tav tm="100000">
+                                          <p:val>
+                                            <p:strVal val="#ppt_y"/>
+                                          </p:val>
+                                        </p:tav>
+                                      </p:tavLst>
+                                    </p:anim>
+                                  </p:childTnLst>
+                                </p:cTn>
+                              </p:par>
+                            </p:childTnLst>
+                          </p:cTn>
+                        </p:par>
+                      </p:childTnLst>
+                    </p:cTn>
+                  </p:par>
+                </p:childTnLst>
+              </p:cTn>
+              <p:prevCondLst>
+                <p:cond evt="onPrev" delay="0">
+                  <p:tgtEl>
+                    <p:sldTgt/>
+                  </p:tgtEl>
+                </p:cond>
+              </p:prevCondLst>
+              <p:nextCondLst>
+                <p:cond evt="onNext" delay="0">
+                  <p:tgtEl>
+                    <p:sldTgt/>
+                  </p:tgtEl>
+                </p:cond>
+              </p:nextCondLst>
+            </p:seq>
+          </p:childTnLst>
+        </p:cTn>
+      </p:par>
+    </p:tnLst>
+  </p:timing>
 </p:sld>
 </file>
 
@@ -5677,6 +7205,130 @@
           <a:lstStyle/>
           <a:p>
             <a:endParaRPr lang="zh-CN" altLang="en-US" dirty="0"/>
+          </a:p>
+        </p:txBody>
+      </p:sp>
+    </p:spTree>
+    <p:extLst>
+      <p:ext uri="{BB962C8B-B14F-4D97-AF65-F5344CB8AC3E}">
+        <p14:creationId xmlns:p14="http://schemas.microsoft.com/office/powerpoint/2010/main" val="1417347087"/>
+      </p:ext>
+    </p:extLst>
+  </p:cSld>
+  <p:clrMapOvr>
+    <a:masterClrMapping/>
+  </p:clrMapOvr>
+</p:sld>
+</file>
+
+<file path=ppt/slides/slide24.xml><?xml version="1.0" encoding="utf-8"?>
+<p:sld xmlns:a="http://schemas.openxmlformats.org/drawingml/2006/main" xmlns:r="http://schemas.openxmlformats.org/officeDocument/2006/relationships" xmlns:p="http://schemas.openxmlformats.org/presentationml/2006/main">
+  <p:cSld>
+    <p:spTree>
+      <p:nvGrpSpPr>
+        <p:cNvPr id="1" name=""/>
+        <p:cNvGrpSpPr/>
+        <p:nvPr/>
+      </p:nvGrpSpPr>
+      <p:grpSpPr>
+        <a:xfrm>
+          <a:off x="0" y="0"/>
+          <a:ext cx="0" cy="0"/>
+          <a:chOff x="0" y="0"/>
+          <a:chExt cx="0" cy="0"/>
+        </a:xfrm>
+      </p:grpSpPr>
+      <p:sp>
+        <p:nvSpPr>
+          <p:cNvPr id="2" name="标题 1"/>
+          <p:cNvSpPr>
+            <a:spLocks noGrp="1"/>
+          </p:cNvSpPr>
+          <p:nvPr>
+            <p:ph type="title"/>
+          </p:nvPr>
+        </p:nvSpPr>
+        <p:spPr/>
+        <p:txBody>
+          <a:bodyPr/>
+          <a:lstStyle/>
+          <a:p>
+            <a:endParaRPr lang="zh-CN" altLang="en-US" dirty="0"/>
+          </a:p>
+        </p:txBody>
+      </p:sp>
+    </p:spTree>
+    <p:extLst>
+      <p:ext uri="{BB962C8B-B14F-4D97-AF65-F5344CB8AC3E}">
+        <p14:creationId xmlns:p14="http://schemas.microsoft.com/office/powerpoint/2010/main" val="869377071"/>
+      </p:ext>
+    </p:extLst>
+  </p:cSld>
+  <p:clrMapOvr>
+    <a:masterClrMapping/>
+  </p:clrMapOvr>
+</p:sld>
+</file>
+
+<file path=ppt/slides/slide25.xml><?xml version="1.0" encoding="utf-8"?>
+<p:sld xmlns:a="http://schemas.openxmlformats.org/drawingml/2006/main" xmlns:r="http://schemas.openxmlformats.org/officeDocument/2006/relationships" xmlns:p="http://schemas.openxmlformats.org/presentationml/2006/main">
+  <p:cSld>
+    <p:spTree>
+      <p:nvGrpSpPr>
+        <p:cNvPr id="1" name=""/>
+        <p:cNvGrpSpPr/>
+        <p:nvPr/>
+      </p:nvGrpSpPr>
+      <p:grpSpPr>
+        <a:xfrm>
+          <a:off x="0" y="0"/>
+          <a:ext cx="0" cy="0"/>
+          <a:chOff x="0" y="0"/>
+          <a:chExt cx="0" cy="0"/>
+        </a:xfrm>
+      </p:grpSpPr>
+      <p:sp>
+        <p:nvSpPr>
+          <p:cNvPr id="4" name="TextBox 3"/>
+          <p:cNvSpPr txBox="1"/>
+          <p:nvPr/>
+        </p:nvSpPr>
+        <p:spPr>
+          <a:xfrm>
+            <a:off x="0" y="2008460"/>
+            <a:ext cx="9144000" cy="923330"/>
+          </a:xfrm>
+          <a:prstGeom prst="rect">
+            <a:avLst/>
+          </a:prstGeom>
+          <a:noFill/>
+        </p:spPr>
+        <p:txBody>
+          <a:bodyPr wrap="square" rtlCol="0">
+            <a:spAutoFit/>
+          </a:bodyPr>
+          <a:lstStyle/>
+          <a:p>
+            <a:pPr algn="ctr"/>
+            <a:r>
+              <a:rPr lang="en-US" altLang="zh-CN" sz="5400" b="1" dirty="0">
+                <a:solidFill>
+                  <a:schemeClr val="bg1"/>
+                </a:solidFill>
+                <a:latin typeface="Arial" panose="020B0604020202090204"/>
+                <a:ea typeface="Microsoft YaHei"/>
+                <a:sym typeface="Arial" panose="020B0604020202090204"/>
+              </a:rPr>
+              <a:t>Thank  You </a:t>
+            </a:r>
+            <a:endParaRPr lang="zh-CN" altLang="en-US" sz="5400" b="1" spc="700" dirty="0">
+              <a:solidFill>
+                <a:schemeClr val="bg1"/>
+              </a:solidFill>
+              <a:latin typeface="Arial" panose="020B0604020202090204"/>
+              <a:ea typeface="Microsoft YaHei"/>
+              <a:sym typeface="Arial" panose="020B0604020202090204"/>
+            </a:endParaRPr>
           </a:p>
         </p:txBody>
       </p:sp>
@@ -5728,7 +7380,6 @@
               <a:rPr lang="zh-CN" altLang="en-US" dirty="0"/>
               <a:t> 标签引入</a:t>
             </a:r>
-            <a:endParaRPr lang="zh-CN" altLang="en-US" dirty="0"/>
           </a:p>
         </p:txBody>
       </p:sp>
@@ -5782,10 +7433,6 @@
               </a:rPr>
               <a:t> 标签加载</a:t>
             </a:r>
-            <a:endParaRPr kumimoji="1" lang="zh-CN" altLang="en-US" sz="2400" dirty="0">
-              <a:latin typeface="+mj-ea"/>
-              <a:ea typeface="+mj-ea"/>
-            </a:endParaRPr>
           </a:p>
         </p:txBody>
       </p:sp>
@@ -5798,7 +7445,7 @@
           <p:nvPr/>
         </p:nvPicPr>
         <p:blipFill>
-          <a:blip r:embed="rId1"/>
+          <a:blip r:embed="rId3"/>
           <a:stretch>
             <a:fillRect/>
           </a:stretch>
@@ -5861,7 +7508,6 @@
               <a:rPr lang="zh-CN" altLang="en-US" dirty="0"/>
               <a:t> 标签引入</a:t>
             </a:r>
-            <a:endParaRPr lang="zh-CN" altLang="en-US" dirty="0"/>
           </a:p>
         </p:txBody>
       </p:sp>
@@ -5874,7 +7520,7 @@
           <p:nvPr/>
         </p:nvPicPr>
         <p:blipFill>
-          <a:blip r:embed="rId1"/>
+          <a:blip r:embed="rId3"/>
           <a:stretch>
             <a:fillRect/>
           </a:stretch>
@@ -5937,7 +7583,6 @@
               <a:rPr lang="zh-CN" altLang="en-US" dirty="0"/>
               <a:t> 标签的问题</a:t>
             </a:r>
-            <a:endParaRPr lang="zh-CN" altLang="en-US" dirty="0"/>
           </a:p>
         </p:txBody>
       </p:sp>
@@ -6133,7 +7778,6 @@
               <a:rPr lang="zh-CN" altLang="en-US" dirty="0"/>
               <a:t>模块化的概念</a:t>
             </a:r>
-            <a:endParaRPr lang="zh-CN" altLang="en-US" dirty="0"/>
           </a:p>
         </p:txBody>
       </p:sp>
@@ -6220,7 +7864,6 @@
               <a:rPr kumimoji="1" lang="zh-CN" altLang="en-US" sz="2000" dirty="0"/>
               <a:t>关系</a:t>
             </a:r>
-            <a:endParaRPr kumimoji="1" lang="zh-CN" altLang="en-US" sz="2000" dirty="0"/>
           </a:p>
         </p:txBody>
       </p:sp>
@@ -6310,7 +7953,6 @@
               <a:rPr kumimoji="1" lang="zh-CN" altLang="en-US" sz="2400" dirty="0"/>
               <a:t> 模块化规范</a:t>
             </a:r>
-            <a:endParaRPr kumimoji="1" lang="zh-CN" altLang="en-US" sz="2400" dirty="0"/>
           </a:p>
         </p:txBody>
       </p:sp>
@@ -6394,7 +8036,6 @@
               <a:rPr kumimoji="1" lang="zh-CN" altLang="en-US" dirty="0"/>
               <a:t>对象来对模块进行导入和导出</a:t>
             </a:r>
-            <a:endParaRPr kumimoji="1" lang="zh-CN" altLang="en-US" dirty="0"/>
           </a:p>
         </p:txBody>
       </p:sp>
@@ -6407,7 +8048,7 @@
           <p:nvPr/>
         </p:nvPicPr>
         <p:blipFill>
-          <a:blip r:embed="rId1"/>
+          <a:blip r:embed="rId3"/>
           <a:stretch>
             <a:fillRect/>
           </a:stretch>
@@ -6479,7 +8120,7 @@
           <p:nvPr/>
         </p:nvPicPr>
         <p:blipFill>
-          <a:blip r:embed="rId1"/>
+          <a:blip r:embed="rId3"/>
           <a:stretch>
             <a:fillRect/>
           </a:stretch>
@@ -6551,7 +8192,7 @@
           <p:nvPr/>
         </p:nvPicPr>
         <p:blipFill>
-          <a:blip r:embed="rId1"/>
+          <a:blip r:embed="rId3"/>
           <a:stretch>
             <a:fillRect/>
           </a:stretch>
@@ -6592,7 +8233,6 @@
               <a:rPr kumimoji="1" lang="zh-CN" altLang="en-US" dirty="0"/>
               <a:t>执行结果</a:t>
             </a:r>
-            <a:endParaRPr kumimoji="1" lang="zh-CN" altLang="en-US" dirty="0"/>
           </a:p>
         </p:txBody>
       </p:sp>
@@ -6884,6 +8524,8 @@
       </a:bgFillStyleLst>
     </a:fmtScheme>
   </a:themeElements>
+  <a:objectDefaults/>
+  <a:extraClrSchemeLst/>
   <a:extLst>
     <a:ext uri="{05A4C25C-085E-4340-85A3-A5531E510DB2}">
       <thm15:themeFamily xmlns:thm15="http://schemas.microsoft.com/office/thememl/2012/main" name="Office Theme" id="{62F939B6-93AF-4DB8-9C6B-D6C7DFDC589F}" vid="{4A3C46E8-61CC-4603-A589-7422A47A8E4A}"/>
@@ -7172,6 +8814,8 @@
       </a:bgFillStyleLst>
     </a:fmtScheme>
   </a:themeElements>
+  <a:objectDefaults/>
+  <a:extraClrSchemeLst/>
   <a:extLst>
     <a:ext uri="{05A4C25C-085E-4340-85A3-A5531E510DB2}">
       <thm15:themeFamily xmlns:thm15="http://schemas.microsoft.com/office/thememl/2012/main" name="Office Theme" id="{62F939B6-93AF-4DB8-9C6B-D6C7DFDC589F}" vid="{4A3C46E8-61CC-4603-A589-7422A47A8E4A}"/>

--- a/封装库&笔记/前端模块化分享/前端模块化.pptx
+++ b/封装库&笔记/前端模块化分享/前端模块化.pptx
@@ -5,34 +5,34 @@
     <p:sldMasterId id="2147483648" r:id="rId1"/>
   </p:sldMasterIdLst>
   <p:notesMasterIdLst>
-    <p:notesMasterId r:id="rId27"/>
+    <p:notesMasterId r:id="rId5"/>
   </p:notesMasterIdLst>
   <p:sldIdLst>
-    <p:sldId id="364" r:id="rId2"/>
-    <p:sldId id="423" r:id="rId3"/>
-    <p:sldId id="424" r:id="rId4"/>
-    <p:sldId id="425" r:id="rId5"/>
-    <p:sldId id="426" r:id="rId6"/>
-    <p:sldId id="427" r:id="rId7"/>
-    <p:sldId id="428" r:id="rId8"/>
-    <p:sldId id="430" r:id="rId9"/>
-    <p:sldId id="431" r:id="rId10"/>
-    <p:sldId id="432" r:id="rId11"/>
-    <p:sldId id="429" r:id="rId12"/>
-    <p:sldId id="436" r:id="rId13"/>
-    <p:sldId id="437" r:id="rId14"/>
-    <p:sldId id="433" r:id="rId15"/>
-    <p:sldId id="438" r:id="rId16"/>
-    <p:sldId id="434" r:id="rId17"/>
-    <p:sldId id="444" r:id="rId18"/>
-    <p:sldId id="443" r:id="rId19"/>
-    <p:sldId id="435" r:id="rId20"/>
-    <p:sldId id="442" r:id="rId21"/>
-    <p:sldId id="439" r:id="rId22"/>
-    <p:sldId id="440" r:id="rId23"/>
-    <p:sldId id="445" r:id="rId24"/>
-    <p:sldId id="446" r:id="rId25"/>
-    <p:sldId id="368" r:id="rId26"/>
+    <p:sldId id="364" r:id="rId3"/>
+    <p:sldId id="423" r:id="rId4"/>
+    <p:sldId id="424" r:id="rId6"/>
+    <p:sldId id="425" r:id="rId7"/>
+    <p:sldId id="426" r:id="rId8"/>
+    <p:sldId id="427" r:id="rId9"/>
+    <p:sldId id="428" r:id="rId10"/>
+    <p:sldId id="430" r:id="rId11"/>
+    <p:sldId id="431" r:id="rId12"/>
+    <p:sldId id="432" r:id="rId13"/>
+    <p:sldId id="429" r:id="rId14"/>
+    <p:sldId id="436" r:id="rId15"/>
+    <p:sldId id="437" r:id="rId16"/>
+    <p:sldId id="433" r:id="rId17"/>
+    <p:sldId id="438" r:id="rId18"/>
+    <p:sldId id="434" r:id="rId19"/>
+    <p:sldId id="444" r:id="rId20"/>
+    <p:sldId id="443" r:id="rId21"/>
+    <p:sldId id="435" r:id="rId22"/>
+    <p:sldId id="442" r:id="rId23"/>
+    <p:sldId id="439" r:id="rId24"/>
+    <p:sldId id="445" r:id="rId25"/>
+    <p:sldId id="440" r:id="rId26"/>
+    <p:sldId id="368" r:id="rId27"/>
+    <p:sldId id="446" r:id="rId28"/>
   </p:sldIdLst>
   <p:sldSz cx="9144000" cy="5143500" type="screen16x9"/>
   <p:notesSz cx="6858000" cy="9144000"/>
@@ -131,22 +131,6 @@
       </a:defRPr>
     </a:lvl9pPr>
   </p:defaultTextStyle>
-  <p:extLst>
-    <p:ext uri="{EFAFB233-063F-42B5-8137-9DF3F51BA10A}">
-      <p15:sldGuideLst xmlns:p15="http://schemas.microsoft.com/office/powerpoint/2012/main">
-        <p15:guide id="1" orient="horz" pos="1620">
-          <p15:clr>
-            <a:srgbClr val="A4A3A4"/>
-          </p15:clr>
-        </p15:guide>
-        <p15:guide id="2" pos="2880">
-          <p15:clr>
-            <a:srgbClr val="A4A3A4"/>
-          </p15:clr>
-        </p15:guide>
-      </p15:sldGuideLst>
-    </p:ext>
-  </p:extLst>
 </p:presentation>
 </file>
 
@@ -232,7 +216,6 @@
           <a:p>
             <a:fld id="{4587AB4D-9FE0-43C3-AA19-D3ACFE2BF9B0}" type="datetimeFigureOut">
               <a:rPr lang="zh-CN" altLang="en-US" smtClean="0"/>
-              <a:t>2020/8/19</a:t>
             </a:fld>
             <a:endParaRPr lang="zh-CN" altLang="en-US"/>
           </a:p>
@@ -299,6 +282,7 @@
               <a:rPr lang="zh-CN" altLang="en-US"/>
               <a:t>单击此处编辑母版文本样式</a:t>
             </a:r>
+            <a:endParaRPr lang="zh-CN" altLang="en-US"/>
           </a:p>
           <a:p>
             <a:pPr lvl="1"/>
@@ -306,6 +290,7 @@
               <a:rPr lang="zh-CN" altLang="en-US"/>
               <a:t>第二级</a:t>
             </a:r>
+            <a:endParaRPr lang="zh-CN" altLang="en-US"/>
           </a:p>
           <a:p>
             <a:pPr lvl="2"/>
@@ -313,6 +298,7 @@
               <a:rPr lang="zh-CN" altLang="en-US"/>
               <a:t>第三级</a:t>
             </a:r>
+            <a:endParaRPr lang="zh-CN" altLang="en-US"/>
           </a:p>
           <a:p>
             <a:pPr lvl="3"/>
@@ -320,6 +306,7 @@
               <a:rPr lang="zh-CN" altLang="en-US"/>
               <a:t>第四级</a:t>
             </a:r>
+            <a:endParaRPr lang="zh-CN" altLang="en-US"/>
           </a:p>
           <a:p>
             <a:pPr lvl="4"/>
@@ -327,6 +314,7 @@
               <a:rPr lang="zh-CN" altLang="en-US"/>
               <a:t>第五级</a:t>
             </a:r>
+            <a:endParaRPr lang="zh-CN" altLang="en-US"/>
           </a:p>
         </p:txBody>
       </p:sp>
@@ -390,7 +378,6 @@
           <a:p>
             <a:fld id="{63A25BFF-71DC-4924-B8E0-9D8932DD8731}" type="slidenum">
               <a:rPr lang="zh-CN" altLang="en-US" smtClean="0"/>
-              <a:t>‹#›</a:t>
             </a:fld>
             <a:endParaRPr lang="zh-CN" altLang="en-US"/>
           </a:p>
@@ -559,7 +546,6 @@
           <a:p>
             <a:fld id="{63A25BFF-71DC-4924-B8E0-9D8932DD8731}" type="slidenum">
               <a:rPr lang="zh-CN" altLang="en-US" smtClean="0"/>
-              <a:t>2</a:t>
             </a:fld>
             <a:endParaRPr lang="zh-CN" altLang="en-US"/>
           </a:p>
@@ -638,7 +624,6 @@
           <a:p>
             <a:fld id="{63A25BFF-71DC-4924-B8E0-9D8932DD8731}" type="slidenum">
               <a:rPr lang="zh-CN" altLang="en-US" smtClean="0"/>
-              <a:t>11</a:t>
             </a:fld>
             <a:endParaRPr lang="zh-CN" altLang="en-US"/>
           </a:p>
@@ -717,7 +702,6 @@
           <a:p>
             <a:fld id="{63A25BFF-71DC-4924-B8E0-9D8932DD8731}" type="slidenum">
               <a:rPr lang="zh-CN" altLang="en-US" smtClean="0"/>
-              <a:t>12</a:t>
             </a:fld>
             <a:endParaRPr lang="zh-CN" altLang="en-US"/>
           </a:p>
@@ -796,7 +780,6 @@
           <a:p>
             <a:fld id="{63A25BFF-71DC-4924-B8E0-9D8932DD8731}" type="slidenum">
               <a:rPr lang="zh-CN" altLang="en-US" smtClean="0"/>
-              <a:t>13</a:t>
             </a:fld>
             <a:endParaRPr lang="zh-CN" altLang="en-US"/>
           </a:p>
@@ -875,7 +858,6 @@
           <a:p>
             <a:fld id="{63A25BFF-71DC-4924-B8E0-9D8932DD8731}" type="slidenum">
               <a:rPr lang="zh-CN" altLang="en-US" smtClean="0"/>
-              <a:t>14</a:t>
             </a:fld>
             <a:endParaRPr lang="zh-CN" altLang="en-US"/>
           </a:p>
@@ -954,7 +936,6 @@
           <a:p>
             <a:fld id="{63A25BFF-71DC-4924-B8E0-9D8932DD8731}" type="slidenum">
               <a:rPr lang="zh-CN" altLang="en-US" smtClean="0"/>
-              <a:t>15</a:t>
             </a:fld>
             <a:endParaRPr lang="zh-CN" altLang="en-US"/>
           </a:p>
@@ -1033,7 +1014,6 @@
           <a:p>
             <a:fld id="{63A25BFF-71DC-4924-B8E0-9D8932DD8731}" type="slidenum">
               <a:rPr lang="zh-CN" altLang="en-US" smtClean="0"/>
-              <a:t>16</a:t>
             </a:fld>
             <a:endParaRPr lang="zh-CN" altLang="en-US"/>
           </a:p>
@@ -1112,18 +1092,12 @@
           <a:p>
             <a:fld id="{63A25BFF-71DC-4924-B8E0-9D8932DD8731}" type="slidenum">
               <a:rPr lang="zh-CN" altLang="en-US" smtClean="0"/>
-              <a:t>17</a:t>
             </a:fld>
             <a:endParaRPr lang="zh-CN" altLang="en-US"/>
           </a:p>
         </p:txBody>
       </p:sp>
     </p:spTree>
-    <p:extLst>
-      <p:ext uri="{BB962C8B-B14F-4D97-AF65-F5344CB8AC3E}">
-        <p14:creationId xmlns:p14="http://schemas.microsoft.com/office/powerpoint/2010/main" val="1216119010"/>
-      </p:ext>
-    </p:extLst>
   </p:cSld>
   <p:clrMapOvr>
     <a:masterClrMapping/>
@@ -1196,7 +1170,6 @@
           <a:p>
             <a:fld id="{63A25BFF-71DC-4924-B8E0-9D8932DD8731}" type="slidenum">
               <a:rPr lang="zh-CN" altLang="en-US" smtClean="0"/>
-              <a:t>18</a:t>
             </a:fld>
             <a:endParaRPr lang="zh-CN" altLang="en-US"/>
           </a:p>
@@ -1275,7 +1248,6 @@
           <a:p>
             <a:fld id="{63A25BFF-71DC-4924-B8E0-9D8932DD8731}" type="slidenum">
               <a:rPr lang="zh-CN" altLang="en-US" smtClean="0"/>
-              <a:t>19</a:t>
             </a:fld>
             <a:endParaRPr lang="zh-CN" altLang="en-US"/>
           </a:p>
@@ -1354,7 +1326,6 @@
           <a:p>
             <a:fld id="{63A25BFF-71DC-4924-B8E0-9D8932DD8731}" type="slidenum">
               <a:rPr lang="zh-CN" altLang="en-US" smtClean="0"/>
-              <a:t>20</a:t>
             </a:fld>
             <a:endParaRPr lang="zh-CN" altLang="en-US"/>
           </a:p>
@@ -1433,7 +1404,6 @@
           <a:p>
             <a:fld id="{63A25BFF-71DC-4924-B8E0-9D8932DD8731}" type="slidenum">
               <a:rPr lang="zh-CN" altLang="en-US" smtClean="0"/>
-              <a:t>3</a:t>
             </a:fld>
             <a:endParaRPr lang="zh-CN" altLang="en-US"/>
           </a:p>
@@ -1512,7 +1482,6 @@
           <a:p>
             <a:fld id="{63A25BFF-71DC-4924-B8E0-9D8932DD8731}" type="slidenum">
               <a:rPr lang="zh-CN" altLang="en-US" smtClean="0"/>
-              <a:t>21</a:t>
             </a:fld>
             <a:endParaRPr lang="zh-CN" altLang="en-US"/>
           </a:p>
@@ -1591,7 +1560,6 @@
           <a:p>
             <a:fld id="{63A25BFF-71DC-4924-B8E0-9D8932DD8731}" type="slidenum">
               <a:rPr lang="zh-CN" altLang="en-US" smtClean="0"/>
-              <a:t>22</a:t>
             </a:fld>
             <a:endParaRPr lang="zh-CN" altLang="en-US"/>
           </a:p>
@@ -1670,18 +1638,12 @@
           <a:p>
             <a:fld id="{63A25BFF-71DC-4924-B8E0-9D8932DD8731}" type="slidenum">
               <a:rPr lang="zh-CN" altLang="en-US" smtClean="0"/>
-              <a:t>23</a:t>
             </a:fld>
             <a:endParaRPr lang="zh-CN" altLang="en-US"/>
           </a:p>
         </p:txBody>
       </p:sp>
     </p:spTree>
-    <p:extLst>
-      <p:ext uri="{BB962C8B-B14F-4D97-AF65-F5344CB8AC3E}">
-        <p14:creationId xmlns:p14="http://schemas.microsoft.com/office/powerpoint/2010/main" val="187070475"/>
-      </p:ext>
-    </p:extLst>
   </p:cSld>
   <p:clrMapOvr>
     <a:masterClrMapping/>
@@ -1754,18 +1716,12 @@
           <a:p>
             <a:fld id="{63A25BFF-71DC-4924-B8E0-9D8932DD8731}" type="slidenum">
               <a:rPr lang="zh-CN" altLang="en-US" smtClean="0"/>
-              <a:t>24</a:t>
             </a:fld>
             <a:endParaRPr lang="zh-CN" altLang="en-US"/>
           </a:p>
         </p:txBody>
       </p:sp>
     </p:spTree>
-    <p:extLst>
-      <p:ext uri="{BB962C8B-B14F-4D97-AF65-F5344CB8AC3E}">
-        <p14:creationId xmlns:p14="http://schemas.microsoft.com/office/powerpoint/2010/main" val="2830455208"/>
-      </p:ext>
-    </p:extLst>
   </p:cSld>
   <p:clrMapOvr>
     <a:masterClrMapping/>
@@ -1838,7 +1794,6 @@
           <a:p>
             <a:fld id="{63A25BFF-71DC-4924-B8E0-9D8932DD8731}" type="slidenum">
               <a:rPr lang="zh-CN" altLang="en-US" smtClean="0"/>
-              <a:t>4</a:t>
             </a:fld>
             <a:endParaRPr lang="zh-CN" altLang="en-US"/>
           </a:p>
@@ -1917,7 +1872,6 @@
           <a:p>
             <a:fld id="{63A25BFF-71DC-4924-B8E0-9D8932DD8731}" type="slidenum">
               <a:rPr lang="zh-CN" altLang="en-US" smtClean="0"/>
-              <a:t>5</a:t>
             </a:fld>
             <a:endParaRPr lang="zh-CN" altLang="en-US"/>
           </a:p>
@@ -1996,7 +1950,6 @@
           <a:p>
             <a:fld id="{63A25BFF-71DC-4924-B8E0-9D8932DD8731}" type="slidenum">
               <a:rPr lang="zh-CN" altLang="en-US" smtClean="0"/>
-              <a:t>6</a:t>
             </a:fld>
             <a:endParaRPr lang="zh-CN" altLang="en-US"/>
           </a:p>
@@ -2075,7 +2028,6 @@
           <a:p>
             <a:fld id="{63A25BFF-71DC-4924-B8E0-9D8932DD8731}" type="slidenum">
               <a:rPr lang="zh-CN" altLang="en-US" smtClean="0"/>
-              <a:t>7</a:t>
             </a:fld>
             <a:endParaRPr lang="zh-CN" altLang="en-US"/>
           </a:p>
@@ -2154,7 +2106,6 @@
           <a:p>
             <a:fld id="{63A25BFF-71DC-4924-B8E0-9D8932DD8731}" type="slidenum">
               <a:rPr lang="zh-CN" altLang="en-US" smtClean="0"/>
-              <a:t>8</a:t>
             </a:fld>
             <a:endParaRPr lang="zh-CN" altLang="en-US"/>
           </a:p>
@@ -2233,7 +2184,6 @@
           <a:p>
             <a:fld id="{63A25BFF-71DC-4924-B8E0-9D8932DD8731}" type="slidenum">
               <a:rPr lang="zh-CN" altLang="en-US" smtClean="0"/>
-              <a:t>9</a:t>
             </a:fld>
             <a:endParaRPr lang="zh-CN" altLang="en-US"/>
           </a:p>
@@ -2312,7 +2262,6 @@
           <a:p>
             <a:fld id="{63A25BFF-71DC-4924-B8E0-9D8932DD8731}" type="slidenum">
               <a:rPr lang="zh-CN" altLang="en-US" smtClean="0"/>
-              <a:t>10</a:t>
             </a:fld>
             <a:endParaRPr lang="zh-CN" altLang="en-US"/>
           </a:p>
@@ -2327,7 +2276,7 @@
 </file>
 
 <file path=ppt/slideLayouts/slideLayout1.xml><?xml version="1.0" encoding="utf-8"?>
-<p:sldLayout xmlns:a="http://schemas.openxmlformats.org/drawingml/2006/main" xmlns:r="http://schemas.openxmlformats.org/officeDocument/2006/relationships" xmlns:p="http://schemas.openxmlformats.org/presentationml/2006/main" showMasterSp="0" preserve="1" userDrawn="1">
+<p:sldLayout xmlns:a="http://schemas.openxmlformats.org/drawingml/2006/main" xmlns:r="http://schemas.openxmlformats.org/officeDocument/2006/relationships" xmlns:p="http://schemas.openxmlformats.org/presentationml/2006/main" preserve="1" showMasterSp="0" userDrawn="1">
   <p:cSld name="自定义版式">
     <p:spTree>
       <p:nvGrpSpPr>
@@ -2583,6 +2532,7 @@
               <a:rPr lang="zh-CN" altLang="en-US" dirty="0"/>
               <a:t>单击此处编辑母版文本样式</a:t>
             </a:r>
+            <a:endParaRPr lang="zh-CN" altLang="en-US" dirty="0"/>
           </a:p>
           <a:p>
             <a:pPr lvl="1"/>
@@ -2590,6 +2540,7 @@
               <a:rPr lang="zh-CN" altLang="en-US" dirty="0"/>
               <a:t>二级</a:t>
             </a:r>
+            <a:endParaRPr lang="zh-CN" altLang="en-US" dirty="0"/>
           </a:p>
           <a:p>
             <a:pPr lvl="2"/>
@@ -2597,6 +2548,7 @@
               <a:rPr lang="zh-CN" altLang="en-US" dirty="0"/>
               <a:t>三级</a:t>
             </a:r>
+            <a:endParaRPr lang="zh-CN" altLang="en-US" dirty="0"/>
           </a:p>
           <a:p>
             <a:pPr lvl="3"/>
@@ -2604,6 +2556,7 @@
               <a:rPr lang="zh-CN" altLang="en-US" dirty="0"/>
               <a:t>四级</a:t>
             </a:r>
+            <a:endParaRPr lang="zh-CN" altLang="en-US" dirty="0"/>
           </a:p>
           <a:p>
             <a:pPr lvl="4"/>
@@ -2786,7 +2739,7 @@
           <p:nvPr/>
         </p:nvPicPr>
         <p:blipFill rotWithShape="1">
-          <a:blip r:embed="rId9" cstate="screen"/>
+          <a:blip r:embed="rId8" cstate="screen"/>
           <a:srcRect/>
           <a:stretch>
             <a:fillRect/>
@@ -2844,7 +2797,6 @@
                   </a:prstClr>
                 </a:solidFill>
               </a:rPr>
-              <a:t>2020/8/19</a:t>
             </a:fld>
             <a:endParaRPr lang="zh-CN" altLang="en-US">
               <a:solidFill>
@@ -2940,7 +2892,6 @@
                   </a:prstClr>
                 </a:solidFill>
               </a:rPr>
-              <a:t>‹#›</a:t>
             </a:fld>
             <a:endParaRPr lang="zh-CN" altLang="en-US">
               <a:solidFill>
@@ -3268,6 +3219,14 @@
               </a:rPr>
               <a:t>前端模块化</a:t>
             </a:r>
+            <a:endParaRPr lang="zh-CN" altLang="en-US" sz="2800" b="1" spc="700" dirty="0">
+              <a:solidFill>
+                <a:schemeClr val="bg1"/>
+              </a:solidFill>
+              <a:latin typeface="华文中宋" pitchFamily="2" charset="-122"/>
+              <a:ea typeface="华文中宋" pitchFamily="2" charset="-122"/>
+              <a:sym typeface="Arial" panose="020B0604020202090204"/>
+            </a:endParaRPr>
           </a:p>
         </p:txBody>
       </p:sp>
@@ -3494,6 +3453,7 @@
               <a:rPr lang="zh-CN" altLang="en-US" dirty="0"/>
               <a:t>的特点</a:t>
             </a:r>
+            <a:endParaRPr lang="zh-CN" altLang="en-US" dirty="0"/>
           </a:p>
         </p:txBody>
       </p:sp>
@@ -3549,6 +3509,7 @@
               <a:rPr kumimoji="1" lang="zh-CN" altLang="en-US" sz="2400" dirty="0"/>
               <a:t>同步加载模块</a:t>
             </a:r>
+            <a:endParaRPr kumimoji="1" lang="zh-CN" altLang="en-US" sz="2400" dirty="0"/>
           </a:p>
           <a:p>
             <a:pPr marL="342900" indent="-342900">
@@ -3562,6 +3523,7 @@
               <a:rPr kumimoji="1" lang="zh-CN" altLang="en-US" sz="2400" dirty="0"/>
               <a:t>单例</a:t>
             </a:r>
+            <a:endParaRPr kumimoji="1" lang="zh-CN" altLang="en-US" sz="2400" dirty="0"/>
           </a:p>
         </p:txBody>
       </p:sp>
@@ -3659,6 +3621,7 @@
               <a:rPr kumimoji="1" lang="zh-CN" altLang="en-US" dirty="0"/>
               <a:t> 模块化规范</a:t>
             </a:r>
+            <a:endParaRPr kumimoji="1" lang="zh-CN" altLang="en-US" dirty="0"/>
           </a:p>
         </p:txBody>
       </p:sp>
@@ -3708,6 +3671,11 @@
               </a:rPr>
               <a:t>异步的模块定义</a:t>
             </a:r>
+            <a:endParaRPr lang="zh-CN" altLang="en-US" dirty="0">
+              <a:solidFill>
+                <a:srgbClr val="FF0000"/>
+              </a:solidFill>
+            </a:endParaRPr>
           </a:p>
           <a:p>
             <a:endParaRPr kumimoji="1" lang="zh-CN" altLang="en-US" dirty="0"/>
@@ -3771,7 +3739,7 @@
           <p:nvPr/>
         </p:nvPicPr>
         <p:blipFill>
-          <a:blip r:embed="rId3"/>
+          <a:blip r:embed="rId1"/>
           <a:stretch>
             <a:fillRect/>
           </a:stretch>
@@ -3843,7 +3811,7 @@
           <p:nvPr/>
         </p:nvPicPr>
         <p:blipFill>
-          <a:blip r:embed="rId3"/>
+          <a:blip r:embed="rId1"/>
           <a:stretch>
             <a:fillRect/>
           </a:stretch>
@@ -3867,7 +3835,7 @@
           <p:nvPr/>
         </p:nvPicPr>
         <p:blipFill>
-          <a:blip r:embed="rId4"/>
+          <a:blip r:embed="rId2"/>
           <a:stretch>
             <a:fillRect/>
           </a:stretch>
@@ -3891,7 +3859,7 @@
           <p:nvPr/>
         </p:nvPicPr>
         <p:blipFill>
-          <a:blip r:embed="rId5"/>
+          <a:blip r:embed="rId3"/>
           <a:stretch>
             <a:fillRect/>
           </a:stretch>
@@ -3954,6 +3922,7 @@
               <a:rPr lang="zh-CN" altLang="en-US" dirty="0"/>
               <a:t> 的特点</a:t>
             </a:r>
+            <a:endParaRPr lang="zh-CN" altLang="en-US" dirty="0"/>
           </a:p>
         </p:txBody>
       </p:sp>
@@ -4023,6 +3992,7 @@
               <a:rPr kumimoji="1" lang="zh-CN" altLang="en-US" sz="2400" dirty="0"/>
               <a:t> 库</a:t>
             </a:r>
+            <a:endParaRPr kumimoji="1" lang="zh-CN" altLang="en-US" sz="2400" dirty="0"/>
           </a:p>
         </p:txBody>
       </p:sp>
@@ -4124,6 +4094,7 @@
               <a:rPr kumimoji="1" lang="zh-CN" altLang="en-US" dirty="0"/>
               <a:t> 模块</a:t>
             </a:r>
+            <a:endParaRPr kumimoji="1" lang="zh-CN" altLang="en-US" dirty="0"/>
           </a:p>
         </p:txBody>
       </p:sp>
@@ -4136,7 +4107,7 @@
           <p:nvPr/>
         </p:nvPicPr>
         <p:blipFill>
-          <a:blip r:embed="rId3"/>
+          <a:blip r:embed="rId1"/>
           <a:stretch>
             <a:fillRect/>
           </a:stretch>
@@ -4245,6 +4216,7 @@
               <a:rPr kumimoji="1" lang="zh-CN" altLang="en-US" dirty="0"/>
               <a:t> 有了语言层面的模块化语法与关键字</a:t>
             </a:r>
+            <a:endParaRPr kumimoji="1" lang="zh-CN" altLang="en-US" dirty="0"/>
           </a:p>
         </p:txBody>
       </p:sp>
@@ -4290,6 +4262,7 @@
               <a:rPr kumimoji="1" lang="zh-CN" altLang="en-US" dirty="0"/>
               <a:t> 两个关键字对模块进行导入和导出</a:t>
             </a:r>
+            <a:endParaRPr kumimoji="1" lang="zh-CN" altLang="en-US" dirty="0"/>
           </a:p>
         </p:txBody>
       </p:sp>
@@ -4302,7 +4275,7 @@
           <p:nvPr/>
         </p:nvPicPr>
         <p:blipFill>
-          <a:blip r:embed="rId3"/>
+          <a:blip r:embed="rId1"/>
           <a:stretch>
             <a:fillRect/>
           </a:stretch>
@@ -4403,25 +4376,20 @@
               <a:rPr lang="zh-CN" altLang="en-US" dirty="0"/>
               <a:t>设计思想，编译时就能确定模块的依赖关系</a:t>
             </a:r>
+            <a:endParaRPr lang="zh-CN" altLang="en-US" dirty="0"/>
           </a:p>
         </p:txBody>
       </p:sp>
       <p:pic>
         <p:nvPicPr>
-          <p:cNvPr id="6" name="图片 5">
-            <a:extLst>
-              <a:ext uri="{FF2B5EF4-FFF2-40B4-BE49-F238E27FC236}">
-                <a16:creationId xmlns:a16="http://schemas.microsoft.com/office/drawing/2014/main" id="{0E2F0070-A639-6948-BE30-F81BE95FCA92}"/>
-              </a:ext>
-            </a:extLst>
-          </p:cNvPr>
+          <p:cNvPr id="6" name="图片 5"/>
           <p:cNvPicPr>
             <a:picLocks noChangeAspect="1"/>
           </p:cNvPicPr>
           <p:nvPr/>
         </p:nvPicPr>
         <p:blipFill>
-          <a:blip r:embed="rId3"/>
+          <a:blip r:embed="rId1"/>
           <a:stretch>
             <a:fillRect/>
           </a:stretch>
@@ -4437,11 +4405,6 @@
         </p:spPr>
       </p:pic>
     </p:spTree>
-    <p:extLst>
-      <p:ext uri="{BB962C8B-B14F-4D97-AF65-F5344CB8AC3E}">
-        <p14:creationId xmlns:p14="http://schemas.microsoft.com/office/powerpoint/2010/main" val="2801884554"/>
-      </p:ext>
-    </p:extLst>
   </p:cSld>
   <p:clrMapOvr>
     <a:masterClrMapping/>
@@ -4543,6 +4506,7 @@
               <a:rPr lang="zh-CN" altLang="en-US" dirty="0"/>
               <a:t> 为值引用</a:t>
             </a:r>
+            <a:endParaRPr lang="zh-CN" altLang="en-US" dirty="0"/>
           </a:p>
         </p:txBody>
       </p:sp>
@@ -4555,7 +4519,7 @@
           <p:nvPr/>
         </p:nvPicPr>
         <p:blipFill>
-          <a:blip r:embed="rId3"/>
+          <a:blip r:embed="rId1"/>
           <a:stretch>
             <a:fillRect/>
           </a:stretch>
@@ -4579,7 +4543,7 @@
           <p:nvPr/>
         </p:nvPicPr>
         <p:blipFill>
-          <a:blip r:embed="rId4"/>
+          <a:blip r:embed="rId2"/>
           <a:stretch>
             <a:fillRect/>
           </a:stretch>
@@ -4926,6 +4890,7 @@
               <a:rPr lang="zh-CN" altLang="en-US" dirty="0"/>
               <a:t>的新增导⼊导出关键词与语法的规范</a:t>
             </a:r>
+            <a:endParaRPr lang="zh-CN" altLang="en-US" dirty="0"/>
           </a:p>
         </p:txBody>
       </p:sp>
@@ -4938,7 +4903,7 @@
           <p:nvPr/>
         </p:nvPicPr>
         <p:blipFill>
-          <a:blip r:embed="rId3"/>
+          <a:blip r:embed="rId1"/>
           <a:stretch>
             <a:fillRect/>
           </a:stretch>
@@ -5087,6 +5052,10 @@
               </a:rPr>
               <a:t>AMD</a:t>
             </a:r>
+            <a:endParaRPr lang="en-US" altLang="zh-CN" sz="2800" dirty="0">
+              <a:latin typeface="微软雅黑" panose="020B0503020204020204" pitchFamily="34" charset="-122"/>
+              <a:ea typeface="微软雅黑" panose="020B0503020204020204" pitchFamily="34" charset="-122"/>
+            </a:endParaRPr>
           </a:p>
           <a:p>
             <a:pPr marL="514350" indent="-514350">
@@ -5103,6 +5072,10 @@
               </a:rPr>
               <a:t>UMD</a:t>
             </a:r>
+            <a:endParaRPr lang="en-US" altLang="zh-CN" sz="2800" dirty="0">
+              <a:latin typeface="微软雅黑" panose="020B0503020204020204" pitchFamily="34" charset="-122"/>
+              <a:ea typeface="微软雅黑" panose="020B0503020204020204" pitchFamily="34" charset="-122"/>
+            </a:endParaRPr>
           </a:p>
           <a:p>
             <a:pPr marL="514350" indent="-514350">
@@ -5133,6 +5106,10 @@
               </a:rPr>
               <a:t>Module</a:t>
             </a:r>
+            <a:endParaRPr lang="en-US" altLang="zh-CN" sz="2800" dirty="0">
+              <a:latin typeface="微软雅黑" panose="020B0503020204020204" pitchFamily="34" charset="-122"/>
+              <a:ea typeface="微软雅黑" panose="020B0503020204020204" pitchFamily="34" charset="-122"/>
+            </a:endParaRPr>
           </a:p>
           <a:p>
             <a:pPr marL="514350" indent="-514350">
@@ -5334,6 +5311,7 @@
               <a:rPr lang="zh-CN" altLang="en-US" dirty="0"/>
               <a:t>后模块化时代</a:t>
             </a:r>
+            <a:endParaRPr lang="zh-CN" altLang="en-US" dirty="0"/>
           </a:p>
         </p:txBody>
       </p:sp>
@@ -5371,25 +5349,22 @@
               </a:rPr>
               <a:t>：能够将高版本规范代码编译为低版本规范的代码，向前兼容旧版浏览器</a:t>
             </a:r>
+            <a:endParaRPr kumimoji="1" lang="zh-CN" altLang="en-US" dirty="0">
+              <a:latin typeface="+mn-ea"/>
+            </a:endParaRPr>
           </a:p>
         </p:txBody>
       </p:sp>
       <p:pic>
         <p:nvPicPr>
-          <p:cNvPr id="6" name="图片 5">
-            <a:extLst>
-              <a:ext uri="{FF2B5EF4-FFF2-40B4-BE49-F238E27FC236}">
-                <a16:creationId xmlns:a16="http://schemas.microsoft.com/office/drawing/2014/main" id="{7E365852-6730-8045-A89A-A47D636840D5}"/>
-              </a:ext>
-            </a:extLst>
-          </p:cNvPr>
+          <p:cNvPr id="6" name="图片 5"/>
           <p:cNvPicPr>
             <a:picLocks noChangeAspect="1"/>
           </p:cNvPicPr>
           <p:nvPr/>
         </p:nvPicPr>
         <p:blipFill>
-          <a:blip r:embed="rId3"/>
+          <a:blip r:embed="rId1"/>
           <a:stretch>
             <a:fillRect/>
           </a:stretch>
@@ -5406,13 +5381,7 @@
       </p:pic>
       <p:sp>
         <p:nvSpPr>
-          <p:cNvPr id="7" name="文本框 6">
-            <a:extLst>
-              <a:ext uri="{FF2B5EF4-FFF2-40B4-BE49-F238E27FC236}">
-                <a16:creationId xmlns:a16="http://schemas.microsoft.com/office/drawing/2014/main" id="{A94D75F2-E4F9-4F47-A623-043B06F257C7}"/>
-              </a:ext>
-            </a:extLst>
-          </p:cNvPr>
+          <p:cNvPr id="7" name="文本框 6"/>
           <p:cNvSpPr txBox="1"/>
           <p:nvPr/>
         </p:nvSpPr>
@@ -5444,6 +5413,9 @@
               </a:rPr>
               <a:t>：处理不同环境模块化的区别</a:t>
             </a:r>
+            <a:endParaRPr kumimoji="1" lang="zh-CN" altLang="en-US" dirty="0">
+              <a:latin typeface="+mn-ea"/>
+            </a:endParaRPr>
           </a:p>
         </p:txBody>
       </p:sp>
@@ -5756,18 +5728,13 @@
               <a:rPr lang="zh-CN" altLang="en-US" dirty="0"/>
               <a:t> 的实现</a:t>
             </a:r>
-          </a:p>
-        </p:txBody>
-      </p:sp>
-      <p:sp>
-        <p:nvSpPr>
-          <p:cNvPr id="3" name="文本框 2">
-            <a:extLst>
-              <a:ext uri="{FF2B5EF4-FFF2-40B4-BE49-F238E27FC236}">
-                <a16:creationId xmlns:a16="http://schemas.microsoft.com/office/drawing/2014/main" id="{1C28A0AB-5C94-3948-8B78-7B2B61A498EC}"/>
-              </a:ext>
-            </a:extLst>
-          </p:cNvPr>
+            <a:endParaRPr lang="zh-CN" altLang="en-US" dirty="0"/>
+          </a:p>
+        </p:txBody>
+      </p:sp>
+      <p:sp>
+        <p:nvSpPr>
+          <p:cNvPr id="3" name="文本框 2"/>
           <p:cNvSpPr txBox="1"/>
           <p:nvPr/>
         </p:nvSpPr>
@@ -5811,25 +5778,20 @@
               <a:rPr kumimoji="1" lang="zh-CN" altLang="en-US" dirty="0"/>
               <a:t> 引擎，将字符串解析为可执行代码</a:t>
             </a:r>
+            <a:endParaRPr kumimoji="1" lang="zh-CN" altLang="en-US" dirty="0"/>
           </a:p>
         </p:txBody>
       </p:sp>
       <p:pic>
         <p:nvPicPr>
-          <p:cNvPr id="4" name="图片 3">
-            <a:extLst>
-              <a:ext uri="{FF2B5EF4-FFF2-40B4-BE49-F238E27FC236}">
-                <a16:creationId xmlns:a16="http://schemas.microsoft.com/office/drawing/2014/main" id="{571C2BB9-5071-1B41-A4D8-4330BA885447}"/>
-              </a:ext>
-            </a:extLst>
-          </p:cNvPr>
+          <p:cNvPr id="4" name="图片 3"/>
           <p:cNvPicPr>
             <a:picLocks noChangeAspect="1"/>
           </p:cNvPicPr>
           <p:nvPr/>
         </p:nvPicPr>
         <p:blipFill>
-          <a:blip r:embed="rId3"/>
+          <a:blip r:embed="rId1"/>
           <a:stretch>
             <a:fillRect/>
           </a:stretch>
@@ -5846,13 +5808,7 @@
       </p:pic>
       <p:sp>
         <p:nvSpPr>
-          <p:cNvPr id="5" name="文本框 4">
-            <a:extLst>
-              <a:ext uri="{FF2B5EF4-FFF2-40B4-BE49-F238E27FC236}">
-                <a16:creationId xmlns:a16="http://schemas.microsoft.com/office/drawing/2014/main" id="{9AE0104D-49C8-574B-84C5-B571B3E515A4}"/>
-              </a:ext>
-            </a:extLst>
-          </p:cNvPr>
+          <p:cNvPr id="5" name="文本框 4"/>
           <p:cNvSpPr txBox="1"/>
           <p:nvPr/>
         </p:nvSpPr>
@@ -6164,32 +6120,156 @@
           <a:lstStyle/>
           <a:p>
             <a:r>
-              <a:rPr lang="en-US" altLang="zh-CN" dirty="0" err="1"/>
-              <a:t>CommonJS</a:t>
+              <a:rPr lang="en-US" altLang="zh-CN" dirty="0"/>
+              <a:t>CommonJS </a:t>
             </a:r>
             <a:r>
               <a:rPr lang="zh-CN" altLang="en-US" dirty="0"/>
-              <a:t> 的实现</a:t>
-            </a:r>
+              <a:t>的实现</a:t>
+            </a:r>
+            <a:endParaRPr lang="zh-CN" altLang="en-US" dirty="0"/>
+          </a:p>
+        </p:txBody>
+      </p:sp>
+      <p:sp>
+        <p:nvSpPr>
+          <p:cNvPr id="4" name="文本框 3"/>
+          <p:cNvSpPr txBox="1"/>
+          <p:nvPr/>
+        </p:nvSpPr>
+        <p:spPr>
+          <a:xfrm>
+            <a:off x="3395980" y="713105"/>
+            <a:ext cx="1097280" cy="368300"/>
+          </a:xfrm>
+          <a:prstGeom prst="rect">
+            <a:avLst/>
+          </a:prstGeom>
+          <a:noFill/>
+        </p:spPr>
+        <p:txBody>
+          <a:bodyPr wrap="none" rtlCol="0">
+            <a:spAutoFit/>
+          </a:bodyPr>
+          <a:p>
+            <a:r>
+              <a:rPr lang="zh-CN" altLang="en-US"/>
+              <a:t>基本用法</a:t>
+            </a:r>
+            <a:endParaRPr lang="zh-CN" altLang="en-US"/>
           </a:p>
         </p:txBody>
       </p:sp>
       <p:pic>
         <p:nvPicPr>
-          <p:cNvPr id="5" name="图片 4">
-            <a:extLst>
-              <a:ext uri="{FF2B5EF4-FFF2-40B4-BE49-F238E27FC236}">
-                <a16:creationId xmlns:a16="http://schemas.microsoft.com/office/drawing/2014/main" id="{0D59396E-A83E-424C-A28A-55B2E1C6B55A}"/>
-              </a:ext>
-            </a:extLst>
-          </p:cNvPr>
+          <p:cNvPr id="6" name="图片 5"/>
           <p:cNvPicPr>
             <a:picLocks noChangeAspect="1"/>
           </p:cNvPicPr>
           <p:nvPr/>
         </p:nvPicPr>
         <p:blipFill>
-          <a:blip r:embed="rId3"/>
+          <a:blip r:embed="rId1"/>
+          <a:stretch>
+            <a:fillRect/>
+          </a:stretch>
+        </p:blipFill>
+        <p:spPr>
+          <a:xfrm>
+            <a:off x="4251960" y="2178685"/>
+            <a:ext cx="4371975" cy="786765"/>
+          </a:xfrm>
+          <a:prstGeom prst="rect">
+            <a:avLst/>
+          </a:prstGeom>
+        </p:spPr>
+      </p:pic>
+      <p:pic>
+        <p:nvPicPr>
+          <p:cNvPr id="7" name="图片 6"/>
+          <p:cNvPicPr>
+            <a:picLocks noChangeAspect="1"/>
+          </p:cNvPicPr>
+          <p:nvPr/>
+        </p:nvPicPr>
+        <p:blipFill>
+          <a:blip r:embed="rId2"/>
+          <a:stretch>
+            <a:fillRect/>
+          </a:stretch>
+        </p:blipFill>
+        <p:spPr>
+          <a:xfrm>
+            <a:off x="685800" y="1228725"/>
+            <a:ext cx="3091815" cy="3820795"/>
+          </a:xfrm>
+          <a:prstGeom prst="rect">
+            <a:avLst/>
+          </a:prstGeom>
+        </p:spPr>
+      </p:pic>
+    </p:spTree>
+  </p:cSld>
+  <p:clrMapOvr>
+    <a:masterClrMapping/>
+  </p:clrMapOvr>
+</p:sld>
+</file>
+
+<file path=ppt/slides/slide23.xml><?xml version="1.0" encoding="utf-8"?>
+<p:sld xmlns:a="http://schemas.openxmlformats.org/drawingml/2006/main" xmlns:r="http://schemas.openxmlformats.org/officeDocument/2006/relationships" xmlns:p="http://schemas.openxmlformats.org/presentationml/2006/main">
+  <p:cSld>
+    <p:spTree>
+      <p:nvGrpSpPr>
+        <p:cNvPr id="1" name=""/>
+        <p:cNvGrpSpPr/>
+        <p:nvPr/>
+      </p:nvGrpSpPr>
+      <p:grpSpPr>
+        <a:xfrm>
+          <a:off x="0" y="0"/>
+          <a:ext cx="0" cy="0"/>
+          <a:chOff x="0" y="0"/>
+          <a:chExt cx="0" cy="0"/>
+        </a:xfrm>
+      </p:grpSpPr>
+      <p:sp>
+        <p:nvSpPr>
+          <p:cNvPr id="2" name="标题 1"/>
+          <p:cNvSpPr>
+            <a:spLocks noGrp="1"/>
+          </p:cNvSpPr>
+          <p:nvPr>
+            <p:ph type="title"/>
+          </p:nvPr>
+        </p:nvSpPr>
+        <p:spPr/>
+        <p:txBody>
+          <a:bodyPr/>
+          <a:lstStyle/>
+          <a:p>
+            <a:r>
+              <a:rPr lang="en-US" altLang="zh-CN" dirty="0" err="1"/>
+              <a:t>CommonJS</a:t>
+            </a:r>
+            <a:r>
+              <a:rPr lang="zh-CN" altLang="en-US" dirty="0"/>
+              <a:t> 的实现</a:t>
+            </a:r>
+            <a:endParaRPr lang="zh-CN" altLang="en-US" dirty="0"/>
+          </a:p>
+        </p:txBody>
+      </p:sp>
+      <p:pic>
+        <p:nvPicPr>
+          <p:cNvPr id="5" name="图片 4"/>
+          <p:cNvPicPr>
+            <a:picLocks noChangeAspect="1"/>
+          </p:cNvPicPr>
+          <p:nvPr/>
+        </p:nvPicPr>
+        <p:blipFill>
+          <a:blip r:embed="rId1"/>
           <a:stretch>
             <a:fillRect/>
           </a:stretch>
@@ -6206,20 +6286,14 @@
       </p:pic>
       <p:pic>
         <p:nvPicPr>
-          <p:cNvPr id="11" name="图片 10">
-            <a:extLst>
-              <a:ext uri="{FF2B5EF4-FFF2-40B4-BE49-F238E27FC236}">
-                <a16:creationId xmlns:a16="http://schemas.microsoft.com/office/drawing/2014/main" id="{475012E3-876D-384E-946F-BEC37EADCBEA}"/>
-              </a:ext>
-            </a:extLst>
-          </p:cNvPr>
+          <p:cNvPr id="11" name="图片 10"/>
           <p:cNvPicPr>
             <a:picLocks noChangeAspect="1"/>
           </p:cNvPicPr>
           <p:nvPr/>
         </p:nvPicPr>
         <p:blipFill>
-          <a:blip r:embed="rId4"/>
+          <a:blip r:embed="rId2"/>
           <a:stretch>
             <a:fillRect/>
           </a:stretch>
@@ -6236,20 +6310,14 @@
       </p:pic>
       <p:pic>
         <p:nvPicPr>
-          <p:cNvPr id="13" name="图片 12">
-            <a:extLst>
-              <a:ext uri="{FF2B5EF4-FFF2-40B4-BE49-F238E27FC236}">
-                <a16:creationId xmlns:a16="http://schemas.microsoft.com/office/drawing/2014/main" id="{620A8D3E-5A2F-154E-AC9A-2605F5AC5B78}"/>
-              </a:ext>
-            </a:extLst>
-          </p:cNvPr>
+          <p:cNvPr id="13" name="图片 12"/>
           <p:cNvPicPr>
             <a:picLocks noChangeAspect="1"/>
           </p:cNvPicPr>
           <p:nvPr/>
         </p:nvPicPr>
         <p:blipFill>
-          <a:blip r:embed="rId5"/>
+          <a:blip r:embed="rId3"/>
           <a:stretch>
             <a:fillRect/>
           </a:stretch>
@@ -6266,20 +6334,14 @@
       </p:pic>
       <p:pic>
         <p:nvPicPr>
-          <p:cNvPr id="14" name="图片 13">
-            <a:extLst>
-              <a:ext uri="{FF2B5EF4-FFF2-40B4-BE49-F238E27FC236}">
-                <a16:creationId xmlns:a16="http://schemas.microsoft.com/office/drawing/2014/main" id="{78FD04A5-FB5C-074D-999A-1B2AE1553986}"/>
-              </a:ext>
-            </a:extLst>
-          </p:cNvPr>
+          <p:cNvPr id="14" name="图片 13"/>
           <p:cNvPicPr>
             <a:picLocks noChangeAspect="1"/>
           </p:cNvPicPr>
           <p:nvPr/>
         </p:nvPicPr>
         <p:blipFill>
-          <a:blip r:embed="rId6"/>
+          <a:blip r:embed="rId4"/>
           <a:stretch>
             <a:fillRect/>
           </a:stretch>
@@ -6296,20 +6358,14 @@
       </p:pic>
       <p:pic>
         <p:nvPicPr>
-          <p:cNvPr id="16" name="图片 15">
-            <a:extLst>
-              <a:ext uri="{FF2B5EF4-FFF2-40B4-BE49-F238E27FC236}">
-                <a16:creationId xmlns:a16="http://schemas.microsoft.com/office/drawing/2014/main" id="{17983ABC-2EFF-C640-9509-25EA677406D5}"/>
-              </a:ext>
-            </a:extLst>
-          </p:cNvPr>
+          <p:cNvPr id="16" name="图片 15"/>
           <p:cNvPicPr>
             <a:picLocks noChangeAspect="1"/>
           </p:cNvPicPr>
           <p:nvPr/>
         </p:nvPicPr>
         <p:blipFill>
-          <a:blip r:embed="rId7"/>
+          <a:blip r:embed="rId5"/>
           <a:stretch>
             <a:fillRect/>
           </a:stretch>
@@ -6326,20 +6382,14 @@
       </p:pic>
       <p:pic>
         <p:nvPicPr>
-          <p:cNvPr id="17" name="图片 16">
-            <a:extLst>
-              <a:ext uri="{FF2B5EF4-FFF2-40B4-BE49-F238E27FC236}">
-                <a16:creationId xmlns:a16="http://schemas.microsoft.com/office/drawing/2014/main" id="{2E152CBC-946B-9E4B-B508-D36B49A067BF}"/>
-              </a:ext>
-            </a:extLst>
-          </p:cNvPr>
+          <p:cNvPr id="17" name="图片 16"/>
           <p:cNvPicPr>
             <a:picLocks noChangeAspect="1"/>
           </p:cNvPicPr>
           <p:nvPr/>
         </p:nvPicPr>
         <p:blipFill>
-          <a:blip r:embed="rId8"/>
+          <a:blip r:embed="rId6"/>
           <a:stretch>
             <a:fillRect/>
           </a:stretch>
@@ -6356,20 +6406,14 @@
       </p:pic>
       <p:pic>
         <p:nvPicPr>
-          <p:cNvPr id="18" name="图片 17">
-            <a:extLst>
-              <a:ext uri="{FF2B5EF4-FFF2-40B4-BE49-F238E27FC236}">
-                <a16:creationId xmlns:a16="http://schemas.microsoft.com/office/drawing/2014/main" id="{5D68681A-B81C-B54E-A3B1-60C44E92BE02}"/>
-              </a:ext>
-            </a:extLst>
-          </p:cNvPr>
+          <p:cNvPr id="18" name="图片 17"/>
           <p:cNvPicPr>
             <a:picLocks noChangeAspect="1"/>
           </p:cNvPicPr>
           <p:nvPr/>
         </p:nvPicPr>
         <p:blipFill>
-          <a:blip r:embed="rId9"/>
+          <a:blip r:embed="rId7"/>
           <a:stretch>
             <a:fillRect/>
           </a:stretch>
@@ -6386,20 +6430,14 @@
       </p:pic>
       <p:pic>
         <p:nvPicPr>
-          <p:cNvPr id="19" name="图片 18">
-            <a:extLst>
-              <a:ext uri="{FF2B5EF4-FFF2-40B4-BE49-F238E27FC236}">
-                <a16:creationId xmlns:a16="http://schemas.microsoft.com/office/drawing/2014/main" id="{15716035-F974-5844-B877-37F7EC5AFA51}"/>
-              </a:ext>
-            </a:extLst>
-          </p:cNvPr>
+          <p:cNvPr id="19" name="图片 18"/>
           <p:cNvPicPr>
             <a:picLocks noChangeAspect="1"/>
           </p:cNvPicPr>
           <p:nvPr/>
         </p:nvPicPr>
         <p:blipFill>
-          <a:blip r:embed="rId10"/>
+          <a:blip r:embed="rId8"/>
           <a:stretch>
             <a:fillRect/>
           </a:stretch>
@@ -6416,20 +6454,14 @@
       </p:pic>
       <p:pic>
         <p:nvPicPr>
-          <p:cNvPr id="25" name="图片 24">
-            <a:extLst>
-              <a:ext uri="{FF2B5EF4-FFF2-40B4-BE49-F238E27FC236}">
-                <a16:creationId xmlns:a16="http://schemas.microsoft.com/office/drawing/2014/main" id="{500B23F6-5C20-F640-A644-BB81F23E9600}"/>
-              </a:ext>
-            </a:extLst>
-          </p:cNvPr>
+          <p:cNvPr id="25" name="图片 24"/>
           <p:cNvPicPr>
             <a:picLocks noChangeAspect="1"/>
           </p:cNvPicPr>
           <p:nvPr/>
         </p:nvPicPr>
         <p:blipFill>
-          <a:blip r:embed="rId11"/>
+          <a:blip r:embed="rId9"/>
           <a:stretch>
             <a:fillRect/>
           </a:stretch>
@@ -6446,20 +6478,14 @@
       </p:pic>
       <p:pic>
         <p:nvPicPr>
-          <p:cNvPr id="26" name="图片 25">
-            <a:extLst>
-              <a:ext uri="{FF2B5EF4-FFF2-40B4-BE49-F238E27FC236}">
-                <a16:creationId xmlns:a16="http://schemas.microsoft.com/office/drawing/2014/main" id="{4FCABCF4-9A91-2B4D-B962-6B133435004A}"/>
-              </a:ext>
-            </a:extLst>
-          </p:cNvPr>
+          <p:cNvPr id="26" name="图片 25"/>
           <p:cNvPicPr>
             <a:picLocks noChangeAspect="1"/>
           </p:cNvPicPr>
           <p:nvPr/>
         </p:nvPicPr>
         <p:blipFill>
-          <a:blip r:embed="rId12"/>
+          <a:blip r:embed="rId10"/>
           <a:stretch>
             <a:fillRect/>
           </a:stretch>
@@ -6476,20 +6502,14 @@
       </p:pic>
       <p:pic>
         <p:nvPicPr>
-          <p:cNvPr id="28" name="图片 27">
-            <a:extLst>
-              <a:ext uri="{FF2B5EF4-FFF2-40B4-BE49-F238E27FC236}">
-                <a16:creationId xmlns:a16="http://schemas.microsoft.com/office/drawing/2014/main" id="{700217FC-7DBF-054C-A121-F31E7DE6AB8C}"/>
-              </a:ext>
-            </a:extLst>
-          </p:cNvPr>
+          <p:cNvPr id="28" name="图片 27"/>
           <p:cNvPicPr>
             <a:picLocks noChangeAspect="1"/>
           </p:cNvPicPr>
           <p:nvPr/>
         </p:nvPicPr>
         <p:blipFill>
-          <a:blip r:embed="rId13"/>
+          <a:blip r:embed="rId11"/>
           <a:stretch>
             <a:fillRect/>
           </a:stretch>
@@ -7172,55 +7192,6 @@
 </p:sld>
 </file>
 
-<file path=ppt/slides/slide23.xml><?xml version="1.0" encoding="utf-8"?>
-<p:sld xmlns:a="http://schemas.openxmlformats.org/drawingml/2006/main" xmlns:r="http://schemas.openxmlformats.org/officeDocument/2006/relationships" xmlns:p="http://schemas.openxmlformats.org/presentationml/2006/main">
-  <p:cSld>
-    <p:spTree>
-      <p:nvGrpSpPr>
-        <p:cNvPr id="1" name=""/>
-        <p:cNvGrpSpPr/>
-        <p:nvPr/>
-      </p:nvGrpSpPr>
-      <p:grpSpPr>
-        <a:xfrm>
-          <a:off x="0" y="0"/>
-          <a:ext cx="0" cy="0"/>
-          <a:chOff x="0" y="0"/>
-          <a:chExt cx="0" cy="0"/>
-        </a:xfrm>
-      </p:grpSpPr>
-      <p:sp>
-        <p:nvSpPr>
-          <p:cNvPr id="2" name="标题 1"/>
-          <p:cNvSpPr>
-            <a:spLocks noGrp="1"/>
-          </p:cNvSpPr>
-          <p:nvPr>
-            <p:ph type="title"/>
-          </p:nvPr>
-        </p:nvSpPr>
-        <p:spPr/>
-        <p:txBody>
-          <a:bodyPr/>
-          <a:lstStyle/>
-          <a:p>
-            <a:endParaRPr lang="zh-CN" altLang="en-US" dirty="0"/>
-          </a:p>
-        </p:txBody>
-      </p:sp>
-    </p:spTree>
-    <p:extLst>
-      <p:ext uri="{BB962C8B-B14F-4D97-AF65-F5344CB8AC3E}">
-        <p14:creationId xmlns:p14="http://schemas.microsoft.com/office/powerpoint/2010/main" val="1417347087"/>
-      </p:ext>
-    </p:extLst>
-  </p:cSld>
-  <p:clrMapOvr>
-    <a:masterClrMapping/>
-  </p:clrMapOvr>
-</p:sld>
-</file>
-
 <file path=ppt/slides/slide24.xml><?xml version="1.0" encoding="utf-8"?>
 <p:sld xmlns:a="http://schemas.openxmlformats.org/drawingml/2006/main" xmlns:r="http://schemas.openxmlformats.org/officeDocument/2006/relationships" xmlns:p="http://schemas.openxmlformats.org/presentationml/2006/main">
   <p:cSld>
@@ -7240,29 +7211,50 @@
       </p:grpSpPr>
       <p:sp>
         <p:nvSpPr>
-          <p:cNvPr id="2" name="标题 1"/>
-          <p:cNvSpPr>
-            <a:spLocks noGrp="1"/>
-          </p:cNvSpPr>
-          <p:nvPr>
-            <p:ph type="title"/>
-          </p:nvPr>
-        </p:nvSpPr>
-        <p:spPr/>
-        <p:txBody>
-          <a:bodyPr/>
-          <a:lstStyle/>
-          <a:p>
-            <a:endParaRPr lang="zh-CN" altLang="en-US" dirty="0"/>
+          <p:cNvPr id="4" name="TextBox 3"/>
+          <p:cNvSpPr txBox="1"/>
+          <p:nvPr/>
+        </p:nvSpPr>
+        <p:spPr>
+          <a:xfrm>
+            <a:off x="0" y="2008460"/>
+            <a:ext cx="9144000" cy="923330"/>
+          </a:xfrm>
+          <a:prstGeom prst="rect">
+            <a:avLst/>
+          </a:prstGeom>
+          <a:noFill/>
+        </p:spPr>
+        <p:txBody>
+          <a:bodyPr wrap="square" rtlCol="0">
+            <a:spAutoFit/>
+          </a:bodyPr>
+          <a:lstStyle/>
+          <a:p>
+            <a:pPr algn="ctr"/>
+            <a:r>
+              <a:rPr lang="en-US" altLang="zh-CN" sz="5400" b="1" dirty="0">
+                <a:solidFill>
+                  <a:schemeClr val="bg1"/>
+                </a:solidFill>
+                <a:latin typeface="Arial" panose="020B0604020202090204"/>
+                <a:ea typeface="Microsoft YaHei"/>
+                <a:sym typeface="Arial" panose="020B0604020202090204"/>
+              </a:rPr>
+              <a:t>Thank  You </a:t>
+            </a:r>
+            <a:endParaRPr lang="zh-CN" altLang="en-US" sz="5400" b="1" spc="700" dirty="0">
+              <a:solidFill>
+                <a:schemeClr val="bg1"/>
+              </a:solidFill>
+              <a:latin typeface="Arial" panose="020B0604020202090204"/>
+              <a:ea typeface="Microsoft YaHei"/>
+              <a:sym typeface="Arial" panose="020B0604020202090204"/>
+            </a:endParaRPr>
           </a:p>
         </p:txBody>
       </p:sp>
     </p:spTree>
-    <p:extLst>
-      <p:ext uri="{BB962C8B-B14F-4D97-AF65-F5344CB8AC3E}">
-        <p14:creationId xmlns:p14="http://schemas.microsoft.com/office/powerpoint/2010/main" val="869377071"/>
-      </p:ext>
-    </p:extLst>
   </p:cSld>
   <p:clrMapOvr>
     <a:masterClrMapping/>
@@ -7289,46 +7281,20 @@
       </p:grpSpPr>
       <p:sp>
         <p:nvSpPr>
-          <p:cNvPr id="4" name="TextBox 3"/>
-          <p:cNvSpPr txBox="1"/>
-          <p:nvPr/>
-        </p:nvSpPr>
-        <p:spPr>
-          <a:xfrm>
-            <a:off x="0" y="2008460"/>
-            <a:ext cx="9144000" cy="923330"/>
-          </a:xfrm>
-          <a:prstGeom prst="rect">
-            <a:avLst/>
-          </a:prstGeom>
-          <a:noFill/>
-        </p:spPr>
-        <p:txBody>
-          <a:bodyPr wrap="square" rtlCol="0">
-            <a:spAutoFit/>
-          </a:bodyPr>
-          <a:lstStyle/>
-          <a:p>
-            <a:pPr algn="ctr"/>
-            <a:r>
-              <a:rPr lang="en-US" altLang="zh-CN" sz="5400" b="1" dirty="0">
-                <a:solidFill>
-                  <a:schemeClr val="bg1"/>
-                </a:solidFill>
-                <a:latin typeface="Arial" panose="020B0604020202090204"/>
-                <a:ea typeface="Microsoft YaHei"/>
-                <a:sym typeface="Arial" panose="020B0604020202090204"/>
-              </a:rPr>
-              <a:t>Thank  You </a:t>
-            </a:r>
-            <a:endParaRPr lang="zh-CN" altLang="en-US" sz="5400" b="1" spc="700" dirty="0">
-              <a:solidFill>
-                <a:schemeClr val="bg1"/>
-              </a:solidFill>
-              <a:latin typeface="Arial" panose="020B0604020202090204"/>
-              <a:ea typeface="Microsoft YaHei"/>
-              <a:sym typeface="Arial" panose="020B0604020202090204"/>
-            </a:endParaRPr>
+          <p:cNvPr id="2" name="标题 1"/>
+          <p:cNvSpPr>
+            <a:spLocks noGrp="1"/>
+          </p:cNvSpPr>
+          <p:nvPr>
+            <p:ph type="title"/>
+          </p:nvPr>
+        </p:nvSpPr>
+        <p:spPr/>
+        <p:txBody>
+          <a:bodyPr/>
+          <a:lstStyle/>
+          <a:p>
+            <a:endParaRPr lang="zh-CN" altLang="en-US" dirty="0"/>
           </a:p>
         </p:txBody>
       </p:sp>
@@ -7380,6 +7346,7 @@
               <a:rPr lang="zh-CN" altLang="en-US" dirty="0"/>
               <a:t> 标签引入</a:t>
             </a:r>
+            <a:endParaRPr lang="zh-CN" altLang="en-US" dirty="0"/>
           </a:p>
         </p:txBody>
       </p:sp>
@@ -7433,6 +7400,10 @@
               </a:rPr>
               <a:t> 标签加载</a:t>
             </a:r>
+            <a:endParaRPr kumimoji="1" lang="zh-CN" altLang="en-US" sz="2400" dirty="0">
+              <a:latin typeface="+mj-ea"/>
+              <a:ea typeface="+mj-ea"/>
+            </a:endParaRPr>
           </a:p>
         </p:txBody>
       </p:sp>
@@ -7445,7 +7416,7 @@
           <p:nvPr/>
         </p:nvPicPr>
         <p:blipFill>
-          <a:blip r:embed="rId3"/>
+          <a:blip r:embed="rId1"/>
           <a:stretch>
             <a:fillRect/>
           </a:stretch>
@@ -7508,6 +7479,7 @@
               <a:rPr lang="zh-CN" altLang="en-US" dirty="0"/>
               <a:t> 标签引入</a:t>
             </a:r>
+            <a:endParaRPr lang="zh-CN" altLang="en-US" dirty="0"/>
           </a:p>
         </p:txBody>
       </p:sp>
@@ -7520,7 +7492,7 @@
           <p:nvPr/>
         </p:nvPicPr>
         <p:blipFill>
-          <a:blip r:embed="rId3"/>
+          <a:blip r:embed="rId1"/>
           <a:stretch>
             <a:fillRect/>
           </a:stretch>
@@ -7583,6 +7555,7 @@
               <a:rPr lang="zh-CN" altLang="en-US" dirty="0"/>
               <a:t> 标签的问题</a:t>
             </a:r>
+            <a:endParaRPr lang="zh-CN" altLang="en-US" dirty="0"/>
           </a:p>
         </p:txBody>
       </p:sp>
@@ -7778,6 +7751,7 @@
               <a:rPr lang="zh-CN" altLang="en-US" dirty="0"/>
               <a:t>模块化的概念</a:t>
             </a:r>
+            <a:endParaRPr lang="zh-CN" altLang="en-US" dirty="0"/>
           </a:p>
         </p:txBody>
       </p:sp>
@@ -7864,6 +7838,7 @@
               <a:rPr kumimoji="1" lang="zh-CN" altLang="en-US" sz="2000" dirty="0"/>
               <a:t>关系</a:t>
             </a:r>
+            <a:endParaRPr kumimoji="1" lang="zh-CN" altLang="en-US" sz="2000" dirty="0"/>
           </a:p>
         </p:txBody>
       </p:sp>
@@ -7953,6 +7928,7 @@
               <a:rPr kumimoji="1" lang="zh-CN" altLang="en-US" sz="2400" dirty="0"/>
               <a:t> 模块化规范</a:t>
             </a:r>
+            <a:endParaRPr kumimoji="1" lang="zh-CN" altLang="en-US" sz="2400" dirty="0"/>
           </a:p>
         </p:txBody>
       </p:sp>
@@ -8036,6 +8012,7 @@
               <a:rPr kumimoji="1" lang="zh-CN" altLang="en-US" dirty="0"/>
               <a:t>对象来对模块进行导入和导出</a:t>
             </a:r>
+            <a:endParaRPr kumimoji="1" lang="zh-CN" altLang="en-US" dirty="0"/>
           </a:p>
         </p:txBody>
       </p:sp>
@@ -8048,7 +8025,7 @@
           <p:nvPr/>
         </p:nvPicPr>
         <p:blipFill>
-          <a:blip r:embed="rId3"/>
+          <a:blip r:embed="rId1"/>
           <a:stretch>
             <a:fillRect/>
           </a:stretch>
@@ -8120,7 +8097,7 @@
           <p:nvPr/>
         </p:nvPicPr>
         <p:blipFill>
-          <a:blip r:embed="rId3"/>
+          <a:blip r:embed="rId1"/>
           <a:stretch>
             <a:fillRect/>
           </a:stretch>
@@ -8192,7 +8169,7 @@
           <p:nvPr/>
         </p:nvPicPr>
         <p:blipFill>
-          <a:blip r:embed="rId3"/>
+          <a:blip r:embed="rId1"/>
           <a:stretch>
             <a:fillRect/>
           </a:stretch>
@@ -8233,6 +8210,7 @@
               <a:rPr kumimoji="1" lang="zh-CN" altLang="en-US" dirty="0"/>
               <a:t>执行结果</a:t>
             </a:r>
+            <a:endParaRPr kumimoji="1" lang="zh-CN" altLang="en-US" dirty="0"/>
           </a:p>
         </p:txBody>
       </p:sp>
@@ -8524,8 +8502,6 @@
       </a:bgFillStyleLst>
     </a:fmtScheme>
   </a:themeElements>
-  <a:objectDefaults/>
-  <a:extraClrSchemeLst/>
   <a:extLst>
     <a:ext uri="{05A4C25C-085E-4340-85A3-A5531E510DB2}">
       <thm15:themeFamily xmlns:thm15="http://schemas.microsoft.com/office/thememl/2012/main" name="Office Theme" id="{62F939B6-93AF-4DB8-9C6B-D6C7DFDC589F}" vid="{4A3C46E8-61CC-4603-A589-7422A47A8E4A}"/>
@@ -8814,8 +8790,6 @@
       </a:bgFillStyleLst>
     </a:fmtScheme>
   </a:themeElements>
-  <a:objectDefaults/>
-  <a:extraClrSchemeLst/>
   <a:extLst>
     <a:ext uri="{05A4C25C-085E-4340-85A3-A5531E510DB2}">
       <thm15:themeFamily xmlns:thm15="http://schemas.microsoft.com/office/thememl/2012/main" name="Office Theme" id="{62F939B6-93AF-4DB8-9C6B-D6C7DFDC589F}" vid="{4A3C46E8-61CC-4603-A589-7422A47A8E4A}"/>
